--- a/docs/Diagram/LogicComponentClassDiagram.pptx
+++ b/docs/Diagram/LogicComponentClassDiagram.pptx
@@ -154,7 +154,7 @@
           </a:lstStyle>
           <a:p>
             <a:r>
-              <a:rPr lang="en-US" smtClean="0"/>
+              <a:rPr lang="en-US"/>
               <a:t>Click to edit Master title style</a:t>
             </a:r>
             <a:endParaRPr lang="en-SG"/>
@@ -219,7 +219,7 @@
           </a:lstStyle>
           <a:p>
             <a:r>
-              <a:rPr lang="en-US" smtClean="0"/>
+              <a:rPr lang="en-US"/>
               <a:t>Click to edit Master subtitle style</a:t>
             </a:r>
             <a:endParaRPr lang="en-SG"/>
@@ -337,7 +337,7 @@
           <a:lstStyle/>
           <a:p>
             <a:r>
-              <a:rPr lang="en-US" smtClean="0"/>
+              <a:rPr lang="en-US"/>
               <a:t>Click to edit Master title style</a:t>
             </a:r>
             <a:endParaRPr lang="en-SG"/>
@@ -361,35 +361,35 @@
           <a:p>
             <a:pPr lvl="0"/>
             <a:r>
-              <a:rPr lang="en-US" smtClean="0"/>
+              <a:rPr lang="en-US"/>
               <a:t>Edit Master text styles</a:t>
             </a:r>
           </a:p>
           <a:p>
             <a:pPr lvl="1"/>
             <a:r>
-              <a:rPr lang="en-US" smtClean="0"/>
+              <a:rPr lang="en-US"/>
               <a:t>Second level</a:t>
             </a:r>
           </a:p>
           <a:p>
             <a:pPr lvl="2"/>
             <a:r>
-              <a:rPr lang="en-US" smtClean="0"/>
+              <a:rPr lang="en-US"/>
               <a:t>Third level</a:t>
             </a:r>
           </a:p>
           <a:p>
             <a:pPr lvl="3"/>
             <a:r>
-              <a:rPr lang="en-US" smtClean="0"/>
+              <a:rPr lang="en-US"/>
               <a:t>Fourth level</a:t>
             </a:r>
           </a:p>
           <a:p>
             <a:pPr lvl="4"/>
             <a:r>
-              <a:rPr lang="en-US" smtClean="0"/>
+              <a:rPr lang="en-US"/>
               <a:t>Fifth level</a:t>
             </a:r>
             <a:endParaRPr lang="en-SG"/>
@@ -512,7 +512,7 @@
           <a:lstStyle/>
           <a:p>
             <a:r>
-              <a:rPr lang="en-US" smtClean="0"/>
+              <a:rPr lang="en-US"/>
               <a:t>Click to edit Master title style</a:t>
             </a:r>
             <a:endParaRPr lang="en-SG"/>
@@ -541,35 +541,35 @@
           <a:p>
             <a:pPr lvl="0"/>
             <a:r>
-              <a:rPr lang="en-US" smtClean="0"/>
+              <a:rPr lang="en-US"/>
               <a:t>Edit Master text styles</a:t>
             </a:r>
           </a:p>
           <a:p>
             <a:pPr lvl="1"/>
             <a:r>
-              <a:rPr lang="en-US" smtClean="0"/>
+              <a:rPr lang="en-US"/>
               <a:t>Second level</a:t>
             </a:r>
           </a:p>
           <a:p>
             <a:pPr lvl="2"/>
             <a:r>
-              <a:rPr lang="en-US" smtClean="0"/>
+              <a:rPr lang="en-US"/>
               <a:t>Third level</a:t>
             </a:r>
           </a:p>
           <a:p>
             <a:pPr lvl="3"/>
             <a:r>
-              <a:rPr lang="en-US" smtClean="0"/>
+              <a:rPr lang="en-US"/>
               <a:t>Fourth level</a:t>
             </a:r>
           </a:p>
           <a:p>
             <a:pPr lvl="4"/>
             <a:r>
-              <a:rPr lang="en-US" smtClean="0"/>
+              <a:rPr lang="en-US"/>
               <a:t>Fifth level</a:t>
             </a:r>
             <a:endParaRPr lang="en-SG"/>
@@ -687,7 +687,7 @@
           <a:lstStyle/>
           <a:p>
             <a:r>
-              <a:rPr lang="en-US" smtClean="0"/>
+              <a:rPr lang="en-US"/>
               <a:t>Click to edit Master title style</a:t>
             </a:r>
             <a:endParaRPr lang="en-SG"/>
@@ -711,35 +711,35 @@
           <a:p>
             <a:pPr lvl="0"/>
             <a:r>
-              <a:rPr lang="en-US" smtClean="0"/>
+              <a:rPr lang="en-US"/>
               <a:t>Edit Master text styles</a:t>
             </a:r>
           </a:p>
           <a:p>
             <a:pPr lvl="1"/>
             <a:r>
-              <a:rPr lang="en-US" smtClean="0"/>
+              <a:rPr lang="en-US"/>
               <a:t>Second level</a:t>
             </a:r>
           </a:p>
           <a:p>
             <a:pPr lvl="2"/>
             <a:r>
-              <a:rPr lang="en-US" smtClean="0"/>
+              <a:rPr lang="en-US"/>
               <a:t>Third level</a:t>
             </a:r>
           </a:p>
           <a:p>
             <a:pPr lvl="3"/>
             <a:r>
-              <a:rPr lang="en-US" smtClean="0"/>
+              <a:rPr lang="en-US"/>
               <a:t>Fourth level</a:t>
             </a:r>
           </a:p>
           <a:p>
             <a:pPr lvl="4"/>
             <a:r>
-              <a:rPr lang="en-US" smtClean="0"/>
+              <a:rPr lang="en-US"/>
               <a:t>Fifth level</a:t>
             </a:r>
             <a:endParaRPr lang="en-SG"/>
@@ -866,7 +866,7 @@
           </a:lstStyle>
           <a:p>
             <a:r>
-              <a:rPr lang="en-US" smtClean="0"/>
+              <a:rPr lang="en-US"/>
               <a:t>Click to edit Master title style</a:t>
             </a:r>
             <a:endParaRPr lang="en-SG"/>
@@ -986,7 +986,7 @@
           <a:p>
             <a:pPr lvl="0"/>
             <a:r>
-              <a:rPr lang="en-US" smtClean="0"/>
+              <a:rPr lang="en-US"/>
               <a:t>Edit Master text styles</a:t>
             </a:r>
           </a:p>
@@ -1103,7 +1103,7 @@
           <a:lstStyle/>
           <a:p>
             <a:r>
-              <a:rPr lang="en-US" smtClean="0"/>
+              <a:rPr lang="en-US"/>
               <a:t>Click to edit Master title style</a:t>
             </a:r>
             <a:endParaRPr lang="en-SG"/>
@@ -1132,35 +1132,35 @@
           <a:p>
             <a:pPr lvl="0"/>
             <a:r>
-              <a:rPr lang="en-US" smtClean="0"/>
+              <a:rPr lang="en-US"/>
               <a:t>Edit Master text styles</a:t>
             </a:r>
           </a:p>
           <a:p>
             <a:pPr lvl="1"/>
             <a:r>
-              <a:rPr lang="en-US" smtClean="0"/>
+              <a:rPr lang="en-US"/>
               <a:t>Second level</a:t>
             </a:r>
           </a:p>
           <a:p>
             <a:pPr lvl="2"/>
             <a:r>
-              <a:rPr lang="en-US" smtClean="0"/>
+              <a:rPr lang="en-US"/>
               <a:t>Third level</a:t>
             </a:r>
           </a:p>
           <a:p>
             <a:pPr lvl="3"/>
             <a:r>
-              <a:rPr lang="en-US" smtClean="0"/>
+              <a:rPr lang="en-US"/>
               <a:t>Fourth level</a:t>
             </a:r>
           </a:p>
           <a:p>
             <a:pPr lvl="4"/>
             <a:r>
-              <a:rPr lang="en-US" smtClean="0"/>
+              <a:rPr lang="en-US"/>
               <a:t>Fifth level</a:t>
             </a:r>
             <a:endParaRPr lang="en-SG"/>
@@ -1189,35 +1189,35 @@
           <a:p>
             <a:pPr lvl="0"/>
             <a:r>
-              <a:rPr lang="en-US" smtClean="0"/>
+              <a:rPr lang="en-US"/>
               <a:t>Edit Master text styles</a:t>
             </a:r>
           </a:p>
           <a:p>
             <a:pPr lvl="1"/>
             <a:r>
-              <a:rPr lang="en-US" smtClean="0"/>
+              <a:rPr lang="en-US"/>
               <a:t>Second level</a:t>
             </a:r>
           </a:p>
           <a:p>
             <a:pPr lvl="2"/>
             <a:r>
-              <a:rPr lang="en-US" smtClean="0"/>
+              <a:rPr lang="en-US"/>
               <a:t>Third level</a:t>
             </a:r>
           </a:p>
           <a:p>
             <a:pPr lvl="3"/>
             <a:r>
-              <a:rPr lang="en-US" smtClean="0"/>
+              <a:rPr lang="en-US"/>
               <a:t>Fourth level</a:t>
             </a:r>
           </a:p>
           <a:p>
             <a:pPr lvl="4"/>
             <a:r>
-              <a:rPr lang="en-US" smtClean="0"/>
+              <a:rPr lang="en-US"/>
               <a:t>Fifth level</a:t>
             </a:r>
             <a:endParaRPr lang="en-SG"/>
@@ -1340,7 +1340,7 @@
           <a:lstStyle/>
           <a:p>
             <a:r>
-              <a:rPr lang="en-US" smtClean="0"/>
+              <a:rPr lang="en-US"/>
               <a:t>Click to edit Master title style</a:t>
             </a:r>
             <a:endParaRPr lang="en-SG"/>
@@ -1406,7 +1406,7 @@
           <a:p>
             <a:pPr lvl="0"/>
             <a:r>
-              <a:rPr lang="en-US" smtClean="0"/>
+              <a:rPr lang="en-US"/>
               <a:t>Edit Master text styles</a:t>
             </a:r>
           </a:p>
@@ -1434,35 +1434,35 @@
           <a:p>
             <a:pPr lvl="0"/>
             <a:r>
-              <a:rPr lang="en-US" smtClean="0"/>
+              <a:rPr lang="en-US"/>
               <a:t>Edit Master text styles</a:t>
             </a:r>
           </a:p>
           <a:p>
             <a:pPr lvl="1"/>
             <a:r>
-              <a:rPr lang="en-US" smtClean="0"/>
+              <a:rPr lang="en-US"/>
               <a:t>Second level</a:t>
             </a:r>
           </a:p>
           <a:p>
             <a:pPr lvl="2"/>
             <a:r>
-              <a:rPr lang="en-US" smtClean="0"/>
+              <a:rPr lang="en-US"/>
               <a:t>Third level</a:t>
             </a:r>
           </a:p>
           <a:p>
             <a:pPr lvl="3"/>
             <a:r>
-              <a:rPr lang="en-US" smtClean="0"/>
+              <a:rPr lang="en-US"/>
               <a:t>Fourth level</a:t>
             </a:r>
           </a:p>
           <a:p>
             <a:pPr lvl="4"/>
             <a:r>
-              <a:rPr lang="en-US" smtClean="0"/>
+              <a:rPr lang="en-US"/>
               <a:t>Fifth level</a:t>
             </a:r>
             <a:endParaRPr lang="en-SG"/>
@@ -1528,7 +1528,7 @@
           <a:p>
             <a:pPr lvl="0"/>
             <a:r>
-              <a:rPr lang="en-US" smtClean="0"/>
+              <a:rPr lang="en-US"/>
               <a:t>Edit Master text styles</a:t>
             </a:r>
           </a:p>
@@ -1556,35 +1556,35 @@
           <a:p>
             <a:pPr lvl="0"/>
             <a:r>
-              <a:rPr lang="en-US" smtClean="0"/>
+              <a:rPr lang="en-US"/>
               <a:t>Edit Master text styles</a:t>
             </a:r>
           </a:p>
           <a:p>
             <a:pPr lvl="1"/>
             <a:r>
-              <a:rPr lang="en-US" smtClean="0"/>
+              <a:rPr lang="en-US"/>
               <a:t>Second level</a:t>
             </a:r>
           </a:p>
           <a:p>
             <a:pPr lvl="2"/>
             <a:r>
-              <a:rPr lang="en-US" smtClean="0"/>
+              <a:rPr lang="en-US"/>
               <a:t>Third level</a:t>
             </a:r>
           </a:p>
           <a:p>
             <a:pPr lvl="3"/>
             <a:r>
-              <a:rPr lang="en-US" smtClean="0"/>
+              <a:rPr lang="en-US"/>
               <a:t>Fourth level</a:t>
             </a:r>
           </a:p>
           <a:p>
             <a:pPr lvl="4"/>
             <a:r>
-              <a:rPr lang="en-US" smtClean="0"/>
+              <a:rPr lang="en-US"/>
               <a:t>Fifth level</a:t>
             </a:r>
             <a:endParaRPr lang="en-SG"/>
@@ -1702,7 +1702,7 @@
           <a:lstStyle/>
           <a:p>
             <a:r>
-              <a:rPr lang="en-US" smtClean="0"/>
+              <a:rPr lang="en-US"/>
               <a:t>Click to edit Master title style</a:t>
             </a:r>
             <a:endParaRPr lang="en-SG"/>
@@ -1924,7 +1924,7 @@
           </a:lstStyle>
           <a:p>
             <a:r>
-              <a:rPr lang="en-US" smtClean="0"/>
+              <a:rPr lang="en-US"/>
               <a:t>Click to edit Master title style</a:t>
             </a:r>
             <a:endParaRPr lang="en-SG"/>
@@ -1981,35 +1981,35 @@
           <a:p>
             <a:pPr lvl="0"/>
             <a:r>
-              <a:rPr lang="en-US" smtClean="0"/>
+              <a:rPr lang="en-US"/>
               <a:t>Edit Master text styles</a:t>
             </a:r>
           </a:p>
           <a:p>
             <a:pPr lvl="1"/>
             <a:r>
-              <a:rPr lang="en-US" smtClean="0"/>
+              <a:rPr lang="en-US"/>
               <a:t>Second level</a:t>
             </a:r>
           </a:p>
           <a:p>
             <a:pPr lvl="2"/>
             <a:r>
-              <a:rPr lang="en-US" smtClean="0"/>
+              <a:rPr lang="en-US"/>
               <a:t>Third level</a:t>
             </a:r>
           </a:p>
           <a:p>
             <a:pPr lvl="3"/>
             <a:r>
-              <a:rPr lang="en-US" smtClean="0"/>
+              <a:rPr lang="en-US"/>
               <a:t>Fourth level</a:t>
             </a:r>
           </a:p>
           <a:p>
             <a:pPr lvl="4"/>
             <a:r>
-              <a:rPr lang="en-US" smtClean="0"/>
+              <a:rPr lang="en-US"/>
               <a:t>Fifth level</a:t>
             </a:r>
             <a:endParaRPr lang="en-SG"/>
@@ -2075,7 +2075,7 @@
           <a:p>
             <a:pPr lvl="0"/>
             <a:r>
-              <a:rPr lang="en-US" smtClean="0"/>
+              <a:rPr lang="en-US"/>
               <a:t>Edit Master text styles</a:t>
             </a:r>
           </a:p>
@@ -2201,7 +2201,7 @@
           </a:lstStyle>
           <a:p>
             <a:r>
-              <a:rPr lang="en-US" smtClean="0"/>
+              <a:rPr lang="en-US"/>
               <a:t>Click to edit Master title style</a:t>
             </a:r>
             <a:endParaRPr lang="en-SG"/>
@@ -2328,7 +2328,7 @@
           <a:p>
             <a:pPr lvl="0"/>
             <a:r>
-              <a:rPr lang="en-US" smtClean="0"/>
+              <a:rPr lang="en-US"/>
               <a:t>Edit Master text styles</a:t>
             </a:r>
           </a:p>
@@ -2460,7 +2460,7 @@
           <a:lstStyle/>
           <a:p>
             <a:r>
-              <a:rPr lang="en-US" smtClean="0"/>
+              <a:rPr lang="en-US"/>
               <a:t>Click to edit Master title style</a:t>
             </a:r>
             <a:endParaRPr lang="en-SG"/>
@@ -2494,35 +2494,35 @@
           <a:p>
             <a:pPr lvl="0"/>
             <a:r>
-              <a:rPr lang="en-US" smtClean="0"/>
+              <a:rPr lang="en-US"/>
               <a:t>Edit Master text styles</a:t>
             </a:r>
           </a:p>
           <a:p>
             <a:pPr lvl="1"/>
             <a:r>
-              <a:rPr lang="en-US" smtClean="0"/>
+              <a:rPr lang="en-US"/>
               <a:t>Second level</a:t>
             </a:r>
           </a:p>
           <a:p>
             <a:pPr lvl="2"/>
             <a:r>
-              <a:rPr lang="en-US" smtClean="0"/>
+              <a:rPr lang="en-US"/>
               <a:t>Third level</a:t>
             </a:r>
           </a:p>
           <a:p>
             <a:pPr lvl="3"/>
             <a:r>
-              <a:rPr lang="en-US" smtClean="0"/>
+              <a:rPr lang="en-US"/>
               <a:t>Fourth level</a:t>
             </a:r>
           </a:p>
           <a:p>
             <a:pPr lvl="4"/>
             <a:r>
-              <a:rPr lang="en-US" smtClean="0"/>
+              <a:rPr lang="en-US"/>
               <a:t>Fifth level</a:t>
             </a:r>
             <a:endParaRPr lang="en-SG"/>
@@ -2978,7 +2978,7 @@
         <p:spPr>
           <a:xfrm>
             <a:off x="2010426" y="247748"/>
-            <a:ext cx="7188165" cy="5736795"/>
+            <a:ext cx="9048099" cy="5736795"/>
           </a:xfrm>
           <a:prstGeom prst="roundRect">
             <a:avLst>
@@ -2992,7 +2992,9 @@
             </a:schemeClr>
           </a:solidFill>
           <a:ln w="19050">
-            <a:noFill/>
+            <a:solidFill>
+              <a:srgbClr val="0070C0"/>
+            </a:solidFill>
           </a:ln>
           <a:effectLst/>
         </p:spPr>
@@ -3109,7 +3111,7 @@
           </a:lstStyle>
           <a:p>
             <a:r>
-              <a:rPr lang="en-US" sz="1200" b="1" dirty="0" smtClean="0">
+              <a:rPr lang="en-US" sz="1200" b="1" dirty="0">
                 <a:solidFill>
                   <a:srgbClr val="0070C0"/>
                 </a:solidFill>
@@ -3285,8 +3287,8 @@
         </p:nvSpPr>
         <p:spPr>
           <a:xfrm flipH="1">
-            <a:off x="7114923" y="699981"/>
-            <a:ext cx="981695" cy="238837"/>
+            <a:off x="9279284" y="649674"/>
+            <a:ext cx="1371600" cy="228600"/>
           </a:xfrm>
           <a:prstGeom prst="rect">
             <a:avLst/>
@@ -3412,7 +3414,7 @@
           <a:p>
             <a:pPr algn="ctr"/>
             <a:r>
-              <a:rPr lang="en-US" sz="1000" b="1" dirty="0" err="1" smtClean="0">
+              <a:rPr lang="en-US" sz="1000" b="1" dirty="0" err="1">
                 <a:solidFill>
                   <a:srgbClr val="0070C0"/>
                 </a:solidFill>
@@ -3435,7 +3437,7 @@
         </p:nvSpPr>
         <p:spPr>
           <a:xfrm>
-            <a:off x="2963022" y="2195979"/>
+            <a:off x="2702672" y="2195979"/>
             <a:ext cx="1093635" cy="346760"/>
           </a:xfrm>
           <a:prstGeom prst="rect">
@@ -3565,7 +3567,7 @@
           <a:p>
             <a:pPr algn="ctr"/>
             <a:r>
-              <a:rPr lang="en-US" sz="1050" dirty="0" err="1" smtClean="0">
+              <a:rPr lang="en-US" sz="1050" dirty="0" err="1">
                 <a:solidFill>
                   <a:schemeClr val="bg1"/>
                 </a:solidFill>
@@ -3584,19 +3586,18 @@
         <p:nvCxnSpPr>
           <p:cNvPr id="7" name="Elbow Connector 6"/>
           <p:cNvCxnSpPr>
+            <a:stCxn id="13" idx="0"/>
             <a:endCxn id="4" idx="3"/>
           </p:cNvCxnSpPr>
           <p:nvPr/>
         </p:nvCxnSpPr>
         <p:spPr>
-          <a:xfrm rot="10800000">
-            <a:off x="4137388" y="1154579"/>
-            <a:ext cx="2296817" cy="1187104"/>
+          <a:xfrm rot="16200000" flipV="1">
+            <a:off x="5810197" y="-518230"/>
+            <a:ext cx="1043501" cy="4389120"/>
           </a:xfrm>
-          <a:prstGeom prst="bentConnector3">
-            <a:avLst>
-              <a:gd name="adj1" fmla="val -267"/>
-            </a:avLst>
+          <a:prstGeom prst="bentConnector2">
+            <a:avLst/>
           </a:prstGeom>
           <a:ln w="19050">
             <a:solidFill>
@@ -3631,7 +3632,7 @@
         </p:nvSpPr>
         <p:spPr>
           <a:xfrm rot="5400000" flipV="1">
-            <a:off x="6511192" y="2245571"/>
+            <a:off x="8675554" y="2245571"/>
             <a:ext cx="270504" cy="175523"/>
           </a:xfrm>
           <a:prstGeom prst="triangle">
@@ -3778,10 +3779,8 @@
             <a:off x="2624204" y="1151719"/>
             <a:ext cx="419548" cy="2860"/>
           </a:xfrm>
-          <a:prstGeom prst="bentConnector3">
-            <a:avLst>
-              <a:gd name="adj1" fmla="val 50000"/>
-            </a:avLst>
+          <a:prstGeom prst="straightConnector1">
+            <a:avLst/>
           </a:prstGeom>
           <a:ln w="19050">
             <a:solidFill>
@@ -3817,7 +3816,7 @@
         <p:spPr>
           <a:xfrm>
             <a:off x="2159567" y="6144447"/>
-            <a:ext cx="6288315" cy="328045"/>
+            <a:ext cx="8898958" cy="328045"/>
           </a:xfrm>
           <a:prstGeom prst="roundRect">
             <a:avLst/>
@@ -3970,8 +3969,8 @@
         </p:nvSpPr>
         <p:spPr>
           <a:xfrm flipH="1">
-            <a:off x="7123549" y="1602049"/>
-            <a:ext cx="999131" cy="236473"/>
+            <a:off x="9279284" y="1533726"/>
+            <a:ext cx="1371600" cy="228600"/>
           </a:xfrm>
           <a:prstGeom prst="rect">
             <a:avLst/>
@@ -4097,7 +4096,7 @@
           <a:p>
             <a:pPr algn="ctr"/>
             <a:r>
-              <a:rPr lang="en-US" sz="1000" b="1" dirty="0" err="1" smtClean="0">
+              <a:rPr lang="en-US" sz="1000" b="1" dirty="0" err="1">
                 <a:solidFill>
                   <a:srgbClr val="0070C0"/>
                 </a:solidFill>
@@ -4120,8 +4119,8 @@
         </p:nvSpPr>
         <p:spPr>
           <a:xfrm flipH="1">
-            <a:off x="7114923" y="5659304"/>
-            <a:ext cx="1011221" cy="217070"/>
+            <a:off x="9279284" y="5659304"/>
+            <a:ext cx="1371600" cy="228600"/>
           </a:xfrm>
           <a:prstGeom prst="rect">
             <a:avLst/>
@@ -4247,7 +4246,7 @@
           <a:p>
             <a:pPr algn="ctr"/>
             <a:r>
-              <a:rPr lang="en-US" sz="1000" b="1" dirty="0" err="1" smtClean="0">
+              <a:rPr lang="en-US" sz="1000" b="1" dirty="0" err="1">
                 <a:solidFill>
                   <a:srgbClr val="0070C0"/>
                 </a:solidFill>
@@ -4270,7 +4269,7 @@
         </p:nvSpPr>
         <p:spPr>
           <a:xfrm>
-            <a:off x="5763489" y="2198080"/>
+            <a:off x="7927851" y="2198080"/>
             <a:ext cx="772043" cy="346760"/>
           </a:xfrm>
           <a:prstGeom prst="rect">
@@ -4397,7 +4396,7 @@
           <a:p>
             <a:pPr algn="ctr"/>
             <a:r>
-              <a:rPr lang="en-US" sz="1050" b="1" dirty="0" smtClean="0">
+              <a:rPr lang="en-US" sz="1050" b="1" dirty="0">
                 <a:solidFill>
                   <a:srgbClr val="0070C0"/>
                 </a:solidFill>
@@ -4405,14 +4404,14 @@
               <a:t>{abstract}</a:t>
             </a:r>
             <a:br>
-              <a:rPr lang="en-US" sz="1050" b="1" dirty="0" smtClean="0">
+              <a:rPr lang="en-US" sz="1050" b="1" dirty="0">
                 <a:solidFill>
                   <a:srgbClr val="0070C0"/>
                 </a:solidFill>
               </a:rPr>
             </a:br>
             <a:r>
-              <a:rPr lang="en-US" sz="1050" b="1" dirty="0" smtClean="0">
+              <a:rPr lang="en-US" sz="1050" b="1" dirty="0">
                 <a:solidFill>
                   <a:srgbClr val="0070C0"/>
                 </a:solidFill>
@@ -4427,46 +4426,6 @@
           </a:p>
         </p:txBody>
       </p:sp>
-      <p:cxnSp>
-        <p:nvCxnSpPr>
-          <p:cNvPr id="14" name="Elbow Connector 13"/>
-          <p:cNvCxnSpPr/>
-          <p:nvPr/>
-        </p:nvCxnSpPr>
-        <p:spPr>
-          <a:xfrm rot="5400000">
-            <a:off x="6876629" y="920171"/>
-            <a:ext cx="278407" cy="182379"/>
-          </a:xfrm>
-          <a:prstGeom prst="bentConnector3">
-            <a:avLst>
-              <a:gd name="adj1" fmla="val 3656"/>
-            </a:avLst>
-          </a:prstGeom>
-          <a:ln w="19050">
-            <a:solidFill>
-              <a:srgbClr val="0070C0"/>
-            </a:solidFill>
-            <a:headEnd type="none" w="med" len="med"/>
-            <a:tailEnd type="none" w="med" len="med"/>
-          </a:ln>
-          <a:effectLst/>
-        </p:spPr>
-        <p:style>
-          <a:lnRef idx="1">
-            <a:schemeClr val="accent2"/>
-          </a:lnRef>
-          <a:fillRef idx="2">
-            <a:schemeClr val="accent2"/>
-          </a:fillRef>
-          <a:effectRef idx="1">
-            <a:schemeClr val="accent2"/>
-          </a:effectRef>
-          <a:fontRef idx="minor">
-            <a:schemeClr val="dk1"/>
-          </a:fontRef>
-        </p:style>
-      </p:cxnSp>
       <p:sp>
         <p:nvSpPr>
           <p:cNvPr id="17" name="Rectangle 16"/>
@@ -4475,8 +4434,8 @@
         </p:nvSpPr>
         <p:spPr>
           <a:xfrm>
-            <a:off x="4475632" y="2198518"/>
-            <a:ext cx="585450" cy="346760"/>
+            <a:off x="4127489" y="2198518"/>
+            <a:ext cx="1059380" cy="346760"/>
           </a:xfrm>
           <a:prstGeom prst="rect">
             <a:avLst/>
@@ -4605,12 +4564,12 @@
           <a:p>
             <a:pPr algn="ctr"/>
             <a:r>
-              <a:rPr lang="en-US" sz="1050" dirty="0">
+              <a:rPr lang="en-US" sz="1050" dirty="0" err="1">
                 <a:solidFill>
                   <a:schemeClr val="bg1"/>
                 </a:solidFill>
               </a:rPr>
-              <a:t>Parser</a:t>
+              <a:t>ParserSwitcher</a:t>
             </a:r>
             <a:endParaRPr lang="en-SG" sz="1050" dirty="0">
               <a:solidFill>
@@ -4631,13 +4590,11 @@
         </p:nvCxnSpPr>
         <p:spPr>
           <a:xfrm>
-            <a:off x="4056657" y="2369359"/>
-            <a:ext cx="418975" cy="2539"/>
+            <a:off x="3796307" y="2369359"/>
+            <a:ext cx="331182" cy="2539"/>
           </a:xfrm>
-          <a:prstGeom prst="bentConnector3">
-            <a:avLst>
-              <a:gd name="adj1" fmla="val 50000"/>
-            </a:avLst>
+          <a:prstGeom prst="straightConnector1">
+            <a:avLst/>
           </a:prstGeom>
           <a:ln w="19050">
             <a:solidFill>
@@ -4674,7 +4631,7 @@
         </p:nvCxnSpPr>
         <p:spPr>
           <a:xfrm flipH="1">
-            <a:off x="6149510" y="2544840"/>
+            <a:off x="8313872" y="2544840"/>
             <a:ext cx="1" cy="3599607"/>
           </a:xfrm>
           <a:prstGeom prst="straightConnector1">
@@ -5029,7 +4986,7 @@
         <p:spPr>
           <a:xfrm rot="10800000">
             <a:off x="2442096" y="2189283"/>
-            <a:ext cx="520927" cy="180077"/>
+            <a:ext cx="260577" cy="180077"/>
           </a:xfrm>
           <a:prstGeom prst="bentConnector2">
             <a:avLst/>
@@ -5061,48 +5018,6 @@
       </p:cxnSp>
       <p:cxnSp>
         <p:nvCxnSpPr>
-          <p:cNvPr id="23" name="Straight Arrow Connector 22"/>
-          <p:cNvCxnSpPr>
-            <a:stCxn id="17" idx="3"/>
-            <a:endCxn id="13" idx="1"/>
-          </p:cNvCxnSpPr>
-          <p:nvPr/>
-        </p:nvCxnSpPr>
-        <p:spPr>
-          <a:xfrm flipV="1">
-            <a:off x="5061082" y="2371460"/>
-            <a:ext cx="702407" cy="438"/>
-          </a:xfrm>
-          <a:prstGeom prst="straightConnector1">
-            <a:avLst/>
-          </a:prstGeom>
-          <a:ln w="19050">
-            <a:solidFill>
-              <a:srgbClr val="0070C0"/>
-            </a:solidFill>
-            <a:prstDash val="sysDot"/>
-            <a:headEnd type="none" w="med" len="med"/>
-            <a:tailEnd type="arrow" w="med" len="med"/>
-          </a:ln>
-          <a:effectLst/>
-        </p:spPr>
-        <p:style>
-          <a:lnRef idx="1">
-            <a:schemeClr val="accent2"/>
-          </a:lnRef>
-          <a:fillRef idx="2">
-            <a:schemeClr val="accent2"/>
-          </a:fillRef>
-          <a:effectRef idx="1">
-            <a:schemeClr val="accent2"/>
-          </a:effectRef>
-          <a:fontRef idx="minor">
-            <a:schemeClr val="dk1"/>
-          </a:fontRef>
-        </p:style>
-      </p:cxnSp>
-      <p:cxnSp>
-        <p:nvCxnSpPr>
           <p:cNvPr id="24" name="Straight Arrow Connector 23"/>
           <p:cNvCxnSpPr>
             <a:stCxn id="6" idx="2"/>
@@ -5111,8 +5026,8 @@
         </p:nvCxnSpPr>
         <p:spPr>
           <a:xfrm flipH="1">
-            <a:off x="3460521" y="2542739"/>
-            <a:ext cx="49319" cy="3578094"/>
+            <a:off x="3200171" y="2542739"/>
+            <a:ext cx="0" cy="3578094"/>
           </a:xfrm>
           <a:prstGeom prst="straightConnector1">
             <a:avLst/>
@@ -5195,8 +5110,8 @@
         </p:nvCxnSpPr>
         <p:spPr>
           <a:xfrm rot="16200000" flipH="1">
-            <a:off x="4828624" y="877194"/>
-            <a:ext cx="2101" cy="2639671"/>
+            <a:off x="5780630" y="-335162"/>
+            <a:ext cx="2101" cy="5064383"/>
           </a:xfrm>
           <a:prstGeom prst="bentConnector3">
             <a:avLst>
@@ -5360,7 +5275,7 @@
             <a:p>
               <a:pPr algn="r"/>
               <a:r>
-                <a:rPr lang="en-US" sz="1100" dirty="0" smtClean="0">
+                <a:rPr lang="en-US" sz="1100" dirty="0">
                   <a:solidFill>
                     <a:srgbClr val="0070C0"/>
                   </a:solidFill>
@@ -5647,7 +5562,7 @@
             </a:lstStyle>
             <a:p>
               <a:r>
-                <a:rPr lang="en-US" sz="1100" dirty="0" smtClean="0">
+                <a:rPr lang="en-US" sz="1100" dirty="0">
                   <a:solidFill>
                     <a:srgbClr val="0070C0"/>
                   </a:solidFill>
@@ -5921,7 +5836,7 @@
           <a:p>
             <a:pPr algn="r"/>
             <a:r>
-              <a:rPr lang="en-US" sz="1100" dirty="0" smtClean="0">
+              <a:rPr lang="en-US" sz="1100" dirty="0">
                 <a:solidFill>
                   <a:srgbClr val="0070C0"/>
                 </a:solidFill>
@@ -5944,7 +5859,7 @@
         </p:nvSpPr>
         <p:spPr>
           <a:xfrm>
-            <a:off x="4289100" y="2132473"/>
+            <a:off x="3955276" y="2167487"/>
             <a:ext cx="131116" cy="230832"/>
           </a:xfrm>
           <a:prstGeom prst="rect">
@@ -6054,7 +5969,7 @@
           <a:p>
             <a:pPr algn="r"/>
             <a:r>
-              <a:rPr lang="en-US" sz="1100" dirty="0" smtClean="0">
+              <a:rPr lang="en-US" sz="1100" dirty="0">
                 <a:solidFill>
                   <a:srgbClr val="0070C0"/>
                 </a:solidFill>
@@ -6077,7 +5992,7 @@
         </p:nvGrpSpPr>
         <p:grpSpPr>
           <a:xfrm>
-            <a:off x="4986404" y="2394759"/>
+            <a:off x="6834410" y="2182616"/>
             <a:ext cx="685800" cy="230832"/>
             <a:chOff x="2797314" y="807932"/>
             <a:chExt cx="685800" cy="230832"/>
@@ -6201,7 +6116,7 @@
             <a:p>
               <a:pPr algn="r"/>
               <a:r>
-                <a:rPr lang="en-US" sz="1100" dirty="0" smtClean="0">
+                <a:rPr lang="en-US" sz="1100" dirty="0">
                   <a:solidFill>
                     <a:srgbClr val="0070C0"/>
                   </a:solidFill>
@@ -6365,8 +6280,8 @@
         </p:nvSpPr>
         <p:spPr>
           <a:xfrm flipH="1">
-            <a:off x="7140161" y="1028263"/>
-            <a:ext cx="1101616" cy="204216"/>
+            <a:off x="9279285" y="944358"/>
+            <a:ext cx="1371600" cy="228600"/>
           </a:xfrm>
           <a:prstGeom prst="rect">
             <a:avLst/>
@@ -6492,7 +6407,7 @@
           <a:p>
             <a:pPr algn="ctr"/>
             <a:r>
-              <a:rPr lang="en-US" sz="1000" b="1" dirty="0" err="1" smtClean="0">
+              <a:rPr lang="en-US" sz="1000" b="1" dirty="0" err="1">
                 <a:solidFill>
                   <a:srgbClr val="0070C0"/>
                 </a:solidFill>
@@ -6509,59 +6424,17 @@
       </p:sp>
       <p:cxnSp>
         <p:nvCxnSpPr>
-          <p:cNvPr id="33" name="Elbow Connector 32"/>
+          <p:cNvPr id="34" name="Elbow Connector 33"/>
           <p:cNvCxnSpPr/>
           <p:nvPr/>
         </p:nvCxnSpPr>
         <p:spPr>
           <a:xfrm flipV="1">
-            <a:off x="6720938" y="1124119"/>
-            <a:ext cx="409774" cy="1209214"/>
+            <a:off x="3189802" y="1303836"/>
+            <a:ext cx="1911" cy="891799"/>
           </a:xfrm>
-          <a:prstGeom prst="bentConnector3">
-            <a:avLst>
-              <a:gd name="adj1" fmla="val 50000"/>
-            </a:avLst>
-          </a:prstGeom>
-          <a:ln w="19050">
-            <a:solidFill>
-              <a:srgbClr val="0070C0"/>
-            </a:solidFill>
-            <a:headEnd type="none" w="med" len="med"/>
-            <a:tailEnd type="none" w="med" len="med"/>
-          </a:ln>
-          <a:effectLst/>
-        </p:spPr>
-        <p:style>
-          <a:lnRef idx="1">
-            <a:schemeClr val="accent2"/>
-          </a:lnRef>
-          <a:fillRef idx="2">
-            <a:schemeClr val="accent2"/>
-          </a:fillRef>
-          <a:effectRef idx="1">
-            <a:schemeClr val="accent2"/>
-          </a:effectRef>
-          <a:fontRef idx="minor">
-            <a:schemeClr val="dk1"/>
-          </a:fontRef>
-        </p:style>
-      </p:cxnSp>
-      <p:cxnSp>
-        <p:nvCxnSpPr>
-          <p:cNvPr id="34" name="Elbow Connector 33"/>
-          <p:cNvCxnSpPr/>
-          <p:nvPr/>
-        </p:nvCxnSpPr>
-        <p:spPr>
-          <a:xfrm rot="5400000" flipH="1" flipV="1">
-            <a:off x="2755000" y="1748131"/>
-            <a:ext cx="882304" cy="12700"/>
-          </a:xfrm>
-          <a:prstGeom prst="bentConnector3">
-            <a:avLst>
-              <a:gd name="adj1" fmla="val 50000"/>
-            </a:avLst>
+          <a:prstGeom prst="straightConnector1">
+            <a:avLst/>
           </a:prstGeom>
           <a:ln w="19050">
             <a:solidFill>
@@ -6596,8 +6469,8 @@
         </p:nvSpPr>
         <p:spPr>
           <a:xfrm flipH="1">
-            <a:off x="7118385" y="2161548"/>
-            <a:ext cx="1003993" cy="232069"/>
+            <a:off x="9279284" y="2123094"/>
+            <a:ext cx="1371600" cy="228600"/>
           </a:xfrm>
           <a:prstGeom prst="rect">
             <a:avLst/>
@@ -6723,7 +6596,7 @@
           <a:p>
             <a:pPr algn="ctr"/>
             <a:r>
-              <a:rPr lang="en-US" sz="1000" b="1" dirty="0" err="1" smtClean="0">
+              <a:rPr lang="en-US" sz="1000" b="1" dirty="0" err="1">
                 <a:solidFill>
                   <a:srgbClr val="0070C0"/>
                 </a:solidFill>
@@ -6738,46 +6611,6 @@
           </a:p>
         </p:txBody>
       </p:sp>
-      <p:cxnSp>
-        <p:nvCxnSpPr>
-          <p:cNvPr id="57" name="Elbow Connector 56"/>
-          <p:cNvCxnSpPr/>
-          <p:nvPr/>
-        </p:nvCxnSpPr>
-        <p:spPr>
-          <a:xfrm rot="16200000" flipH="1">
-            <a:off x="6853670" y="2547655"/>
-            <a:ext cx="318478" cy="178124"/>
-          </a:xfrm>
-          <a:prstGeom prst="bentConnector3">
-            <a:avLst>
-              <a:gd name="adj1" fmla="val 103678"/>
-            </a:avLst>
-          </a:prstGeom>
-          <a:ln w="19050">
-            <a:solidFill>
-              <a:srgbClr val="0070C0"/>
-            </a:solidFill>
-            <a:headEnd type="none" w="med" len="med"/>
-            <a:tailEnd type="none" w="med" len="med"/>
-          </a:ln>
-          <a:effectLst/>
-        </p:spPr>
-        <p:style>
-          <a:lnRef idx="1">
-            <a:schemeClr val="accent2"/>
-          </a:lnRef>
-          <a:fillRef idx="2">
-            <a:schemeClr val="accent2"/>
-          </a:fillRef>
-          <a:effectRef idx="1">
-            <a:schemeClr val="accent2"/>
-          </a:effectRef>
-          <a:fontRef idx="minor">
-            <a:schemeClr val="dk1"/>
-          </a:fontRef>
-        </p:style>
-      </p:cxnSp>
       <p:sp>
         <p:nvSpPr>
           <p:cNvPr id="58" name="Rectangle 57"/>
@@ -6786,8 +6619,8 @@
         </p:nvSpPr>
         <p:spPr>
           <a:xfrm flipH="1">
-            <a:off x="7114923" y="2435538"/>
-            <a:ext cx="1243692" cy="212357"/>
+            <a:off x="9279285" y="2417778"/>
+            <a:ext cx="1371600" cy="228600"/>
           </a:xfrm>
           <a:prstGeom prst="rect">
             <a:avLst/>
@@ -6913,7 +6746,7 @@
           <a:p>
             <a:pPr algn="ctr"/>
             <a:r>
-              <a:rPr lang="en-US" sz="1000" b="1" dirty="0" err="1" smtClean="0">
+              <a:rPr lang="en-US" sz="1000" b="1" dirty="0" err="1">
                 <a:solidFill>
                   <a:srgbClr val="0070C0"/>
                 </a:solidFill>
@@ -6936,8 +6769,8 @@
         </p:nvSpPr>
         <p:spPr>
           <a:xfrm flipH="1">
-            <a:off x="7118385" y="2714642"/>
-            <a:ext cx="1243692" cy="212357"/>
+            <a:off x="9279285" y="2712462"/>
+            <a:ext cx="1371600" cy="228600"/>
           </a:xfrm>
           <a:prstGeom prst="rect">
             <a:avLst/>
@@ -7063,7 +6896,7 @@
           <a:p>
             <a:pPr algn="ctr"/>
             <a:r>
-              <a:rPr lang="en-US" sz="1000" b="1" dirty="0" err="1" smtClean="0">
+              <a:rPr lang="en-US" sz="1000" b="1" dirty="0" err="1">
                 <a:solidFill>
                   <a:srgbClr val="0070C0"/>
                 </a:solidFill>
@@ -7086,8 +6919,8 @@
         </p:nvSpPr>
         <p:spPr>
           <a:xfrm flipH="1">
-            <a:off x="7129529" y="3310777"/>
-            <a:ext cx="1243692" cy="212357"/>
+            <a:off x="9279285" y="3301830"/>
+            <a:ext cx="1371600" cy="228600"/>
           </a:xfrm>
           <a:prstGeom prst="rect">
             <a:avLst/>
@@ -7213,7 +7046,7 @@
           <a:p>
             <a:pPr algn="ctr"/>
             <a:r>
-              <a:rPr lang="en-US" sz="1000" b="1" dirty="0" err="1" smtClean="0">
+              <a:rPr lang="en-US" sz="1000" b="1" dirty="0" err="1">
                 <a:solidFill>
                   <a:srgbClr val="0070C0"/>
                 </a:solidFill>
@@ -7228,84 +7061,6 @@
           </a:p>
         </p:txBody>
       </p:sp>
-      <p:cxnSp>
-        <p:nvCxnSpPr>
-          <p:cNvPr id="104" name="Elbow Connector 103"/>
-          <p:cNvCxnSpPr/>
-          <p:nvPr/>
-        </p:nvCxnSpPr>
-        <p:spPr>
-          <a:xfrm rot="16200000" flipH="1">
-            <a:off x="6847012" y="2863136"/>
-            <a:ext cx="350705" cy="198724"/>
-          </a:xfrm>
-          <a:prstGeom prst="bentConnector2">
-            <a:avLst/>
-          </a:prstGeom>
-          <a:ln w="19050">
-            <a:solidFill>
-              <a:srgbClr val="0070C0"/>
-            </a:solidFill>
-            <a:headEnd type="none" w="med" len="med"/>
-            <a:tailEnd type="none" w="med" len="med"/>
-          </a:ln>
-          <a:effectLst/>
-        </p:spPr>
-        <p:style>
-          <a:lnRef idx="1">
-            <a:schemeClr val="accent2"/>
-          </a:lnRef>
-          <a:fillRef idx="2">
-            <a:schemeClr val="accent2"/>
-          </a:fillRef>
-          <a:effectRef idx="1">
-            <a:schemeClr val="accent2"/>
-          </a:effectRef>
-          <a:fontRef idx="minor">
-            <a:schemeClr val="dk1"/>
-          </a:fontRef>
-        </p:style>
-      </p:cxnSp>
-      <p:cxnSp>
-        <p:nvCxnSpPr>
-          <p:cNvPr id="107" name="Elbow Connector 106"/>
-          <p:cNvCxnSpPr/>
-          <p:nvPr/>
-        </p:nvCxnSpPr>
-        <p:spPr>
-          <a:xfrm rot="16200000" flipH="1">
-            <a:off x="6868069" y="3185596"/>
-            <a:ext cx="293978" cy="182292"/>
-          </a:xfrm>
-          <a:prstGeom prst="bentConnector3">
-            <a:avLst>
-              <a:gd name="adj1" fmla="val 98827"/>
-            </a:avLst>
-          </a:prstGeom>
-          <a:ln w="19050">
-            <a:solidFill>
-              <a:srgbClr val="0070C0"/>
-            </a:solidFill>
-            <a:headEnd type="none" w="med" len="med"/>
-            <a:tailEnd type="none" w="med" len="med"/>
-          </a:ln>
-          <a:effectLst/>
-        </p:spPr>
-        <p:style>
-          <a:lnRef idx="1">
-            <a:schemeClr val="accent2"/>
-          </a:lnRef>
-          <a:fillRef idx="2">
-            <a:schemeClr val="accent2"/>
-          </a:fillRef>
-          <a:effectRef idx="1">
-            <a:schemeClr val="accent2"/>
-          </a:effectRef>
-          <a:fontRef idx="minor">
-            <a:schemeClr val="dk1"/>
-          </a:fontRef>
-        </p:style>
-      </p:cxnSp>
       <p:sp>
         <p:nvSpPr>
           <p:cNvPr id="113" name="Rectangle 112"/>
@@ -7314,8 +7069,8 @@
         </p:nvSpPr>
         <p:spPr>
           <a:xfrm flipH="1">
-            <a:off x="7114923" y="1899884"/>
-            <a:ext cx="1243692" cy="212357"/>
+            <a:off x="9279285" y="1828410"/>
+            <a:ext cx="1371600" cy="228600"/>
           </a:xfrm>
           <a:prstGeom prst="rect">
             <a:avLst/>
@@ -7441,7 +7196,7 @@
           <a:p>
             <a:pPr algn="ctr"/>
             <a:r>
-              <a:rPr lang="en-US" sz="1000" b="1" dirty="0" err="1" smtClean="0">
+              <a:rPr lang="en-US" sz="1000" b="1" dirty="0" err="1">
                 <a:solidFill>
                   <a:srgbClr val="0070C0"/>
                 </a:solidFill>
@@ -7464,8 +7219,8 @@
         </p:nvSpPr>
         <p:spPr>
           <a:xfrm flipH="1">
-            <a:off x="7114924" y="3605696"/>
-            <a:ext cx="1243692" cy="212357"/>
+            <a:off x="9279285" y="3596514"/>
+            <a:ext cx="1371600" cy="228600"/>
           </a:xfrm>
           <a:prstGeom prst="rect">
             <a:avLst/>
@@ -7591,7 +7346,7 @@
           <a:p>
             <a:pPr algn="ctr"/>
             <a:r>
-              <a:rPr lang="en-US" sz="1000" b="1" dirty="0" err="1" smtClean="0">
+              <a:rPr lang="en-US" sz="1000" b="1" dirty="0" err="1">
                 <a:solidFill>
                   <a:srgbClr val="0070C0"/>
                 </a:solidFill>
@@ -7606,86 +7361,6 @@
           </a:p>
         </p:txBody>
       </p:sp>
-      <p:cxnSp>
-        <p:nvCxnSpPr>
-          <p:cNvPr id="119" name="Elbow Connector 118"/>
-          <p:cNvCxnSpPr/>
-          <p:nvPr/>
-        </p:nvCxnSpPr>
-        <p:spPr>
-          <a:xfrm rot="16200000" flipH="1">
-            <a:off x="6873174" y="3482934"/>
-            <a:ext cx="293978" cy="182292"/>
-          </a:xfrm>
-          <a:prstGeom prst="bentConnector3">
-            <a:avLst>
-              <a:gd name="adj1" fmla="val 98827"/>
-            </a:avLst>
-          </a:prstGeom>
-          <a:ln w="19050">
-            <a:solidFill>
-              <a:srgbClr val="0070C0"/>
-            </a:solidFill>
-            <a:headEnd type="none" w="med" len="med"/>
-            <a:tailEnd type="none" w="med" len="med"/>
-          </a:ln>
-          <a:effectLst/>
-        </p:spPr>
-        <p:style>
-          <a:lnRef idx="1">
-            <a:schemeClr val="accent2"/>
-          </a:lnRef>
-          <a:fillRef idx="2">
-            <a:schemeClr val="accent2"/>
-          </a:fillRef>
-          <a:effectRef idx="1">
-            <a:schemeClr val="accent2"/>
-          </a:effectRef>
-          <a:fontRef idx="minor">
-            <a:schemeClr val="dk1"/>
-          </a:fontRef>
-        </p:style>
-      </p:cxnSp>
-      <p:cxnSp>
-        <p:nvCxnSpPr>
-          <p:cNvPr id="52" name="Elbow Connector 51"/>
-          <p:cNvCxnSpPr/>
-          <p:nvPr/>
-        </p:nvCxnSpPr>
-        <p:spPr>
-          <a:xfrm rot="16200000" flipH="1">
-            <a:off x="6868264" y="3776404"/>
-            <a:ext cx="293978" cy="182292"/>
-          </a:xfrm>
-          <a:prstGeom prst="bentConnector3">
-            <a:avLst>
-              <a:gd name="adj1" fmla="val 98827"/>
-            </a:avLst>
-          </a:prstGeom>
-          <a:ln w="19050">
-            <a:solidFill>
-              <a:srgbClr val="0070C0"/>
-            </a:solidFill>
-            <a:headEnd type="none" w="med" len="med"/>
-            <a:tailEnd type="none" w="med" len="med"/>
-          </a:ln>
-          <a:effectLst/>
-        </p:spPr>
-        <p:style>
-          <a:lnRef idx="1">
-            <a:schemeClr val="accent2"/>
-          </a:lnRef>
-          <a:fillRef idx="2">
-            <a:schemeClr val="accent2"/>
-          </a:fillRef>
-          <a:effectRef idx="1">
-            <a:schemeClr val="accent2"/>
-          </a:effectRef>
-          <a:fontRef idx="minor">
-            <a:schemeClr val="dk1"/>
-          </a:fontRef>
-        </p:style>
-      </p:cxnSp>
       <p:sp>
         <p:nvSpPr>
           <p:cNvPr id="53" name="Rectangle 52"/>
@@ -7694,8 +7369,8 @@
         </p:nvSpPr>
         <p:spPr>
           <a:xfrm flipH="1">
-            <a:off x="7128550" y="3917795"/>
-            <a:ext cx="1243692" cy="212357"/>
+            <a:off x="9279285" y="3891198"/>
+            <a:ext cx="1371600" cy="228600"/>
           </a:xfrm>
           <a:prstGeom prst="rect">
             <a:avLst/>
@@ -7821,7 +7496,7 @@
           <a:p>
             <a:pPr algn="ctr"/>
             <a:r>
-              <a:rPr lang="en-US" sz="1000" b="1" dirty="0" err="1" smtClean="0">
+              <a:rPr lang="en-US" sz="1000" b="1" dirty="0" err="1">
                 <a:solidFill>
                   <a:srgbClr val="0070C0"/>
                 </a:solidFill>
@@ -7844,8 +7519,8 @@
         </p:nvSpPr>
         <p:spPr>
           <a:xfrm flipH="1">
-            <a:off x="7114924" y="4229866"/>
-            <a:ext cx="1243692" cy="212357"/>
+            <a:off x="9279285" y="4185882"/>
+            <a:ext cx="1371600" cy="228600"/>
           </a:xfrm>
           <a:prstGeom prst="rect">
             <a:avLst/>
@@ -7971,7 +7646,7 @@
           <a:p>
             <a:pPr algn="ctr"/>
             <a:r>
-              <a:rPr lang="en-US" sz="1000" b="1" dirty="0" err="1" smtClean="0">
+              <a:rPr lang="en-US" sz="1000" b="1" dirty="0" err="1">
                 <a:solidFill>
                   <a:srgbClr val="0070C0"/>
                 </a:solidFill>
@@ -7986,126 +7661,6 @@
           </a:p>
         </p:txBody>
       </p:sp>
-      <p:cxnSp>
-        <p:nvCxnSpPr>
-          <p:cNvPr id="55" name="Elbow Connector 54"/>
-          <p:cNvCxnSpPr/>
-          <p:nvPr/>
-        </p:nvCxnSpPr>
-        <p:spPr>
-          <a:xfrm rot="16200000" flipH="1">
-            <a:off x="6872441" y="4072628"/>
-            <a:ext cx="293978" cy="182292"/>
-          </a:xfrm>
-          <a:prstGeom prst="bentConnector3">
-            <a:avLst>
-              <a:gd name="adj1" fmla="val 98827"/>
-            </a:avLst>
-          </a:prstGeom>
-          <a:ln w="19050">
-            <a:solidFill>
-              <a:srgbClr val="0070C0"/>
-            </a:solidFill>
-            <a:headEnd type="none" w="med" len="med"/>
-            <a:tailEnd type="none" w="med" len="med"/>
-          </a:ln>
-          <a:effectLst/>
-        </p:spPr>
-        <p:style>
-          <a:lnRef idx="1">
-            <a:schemeClr val="accent2"/>
-          </a:lnRef>
-          <a:fillRef idx="2">
-            <a:schemeClr val="accent2"/>
-          </a:fillRef>
-          <a:effectRef idx="1">
-            <a:schemeClr val="accent2"/>
-          </a:effectRef>
-          <a:fontRef idx="minor">
-            <a:schemeClr val="dk1"/>
-          </a:fontRef>
-        </p:style>
-      </p:cxnSp>
-      <p:cxnSp>
-        <p:nvCxnSpPr>
-          <p:cNvPr id="59" name="Elbow Connector 58"/>
-          <p:cNvCxnSpPr/>
-          <p:nvPr/>
-        </p:nvCxnSpPr>
-        <p:spPr>
-          <a:xfrm rot="16200000" flipH="1">
-            <a:off x="6872758" y="4363853"/>
-            <a:ext cx="293978" cy="182292"/>
-          </a:xfrm>
-          <a:prstGeom prst="bentConnector3">
-            <a:avLst>
-              <a:gd name="adj1" fmla="val 98827"/>
-            </a:avLst>
-          </a:prstGeom>
-          <a:ln w="19050">
-            <a:solidFill>
-              <a:srgbClr val="0070C0"/>
-            </a:solidFill>
-            <a:headEnd type="none" w="med" len="med"/>
-            <a:tailEnd type="none" w="med" len="med"/>
-          </a:ln>
-          <a:effectLst/>
-        </p:spPr>
-        <p:style>
-          <a:lnRef idx="1">
-            <a:schemeClr val="accent2"/>
-          </a:lnRef>
-          <a:fillRef idx="2">
-            <a:schemeClr val="accent2"/>
-          </a:fillRef>
-          <a:effectRef idx="1">
-            <a:schemeClr val="accent2"/>
-          </a:effectRef>
-          <a:fontRef idx="minor">
-            <a:schemeClr val="dk1"/>
-          </a:fontRef>
-        </p:style>
-      </p:cxnSp>
-      <p:cxnSp>
-        <p:nvCxnSpPr>
-          <p:cNvPr id="63" name="Elbow Connector 62"/>
-          <p:cNvCxnSpPr/>
-          <p:nvPr/>
-        </p:nvCxnSpPr>
-        <p:spPr>
-          <a:xfrm>
-            <a:off x="6936226" y="1968680"/>
-            <a:ext cx="180056" cy="142107"/>
-          </a:xfrm>
-          <a:prstGeom prst="bentConnector3">
-            <a:avLst>
-              <a:gd name="adj1" fmla="val 101542"/>
-            </a:avLst>
-          </a:prstGeom>
-          <a:ln w="19050">
-            <a:solidFill>
-              <a:srgbClr val="0070C0"/>
-            </a:solidFill>
-            <a:headEnd type="none" w="med" len="med"/>
-            <a:tailEnd type="none" w="med" len="med"/>
-          </a:ln>
-          <a:effectLst/>
-        </p:spPr>
-        <p:style>
-          <a:lnRef idx="1">
-            <a:schemeClr val="accent2"/>
-          </a:lnRef>
-          <a:fillRef idx="2">
-            <a:schemeClr val="accent2"/>
-          </a:fillRef>
-          <a:effectRef idx="1">
-            <a:schemeClr val="accent2"/>
-          </a:effectRef>
-          <a:fontRef idx="minor">
-            <a:schemeClr val="dk1"/>
-          </a:fontRef>
-        </p:style>
-      </p:cxnSp>
       <p:sp>
         <p:nvSpPr>
           <p:cNvPr id="99" name="Rectangle 98"/>
@@ -8114,8 +7669,8 @@
         </p:nvSpPr>
         <p:spPr>
           <a:xfrm flipH="1">
-            <a:off x="7128550" y="4519187"/>
-            <a:ext cx="1243692" cy="212357"/>
+            <a:off x="9279285" y="4480566"/>
+            <a:ext cx="1371600" cy="228600"/>
           </a:xfrm>
           <a:prstGeom prst="rect">
             <a:avLst/>
@@ -8241,7 +7796,7 @@
           <a:p>
             <a:pPr algn="ctr"/>
             <a:r>
-              <a:rPr lang="en-US" sz="1000" b="1" dirty="0" err="1" smtClean="0">
+              <a:rPr lang="en-US" sz="1000" b="1" dirty="0" err="1">
                 <a:solidFill>
                   <a:srgbClr val="0070C0"/>
                 </a:solidFill>
@@ -8264,8 +7819,8 @@
         </p:nvSpPr>
         <p:spPr>
           <a:xfrm flipH="1">
-            <a:off x="7118385" y="4798193"/>
-            <a:ext cx="1243692" cy="212357"/>
+            <a:off x="9279285" y="4775250"/>
+            <a:ext cx="1371600" cy="228600"/>
           </a:xfrm>
           <a:prstGeom prst="rect">
             <a:avLst/>
@@ -8391,7 +7946,7 @@
           <a:p>
             <a:pPr algn="ctr"/>
             <a:r>
-              <a:rPr lang="en-US" sz="1000" b="1" dirty="0" err="1" smtClean="0">
+              <a:rPr lang="en-US" sz="1000" b="1" dirty="0" err="1">
                 <a:solidFill>
                   <a:srgbClr val="0070C0"/>
                 </a:solidFill>
@@ -8414,8 +7969,8 @@
         </p:nvSpPr>
         <p:spPr>
           <a:xfrm flipH="1">
-            <a:off x="7128550" y="5061504"/>
-            <a:ext cx="1439729" cy="241830"/>
+            <a:off x="9279285" y="5069934"/>
+            <a:ext cx="1371600" cy="228600"/>
           </a:xfrm>
           <a:prstGeom prst="rect">
             <a:avLst/>
@@ -8541,7 +8096,7 @@
           <a:p>
             <a:pPr algn="ctr"/>
             <a:r>
-              <a:rPr lang="en-US" sz="1000" b="1" dirty="0" err="1" smtClean="0">
+              <a:rPr lang="en-US" sz="1000" b="1" dirty="0" err="1">
                 <a:solidFill>
                   <a:srgbClr val="0070C0"/>
                 </a:solidFill>
@@ -8556,118 +8111,6 @@
           </a:p>
         </p:txBody>
       </p:sp>
-      <p:cxnSp>
-        <p:nvCxnSpPr>
-          <p:cNvPr id="102" name="Elbow Connector 101"/>
-          <p:cNvCxnSpPr/>
-          <p:nvPr/>
-        </p:nvCxnSpPr>
-        <p:spPr>
-          <a:xfrm rot="16200000" flipH="1">
-            <a:off x="6868425" y="4640398"/>
-            <a:ext cx="293978" cy="182292"/>
-          </a:xfrm>
-          <a:prstGeom prst="bentConnector3">
-            <a:avLst>
-              <a:gd name="adj1" fmla="val 98827"/>
-            </a:avLst>
-          </a:prstGeom>
-          <a:ln w="19050">
-            <a:solidFill>
-              <a:srgbClr val="0070C0"/>
-            </a:solidFill>
-            <a:headEnd type="none" w="med" len="med"/>
-            <a:tailEnd type="none" w="med" len="med"/>
-          </a:ln>
-          <a:effectLst/>
-        </p:spPr>
-        <p:style>
-          <a:lnRef idx="1">
-            <a:schemeClr val="accent2"/>
-          </a:lnRef>
-          <a:fillRef idx="2">
-            <a:schemeClr val="accent2"/>
-          </a:fillRef>
-          <a:effectRef idx="1">
-            <a:schemeClr val="accent2"/>
-          </a:effectRef>
-          <a:fontRef idx="minor">
-            <a:schemeClr val="dk1"/>
-          </a:fontRef>
-        </p:style>
-      </p:cxnSp>
-      <p:cxnSp>
-        <p:nvCxnSpPr>
-          <p:cNvPr id="103" name="Elbow Connector 102"/>
-          <p:cNvCxnSpPr/>
-          <p:nvPr/>
-        </p:nvCxnSpPr>
-        <p:spPr>
-          <a:xfrm rot="16200000" flipH="1">
-            <a:off x="6873538" y="4923336"/>
-            <a:ext cx="293978" cy="182292"/>
-          </a:xfrm>
-          <a:prstGeom prst="bentConnector3">
-            <a:avLst>
-              <a:gd name="adj1" fmla="val 98827"/>
-            </a:avLst>
-          </a:prstGeom>
-          <a:ln w="19050">
-            <a:solidFill>
-              <a:srgbClr val="0070C0"/>
-            </a:solidFill>
-            <a:headEnd type="none" w="med" len="med"/>
-            <a:tailEnd type="none" w="med" len="med"/>
-          </a:ln>
-          <a:effectLst/>
-        </p:spPr>
-        <p:style>
-          <a:lnRef idx="1">
-            <a:schemeClr val="accent2"/>
-          </a:lnRef>
-          <a:fillRef idx="2">
-            <a:schemeClr val="accent2"/>
-          </a:fillRef>
-          <a:effectRef idx="1">
-            <a:schemeClr val="accent2"/>
-          </a:effectRef>
-          <a:fontRef idx="minor">
-            <a:schemeClr val="dk1"/>
-          </a:fontRef>
-        </p:style>
-      </p:cxnSp>
-      <p:cxnSp>
-        <p:nvCxnSpPr>
-          <p:cNvPr id="46" name="Straight Connector 45"/>
-          <p:cNvCxnSpPr>
-            <a:stCxn id="66" idx="3"/>
-          </p:cNvCxnSpPr>
-          <p:nvPr/>
-        </p:nvCxnSpPr>
-        <p:spPr>
-          <a:xfrm flipH="1">
-            <a:off x="6923499" y="1417264"/>
-            <a:ext cx="235610" cy="2084"/>
-          </a:xfrm>
-          <a:prstGeom prst="line">
-            <a:avLst/>
-          </a:prstGeom>
-        </p:spPr>
-        <p:style>
-          <a:lnRef idx="3">
-            <a:schemeClr val="accent5"/>
-          </a:lnRef>
-          <a:fillRef idx="0">
-            <a:schemeClr val="accent5"/>
-          </a:fillRef>
-          <a:effectRef idx="2">
-            <a:schemeClr val="accent5"/>
-          </a:effectRef>
-          <a:fontRef idx="minor">
-            <a:schemeClr val="tx1"/>
-          </a:fontRef>
-        </p:style>
-      </p:cxnSp>
       <p:sp>
         <p:nvSpPr>
           <p:cNvPr id="62" name="Rectangle 61"/>
@@ -8676,8 +8119,8 @@
         </p:nvSpPr>
         <p:spPr>
           <a:xfrm flipH="1">
-            <a:off x="7114923" y="354990"/>
-            <a:ext cx="981696" cy="254943"/>
+            <a:off x="9279285" y="354990"/>
+            <a:ext cx="1371600" cy="228600"/>
           </a:xfrm>
           <a:prstGeom prst="rect">
             <a:avLst/>
@@ -8803,7 +8246,7 @@
           <a:p>
             <a:pPr algn="ctr"/>
             <a:r>
-              <a:rPr lang="en-US" sz="1000" b="1" dirty="0" err="1" smtClean="0">
+              <a:rPr lang="en-US" sz="1000" b="1" dirty="0" err="1">
                 <a:solidFill>
                   <a:srgbClr val="0070C0"/>
                 </a:solidFill>
@@ -8818,46 +8261,6 @@
           </a:p>
         </p:txBody>
       </p:sp>
-      <p:cxnSp>
-        <p:nvCxnSpPr>
-          <p:cNvPr id="64" name="Elbow Connector 63"/>
-          <p:cNvCxnSpPr>
-            <a:stCxn id="62" idx="3"/>
-          </p:cNvCxnSpPr>
-          <p:nvPr/>
-        </p:nvCxnSpPr>
-        <p:spPr>
-          <a:xfrm rot="10800000" flipV="1">
-            <a:off x="6927439" y="482462"/>
-            <a:ext cx="187484" cy="409230"/>
-          </a:xfrm>
-          <a:prstGeom prst="bentConnector2">
-            <a:avLst/>
-          </a:prstGeom>
-          <a:ln w="19050">
-            <a:solidFill>
-              <a:srgbClr val="0070C0"/>
-            </a:solidFill>
-            <a:headEnd type="none" w="med" len="med"/>
-            <a:tailEnd type="none" w="med" len="med"/>
-          </a:ln>
-          <a:effectLst/>
-        </p:spPr>
-        <p:style>
-          <a:lnRef idx="1">
-            <a:schemeClr val="accent2"/>
-          </a:lnRef>
-          <a:fillRef idx="2">
-            <a:schemeClr val="accent2"/>
-          </a:fillRef>
-          <a:effectRef idx="1">
-            <a:schemeClr val="accent2"/>
-          </a:effectRef>
-          <a:fontRef idx="minor">
-            <a:schemeClr val="dk1"/>
-          </a:fontRef>
-        </p:style>
-      </p:cxnSp>
       <p:sp>
         <p:nvSpPr>
           <p:cNvPr id="66" name="Rectangle 65"/>
@@ -8866,8 +8269,8 @@
         </p:nvSpPr>
         <p:spPr>
           <a:xfrm flipH="1">
-            <a:off x="7159109" y="1303834"/>
-            <a:ext cx="1521073" cy="226860"/>
+            <a:off x="9279285" y="1239042"/>
+            <a:ext cx="1371600" cy="228600"/>
           </a:xfrm>
           <a:prstGeom prst="rect">
             <a:avLst/>
@@ -8993,20 +8396,12 @@
           <a:p>
             <a:pPr algn="ctr"/>
             <a:r>
-              <a:rPr lang="en-US" sz="1000" b="1" dirty="0" err="1" smtClean="0">
+              <a:rPr lang="en-US" sz="1000" b="1" dirty="0" err="1">
                 <a:solidFill>
                   <a:srgbClr val="0070C0"/>
                 </a:solidFill>
               </a:rPr>
-              <a:t>ChangePath</a:t>
-            </a:r>
-            <a:r>
-              <a:rPr lang="en-US" sz="1000" b="1" dirty="0" err="1" smtClean="0">
-                <a:solidFill>
-                  <a:srgbClr val="0070C0"/>
-                </a:solidFill>
-              </a:rPr>
-              <a:t>Command</a:t>
+              <a:t>ChangePathCommand</a:t>
             </a:r>
             <a:endParaRPr lang="en-SG" sz="1000" b="1" dirty="0">
               <a:solidFill>
@@ -9016,46 +8411,6 @@
           </a:p>
         </p:txBody>
       </p:sp>
-      <p:cxnSp>
-        <p:nvCxnSpPr>
-          <p:cNvPr id="74" name="Elbow Connector 73"/>
-          <p:cNvCxnSpPr/>
-          <p:nvPr/>
-        </p:nvCxnSpPr>
-        <p:spPr>
-          <a:xfrm rot="16200000" flipH="1">
-            <a:off x="6872758" y="5216429"/>
-            <a:ext cx="293978" cy="182292"/>
-          </a:xfrm>
-          <a:prstGeom prst="bentConnector3">
-            <a:avLst>
-              <a:gd name="adj1" fmla="val 98827"/>
-            </a:avLst>
-          </a:prstGeom>
-          <a:ln w="19050">
-            <a:solidFill>
-              <a:srgbClr val="0070C0"/>
-            </a:solidFill>
-            <a:headEnd type="none" w="med" len="med"/>
-            <a:tailEnd type="none" w="med" len="med"/>
-          </a:ln>
-          <a:effectLst/>
-        </p:spPr>
-        <p:style>
-          <a:lnRef idx="1">
-            <a:schemeClr val="accent2"/>
-          </a:lnRef>
-          <a:fillRef idx="2">
-            <a:schemeClr val="accent2"/>
-          </a:fillRef>
-          <a:effectRef idx="1">
-            <a:schemeClr val="accent2"/>
-          </a:effectRef>
-          <a:fontRef idx="minor">
-            <a:schemeClr val="dk1"/>
-          </a:fontRef>
-        </p:style>
-      </p:cxnSp>
       <p:sp>
         <p:nvSpPr>
           <p:cNvPr id="79" name="Rectangle 78"/>
@@ -9064,8 +8419,8 @@
         </p:nvSpPr>
         <p:spPr>
           <a:xfrm flipH="1">
-            <a:off x="7126386" y="5366520"/>
-            <a:ext cx="1288773" cy="202763"/>
+            <a:off x="9279284" y="5364618"/>
+            <a:ext cx="1371600" cy="228600"/>
           </a:xfrm>
           <a:prstGeom prst="rect">
             <a:avLst/>
@@ -9191,7 +8546,7 @@
           <a:p>
             <a:pPr algn="ctr"/>
             <a:r>
-              <a:rPr lang="en-US" sz="1000" b="1" dirty="0" err="1" smtClean="0">
+              <a:rPr lang="en-US" sz="1000" b="1" dirty="0" err="1">
                 <a:solidFill>
                   <a:srgbClr val="0070C0"/>
                 </a:solidFill>
@@ -9206,108 +8561,6 @@
           </a:p>
         </p:txBody>
       </p:sp>
-      <p:cxnSp>
-        <p:nvCxnSpPr>
-          <p:cNvPr id="87" name="Straight Connector 86"/>
-          <p:cNvCxnSpPr/>
-          <p:nvPr/>
-        </p:nvCxnSpPr>
-        <p:spPr>
-          <a:xfrm flipH="1" flipV="1">
-            <a:off x="6923499" y="1728726"/>
-            <a:ext cx="197149" cy="4535"/>
-          </a:xfrm>
-          <a:prstGeom prst="line">
-            <a:avLst/>
-          </a:prstGeom>
-        </p:spPr>
-        <p:style>
-          <a:lnRef idx="3">
-            <a:schemeClr val="accent5"/>
-          </a:lnRef>
-          <a:fillRef idx="0">
-            <a:schemeClr val="accent5"/>
-          </a:fillRef>
-          <a:effectRef idx="2">
-            <a:schemeClr val="accent5"/>
-          </a:effectRef>
-          <a:fontRef idx="minor">
-            <a:schemeClr val="tx1"/>
-          </a:fontRef>
-        </p:style>
-      </p:cxnSp>
-      <p:cxnSp>
-        <p:nvCxnSpPr>
-          <p:cNvPr id="90" name="Elbow Connector 89"/>
-          <p:cNvCxnSpPr/>
-          <p:nvPr/>
-        </p:nvCxnSpPr>
-        <p:spPr>
-          <a:xfrm>
-            <a:off x="6927439" y="2342611"/>
-            <a:ext cx="180056" cy="142107"/>
-          </a:xfrm>
-          <a:prstGeom prst="bentConnector3">
-            <a:avLst>
-              <a:gd name="adj1" fmla="val -784"/>
-            </a:avLst>
-          </a:prstGeom>
-          <a:ln w="19050">
-            <a:solidFill>
-              <a:srgbClr val="0070C0"/>
-            </a:solidFill>
-            <a:headEnd type="none" w="med" len="med"/>
-            <a:tailEnd type="none" w="med" len="med"/>
-          </a:ln>
-          <a:effectLst/>
-        </p:spPr>
-        <p:style>
-          <a:lnRef idx="1">
-            <a:schemeClr val="accent2"/>
-          </a:lnRef>
-          <a:fillRef idx="2">
-            <a:schemeClr val="accent2"/>
-          </a:fillRef>
-          <a:effectRef idx="1">
-            <a:schemeClr val="accent2"/>
-          </a:effectRef>
-          <a:fontRef idx="minor">
-            <a:schemeClr val="dk1"/>
-          </a:fontRef>
-        </p:style>
-      </p:cxnSp>
-      <p:cxnSp>
-        <p:nvCxnSpPr>
-          <p:cNvPr id="91" name="Straight Connector 90"/>
-          <p:cNvCxnSpPr>
-            <a:stCxn id="43" idx="3"/>
-          </p:cNvCxnSpPr>
-          <p:nvPr/>
-        </p:nvCxnSpPr>
-        <p:spPr>
-          <a:xfrm flipH="1" flipV="1">
-            <a:off x="6936226" y="2275043"/>
-            <a:ext cx="182159" cy="2540"/>
-          </a:xfrm>
-          <a:prstGeom prst="line">
-            <a:avLst/>
-          </a:prstGeom>
-        </p:spPr>
-        <p:style>
-          <a:lnRef idx="3">
-            <a:schemeClr val="accent5"/>
-          </a:lnRef>
-          <a:fillRef idx="0">
-            <a:schemeClr val="accent5"/>
-          </a:fillRef>
-          <a:effectRef idx="2">
-            <a:schemeClr val="accent5"/>
-          </a:effectRef>
-          <a:fontRef idx="minor">
-            <a:schemeClr val="tx1"/>
-          </a:fontRef>
-        </p:style>
-      </p:cxnSp>
       <p:sp>
         <p:nvSpPr>
           <p:cNvPr id="105" name="Rectangle 104"/>
@@ -9316,8 +8569,8 @@
         </p:nvSpPr>
         <p:spPr>
           <a:xfrm flipH="1">
-            <a:off x="7118385" y="3026614"/>
-            <a:ext cx="1243692" cy="212357"/>
+            <a:off x="9279285" y="3007146"/>
+            <a:ext cx="1371600" cy="228600"/>
           </a:xfrm>
           <a:prstGeom prst="rect">
             <a:avLst/>
@@ -9443,7 +8696,7 @@
           <a:p>
             <a:pPr algn="ctr"/>
             <a:r>
-              <a:rPr lang="en-US" sz="1000" b="1" dirty="0" err="1" smtClean="0">
+              <a:rPr lang="en-US" sz="1000" b="1" dirty="0" err="1">
                 <a:solidFill>
                   <a:srgbClr val="0070C0"/>
                 </a:solidFill>
@@ -9460,18 +8713,3673 @@
       </p:sp>
       <p:cxnSp>
         <p:nvCxnSpPr>
-          <p:cNvPr id="106" name="Elbow Connector 105"/>
+          <p:cNvPr id="84" name="Elbow Connector 17"/>
+          <p:cNvCxnSpPr>
+            <a:stCxn id="17" idx="2"/>
+            <a:endCxn id="89" idx="0"/>
+          </p:cNvCxnSpPr>
+          <p:nvPr/>
+        </p:nvCxnSpPr>
+        <p:spPr>
+          <a:xfrm>
+            <a:off x="4657179" y="2545278"/>
+            <a:ext cx="0" cy="508255"/>
+          </a:xfrm>
+          <a:prstGeom prst="straightConnector1">
+            <a:avLst/>
+          </a:prstGeom>
+          <a:ln w="19050">
+            <a:solidFill>
+              <a:srgbClr val="0070C0"/>
+            </a:solidFill>
+            <a:prstDash val="solid"/>
+            <a:headEnd type="none" w="med" len="med"/>
+            <a:tailEnd type="arrow" w="med" len="med"/>
+          </a:ln>
+          <a:effectLst/>
+        </p:spPr>
+        <p:style>
+          <a:lnRef idx="1">
+            <a:schemeClr val="accent2"/>
+          </a:lnRef>
+          <a:fillRef idx="2">
+            <a:schemeClr val="accent2"/>
+          </a:fillRef>
+          <a:effectRef idx="1">
+            <a:schemeClr val="accent2"/>
+          </a:effectRef>
+          <a:fontRef idx="minor">
+            <a:schemeClr val="dk1"/>
+          </a:fontRef>
+        </p:style>
+      </p:cxnSp>
+      <p:sp>
+        <p:nvSpPr>
+          <p:cNvPr id="88" name="TextBox 39"/>
+          <p:cNvSpPr txBox="1"/>
+          <p:nvPr/>
+        </p:nvSpPr>
+        <p:spPr>
+          <a:xfrm>
+            <a:off x="4677012" y="2847082"/>
+            <a:ext cx="131116" cy="230832"/>
+          </a:xfrm>
+          <a:prstGeom prst="rect">
+            <a:avLst/>
+          </a:prstGeom>
+          <a:noFill/>
+        </p:spPr>
+        <p:txBody>
+          <a:bodyPr wrap="square" lIns="0" tIns="0" rIns="0" bIns="0" rtlCol="0">
+            <a:noAutofit/>
+          </a:bodyPr>
+          <a:lstStyle>
+            <a:defPPr>
+              <a:defRPr lang="en-US"/>
+            </a:defPPr>
+            <a:lvl1pPr marL="0" algn="l" defTabSz="914400" rtl="0" eaLnBrk="1" latinLnBrk="0" hangingPunct="1">
+              <a:defRPr sz="1800" kern="1200">
+                <a:solidFill>
+                  <a:schemeClr val="tx1"/>
+                </a:solidFill>
+                <a:latin typeface="+mn-lt"/>
+                <a:ea typeface="+mn-ea"/>
+                <a:cs typeface="+mn-cs"/>
+              </a:defRPr>
+            </a:lvl1pPr>
+            <a:lvl2pPr marL="457200" algn="l" defTabSz="914400" rtl="0" eaLnBrk="1" latinLnBrk="0" hangingPunct="1">
+              <a:defRPr sz="1800" kern="1200">
+                <a:solidFill>
+                  <a:schemeClr val="tx1"/>
+                </a:solidFill>
+                <a:latin typeface="+mn-lt"/>
+                <a:ea typeface="+mn-ea"/>
+                <a:cs typeface="+mn-cs"/>
+              </a:defRPr>
+            </a:lvl2pPr>
+            <a:lvl3pPr marL="914400" algn="l" defTabSz="914400" rtl="0" eaLnBrk="1" latinLnBrk="0" hangingPunct="1">
+              <a:defRPr sz="1800" kern="1200">
+                <a:solidFill>
+                  <a:schemeClr val="tx1"/>
+                </a:solidFill>
+                <a:latin typeface="+mn-lt"/>
+                <a:ea typeface="+mn-ea"/>
+                <a:cs typeface="+mn-cs"/>
+              </a:defRPr>
+            </a:lvl3pPr>
+            <a:lvl4pPr marL="1371600" algn="l" defTabSz="914400" rtl="0" eaLnBrk="1" latinLnBrk="0" hangingPunct="1">
+              <a:defRPr sz="1800" kern="1200">
+                <a:solidFill>
+                  <a:schemeClr val="tx1"/>
+                </a:solidFill>
+                <a:latin typeface="+mn-lt"/>
+                <a:ea typeface="+mn-ea"/>
+                <a:cs typeface="+mn-cs"/>
+              </a:defRPr>
+            </a:lvl4pPr>
+            <a:lvl5pPr marL="1828800" algn="l" defTabSz="914400" rtl="0" eaLnBrk="1" latinLnBrk="0" hangingPunct="1">
+              <a:defRPr sz="1800" kern="1200">
+                <a:solidFill>
+                  <a:schemeClr val="tx1"/>
+                </a:solidFill>
+                <a:latin typeface="+mn-lt"/>
+                <a:ea typeface="+mn-ea"/>
+                <a:cs typeface="+mn-cs"/>
+              </a:defRPr>
+            </a:lvl5pPr>
+            <a:lvl6pPr marL="2286000" algn="l" defTabSz="914400" rtl="0" eaLnBrk="1" latinLnBrk="0" hangingPunct="1">
+              <a:defRPr sz="1800" kern="1200">
+                <a:solidFill>
+                  <a:schemeClr val="tx1"/>
+                </a:solidFill>
+                <a:latin typeface="+mn-lt"/>
+                <a:ea typeface="+mn-ea"/>
+                <a:cs typeface="+mn-cs"/>
+              </a:defRPr>
+            </a:lvl6pPr>
+            <a:lvl7pPr marL="2743200" algn="l" defTabSz="914400" rtl="0" eaLnBrk="1" latinLnBrk="0" hangingPunct="1">
+              <a:defRPr sz="1800" kern="1200">
+                <a:solidFill>
+                  <a:schemeClr val="tx1"/>
+                </a:solidFill>
+                <a:latin typeface="+mn-lt"/>
+                <a:ea typeface="+mn-ea"/>
+                <a:cs typeface="+mn-cs"/>
+              </a:defRPr>
+            </a:lvl7pPr>
+            <a:lvl8pPr marL="3200400" algn="l" defTabSz="914400" rtl="0" eaLnBrk="1" latinLnBrk="0" hangingPunct="1">
+              <a:defRPr sz="1800" kern="1200">
+                <a:solidFill>
+                  <a:schemeClr val="tx1"/>
+                </a:solidFill>
+                <a:latin typeface="+mn-lt"/>
+                <a:ea typeface="+mn-ea"/>
+                <a:cs typeface="+mn-cs"/>
+              </a:defRPr>
+            </a:lvl8pPr>
+            <a:lvl9pPr marL="3657600" algn="l" defTabSz="914400" rtl="0" eaLnBrk="1" latinLnBrk="0" hangingPunct="1">
+              <a:defRPr sz="1800" kern="1200">
+                <a:solidFill>
+                  <a:schemeClr val="tx1"/>
+                </a:solidFill>
+                <a:latin typeface="+mn-lt"/>
+                <a:ea typeface="+mn-ea"/>
+                <a:cs typeface="+mn-cs"/>
+              </a:defRPr>
+            </a:lvl9pPr>
+          </a:lstStyle>
+          <a:p>
+            <a:pPr algn="r"/>
+            <a:r>
+              <a:rPr lang="en-US" sz="1100" dirty="0">
+                <a:solidFill>
+                  <a:srgbClr val="0070C0"/>
+                </a:solidFill>
+              </a:rPr>
+              <a:t>1</a:t>
+            </a:r>
+            <a:endParaRPr lang="en-SG" sz="1100" dirty="0">
+              <a:solidFill>
+                <a:srgbClr val="0070C0"/>
+              </a:solidFill>
+            </a:endParaRPr>
+          </a:p>
+        </p:txBody>
+      </p:sp>
+      <p:sp>
+        <p:nvSpPr>
+          <p:cNvPr id="89" name="Rectangle 88"/>
+          <p:cNvSpPr/>
+          <p:nvPr/>
+        </p:nvSpPr>
+        <p:spPr>
+          <a:xfrm>
+            <a:off x="4127489" y="3053533"/>
+            <a:ext cx="1059380" cy="346760"/>
+          </a:xfrm>
+          <a:prstGeom prst="rect">
+            <a:avLst/>
+          </a:prstGeom>
+          <a:solidFill>
+            <a:srgbClr val="0070C0"/>
+          </a:solidFill>
+          <a:ln w="19050">
+            <a:solidFill>
+              <a:srgbClr val="0070C0"/>
+            </a:solidFill>
+          </a:ln>
+          <a:effectLst/>
+        </p:spPr>
+        <p:style>
+          <a:lnRef idx="1">
+            <a:schemeClr val="accent2"/>
+          </a:lnRef>
+          <a:fillRef idx="2">
+            <a:schemeClr val="accent2"/>
+          </a:fillRef>
+          <a:effectRef idx="1">
+            <a:schemeClr val="accent2"/>
+          </a:effectRef>
+          <a:fontRef idx="minor">
+            <a:schemeClr val="dk1"/>
+          </a:fontRef>
+        </p:style>
+        <p:txBody>
+          <a:bodyPr rtlCol="0" anchor="ctr"/>
+          <a:lstStyle>
+            <a:defPPr>
+              <a:defRPr lang="en-US"/>
+            </a:defPPr>
+            <a:lvl1pPr marL="0" algn="l" defTabSz="914400" rtl="0" eaLnBrk="1" latinLnBrk="0" hangingPunct="1">
+              <a:defRPr sz="1800" kern="1200">
+                <a:solidFill>
+                  <a:schemeClr val="dk1"/>
+                </a:solidFill>
+                <a:latin typeface="+mn-lt"/>
+                <a:ea typeface="+mn-ea"/>
+                <a:cs typeface="+mn-cs"/>
+              </a:defRPr>
+            </a:lvl1pPr>
+            <a:lvl2pPr marL="457200" algn="l" defTabSz="914400" rtl="0" eaLnBrk="1" latinLnBrk="0" hangingPunct="1">
+              <a:defRPr sz="1800" kern="1200">
+                <a:solidFill>
+                  <a:schemeClr val="dk1"/>
+                </a:solidFill>
+                <a:latin typeface="+mn-lt"/>
+                <a:ea typeface="+mn-ea"/>
+                <a:cs typeface="+mn-cs"/>
+              </a:defRPr>
+            </a:lvl2pPr>
+            <a:lvl3pPr marL="914400" algn="l" defTabSz="914400" rtl="0" eaLnBrk="1" latinLnBrk="0" hangingPunct="1">
+              <a:defRPr sz="1800" kern="1200">
+                <a:solidFill>
+                  <a:schemeClr val="dk1"/>
+                </a:solidFill>
+                <a:latin typeface="+mn-lt"/>
+                <a:ea typeface="+mn-ea"/>
+                <a:cs typeface="+mn-cs"/>
+              </a:defRPr>
+            </a:lvl3pPr>
+            <a:lvl4pPr marL="1371600" algn="l" defTabSz="914400" rtl="0" eaLnBrk="1" latinLnBrk="0" hangingPunct="1">
+              <a:defRPr sz="1800" kern="1200">
+                <a:solidFill>
+                  <a:schemeClr val="dk1"/>
+                </a:solidFill>
+                <a:latin typeface="+mn-lt"/>
+                <a:ea typeface="+mn-ea"/>
+                <a:cs typeface="+mn-cs"/>
+              </a:defRPr>
+            </a:lvl4pPr>
+            <a:lvl5pPr marL="1828800" algn="l" defTabSz="914400" rtl="0" eaLnBrk="1" latinLnBrk="0" hangingPunct="1">
+              <a:defRPr sz="1800" kern="1200">
+                <a:solidFill>
+                  <a:schemeClr val="dk1"/>
+                </a:solidFill>
+                <a:latin typeface="+mn-lt"/>
+                <a:ea typeface="+mn-ea"/>
+                <a:cs typeface="+mn-cs"/>
+              </a:defRPr>
+            </a:lvl5pPr>
+            <a:lvl6pPr marL="2286000" algn="l" defTabSz="914400" rtl="0" eaLnBrk="1" latinLnBrk="0" hangingPunct="1">
+              <a:defRPr sz="1800" kern="1200">
+                <a:solidFill>
+                  <a:schemeClr val="dk1"/>
+                </a:solidFill>
+                <a:latin typeface="+mn-lt"/>
+                <a:ea typeface="+mn-ea"/>
+                <a:cs typeface="+mn-cs"/>
+              </a:defRPr>
+            </a:lvl6pPr>
+            <a:lvl7pPr marL="2743200" algn="l" defTabSz="914400" rtl="0" eaLnBrk="1" latinLnBrk="0" hangingPunct="1">
+              <a:defRPr sz="1800" kern="1200">
+                <a:solidFill>
+                  <a:schemeClr val="dk1"/>
+                </a:solidFill>
+                <a:latin typeface="+mn-lt"/>
+                <a:ea typeface="+mn-ea"/>
+                <a:cs typeface="+mn-cs"/>
+              </a:defRPr>
+            </a:lvl7pPr>
+            <a:lvl8pPr marL="3200400" algn="l" defTabSz="914400" rtl="0" eaLnBrk="1" latinLnBrk="0" hangingPunct="1">
+              <a:defRPr sz="1800" kern="1200">
+                <a:solidFill>
+                  <a:schemeClr val="dk1"/>
+                </a:solidFill>
+                <a:latin typeface="+mn-lt"/>
+                <a:ea typeface="+mn-ea"/>
+                <a:cs typeface="+mn-cs"/>
+              </a:defRPr>
+            </a:lvl8pPr>
+            <a:lvl9pPr marL="3657600" algn="l" defTabSz="914400" rtl="0" eaLnBrk="1" latinLnBrk="0" hangingPunct="1">
+              <a:defRPr sz="1800" kern="1200">
+                <a:solidFill>
+                  <a:schemeClr val="dk1"/>
+                </a:solidFill>
+                <a:latin typeface="+mn-lt"/>
+                <a:ea typeface="+mn-ea"/>
+                <a:cs typeface="+mn-cs"/>
+              </a:defRPr>
+            </a:lvl9pPr>
+          </a:lstStyle>
+          <a:p>
+            <a:pPr algn="ctr"/>
+            <a:r>
+              <a:rPr lang="en-US" sz="1050" dirty="0" err="1">
+                <a:solidFill>
+                  <a:schemeClr val="bg1"/>
+                </a:solidFill>
+              </a:rPr>
+              <a:t>ParserMapping</a:t>
+            </a:r>
+            <a:endParaRPr lang="en-SG" sz="1050" dirty="0">
+              <a:solidFill>
+                <a:schemeClr val="bg1"/>
+              </a:solidFill>
+            </a:endParaRPr>
+          </a:p>
+        </p:txBody>
+      </p:sp>
+      <p:grpSp>
+        <p:nvGrpSpPr>
+          <p:cNvPr id="73" name="Group 72"/>
+          <p:cNvGrpSpPr/>
+          <p:nvPr/>
+        </p:nvGrpSpPr>
+        <p:grpSpPr>
+          <a:xfrm>
+            <a:off x="6069299" y="3053533"/>
+            <a:ext cx="1065325" cy="346760"/>
+            <a:chOff x="4226876" y="3799550"/>
+            <a:chExt cx="1065325" cy="346760"/>
+          </a:xfrm>
+        </p:grpSpPr>
+        <p:sp>
+          <p:nvSpPr>
+            <p:cNvPr id="95" name="Rectangle 94"/>
+            <p:cNvSpPr/>
+            <p:nvPr/>
+          </p:nvSpPr>
+          <p:spPr>
+            <a:xfrm>
+              <a:off x="4226876" y="3799550"/>
+              <a:ext cx="871828" cy="346760"/>
+            </a:xfrm>
+            <a:prstGeom prst="rect">
+              <a:avLst/>
+            </a:prstGeom>
+            <a:ln w="19050">
+              <a:solidFill>
+                <a:srgbClr val="0070C0"/>
+              </a:solidFill>
+            </a:ln>
+            <a:effectLst/>
+          </p:spPr>
+          <p:style>
+            <a:lnRef idx="1">
+              <a:schemeClr val="accent1"/>
+            </a:lnRef>
+            <a:fillRef idx="2">
+              <a:schemeClr val="accent1"/>
+            </a:fillRef>
+            <a:effectRef idx="1">
+              <a:schemeClr val="accent1"/>
+            </a:effectRef>
+            <a:fontRef idx="minor">
+              <a:schemeClr val="dk1"/>
+            </a:fontRef>
+          </p:style>
+          <p:txBody>
+            <a:bodyPr rtlCol="0" anchor="ctr"/>
+            <a:lstStyle>
+              <a:defPPr>
+                <a:defRPr lang="en-US"/>
+              </a:defPPr>
+              <a:lvl1pPr marL="0" algn="l" defTabSz="914400" rtl="0" eaLnBrk="1" latinLnBrk="0" hangingPunct="1">
+                <a:defRPr sz="1800" kern="1200">
+                  <a:solidFill>
+                    <a:schemeClr val="dk1"/>
+                  </a:solidFill>
+                  <a:latin typeface="+mn-lt"/>
+                  <a:ea typeface="+mn-ea"/>
+                  <a:cs typeface="+mn-cs"/>
+                </a:defRPr>
+              </a:lvl1pPr>
+              <a:lvl2pPr marL="457200" algn="l" defTabSz="914400" rtl="0" eaLnBrk="1" latinLnBrk="0" hangingPunct="1">
+                <a:defRPr sz="1800" kern="1200">
+                  <a:solidFill>
+                    <a:schemeClr val="dk1"/>
+                  </a:solidFill>
+                  <a:latin typeface="+mn-lt"/>
+                  <a:ea typeface="+mn-ea"/>
+                  <a:cs typeface="+mn-cs"/>
+                </a:defRPr>
+              </a:lvl2pPr>
+              <a:lvl3pPr marL="914400" algn="l" defTabSz="914400" rtl="0" eaLnBrk="1" latinLnBrk="0" hangingPunct="1">
+                <a:defRPr sz="1800" kern="1200">
+                  <a:solidFill>
+                    <a:schemeClr val="dk1"/>
+                  </a:solidFill>
+                  <a:latin typeface="+mn-lt"/>
+                  <a:ea typeface="+mn-ea"/>
+                  <a:cs typeface="+mn-cs"/>
+                </a:defRPr>
+              </a:lvl3pPr>
+              <a:lvl4pPr marL="1371600" algn="l" defTabSz="914400" rtl="0" eaLnBrk="1" latinLnBrk="0" hangingPunct="1">
+                <a:defRPr sz="1800" kern="1200">
+                  <a:solidFill>
+                    <a:schemeClr val="dk1"/>
+                  </a:solidFill>
+                  <a:latin typeface="+mn-lt"/>
+                  <a:ea typeface="+mn-ea"/>
+                  <a:cs typeface="+mn-cs"/>
+                </a:defRPr>
+              </a:lvl4pPr>
+              <a:lvl5pPr marL="1828800" algn="l" defTabSz="914400" rtl="0" eaLnBrk="1" latinLnBrk="0" hangingPunct="1">
+                <a:defRPr sz="1800" kern="1200">
+                  <a:solidFill>
+                    <a:schemeClr val="dk1"/>
+                  </a:solidFill>
+                  <a:latin typeface="+mn-lt"/>
+                  <a:ea typeface="+mn-ea"/>
+                  <a:cs typeface="+mn-cs"/>
+                </a:defRPr>
+              </a:lvl5pPr>
+              <a:lvl6pPr marL="2286000" algn="l" defTabSz="914400" rtl="0" eaLnBrk="1" latinLnBrk="0" hangingPunct="1">
+                <a:defRPr sz="1800" kern="1200">
+                  <a:solidFill>
+                    <a:schemeClr val="dk1"/>
+                  </a:solidFill>
+                  <a:latin typeface="+mn-lt"/>
+                  <a:ea typeface="+mn-ea"/>
+                  <a:cs typeface="+mn-cs"/>
+                </a:defRPr>
+              </a:lvl6pPr>
+              <a:lvl7pPr marL="2743200" algn="l" defTabSz="914400" rtl="0" eaLnBrk="1" latinLnBrk="0" hangingPunct="1">
+                <a:defRPr sz="1800" kern="1200">
+                  <a:solidFill>
+                    <a:schemeClr val="dk1"/>
+                  </a:solidFill>
+                  <a:latin typeface="+mn-lt"/>
+                  <a:ea typeface="+mn-ea"/>
+                  <a:cs typeface="+mn-cs"/>
+                </a:defRPr>
+              </a:lvl7pPr>
+              <a:lvl8pPr marL="3200400" algn="l" defTabSz="914400" rtl="0" eaLnBrk="1" latinLnBrk="0" hangingPunct="1">
+                <a:defRPr sz="1800" kern="1200">
+                  <a:solidFill>
+                    <a:schemeClr val="dk1"/>
+                  </a:solidFill>
+                  <a:latin typeface="+mn-lt"/>
+                  <a:ea typeface="+mn-ea"/>
+                  <a:cs typeface="+mn-cs"/>
+                </a:defRPr>
+              </a:lvl8pPr>
+              <a:lvl9pPr marL="3657600" algn="l" defTabSz="914400" rtl="0" eaLnBrk="1" latinLnBrk="0" hangingPunct="1">
+                <a:defRPr sz="1800" kern="1200">
+                  <a:solidFill>
+                    <a:schemeClr val="dk1"/>
+                  </a:solidFill>
+                  <a:latin typeface="+mn-lt"/>
+                  <a:ea typeface="+mn-ea"/>
+                  <a:cs typeface="+mn-cs"/>
+                </a:defRPr>
+              </a:lvl9pPr>
+            </a:lstStyle>
+            <a:p>
+              <a:pPr algn="ctr"/>
+              <a:r>
+                <a:rPr lang="en-US" sz="1050" b="1" dirty="0">
+                  <a:solidFill>
+                    <a:srgbClr val="0070C0"/>
+                  </a:solidFill>
+                </a:rPr>
+                <a:t>{abstract}</a:t>
+              </a:r>
+              <a:br>
+                <a:rPr lang="en-US" sz="1050" b="1" dirty="0">
+                  <a:solidFill>
+                    <a:srgbClr val="0070C0"/>
+                  </a:solidFill>
+                </a:rPr>
+              </a:br>
+              <a:r>
+                <a:rPr lang="en-US" sz="1050" b="1" dirty="0" err="1">
+                  <a:solidFill>
+                    <a:srgbClr val="0070C0"/>
+                  </a:solidFill>
+                </a:rPr>
+                <a:t>BaseParser</a:t>
+              </a:r>
+              <a:endParaRPr lang="en-SG" sz="1050" b="1" dirty="0">
+                <a:solidFill>
+                  <a:srgbClr val="0070C0"/>
+                </a:solidFill>
+              </a:endParaRPr>
+            </a:p>
+          </p:txBody>
+        </p:sp>
+        <p:sp>
+          <p:nvSpPr>
+            <p:cNvPr id="97" name="Isosceles Triangle 96"/>
+            <p:cNvSpPr/>
+            <p:nvPr/>
+          </p:nvSpPr>
+          <p:spPr>
+            <a:xfrm rot="5400000" flipV="1">
+              <a:off x="5069188" y="3896288"/>
+              <a:ext cx="270504" cy="175523"/>
+            </a:xfrm>
+            <a:prstGeom prst="triangle">
+              <a:avLst/>
+            </a:prstGeom>
+            <a:ln w="19050">
+              <a:solidFill>
+                <a:srgbClr val="0070C0"/>
+              </a:solidFill>
+            </a:ln>
+            <a:effectLst/>
+          </p:spPr>
+          <p:style>
+            <a:lnRef idx="1">
+              <a:schemeClr val="accent1"/>
+            </a:lnRef>
+            <a:fillRef idx="2">
+              <a:schemeClr val="accent1"/>
+            </a:fillRef>
+            <a:effectRef idx="1">
+              <a:schemeClr val="accent1"/>
+            </a:effectRef>
+            <a:fontRef idx="minor">
+              <a:schemeClr val="dk1"/>
+            </a:fontRef>
+          </p:style>
+          <p:txBody>
+            <a:bodyPr rtlCol="0" anchor="ctr"/>
+            <a:lstStyle>
+              <a:defPPr>
+                <a:defRPr lang="en-US"/>
+              </a:defPPr>
+              <a:lvl1pPr marL="0" algn="l" defTabSz="914400" rtl="0" eaLnBrk="1" latinLnBrk="0" hangingPunct="1">
+                <a:defRPr sz="1800" kern="1200">
+                  <a:solidFill>
+                    <a:schemeClr val="dk1"/>
+                  </a:solidFill>
+                  <a:latin typeface="+mn-lt"/>
+                  <a:ea typeface="+mn-ea"/>
+                  <a:cs typeface="+mn-cs"/>
+                </a:defRPr>
+              </a:lvl1pPr>
+              <a:lvl2pPr marL="457200" algn="l" defTabSz="914400" rtl="0" eaLnBrk="1" latinLnBrk="0" hangingPunct="1">
+                <a:defRPr sz="1800" kern="1200">
+                  <a:solidFill>
+                    <a:schemeClr val="dk1"/>
+                  </a:solidFill>
+                  <a:latin typeface="+mn-lt"/>
+                  <a:ea typeface="+mn-ea"/>
+                  <a:cs typeface="+mn-cs"/>
+                </a:defRPr>
+              </a:lvl2pPr>
+              <a:lvl3pPr marL="914400" algn="l" defTabSz="914400" rtl="0" eaLnBrk="1" latinLnBrk="0" hangingPunct="1">
+                <a:defRPr sz="1800" kern="1200">
+                  <a:solidFill>
+                    <a:schemeClr val="dk1"/>
+                  </a:solidFill>
+                  <a:latin typeface="+mn-lt"/>
+                  <a:ea typeface="+mn-ea"/>
+                  <a:cs typeface="+mn-cs"/>
+                </a:defRPr>
+              </a:lvl3pPr>
+              <a:lvl4pPr marL="1371600" algn="l" defTabSz="914400" rtl="0" eaLnBrk="1" latinLnBrk="0" hangingPunct="1">
+                <a:defRPr sz="1800" kern="1200">
+                  <a:solidFill>
+                    <a:schemeClr val="dk1"/>
+                  </a:solidFill>
+                  <a:latin typeface="+mn-lt"/>
+                  <a:ea typeface="+mn-ea"/>
+                  <a:cs typeface="+mn-cs"/>
+                </a:defRPr>
+              </a:lvl4pPr>
+              <a:lvl5pPr marL="1828800" algn="l" defTabSz="914400" rtl="0" eaLnBrk="1" latinLnBrk="0" hangingPunct="1">
+                <a:defRPr sz="1800" kern="1200">
+                  <a:solidFill>
+                    <a:schemeClr val="dk1"/>
+                  </a:solidFill>
+                  <a:latin typeface="+mn-lt"/>
+                  <a:ea typeface="+mn-ea"/>
+                  <a:cs typeface="+mn-cs"/>
+                </a:defRPr>
+              </a:lvl5pPr>
+              <a:lvl6pPr marL="2286000" algn="l" defTabSz="914400" rtl="0" eaLnBrk="1" latinLnBrk="0" hangingPunct="1">
+                <a:defRPr sz="1800" kern="1200">
+                  <a:solidFill>
+                    <a:schemeClr val="dk1"/>
+                  </a:solidFill>
+                  <a:latin typeface="+mn-lt"/>
+                  <a:ea typeface="+mn-ea"/>
+                  <a:cs typeface="+mn-cs"/>
+                </a:defRPr>
+              </a:lvl6pPr>
+              <a:lvl7pPr marL="2743200" algn="l" defTabSz="914400" rtl="0" eaLnBrk="1" latinLnBrk="0" hangingPunct="1">
+                <a:defRPr sz="1800" kern="1200">
+                  <a:solidFill>
+                    <a:schemeClr val="dk1"/>
+                  </a:solidFill>
+                  <a:latin typeface="+mn-lt"/>
+                  <a:ea typeface="+mn-ea"/>
+                  <a:cs typeface="+mn-cs"/>
+                </a:defRPr>
+              </a:lvl7pPr>
+              <a:lvl8pPr marL="3200400" algn="l" defTabSz="914400" rtl="0" eaLnBrk="1" latinLnBrk="0" hangingPunct="1">
+                <a:defRPr sz="1800" kern="1200">
+                  <a:solidFill>
+                    <a:schemeClr val="dk1"/>
+                  </a:solidFill>
+                  <a:latin typeface="+mn-lt"/>
+                  <a:ea typeface="+mn-ea"/>
+                  <a:cs typeface="+mn-cs"/>
+                </a:defRPr>
+              </a:lvl8pPr>
+              <a:lvl9pPr marL="3657600" algn="l" defTabSz="914400" rtl="0" eaLnBrk="1" latinLnBrk="0" hangingPunct="1">
+                <a:defRPr sz="1800" kern="1200">
+                  <a:solidFill>
+                    <a:schemeClr val="dk1"/>
+                  </a:solidFill>
+                  <a:latin typeface="+mn-lt"/>
+                  <a:ea typeface="+mn-ea"/>
+                  <a:cs typeface="+mn-cs"/>
+                </a:defRPr>
+              </a:lvl9pPr>
+            </a:lstStyle>
+            <a:p>
+              <a:pPr algn="ctr"/>
+              <a:endParaRPr lang="en-SG" sz="1050" b="1">
+                <a:solidFill>
+                  <a:srgbClr val="92D050"/>
+                </a:solidFill>
+              </a:endParaRPr>
+            </a:p>
+          </p:txBody>
+        </p:sp>
+      </p:grpSp>
+      <p:grpSp>
+        <p:nvGrpSpPr>
+          <p:cNvPr id="175" name="Group 174"/>
+          <p:cNvGrpSpPr/>
+          <p:nvPr/>
+        </p:nvGrpSpPr>
+        <p:grpSpPr>
+          <a:xfrm>
+            <a:off x="3625863" y="3867550"/>
+            <a:ext cx="1188720" cy="2034720"/>
+            <a:chOff x="3625863" y="3867550"/>
+            <a:chExt cx="1188720" cy="2034720"/>
+          </a:xfrm>
+        </p:grpSpPr>
+        <p:sp>
+          <p:nvSpPr>
+            <p:cNvPr id="141" name="Rectangle 140"/>
+            <p:cNvSpPr/>
+            <p:nvPr/>
+          </p:nvSpPr>
+          <p:spPr>
+            <a:xfrm flipH="1">
+              <a:off x="3625863" y="5312446"/>
+              <a:ext cx="1188720" cy="228600"/>
+            </a:xfrm>
+            <a:prstGeom prst="rect">
+              <a:avLst/>
+            </a:prstGeom>
+            <a:ln w="19050">
+              <a:solidFill>
+                <a:srgbClr val="0070C0"/>
+              </a:solidFill>
+            </a:ln>
+            <a:effectLst/>
+          </p:spPr>
+          <p:style>
+            <a:lnRef idx="1">
+              <a:schemeClr val="accent1"/>
+            </a:lnRef>
+            <a:fillRef idx="2">
+              <a:schemeClr val="accent1"/>
+            </a:fillRef>
+            <a:effectRef idx="1">
+              <a:schemeClr val="accent1"/>
+            </a:effectRef>
+            <a:fontRef idx="minor">
+              <a:schemeClr val="dk1"/>
+            </a:fontRef>
+          </p:style>
+          <p:txBody>
+            <a:bodyPr rtlCol="0" anchor="ctr"/>
+            <a:lstStyle>
+              <a:defPPr>
+                <a:defRPr lang="en-US"/>
+              </a:defPPr>
+              <a:lvl1pPr marL="0" algn="l" defTabSz="914400" rtl="0" eaLnBrk="1" latinLnBrk="0" hangingPunct="1">
+                <a:defRPr sz="1800" kern="1200">
+                  <a:solidFill>
+                    <a:schemeClr val="dk1"/>
+                  </a:solidFill>
+                  <a:latin typeface="+mn-lt"/>
+                  <a:ea typeface="+mn-ea"/>
+                  <a:cs typeface="+mn-cs"/>
+                </a:defRPr>
+              </a:lvl1pPr>
+              <a:lvl2pPr marL="457200" algn="l" defTabSz="914400" rtl="0" eaLnBrk="1" latinLnBrk="0" hangingPunct="1">
+                <a:defRPr sz="1800" kern="1200">
+                  <a:solidFill>
+                    <a:schemeClr val="dk1"/>
+                  </a:solidFill>
+                  <a:latin typeface="+mn-lt"/>
+                  <a:ea typeface="+mn-ea"/>
+                  <a:cs typeface="+mn-cs"/>
+                </a:defRPr>
+              </a:lvl2pPr>
+              <a:lvl3pPr marL="914400" algn="l" defTabSz="914400" rtl="0" eaLnBrk="1" latinLnBrk="0" hangingPunct="1">
+                <a:defRPr sz="1800" kern="1200">
+                  <a:solidFill>
+                    <a:schemeClr val="dk1"/>
+                  </a:solidFill>
+                  <a:latin typeface="+mn-lt"/>
+                  <a:ea typeface="+mn-ea"/>
+                  <a:cs typeface="+mn-cs"/>
+                </a:defRPr>
+              </a:lvl3pPr>
+              <a:lvl4pPr marL="1371600" algn="l" defTabSz="914400" rtl="0" eaLnBrk="1" latinLnBrk="0" hangingPunct="1">
+                <a:defRPr sz="1800" kern="1200">
+                  <a:solidFill>
+                    <a:schemeClr val="dk1"/>
+                  </a:solidFill>
+                  <a:latin typeface="+mn-lt"/>
+                  <a:ea typeface="+mn-ea"/>
+                  <a:cs typeface="+mn-cs"/>
+                </a:defRPr>
+              </a:lvl4pPr>
+              <a:lvl5pPr marL="1828800" algn="l" defTabSz="914400" rtl="0" eaLnBrk="1" latinLnBrk="0" hangingPunct="1">
+                <a:defRPr sz="1800" kern="1200">
+                  <a:solidFill>
+                    <a:schemeClr val="dk1"/>
+                  </a:solidFill>
+                  <a:latin typeface="+mn-lt"/>
+                  <a:ea typeface="+mn-ea"/>
+                  <a:cs typeface="+mn-cs"/>
+                </a:defRPr>
+              </a:lvl5pPr>
+              <a:lvl6pPr marL="2286000" algn="l" defTabSz="914400" rtl="0" eaLnBrk="1" latinLnBrk="0" hangingPunct="1">
+                <a:defRPr sz="1800" kern="1200">
+                  <a:solidFill>
+                    <a:schemeClr val="dk1"/>
+                  </a:solidFill>
+                  <a:latin typeface="+mn-lt"/>
+                  <a:ea typeface="+mn-ea"/>
+                  <a:cs typeface="+mn-cs"/>
+                </a:defRPr>
+              </a:lvl6pPr>
+              <a:lvl7pPr marL="2743200" algn="l" defTabSz="914400" rtl="0" eaLnBrk="1" latinLnBrk="0" hangingPunct="1">
+                <a:defRPr sz="1800" kern="1200">
+                  <a:solidFill>
+                    <a:schemeClr val="dk1"/>
+                  </a:solidFill>
+                  <a:latin typeface="+mn-lt"/>
+                  <a:ea typeface="+mn-ea"/>
+                  <a:cs typeface="+mn-cs"/>
+                </a:defRPr>
+              </a:lvl7pPr>
+              <a:lvl8pPr marL="3200400" algn="l" defTabSz="914400" rtl="0" eaLnBrk="1" latinLnBrk="0" hangingPunct="1">
+                <a:defRPr sz="1800" kern="1200">
+                  <a:solidFill>
+                    <a:schemeClr val="dk1"/>
+                  </a:solidFill>
+                  <a:latin typeface="+mn-lt"/>
+                  <a:ea typeface="+mn-ea"/>
+                  <a:cs typeface="+mn-cs"/>
+                </a:defRPr>
+              </a:lvl8pPr>
+              <a:lvl9pPr marL="3657600" algn="l" defTabSz="914400" rtl="0" eaLnBrk="1" latinLnBrk="0" hangingPunct="1">
+                <a:defRPr sz="1800" kern="1200">
+                  <a:solidFill>
+                    <a:schemeClr val="dk1"/>
+                  </a:solidFill>
+                  <a:latin typeface="+mn-lt"/>
+                  <a:ea typeface="+mn-ea"/>
+                  <a:cs typeface="+mn-cs"/>
+                </a:defRPr>
+              </a:lvl9pPr>
+            </a:lstStyle>
+            <a:p>
+              <a:pPr algn="ctr"/>
+              <a:r>
+                <a:rPr lang="en-US" sz="1000" b="1" dirty="0" err="1">
+                  <a:solidFill>
+                    <a:srgbClr val="0070C0"/>
+                  </a:solidFill>
+                </a:rPr>
+                <a:t>PinParser</a:t>
+              </a:r>
+              <a:endParaRPr lang="en-SG" sz="1000" b="1" dirty="0">
+                <a:solidFill>
+                  <a:srgbClr val="0070C0"/>
+                </a:solidFill>
+              </a:endParaRPr>
+            </a:p>
+          </p:txBody>
+        </p:sp>
+        <p:sp>
+          <p:nvSpPr>
+            <p:cNvPr id="144" name="Rectangle 143"/>
+            <p:cNvSpPr/>
+            <p:nvPr/>
+          </p:nvSpPr>
+          <p:spPr>
+            <a:xfrm flipH="1">
+              <a:off x="3625863" y="5673670"/>
+              <a:ext cx="1188720" cy="228600"/>
+            </a:xfrm>
+            <a:prstGeom prst="rect">
+              <a:avLst/>
+            </a:prstGeom>
+            <a:ln w="19050">
+              <a:solidFill>
+                <a:srgbClr val="0070C0"/>
+              </a:solidFill>
+            </a:ln>
+            <a:effectLst/>
+          </p:spPr>
+          <p:style>
+            <a:lnRef idx="1">
+              <a:schemeClr val="accent1"/>
+            </a:lnRef>
+            <a:fillRef idx="2">
+              <a:schemeClr val="accent1"/>
+            </a:fillRef>
+            <a:effectRef idx="1">
+              <a:schemeClr val="accent1"/>
+            </a:effectRef>
+            <a:fontRef idx="minor">
+              <a:schemeClr val="dk1"/>
+            </a:fontRef>
+          </p:style>
+          <p:txBody>
+            <a:bodyPr rtlCol="0" anchor="ctr"/>
+            <a:lstStyle>
+              <a:defPPr>
+                <a:defRPr lang="en-US"/>
+              </a:defPPr>
+              <a:lvl1pPr marL="0" algn="l" defTabSz="914400" rtl="0" eaLnBrk="1" latinLnBrk="0" hangingPunct="1">
+                <a:defRPr sz="1800" kern="1200">
+                  <a:solidFill>
+                    <a:schemeClr val="dk1"/>
+                  </a:solidFill>
+                  <a:latin typeface="+mn-lt"/>
+                  <a:ea typeface="+mn-ea"/>
+                  <a:cs typeface="+mn-cs"/>
+                </a:defRPr>
+              </a:lvl1pPr>
+              <a:lvl2pPr marL="457200" algn="l" defTabSz="914400" rtl="0" eaLnBrk="1" latinLnBrk="0" hangingPunct="1">
+                <a:defRPr sz="1800" kern="1200">
+                  <a:solidFill>
+                    <a:schemeClr val="dk1"/>
+                  </a:solidFill>
+                  <a:latin typeface="+mn-lt"/>
+                  <a:ea typeface="+mn-ea"/>
+                  <a:cs typeface="+mn-cs"/>
+                </a:defRPr>
+              </a:lvl2pPr>
+              <a:lvl3pPr marL="914400" algn="l" defTabSz="914400" rtl="0" eaLnBrk="1" latinLnBrk="0" hangingPunct="1">
+                <a:defRPr sz="1800" kern="1200">
+                  <a:solidFill>
+                    <a:schemeClr val="dk1"/>
+                  </a:solidFill>
+                  <a:latin typeface="+mn-lt"/>
+                  <a:ea typeface="+mn-ea"/>
+                  <a:cs typeface="+mn-cs"/>
+                </a:defRPr>
+              </a:lvl3pPr>
+              <a:lvl4pPr marL="1371600" algn="l" defTabSz="914400" rtl="0" eaLnBrk="1" latinLnBrk="0" hangingPunct="1">
+                <a:defRPr sz="1800" kern="1200">
+                  <a:solidFill>
+                    <a:schemeClr val="dk1"/>
+                  </a:solidFill>
+                  <a:latin typeface="+mn-lt"/>
+                  <a:ea typeface="+mn-ea"/>
+                  <a:cs typeface="+mn-cs"/>
+                </a:defRPr>
+              </a:lvl4pPr>
+              <a:lvl5pPr marL="1828800" algn="l" defTabSz="914400" rtl="0" eaLnBrk="1" latinLnBrk="0" hangingPunct="1">
+                <a:defRPr sz="1800" kern="1200">
+                  <a:solidFill>
+                    <a:schemeClr val="dk1"/>
+                  </a:solidFill>
+                  <a:latin typeface="+mn-lt"/>
+                  <a:ea typeface="+mn-ea"/>
+                  <a:cs typeface="+mn-cs"/>
+                </a:defRPr>
+              </a:lvl5pPr>
+              <a:lvl6pPr marL="2286000" algn="l" defTabSz="914400" rtl="0" eaLnBrk="1" latinLnBrk="0" hangingPunct="1">
+                <a:defRPr sz="1800" kern="1200">
+                  <a:solidFill>
+                    <a:schemeClr val="dk1"/>
+                  </a:solidFill>
+                  <a:latin typeface="+mn-lt"/>
+                  <a:ea typeface="+mn-ea"/>
+                  <a:cs typeface="+mn-cs"/>
+                </a:defRPr>
+              </a:lvl6pPr>
+              <a:lvl7pPr marL="2743200" algn="l" defTabSz="914400" rtl="0" eaLnBrk="1" latinLnBrk="0" hangingPunct="1">
+                <a:defRPr sz="1800" kern="1200">
+                  <a:solidFill>
+                    <a:schemeClr val="dk1"/>
+                  </a:solidFill>
+                  <a:latin typeface="+mn-lt"/>
+                  <a:ea typeface="+mn-ea"/>
+                  <a:cs typeface="+mn-cs"/>
+                </a:defRPr>
+              </a:lvl7pPr>
+              <a:lvl8pPr marL="3200400" algn="l" defTabSz="914400" rtl="0" eaLnBrk="1" latinLnBrk="0" hangingPunct="1">
+                <a:defRPr sz="1800" kern="1200">
+                  <a:solidFill>
+                    <a:schemeClr val="dk1"/>
+                  </a:solidFill>
+                  <a:latin typeface="+mn-lt"/>
+                  <a:ea typeface="+mn-ea"/>
+                  <a:cs typeface="+mn-cs"/>
+                </a:defRPr>
+              </a:lvl8pPr>
+              <a:lvl9pPr marL="3657600" algn="l" defTabSz="914400" rtl="0" eaLnBrk="1" latinLnBrk="0" hangingPunct="1">
+                <a:defRPr sz="1800" kern="1200">
+                  <a:solidFill>
+                    <a:schemeClr val="dk1"/>
+                  </a:solidFill>
+                  <a:latin typeface="+mn-lt"/>
+                  <a:ea typeface="+mn-ea"/>
+                  <a:cs typeface="+mn-cs"/>
+                </a:defRPr>
+              </a:lvl9pPr>
+            </a:lstStyle>
+            <a:p>
+              <a:pPr algn="ctr"/>
+              <a:r>
+                <a:rPr lang="en-US" sz="1000" b="1" dirty="0" err="1">
+                  <a:solidFill>
+                    <a:srgbClr val="0070C0"/>
+                  </a:solidFill>
+                </a:rPr>
+                <a:t>UncompleteParser</a:t>
+              </a:r>
+              <a:endParaRPr lang="en-SG" sz="1000" b="1" dirty="0">
+                <a:solidFill>
+                  <a:srgbClr val="0070C0"/>
+                </a:solidFill>
+              </a:endParaRPr>
+            </a:p>
+          </p:txBody>
+        </p:sp>
+        <p:sp>
+          <p:nvSpPr>
+            <p:cNvPr id="130" name="Rectangle 129"/>
+            <p:cNvSpPr/>
+            <p:nvPr/>
+          </p:nvSpPr>
+          <p:spPr>
+            <a:xfrm flipH="1">
+              <a:off x="3625863" y="4228774"/>
+              <a:ext cx="1188720" cy="228600"/>
+            </a:xfrm>
+            <a:prstGeom prst="rect">
+              <a:avLst/>
+            </a:prstGeom>
+            <a:ln w="19050">
+              <a:solidFill>
+                <a:srgbClr val="0070C0"/>
+              </a:solidFill>
+            </a:ln>
+            <a:effectLst/>
+          </p:spPr>
+          <p:style>
+            <a:lnRef idx="1">
+              <a:schemeClr val="accent1"/>
+            </a:lnRef>
+            <a:fillRef idx="2">
+              <a:schemeClr val="accent1"/>
+            </a:fillRef>
+            <a:effectRef idx="1">
+              <a:schemeClr val="accent1"/>
+            </a:effectRef>
+            <a:fontRef idx="minor">
+              <a:schemeClr val="dk1"/>
+            </a:fontRef>
+          </p:style>
+          <p:txBody>
+            <a:bodyPr rtlCol="0" anchor="ctr"/>
+            <a:lstStyle>
+              <a:defPPr>
+                <a:defRPr lang="en-US"/>
+              </a:defPPr>
+              <a:lvl1pPr marL="0" algn="l" defTabSz="914400" rtl="0" eaLnBrk="1" latinLnBrk="0" hangingPunct="1">
+                <a:defRPr sz="1800" kern="1200">
+                  <a:solidFill>
+                    <a:schemeClr val="dk1"/>
+                  </a:solidFill>
+                  <a:latin typeface="+mn-lt"/>
+                  <a:ea typeface="+mn-ea"/>
+                  <a:cs typeface="+mn-cs"/>
+                </a:defRPr>
+              </a:lvl1pPr>
+              <a:lvl2pPr marL="457200" algn="l" defTabSz="914400" rtl="0" eaLnBrk="1" latinLnBrk="0" hangingPunct="1">
+                <a:defRPr sz="1800" kern="1200">
+                  <a:solidFill>
+                    <a:schemeClr val="dk1"/>
+                  </a:solidFill>
+                  <a:latin typeface="+mn-lt"/>
+                  <a:ea typeface="+mn-ea"/>
+                  <a:cs typeface="+mn-cs"/>
+                </a:defRPr>
+              </a:lvl2pPr>
+              <a:lvl3pPr marL="914400" algn="l" defTabSz="914400" rtl="0" eaLnBrk="1" latinLnBrk="0" hangingPunct="1">
+                <a:defRPr sz="1800" kern="1200">
+                  <a:solidFill>
+                    <a:schemeClr val="dk1"/>
+                  </a:solidFill>
+                  <a:latin typeface="+mn-lt"/>
+                  <a:ea typeface="+mn-ea"/>
+                  <a:cs typeface="+mn-cs"/>
+                </a:defRPr>
+              </a:lvl3pPr>
+              <a:lvl4pPr marL="1371600" algn="l" defTabSz="914400" rtl="0" eaLnBrk="1" latinLnBrk="0" hangingPunct="1">
+                <a:defRPr sz="1800" kern="1200">
+                  <a:solidFill>
+                    <a:schemeClr val="dk1"/>
+                  </a:solidFill>
+                  <a:latin typeface="+mn-lt"/>
+                  <a:ea typeface="+mn-ea"/>
+                  <a:cs typeface="+mn-cs"/>
+                </a:defRPr>
+              </a:lvl4pPr>
+              <a:lvl5pPr marL="1828800" algn="l" defTabSz="914400" rtl="0" eaLnBrk="1" latinLnBrk="0" hangingPunct="1">
+                <a:defRPr sz="1800" kern="1200">
+                  <a:solidFill>
+                    <a:schemeClr val="dk1"/>
+                  </a:solidFill>
+                  <a:latin typeface="+mn-lt"/>
+                  <a:ea typeface="+mn-ea"/>
+                  <a:cs typeface="+mn-cs"/>
+                </a:defRPr>
+              </a:lvl5pPr>
+              <a:lvl6pPr marL="2286000" algn="l" defTabSz="914400" rtl="0" eaLnBrk="1" latinLnBrk="0" hangingPunct="1">
+                <a:defRPr sz="1800" kern="1200">
+                  <a:solidFill>
+                    <a:schemeClr val="dk1"/>
+                  </a:solidFill>
+                  <a:latin typeface="+mn-lt"/>
+                  <a:ea typeface="+mn-ea"/>
+                  <a:cs typeface="+mn-cs"/>
+                </a:defRPr>
+              </a:lvl6pPr>
+              <a:lvl7pPr marL="2743200" algn="l" defTabSz="914400" rtl="0" eaLnBrk="1" latinLnBrk="0" hangingPunct="1">
+                <a:defRPr sz="1800" kern="1200">
+                  <a:solidFill>
+                    <a:schemeClr val="dk1"/>
+                  </a:solidFill>
+                  <a:latin typeface="+mn-lt"/>
+                  <a:ea typeface="+mn-ea"/>
+                  <a:cs typeface="+mn-cs"/>
+                </a:defRPr>
+              </a:lvl7pPr>
+              <a:lvl8pPr marL="3200400" algn="l" defTabSz="914400" rtl="0" eaLnBrk="1" latinLnBrk="0" hangingPunct="1">
+                <a:defRPr sz="1800" kern="1200">
+                  <a:solidFill>
+                    <a:schemeClr val="dk1"/>
+                  </a:solidFill>
+                  <a:latin typeface="+mn-lt"/>
+                  <a:ea typeface="+mn-ea"/>
+                  <a:cs typeface="+mn-cs"/>
+                </a:defRPr>
+              </a:lvl8pPr>
+              <a:lvl9pPr marL="3657600" algn="l" defTabSz="914400" rtl="0" eaLnBrk="1" latinLnBrk="0" hangingPunct="1">
+                <a:defRPr sz="1800" kern="1200">
+                  <a:solidFill>
+                    <a:schemeClr val="dk1"/>
+                  </a:solidFill>
+                  <a:latin typeface="+mn-lt"/>
+                  <a:ea typeface="+mn-ea"/>
+                  <a:cs typeface="+mn-cs"/>
+                </a:defRPr>
+              </a:lvl9pPr>
+            </a:lstStyle>
+            <a:p>
+              <a:pPr algn="ctr"/>
+              <a:r>
+                <a:rPr lang="en-US" sz="1000" b="1" dirty="0" err="1">
+                  <a:solidFill>
+                    <a:srgbClr val="0070C0"/>
+                  </a:solidFill>
+                </a:rPr>
+                <a:t>AliasParser</a:t>
+              </a:r>
+              <a:endParaRPr lang="en-SG" sz="1000" b="1" dirty="0">
+                <a:solidFill>
+                  <a:srgbClr val="0070C0"/>
+                </a:solidFill>
+              </a:endParaRPr>
+            </a:p>
+          </p:txBody>
+        </p:sp>
+        <p:sp>
+          <p:nvSpPr>
+            <p:cNvPr id="133" name="Rectangle 132"/>
+            <p:cNvSpPr/>
+            <p:nvPr/>
+          </p:nvSpPr>
+          <p:spPr>
+            <a:xfrm flipH="1">
+              <a:off x="3625863" y="4589998"/>
+              <a:ext cx="1188720" cy="228600"/>
+            </a:xfrm>
+            <a:prstGeom prst="rect">
+              <a:avLst/>
+            </a:prstGeom>
+            <a:ln w="19050">
+              <a:solidFill>
+                <a:srgbClr val="0070C0"/>
+              </a:solidFill>
+            </a:ln>
+            <a:effectLst/>
+          </p:spPr>
+          <p:style>
+            <a:lnRef idx="1">
+              <a:schemeClr val="accent1"/>
+            </a:lnRef>
+            <a:fillRef idx="2">
+              <a:schemeClr val="accent1"/>
+            </a:fillRef>
+            <a:effectRef idx="1">
+              <a:schemeClr val="accent1"/>
+            </a:effectRef>
+            <a:fontRef idx="minor">
+              <a:schemeClr val="dk1"/>
+            </a:fontRef>
+          </p:style>
+          <p:txBody>
+            <a:bodyPr rtlCol="0" anchor="ctr"/>
+            <a:lstStyle>
+              <a:defPPr>
+                <a:defRPr lang="en-US"/>
+              </a:defPPr>
+              <a:lvl1pPr marL="0" algn="l" defTabSz="914400" rtl="0" eaLnBrk="1" latinLnBrk="0" hangingPunct="1">
+                <a:defRPr sz="1800" kern="1200">
+                  <a:solidFill>
+                    <a:schemeClr val="dk1"/>
+                  </a:solidFill>
+                  <a:latin typeface="+mn-lt"/>
+                  <a:ea typeface="+mn-ea"/>
+                  <a:cs typeface="+mn-cs"/>
+                </a:defRPr>
+              </a:lvl1pPr>
+              <a:lvl2pPr marL="457200" algn="l" defTabSz="914400" rtl="0" eaLnBrk="1" latinLnBrk="0" hangingPunct="1">
+                <a:defRPr sz="1800" kern="1200">
+                  <a:solidFill>
+                    <a:schemeClr val="dk1"/>
+                  </a:solidFill>
+                  <a:latin typeface="+mn-lt"/>
+                  <a:ea typeface="+mn-ea"/>
+                  <a:cs typeface="+mn-cs"/>
+                </a:defRPr>
+              </a:lvl2pPr>
+              <a:lvl3pPr marL="914400" algn="l" defTabSz="914400" rtl="0" eaLnBrk="1" latinLnBrk="0" hangingPunct="1">
+                <a:defRPr sz="1800" kern="1200">
+                  <a:solidFill>
+                    <a:schemeClr val="dk1"/>
+                  </a:solidFill>
+                  <a:latin typeface="+mn-lt"/>
+                  <a:ea typeface="+mn-ea"/>
+                  <a:cs typeface="+mn-cs"/>
+                </a:defRPr>
+              </a:lvl3pPr>
+              <a:lvl4pPr marL="1371600" algn="l" defTabSz="914400" rtl="0" eaLnBrk="1" latinLnBrk="0" hangingPunct="1">
+                <a:defRPr sz="1800" kern="1200">
+                  <a:solidFill>
+                    <a:schemeClr val="dk1"/>
+                  </a:solidFill>
+                  <a:latin typeface="+mn-lt"/>
+                  <a:ea typeface="+mn-ea"/>
+                  <a:cs typeface="+mn-cs"/>
+                </a:defRPr>
+              </a:lvl4pPr>
+              <a:lvl5pPr marL="1828800" algn="l" defTabSz="914400" rtl="0" eaLnBrk="1" latinLnBrk="0" hangingPunct="1">
+                <a:defRPr sz="1800" kern="1200">
+                  <a:solidFill>
+                    <a:schemeClr val="dk1"/>
+                  </a:solidFill>
+                  <a:latin typeface="+mn-lt"/>
+                  <a:ea typeface="+mn-ea"/>
+                  <a:cs typeface="+mn-cs"/>
+                </a:defRPr>
+              </a:lvl5pPr>
+              <a:lvl6pPr marL="2286000" algn="l" defTabSz="914400" rtl="0" eaLnBrk="1" latinLnBrk="0" hangingPunct="1">
+                <a:defRPr sz="1800" kern="1200">
+                  <a:solidFill>
+                    <a:schemeClr val="dk1"/>
+                  </a:solidFill>
+                  <a:latin typeface="+mn-lt"/>
+                  <a:ea typeface="+mn-ea"/>
+                  <a:cs typeface="+mn-cs"/>
+                </a:defRPr>
+              </a:lvl6pPr>
+              <a:lvl7pPr marL="2743200" algn="l" defTabSz="914400" rtl="0" eaLnBrk="1" latinLnBrk="0" hangingPunct="1">
+                <a:defRPr sz="1800" kern="1200">
+                  <a:solidFill>
+                    <a:schemeClr val="dk1"/>
+                  </a:solidFill>
+                  <a:latin typeface="+mn-lt"/>
+                  <a:ea typeface="+mn-ea"/>
+                  <a:cs typeface="+mn-cs"/>
+                </a:defRPr>
+              </a:lvl7pPr>
+              <a:lvl8pPr marL="3200400" algn="l" defTabSz="914400" rtl="0" eaLnBrk="1" latinLnBrk="0" hangingPunct="1">
+                <a:defRPr sz="1800" kern="1200">
+                  <a:solidFill>
+                    <a:schemeClr val="dk1"/>
+                  </a:solidFill>
+                  <a:latin typeface="+mn-lt"/>
+                  <a:ea typeface="+mn-ea"/>
+                  <a:cs typeface="+mn-cs"/>
+                </a:defRPr>
+              </a:lvl8pPr>
+              <a:lvl9pPr marL="3657600" algn="l" defTabSz="914400" rtl="0" eaLnBrk="1" latinLnBrk="0" hangingPunct="1">
+                <a:defRPr sz="1800" kern="1200">
+                  <a:solidFill>
+                    <a:schemeClr val="dk1"/>
+                  </a:solidFill>
+                  <a:latin typeface="+mn-lt"/>
+                  <a:ea typeface="+mn-ea"/>
+                  <a:cs typeface="+mn-cs"/>
+                </a:defRPr>
+              </a:lvl9pPr>
+            </a:lstStyle>
+            <a:p>
+              <a:pPr algn="ctr"/>
+              <a:r>
+                <a:rPr lang="en-US" sz="1000" b="1" dirty="0" err="1">
+                  <a:solidFill>
+                    <a:srgbClr val="0070C0"/>
+                  </a:solidFill>
+                </a:rPr>
+                <a:t>DeleteParser</a:t>
+              </a:r>
+              <a:endParaRPr lang="en-SG" sz="1000" b="1" dirty="0">
+                <a:solidFill>
+                  <a:srgbClr val="0070C0"/>
+                </a:solidFill>
+              </a:endParaRPr>
+            </a:p>
+          </p:txBody>
+        </p:sp>
+        <p:sp>
+          <p:nvSpPr>
+            <p:cNvPr id="145" name="Rectangle 144"/>
+            <p:cNvSpPr/>
+            <p:nvPr/>
+          </p:nvSpPr>
+          <p:spPr>
+            <a:xfrm flipH="1">
+              <a:off x="3625863" y="3867550"/>
+              <a:ext cx="1188720" cy="228600"/>
+            </a:xfrm>
+            <a:prstGeom prst="rect">
+              <a:avLst/>
+            </a:prstGeom>
+            <a:ln w="19050">
+              <a:solidFill>
+                <a:srgbClr val="0070C0"/>
+              </a:solidFill>
+            </a:ln>
+            <a:effectLst/>
+          </p:spPr>
+          <p:style>
+            <a:lnRef idx="1">
+              <a:schemeClr val="accent1"/>
+            </a:lnRef>
+            <a:fillRef idx="2">
+              <a:schemeClr val="accent1"/>
+            </a:fillRef>
+            <a:effectRef idx="1">
+              <a:schemeClr val="accent1"/>
+            </a:effectRef>
+            <a:fontRef idx="minor">
+              <a:schemeClr val="dk1"/>
+            </a:fontRef>
+          </p:style>
+          <p:txBody>
+            <a:bodyPr rtlCol="0" anchor="ctr"/>
+            <a:lstStyle>
+              <a:defPPr>
+                <a:defRPr lang="en-US"/>
+              </a:defPPr>
+              <a:lvl1pPr marL="0" algn="l" defTabSz="914400" rtl="0" eaLnBrk="1" latinLnBrk="0" hangingPunct="1">
+                <a:defRPr sz="1800" kern="1200">
+                  <a:solidFill>
+                    <a:schemeClr val="dk1"/>
+                  </a:solidFill>
+                  <a:latin typeface="+mn-lt"/>
+                  <a:ea typeface="+mn-ea"/>
+                  <a:cs typeface="+mn-cs"/>
+                </a:defRPr>
+              </a:lvl1pPr>
+              <a:lvl2pPr marL="457200" algn="l" defTabSz="914400" rtl="0" eaLnBrk="1" latinLnBrk="0" hangingPunct="1">
+                <a:defRPr sz="1800" kern="1200">
+                  <a:solidFill>
+                    <a:schemeClr val="dk1"/>
+                  </a:solidFill>
+                  <a:latin typeface="+mn-lt"/>
+                  <a:ea typeface="+mn-ea"/>
+                  <a:cs typeface="+mn-cs"/>
+                </a:defRPr>
+              </a:lvl2pPr>
+              <a:lvl3pPr marL="914400" algn="l" defTabSz="914400" rtl="0" eaLnBrk="1" latinLnBrk="0" hangingPunct="1">
+                <a:defRPr sz="1800" kern="1200">
+                  <a:solidFill>
+                    <a:schemeClr val="dk1"/>
+                  </a:solidFill>
+                  <a:latin typeface="+mn-lt"/>
+                  <a:ea typeface="+mn-ea"/>
+                  <a:cs typeface="+mn-cs"/>
+                </a:defRPr>
+              </a:lvl3pPr>
+              <a:lvl4pPr marL="1371600" algn="l" defTabSz="914400" rtl="0" eaLnBrk="1" latinLnBrk="0" hangingPunct="1">
+                <a:defRPr sz="1800" kern="1200">
+                  <a:solidFill>
+                    <a:schemeClr val="dk1"/>
+                  </a:solidFill>
+                  <a:latin typeface="+mn-lt"/>
+                  <a:ea typeface="+mn-ea"/>
+                  <a:cs typeface="+mn-cs"/>
+                </a:defRPr>
+              </a:lvl4pPr>
+              <a:lvl5pPr marL="1828800" algn="l" defTabSz="914400" rtl="0" eaLnBrk="1" latinLnBrk="0" hangingPunct="1">
+                <a:defRPr sz="1800" kern="1200">
+                  <a:solidFill>
+                    <a:schemeClr val="dk1"/>
+                  </a:solidFill>
+                  <a:latin typeface="+mn-lt"/>
+                  <a:ea typeface="+mn-ea"/>
+                  <a:cs typeface="+mn-cs"/>
+                </a:defRPr>
+              </a:lvl5pPr>
+              <a:lvl6pPr marL="2286000" algn="l" defTabSz="914400" rtl="0" eaLnBrk="1" latinLnBrk="0" hangingPunct="1">
+                <a:defRPr sz="1800" kern="1200">
+                  <a:solidFill>
+                    <a:schemeClr val="dk1"/>
+                  </a:solidFill>
+                  <a:latin typeface="+mn-lt"/>
+                  <a:ea typeface="+mn-ea"/>
+                  <a:cs typeface="+mn-cs"/>
+                </a:defRPr>
+              </a:lvl6pPr>
+              <a:lvl7pPr marL="2743200" algn="l" defTabSz="914400" rtl="0" eaLnBrk="1" latinLnBrk="0" hangingPunct="1">
+                <a:defRPr sz="1800" kern="1200">
+                  <a:solidFill>
+                    <a:schemeClr val="dk1"/>
+                  </a:solidFill>
+                  <a:latin typeface="+mn-lt"/>
+                  <a:ea typeface="+mn-ea"/>
+                  <a:cs typeface="+mn-cs"/>
+                </a:defRPr>
+              </a:lvl7pPr>
+              <a:lvl8pPr marL="3200400" algn="l" defTabSz="914400" rtl="0" eaLnBrk="1" latinLnBrk="0" hangingPunct="1">
+                <a:defRPr sz="1800" kern="1200">
+                  <a:solidFill>
+                    <a:schemeClr val="dk1"/>
+                  </a:solidFill>
+                  <a:latin typeface="+mn-lt"/>
+                  <a:ea typeface="+mn-ea"/>
+                  <a:cs typeface="+mn-cs"/>
+                </a:defRPr>
+              </a:lvl8pPr>
+              <a:lvl9pPr marL="3657600" algn="l" defTabSz="914400" rtl="0" eaLnBrk="1" latinLnBrk="0" hangingPunct="1">
+                <a:defRPr sz="1800" kern="1200">
+                  <a:solidFill>
+                    <a:schemeClr val="dk1"/>
+                  </a:solidFill>
+                  <a:latin typeface="+mn-lt"/>
+                  <a:ea typeface="+mn-ea"/>
+                  <a:cs typeface="+mn-cs"/>
+                </a:defRPr>
+              </a:lvl9pPr>
+            </a:lstStyle>
+            <a:p>
+              <a:pPr algn="ctr"/>
+              <a:r>
+                <a:rPr lang="en-US" sz="1000" b="1" dirty="0" err="1">
+                  <a:solidFill>
+                    <a:srgbClr val="0070C0"/>
+                  </a:solidFill>
+                </a:rPr>
+                <a:t>AddParser</a:t>
+              </a:r>
+              <a:endParaRPr lang="en-SG" sz="1000" b="1" dirty="0">
+                <a:solidFill>
+                  <a:srgbClr val="0070C0"/>
+                </a:solidFill>
+              </a:endParaRPr>
+            </a:p>
+          </p:txBody>
+        </p:sp>
+        <p:sp>
+          <p:nvSpPr>
+            <p:cNvPr id="146" name="Rectangle 145"/>
+            <p:cNvSpPr/>
+            <p:nvPr/>
+          </p:nvSpPr>
+          <p:spPr>
+            <a:xfrm flipH="1">
+              <a:off x="3625863" y="4951222"/>
+              <a:ext cx="1188720" cy="228600"/>
+            </a:xfrm>
+            <a:prstGeom prst="rect">
+              <a:avLst/>
+            </a:prstGeom>
+            <a:ln w="19050">
+              <a:solidFill>
+                <a:srgbClr val="0070C0"/>
+              </a:solidFill>
+            </a:ln>
+            <a:effectLst/>
+          </p:spPr>
+          <p:style>
+            <a:lnRef idx="1">
+              <a:schemeClr val="accent1"/>
+            </a:lnRef>
+            <a:fillRef idx="2">
+              <a:schemeClr val="accent1"/>
+            </a:fillRef>
+            <a:effectRef idx="1">
+              <a:schemeClr val="accent1"/>
+            </a:effectRef>
+            <a:fontRef idx="minor">
+              <a:schemeClr val="dk1"/>
+            </a:fontRef>
+          </p:style>
+          <p:txBody>
+            <a:bodyPr rtlCol="0" anchor="ctr"/>
+            <a:lstStyle>
+              <a:defPPr>
+                <a:defRPr lang="en-US"/>
+              </a:defPPr>
+              <a:lvl1pPr marL="0" algn="l" defTabSz="914400" rtl="0" eaLnBrk="1" latinLnBrk="0" hangingPunct="1">
+                <a:defRPr sz="1800" kern="1200">
+                  <a:solidFill>
+                    <a:schemeClr val="dk1"/>
+                  </a:solidFill>
+                  <a:latin typeface="+mn-lt"/>
+                  <a:ea typeface="+mn-ea"/>
+                  <a:cs typeface="+mn-cs"/>
+                </a:defRPr>
+              </a:lvl1pPr>
+              <a:lvl2pPr marL="457200" algn="l" defTabSz="914400" rtl="0" eaLnBrk="1" latinLnBrk="0" hangingPunct="1">
+                <a:defRPr sz="1800" kern="1200">
+                  <a:solidFill>
+                    <a:schemeClr val="dk1"/>
+                  </a:solidFill>
+                  <a:latin typeface="+mn-lt"/>
+                  <a:ea typeface="+mn-ea"/>
+                  <a:cs typeface="+mn-cs"/>
+                </a:defRPr>
+              </a:lvl2pPr>
+              <a:lvl3pPr marL="914400" algn="l" defTabSz="914400" rtl="0" eaLnBrk="1" latinLnBrk="0" hangingPunct="1">
+                <a:defRPr sz="1800" kern="1200">
+                  <a:solidFill>
+                    <a:schemeClr val="dk1"/>
+                  </a:solidFill>
+                  <a:latin typeface="+mn-lt"/>
+                  <a:ea typeface="+mn-ea"/>
+                  <a:cs typeface="+mn-cs"/>
+                </a:defRPr>
+              </a:lvl3pPr>
+              <a:lvl4pPr marL="1371600" algn="l" defTabSz="914400" rtl="0" eaLnBrk="1" latinLnBrk="0" hangingPunct="1">
+                <a:defRPr sz="1800" kern="1200">
+                  <a:solidFill>
+                    <a:schemeClr val="dk1"/>
+                  </a:solidFill>
+                  <a:latin typeface="+mn-lt"/>
+                  <a:ea typeface="+mn-ea"/>
+                  <a:cs typeface="+mn-cs"/>
+                </a:defRPr>
+              </a:lvl4pPr>
+              <a:lvl5pPr marL="1828800" algn="l" defTabSz="914400" rtl="0" eaLnBrk="1" latinLnBrk="0" hangingPunct="1">
+                <a:defRPr sz="1800" kern="1200">
+                  <a:solidFill>
+                    <a:schemeClr val="dk1"/>
+                  </a:solidFill>
+                  <a:latin typeface="+mn-lt"/>
+                  <a:ea typeface="+mn-ea"/>
+                  <a:cs typeface="+mn-cs"/>
+                </a:defRPr>
+              </a:lvl5pPr>
+              <a:lvl6pPr marL="2286000" algn="l" defTabSz="914400" rtl="0" eaLnBrk="1" latinLnBrk="0" hangingPunct="1">
+                <a:defRPr sz="1800" kern="1200">
+                  <a:solidFill>
+                    <a:schemeClr val="dk1"/>
+                  </a:solidFill>
+                  <a:latin typeface="+mn-lt"/>
+                  <a:ea typeface="+mn-ea"/>
+                  <a:cs typeface="+mn-cs"/>
+                </a:defRPr>
+              </a:lvl6pPr>
+              <a:lvl7pPr marL="2743200" algn="l" defTabSz="914400" rtl="0" eaLnBrk="1" latinLnBrk="0" hangingPunct="1">
+                <a:defRPr sz="1800" kern="1200">
+                  <a:solidFill>
+                    <a:schemeClr val="dk1"/>
+                  </a:solidFill>
+                  <a:latin typeface="+mn-lt"/>
+                  <a:ea typeface="+mn-ea"/>
+                  <a:cs typeface="+mn-cs"/>
+                </a:defRPr>
+              </a:lvl7pPr>
+              <a:lvl8pPr marL="3200400" algn="l" defTabSz="914400" rtl="0" eaLnBrk="1" latinLnBrk="0" hangingPunct="1">
+                <a:defRPr sz="1800" kern="1200">
+                  <a:solidFill>
+                    <a:schemeClr val="dk1"/>
+                  </a:solidFill>
+                  <a:latin typeface="+mn-lt"/>
+                  <a:ea typeface="+mn-ea"/>
+                  <a:cs typeface="+mn-cs"/>
+                </a:defRPr>
+              </a:lvl8pPr>
+              <a:lvl9pPr marL="3657600" algn="l" defTabSz="914400" rtl="0" eaLnBrk="1" latinLnBrk="0" hangingPunct="1">
+                <a:defRPr sz="1800" kern="1200">
+                  <a:solidFill>
+                    <a:schemeClr val="dk1"/>
+                  </a:solidFill>
+                  <a:latin typeface="+mn-lt"/>
+                  <a:ea typeface="+mn-ea"/>
+                  <a:cs typeface="+mn-cs"/>
+                </a:defRPr>
+              </a:lvl9pPr>
+            </a:lstStyle>
+            <a:p>
+              <a:pPr algn="ctr"/>
+              <a:r>
+                <a:rPr lang="en-US" sz="1000" b="1" dirty="0" err="1">
+                  <a:solidFill>
+                    <a:srgbClr val="0070C0"/>
+                  </a:solidFill>
+                </a:rPr>
+                <a:t>ChangePathParser</a:t>
+              </a:r>
+              <a:endParaRPr lang="en-SG" sz="1000" b="1" dirty="0">
+                <a:solidFill>
+                  <a:srgbClr val="0070C0"/>
+                </a:solidFill>
+              </a:endParaRPr>
+            </a:p>
+          </p:txBody>
+        </p:sp>
+      </p:grpSp>
+      <p:grpSp>
+        <p:nvGrpSpPr>
+          <p:cNvPr id="174" name="Group 173"/>
+          <p:cNvGrpSpPr/>
+          <p:nvPr/>
+        </p:nvGrpSpPr>
+        <p:grpSpPr>
+          <a:xfrm>
+            <a:off x="5178830" y="3886037"/>
+            <a:ext cx="1188720" cy="2020598"/>
+            <a:chOff x="5003857" y="3886037"/>
+            <a:chExt cx="1188720" cy="2020598"/>
+          </a:xfrm>
+        </p:grpSpPr>
+        <p:sp>
+          <p:nvSpPr>
+            <p:cNvPr id="132" name="Rectangle 131"/>
+            <p:cNvSpPr/>
+            <p:nvPr/>
+          </p:nvSpPr>
+          <p:spPr>
+            <a:xfrm flipH="1">
+              <a:off x="5003857" y="5678035"/>
+              <a:ext cx="1188720" cy="228600"/>
+            </a:xfrm>
+            <a:prstGeom prst="rect">
+              <a:avLst/>
+            </a:prstGeom>
+            <a:ln w="19050">
+              <a:solidFill>
+                <a:srgbClr val="0070C0"/>
+              </a:solidFill>
+            </a:ln>
+            <a:effectLst/>
+          </p:spPr>
+          <p:style>
+            <a:lnRef idx="1">
+              <a:schemeClr val="accent1"/>
+            </a:lnRef>
+            <a:fillRef idx="2">
+              <a:schemeClr val="accent1"/>
+            </a:fillRef>
+            <a:effectRef idx="1">
+              <a:schemeClr val="accent1"/>
+            </a:effectRef>
+            <a:fontRef idx="minor">
+              <a:schemeClr val="dk1"/>
+            </a:fontRef>
+          </p:style>
+          <p:txBody>
+            <a:bodyPr rtlCol="0" anchor="ctr"/>
+            <a:lstStyle>
+              <a:defPPr>
+                <a:defRPr lang="en-US"/>
+              </a:defPPr>
+              <a:lvl1pPr marL="0" algn="l" defTabSz="914400" rtl="0" eaLnBrk="1" latinLnBrk="0" hangingPunct="1">
+                <a:defRPr sz="1800" kern="1200">
+                  <a:solidFill>
+                    <a:schemeClr val="dk1"/>
+                  </a:solidFill>
+                  <a:latin typeface="+mn-lt"/>
+                  <a:ea typeface="+mn-ea"/>
+                  <a:cs typeface="+mn-cs"/>
+                </a:defRPr>
+              </a:lvl1pPr>
+              <a:lvl2pPr marL="457200" algn="l" defTabSz="914400" rtl="0" eaLnBrk="1" latinLnBrk="0" hangingPunct="1">
+                <a:defRPr sz="1800" kern="1200">
+                  <a:solidFill>
+                    <a:schemeClr val="dk1"/>
+                  </a:solidFill>
+                  <a:latin typeface="+mn-lt"/>
+                  <a:ea typeface="+mn-ea"/>
+                  <a:cs typeface="+mn-cs"/>
+                </a:defRPr>
+              </a:lvl2pPr>
+              <a:lvl3pPr marL="914400" algn="l" defTabSz="914400" rtl="0" eaLnBrk="1" latinLnBrk="0" hangingPunct="1">
+                <a:defRPr sz="1800" kern="1200">
+                  <a:solidFill>
+                    <a:schemeClr val="dk1"/>
+                  </a:solidFill>
+                  <a:latin typeface="+mn-lt"/>
+                  <a:ea typeface="+mn-ea"/>
+                  <a:cs typeface="+mn-cs"/>
+                </a:defRPr>
+              </a:lvl3pPr>
+              <a:lvl4pPr marL="1371600" algn="l" defTabSz="914400" rtl="0" eaLnBrk="1" latinLnBrk="0" hangingPunct="1">
+                <a:defRPr sz="1800" kern="1200">
+                  <a:solidFill>
+                    <a:schemeClr val="dk1"/>
+                  </a:solidFill>
+                  <a:latin typeface="+mn-lt"/>
+                  <a:ea typeface="+mn-ea"/>
+                  <a:cs typeface="+mn-cs"/>
+                </a:defRPr>
+              </a:lvl4pPr>
+              <a:lvl5pPr marL="1828800" algn="l" defTabSz="914400" rtl="0" eaLnBrk="1" latinLnBrk="0" hangingPunct="1">
+                <a:defRPr sz="1800" kern="1200">
+                  <a:solidFill>
+                    <a:schemeClr val="dk1"/>
+                  </a:solidFill>
+                  <a:latin typeface="+mn-lt"/>
+                  <a:ea typeface="+mn-ea"/>
+                  <a:cs typeface="+mn-cs"/>
+                </a:defRPr>
+              </a:lvl5pPr>
+              <a:lvl6pPr marL="2286000" algn="l" defTabSz="914400" rtl="0" eaLnBrk="1" latinLnBrk="0" hangingPunct="1">
+                <a:defRPr sz="1800" kern="1200">
+                  <a:solidFill>
+                    <a:schemeClr val="dk1"/>
+                  </a:solidFill>
+                  <a:latin typeface="+mn-lt"/>
+                  <a:ea typeface="+mn-ea"/>
+                  <a:cs typeface="+mn-cs"/>
+                </a:defRPr>
+              </a:lvl6pPr>
+              <a:lvl7pPr marL="2743200" algn="l" defTabSz="914400" rtl="0" eaLnBrk="1" latinLnBrk="0" hangingPunct="1">
+                <a:defRPr sz="1800" kern="1200">
+                  <a:solidFill>
+                    <a:schemeClr val="dk1"/>
+                  </a:solidFill>
+                  <a:latin typeface="+mn-lt"/>
+                  <a:ea typeface="+mn-ea"/>
+                  <a:cs typeface="+mn-cs"/>
+                </a:defRPr>
+              </a:lvl7pPr>
+              <a:lvl8pPr marL="3200400" algn="l" defTabSz="914400" rtl="0" eaLnBrk="1" latinLnBrk="0" hangingPunct="1">
+                <a:defRPr sz="1800" kern="1200">
+                  <a:solidFill>
+                    <a:schemeClr val="dk1"/>
+                  </a:solidFill>
+                  <a:latin typeface="+mn-lt"/>
+                  <a:ea typeface="+mn-ea"/>
+                  <a:cs typeface="+mn-cs"/>
+                </a:defRPr>
+              </a:lvl8pPr>
+              <a:lvl9pPr marL="3657600" algn="l" defTabSz="914400" rtl="0" eaLnBrk="1" latinLnBrk="0" hangingPunct="1">
+                <a:defRPr sz="1800" kern="1200">
+                  <a:solidFill>
+                    <a:schemeClr val="dk1"/>
+                  </a:solidFill>
+                  <a:latin typeface="+mn-lt"/>
+                  <a:ea typeface="+mn-ea"/>
+                  <a:cs typeface="+mn-cs"/>
+                </a:defRPr>
+              </a:lvl9pPr>
+            </a:lstStyle>
+            <a:p>
+              <a:pPr algn="ctr"/>
+              <a:r>
+                <a:rPr lang="en-SG" sz="1000" b="1" dirty="0" err="1">
+                  <a:solidFill>
+                    <a:srgbClr val="0070C0"/>
+                  </a:solidFill>
+                </a:rPr>
+                <a:t>ExitParser</a:t>
+              </a:r>
+              <a:endParaRPr lang="en-SG" sz="1000" b="1" dirty="0">
+                <a:solidFill>
+                  <a:srgbClr val="0070C0"/>
+                </a:solidFill>
+              </a:endParaRPr>
+            </a:p>
+          </p:txBody>
+        </p:sp>
+        <p:sp>
+          <p:nvSpPr>
+            <p:cNvPr id="142" name="Rectangle 141"/>
+            <p:cNvSpPr/>
+            <p:nvPr/>
+          </p:nvSpPr>
+          <p:spPr>
+            <a:xfrm flipH="1">
+              <a:off x="5003857" y="5319637"/>
+              <a:ext cx="1188720" cy="228600"/>
+            </a:xfrm>
+            <a:prstGeom prst="rect">
+              <a:avLst/>
+            </a:prstGeom>
+            <a:ln w="19050">
+              <a:solidFill>
+                <a:srgbClr val="0070C0"/>
+              </a:solidFill>
+            </a:ln>
+            <a:effectLst/>
+          </p:spPr>
+          <p:style>
+            <a:lnRef idx="1">
+              <a:schemeClr val="accent1"/>
+            </a:lnRef>
+            <a:fillRef idx="2">
+              <a:schemeClr val="accent1"/>
+            </a:fillRef>
+            <a:effectRef idx="1">
+              <a:schemeClr val="accent1"/>
+            </a:effectRef>
+            <a:fontRef idx="minor">
+              <a:schemeClr val="dk1"/>
+            </a:fontRef>
+          </p:style>
+          <p:txBody>
+            <a:bodyPr rtlCol="0" anchor="ctr"/>
+            <a:lstStyle>
+              <a:defPPr>
+                <a:defRPr lang="en-US"/>
+              </a:defPPr>
+              <a:lvl1pPr marL="0" algn="l" defTabSz="914400" rtl="0" eaLnBrk="1" latinLnBrk="0" hangingPunct="1">
+                <a:defRPr sz="1800" kern="1200">
+                  <a:solidFill>
+                    <a:schemeClr val="dk1"/>
+                  </a:solidFill>
+                  <a:latin typeface="+mn-lt"/>
+                  <a:ea typeface="+mn-ea"/>
+                  <a:cs typeface="+mn-cs"/>
+                </a:defRPr>
+              </a:lvl1pPr>
+              <a:lvl2pPr marL="457200" algn="l" defTabSz="914400" rtl="0" eaLnBrk="1" latinLnBrk="0" hangingPunct="1">
+                <a:defRPr sz="1800" kern="1200">
+                  <a:solidFill>
+                    <a:schemeClr val="dk1"/>
+                  </a:solidFill>
+                  <a:latin typeface="+mn-lt"/>
+                  <a:ea typeface="+mn-ea"/>
+                  <a:cs typeface="+mn-cs"/>
+                </a:defRPr>
+              </a:lvl2pPr>
+              <a:lvl3pPr marL="914400" algn="l" defTabSz="914400" rtl="0" eaLnBrk="1" latinLnBrk="0" hangingPunct="1">
+                <a:defRPr sz="1800" kern="1200">
+                  <a:solidFill>
+                    <a:schemeClr val="dk1"/>
+                  </a:solidFill>
+                  <a:latin typeface="+mn-lt"/>
+                  <a:ea typeface="+mn-ea"/>
+                  <a:cs typeface="+mn-cs"/>
+                </a:defRPr>
+              </a:lvl3pPr>
+              <a:lvl4pPr marL="1371600" algn="l" defTabSz="914400" rtl="0" eaLnBrk="1" latinLnBrk="0" hangingPunct="1">
+                <a:defRPr sz="1800" kern="1200">
+                  <a:solidFill>
+                    <a:schemeClr val="dk1"/>
+                  </a:solidFill>
+                  <a:latin typeface="+mn-lt"/>
+                  <a:ea typeface="+mn-ea"/>
+                  <a:cs typeface="+mn-cs"/>
+                </a:defRPr>
+              </a:lvl4pPr>
+              <a:lvl5pPr marL="1828800" algn="l" defTabSz="914400" rtl="0" eaLnBrk="1" latinLnBrk="0" hangingPunct="1">
+                <a:defRPr sz="1800" kern="1200">
+                  <a:solidFill>
+                    <a:schemeClr val="dk1"/>
+                  </a:solidFill>
+                  <a:latin typeface="+mn-lt"/>
+                  <a:ea typeface="+mn-ea"/>
+                  <a:cs typeface="+mn-cs"/>
+                </a:defRPr>
+              </a:lvl5pPr>
+              <a:lvl6pPr marL="2286000" algn="l" defTabSz="914400" rtl="0" eaLnBrk="1" latinLnBrk="0" hangingPunct="1">
+                <a:defRPr sz="1800" kern="1200">
+                  <a:solidFill>
+                    <a:schemeClr val="dk1"/>
+                  </a:solidFill>
+                  <a:latin typeface="+mn-lt"/>
+                  <a:ea typeface="+mn-ea"/>
+                  <a:cs typeface="+mn-cs"/>
+                </a:defRPr>
+              </a:lvl6pPr>
+              <a:lvl7pPr marL="2743200" algn="l" defTabSz="914400" rtl="0" eaLnBrk="1" latinLnBrk="0" hangingPunct="1">
+                <a:defRPr sz="1800" kern="1200">
+                  <a:solidFill>
+                    <a:schemeClr val="dk1"/>
+                  </a:solidFill>
+                  <a:latin typeface="+mn-lt"/>
+                  <a:ea typeface="+mn-ea"/>
+                  <a:cs typeface="+mn-cs"/>
+                </a:defRPr>
+              </a:lvl7pPr>
+              <a:lvl8pPr marL="3200400" algn="l" defTabSz="914400" rtl="0" eaLnBrk="1" latinLnBrk="0" hangingPunct="1">
+                <a:defRPr sz="1800" kern="1200">
+                  <a:solidFill>
+                    <a:schemeClr val="dk1"/>
+                  </a:solidFill>
+                  <a:latin typeface="+mn-lt"/>
+                  <a:ea typeface="+mn-ea"/>
+                  <a:cs typeface="+mn-cs"/>
+                </a:defRPr>
+              </a:lvl8pPr>
+              <a:lvl9pPr marL="3657600" algn="l" defTabSz="914400" rtl="0" eaLnBrk="1" latinLnBrk="0" hangingPunct="1">
+                <a:defRPr sz="1800" kern="1200">
+                  <a:solidFill>
+                    <a:schemeClr val="dk1"/>
+                  </a:solidFill>
+                  <a:latin typeface="+mn-lt"/>
+                  <a:ea typeface="+mn-ea"/>
+                  <a:cs typeface="+mn-cs"/>
+                </a:defRPr>
+              </a:lvl9pPr>
+            </a:lstStyle>
+            <a:p>
+              <a:pPr algn="ctr"/>
+              <a:r>
+                <a:rPr lang="en-US" sz="1000" b="1" dirty="0" err="1">
+                  <a:solidFill>
+                    <a:srgbClr val="0070C0"/>
+                  </a:solidFill>
+                </a:rPr>
+                <a:t>UndoParser</a:t>
+              </a:r>
+              <a:endParaRPr lang="en-SG" sz="1000" b="1" dirty="0">
+                <a:solidFill>
+                  <a:srgbClr val="0070C0"/>
+                </a:solidFill>
+              </a:endParaRPr>
+            </a:p>
+          </p:txBody>
+        </p:sp>
+        <p:sp>
+          <p:nvSpPr>
+            <p:cNvPr id="150" name="Rectangle 149"/>
+            <p:cNvSpPr/>
+            <p:nvPr/>
+          </p:nvSpPr>
+          <p:spPr>
+            <a:xfrm flipH="1">
+              <a:off x="5003857" y="4244437"/>
+              <a:ext cx="1188720" cy="228600"/>
+            </a:xfrm>
+            <a:prstGeom prst="rect">
+              <a:avLst/>
+            </a:prstGeom>
+            <a:ln w="19050">
+              <a:solidFill>
+                <a:srgbClr val="0070C0"/>
+              </a:solidFill>
+            </a:ln>
+            <a:effectLst/>
+          </p:spPr>
+          <p:style>
+            <a:lnRef idx="1">
+              <a:schemeClr val="accent1"/>
+            </a:lnRef>
+            <a:fillRef idx="2">
+              <a:schemeClr val="accent1"/>
+            </a:fillRef>
+            <a:effectRef idx="1">
+              <a:schemeClr val="accent1"/>
+            </a:effectRef>
+            <a:fontRef idx="minor">
+              <a:schemeClr val="dk1"/>
+            </a:fontRef>
+          </p:style>
+          <p:txBody>
+            <a:bodyPr rtlCol="0" anchor="ctr"/>
+            <a:lstStyle>
+              <a:defPPr>
+                <a:defRPr lang="en-US"/>
+              </a:defPPr>
+              <a:lvl1pPr marL="0" algn="l" defTabSz="914400" rtl="0" eaLnBrk="1" latinLnBrk="0" hangingPunct="1">
+                <a:defRPr sz="1800" kern="1200">
+                  <a:solidFill>
+                    <a:schemeClr val="dk1"/>
+                  </a:solidFill>
+                  <a:latin typeface="+mn-lt"/>
+                  <a:ea typeface="+mn-ea"/>
+                  <a:cs typeface="+mn-cs"/>
+                </a:defRPr>
+              </a:lvl1pPr>
+              <a:lvl2pPr marL="457200" algn="l" defTabSz="914400" rtl="0" eaLnBrk="1" latinLnBrk="0" hangingPunct="1">
+                <a:defRPr sz="1800" kern="1200">
+                  <a:solidFill>
+                    <a:schemeClr val="dk1"/>
+                  </a:solidFill>
+                  <a:latin typeface="+mn-lt"/>
+                  <a:ea typeface="+mn-ea"/>
+                  <a:cs typeface="+mn-cs"/>
+                </a:defRPr>
+              </a:lvl2pPr>
+              <a:lvl3pPr marL="914400" algn="l" defTabSz="914400" rtl="0" eaLnBrk="1" latinLnBrk="0" hangingPunct="1">
+                <a:defRPr sz="1800" kern="1200">
+                  <a:solidFill>
+                    <a:schemeClr val="dk1"/>
+                  </a:solidFill>
+                  <a:latin typeface="+mn-lt"/>
+                  <a:ea typeface="+mn-ea"/>
+                  <a:cs typeface="+mn-cs"/>
+                </a:defRPr>
+              </a:lvl3pPr>
+              <a:lvl4pPr marL="1371600" algn="l" defTabSz="914400" rtl="0" eaLnBrk="1" latinLnBrk="0" hangingPunct="1">
+                <a:defRPr sz="1800" kern="1200">
+                  <a:solidFill>
+                    <a:schemeClr val="dk1"/>
+                  </a:solidFill>
+                  <a:latin typeface="+mn-lt"/>
+                  <a:ea typeface="+mn-ea"/>
+                  <a:cs typeface="+mn-cs"/>
+                </a:defRPr>
+              </a:lvl4pPr>
+              <a:lvl5pPr marL="1828800" algn="l" defTabSz="914400" rtl="0" eaLnBrk="1" latinLnBrk="0" hangingPunct="1">
+                <a:defRPr sz="1800" kern="1200">
+                  <a:solidFill>
+                    <a:schemeClr val="dk1"/>
+                  </a:solidFill>
+                  <a:latin typeface="+mn-lt"/>
+                  <a:ea typeface="+mn-ea"/>
+                  <a:cs typeface="+mn-cs"/>
+                </a:defRPr>
+              </a:lvl5pPr>
+              <a:lvl6pPr marL="2286000" algn="l" defTabSz="914400" rtl="0" eaLnBrk="1" latinLnBrk="0" hangingPunct="1">
+                <a:defRPr sz="1800" kern="1200">
+                  <a:solidFill>
+                    <a:schemeClr val="dk1"/>
+                  </a:solidFill>
+                  <a:latin typeface="+mn-lt"/>
+                  <a:ea typeface="+mn-ea"/>
+                  <a:cs typeface="+mn-cs"/>
+                </a:defRPr>
+              </a:lvl6pPr>
+              <a:lvl7pPr marL="2743200" algn="l" defTabSz="914400" rtl="0" eaLnBrk="1" latinLnBrk="0" hangingPunct="1">
+                <a:defRPr sz="1800" kern="1200">
+                  <a:solidFill>
+                    <a:schemeClr val="dk1"/>
+                  </a:solidFill>
+                  <a:latin typeface="+mn-lt"/>
+                  <a:ea typeface="+mn-ea"/>
+                  <a:cs typeface="+mn-cs"/>
+                </a:defRPr>
+              </a:lvl7pPr>
+              <a:lvl8pPr marL="3200400" algn="l" defTabSz="914400" rtl="0" eaLnBrk="1" latinLnBrk="0" hangingPunct="1">
+                <a:defRPr sz="1800" kern="1200">
+                  <a:solidFill>
+                    <a:schemeClr val="dk1"/>
+                  </a:solidFill>
+                  <a:latin typeface="+mn-lt"/>
+                  <a:ea typeface="+mn-ea"/>
+                  <a:cs typeface="+mn-cs"/>
+                </a:defRPr>
+              </a:lvl8pPr>
+              <a:lvl9pPr marL="3657600" algn="l" defTabSz="914400" rtl="0" eaLnBrk="1" latinLnBrk="0" hangingPunct="1">
+                <a:defRPr sz="1800" kern="1200">
+                  <a:solidFill>
+                    <a:schemeClr val="dk1"/>
+                  </a:solidFill>
+                  <a:latin typeface="+mn-lt"/>
+                  <a:ea typeface="+mn-ea"/>
+                  <a:cs typeface="+mn-cs"/>
+                </a:defRPr>
+              </a:lvl9pPr>
+            </a:lstStyle>
+            <a:p>
+              <a:pPr algn="ctr"/>
+              <a:r>
+                <a:rPr lang="en-US" sz="1000" b="1" dirty="0" err="1">
+                  <a:solidFill>
+                    <a:srgbClr val="0070C0"/>
+                  </a:solidFill>
+                </a:rPr>
+                <a:t>FindParser</a:t>
+              </a:r>
+              <a:endParaRPr lang="en-SG" sz="1000" b="1" dirty="0">
+                <a:solidFill>
+                  <a:srgbClr val="0070C0"/>
+                </a:solidFill>
+              </a:endParaRPr>
+            </a:p>
+          </p:txBody>
+        </p:sp>
+        <p:sp>
+          <p:nvSpPr>
+            <p:cNvPr id="151" name="Rectangle 150"/>
+            <p:cNvSpPr/>
+            <p:nvPr/>
+          </p:nvSpPr>
+          <p:spPr>
+            <a:xfrm flipH="1">
+              <a:off x="5003857" y="4602837"/>
+              <a:ext cx="1188720" cy="228600"/>
+            </a:xfrm>
+            <a:prstGeom prst="rect">
+              <a:avLst/>
+            </a:prstGeom>
+            <a:ln w="19050">
+              <a:solidFill>
+                <a:srgbClr val="0070C0"/>
+              </a:solidFill>
+            </a:ln>
+            <a:effectLst/>
+          </p:spPr>
+          <p:style>
+            <a:lnRef idx="1">
+              <a:schemeClr val="accent1"/>
+            </a:lnRef>
+            <a:fillRef idx="2">
+              <a:schemeClr val="accent1"/>
+            </a:fillRef>
+            <a:effectRef idx="1">
+              <a:schemeClr val="accent1"/>
+            </a:effectRef>
+            <a:fontRef idx="minor">
+              <a:schemeClr val="dk1"/>
+            </a:fontRef>
+          </p:style>
+          <p:txBody>
+            <a:bodyPr rtlCol="0" anchor="ctr"/>
+            <a:lstStyle>
+              <a:defPPr>
+                <a:defRPr lang="en-US"/>
+              </a:defPPr>
+              <a:lvl1pPr marL="0" algn="l" defTabSz="914400" rtl="0" eaLnBrk="1" latinLnBrk="0" hangingPunct="1">
+                <a:defRPr sz="1800" kern="1200">
+                  <a:solidFill>
+                    <a:schemeClr val="dk1"/>
+                  </a:solidFill>
+                  <a:latin typeface="+mn-lt"/>
+                  <a:ea typeface="+mn-ea"/>
+                  <a:cs typeface="+mn-cs"/>
+                </a:defRPr>
+              </a:lvl1pPr>
+              <a:lvl2pPr marL="457200" algn="l" defTabSz="914400" rtl="0" eaLnBrk="1" latinLnBrk="0" hangingPunct="1">
+                <a:defRPr sz="1800" kern="1200">
+                  <a:solidFill>
+                    <a:schemeClr val="dk1"/>
+                  </a:solidFill>
+                  <a:latin typeface="+mn-lt"/>
+                  <a:ea typeface="+mn-ea"/>
+                  <a:cs typeface="+mn-cs"/>
+                </a:defRPr>
+              </a:lvl2pPr>
+              <a:lvl3pPr marL="914400" algn="l" defTabSz="914400" rtl="0" eaLnBrk="1" latinLnBrk="0" hangingPunct="1">
+                <a:defRPr sz="1800" kern="1200">
+                  <a:solidFill>
+                    <a:schemeClr val="dk1"/>
+                  </a:solidFill>
+                  <a:latin typeface="+mn-lt"/>
+                  <a:ea typeface="+mn-ea"/>
+                  <a:cs typeface="+mn-cs"/>
+                </a:defRPr>
+              </a:lvl3pPr>
+              <a:lvl4pPr marL="1371600" algn="l" defTabSz="914400" rtl="0" eaLnBrk="1" latinLnBrk="0" hangingPunct="1">
+                <a:defRPr sz="1800" kern="1200">
+                  <a:solidFill>
+                    <a:schemeClr val="dk1"/>
+                  </a:solidFill>
+                  <a:latin typeface="+mn-lt"/>
+                  <a:ea typeface="+mn-ea"/>
+                  <a:cs typeface="+mn-cs"/>
+                </a:defRPr>
+              </a:lvl4pPr>
+              <a:lvl5pPr marL="1828800" algn="l" defTabSz="914400" rtl="0" eaLnBrk="1" latinLnBrk="0" hangingPunct="1">
+                <a:defRPr sz="1800" kern="1200">
+                  <a:solidFill>
+                    <a:schemeClr val="dk1"/>
+                  </a:solidFill>
+                  <a:latin typeface="+mn-lt"/>
+                  <a:ea typeface="+mn-ea"/>
+                  <a:cs typeface="+mn-cs"/>
+                </a:defRPr>
+              </a:lvl5pPr>
+              <a:lvl6pPr marL="2286000" algn="l" defTabSz="914400" rtl="0" eaLnBrk="1" latinLnBrk="0" hangingPunct="1">
+                <a:defRPr sz="1800" kern="1200">
+                  <a:solidFill>
+                    <a:schemeClr val="dk1"/>
+                  </a:solidFill>
+                  <a:latin typeface="+mn-lt"/>
+                  <a:ea typeface="+mn-ea"/>
+                  <a:cs typeface="+mn-cs"/>
+                </a:defRPr>
+              </a:lvl6pPr>
+              <a:lvl7pPr marL="2743200" algn="l" defTabSz="914400" rtl="0" eaLnBrk="1" latinLnBrk="0" hangingPunct="1">
+                <a:defRPr sz="1800" kern="1200">
+                  <a:solidFill>
+                    <a:schemeClr val="dk1"/>
+                  </a:solidFill>
+                  <a:latin typeface="+mn-lt"/>
+                  <a:ea typeface="+mn-ea"/>
+                  <a:cs typeface="+mn-cs"/>
+                </a:defRPr>
+              </a:lvl7pPr>
+              <a:lvl8pPr marL="3200400" algn="l" defTabSz="914400" rtl="0" eaLnBrk="1" latinLnBrk="0" hangingPunct="1">
+                <a:defRPr sz="1800" kern="1200">
+                  <a:solidFill>
+                    <a:schemeClr val="dk1"/>
+                  </a:solidFill>
+                  <a:latin typeface="+mn-lt"/>
+                  <a:ea typeface="+mn-ea"/>
+                  <a:cs typeface="+mn-cs"/>
+                </a:defRPr>
+              </a:lvl8pPr>
+              <a:lvl9pPr marL="3657600" algn="l" defTabSz="914400" rtl="0" eaLnBrk="1" latinLnBrk="0" hangingPunct="1">
+                <a:defRPr sz="1800" kern="1200">
+                  <a:solidFill>
+                    <a:schemeClr val="dk1"/>
+                  </a:solidFill>
+                  <a:latin typeface="+mn-lt"/>
+                  <a:ea typeface="+mn-ea"/>
+                  <a:cs typeface="+mn-cs"/>
+                </a:defRPr>
+              </a:lvl9pPr>
+            </a:lstStyle>
+            <a:p>
+              <a:pPr algn="ctr"/>
+              <a:r>
+                <a:rPr lang="en-US" sz="1000" b="1" dirty="0" err="1">
+                  <a:solidFill>
+                    <a:srgbClr val="0070C0"/>
+                  </a:solidFill>
+                </a:rPr>
+                <a:t>HelpParser</a:t>
+              </a:r>
+              <a:endParaRPr lang="en-SG" sz="1000" b="1" dirty="0">
+                <a:solidFill>
+                  <a:srgbClr val="0070C0"/>
+                </a:solidFill>
+              </a:endParaRPr>
+            </a:p>
+          </p:txBody>
+        </p:sp>
+        <p:sp>
+          <p:nvSpPr>
+            <p:cNvPr id="152" name="Rectangle 151"/>
+            <p:cNvSpPr/>
+            <p:nvPr/>
+          </p:nvSpPr>
+          <p:spPr>
+            <a:xfrm flipH="1">
+              <a:off x="5003857" y="3886037"/>
+              <a:ext cx="1188720" cy="228600"/>
+            </a:xfrm>
+            <a:prstGeom prst="rect">
+              <a:avLst/>
+            </a:prstGeom>
+            <a:ln w="19050">
+              <a:solidFill>
+                <a:srgbClr val="0070C0"/>
+              </a:solidFill>
+            </a:ln>
+            <a:effectLst/>
+          </p:spPr>
+          <p:style>
+            <a:lnRef idx="1">
+              <a:schemeClr val="accent1"/>
+            </a:lnRef>
+            <a:fillRef idx="2">
+              <a:schemeClr val="accent1"/>
+            </a:fillRef>
+            <a:effectRef idx="1">
+              <a:schemeClr val="accent1"/>
+            </a:effectRef>
+            <a:fontRef idx="minor">
+              <a:schemeClr val="dk1"/>
+            </a:fontRef>
+          </p:style>
+          <p:txBody>
+            <a:bodyPr rtlCol="0" anchor="ctr"/>
+            <a:lstStyle>
+              <a:defPPr>
+                <a:defRPr lang="en-US"/>
+              </a:defPPr>
+              <a:lvl1pPr marL="0" algn="l" defTabSz="914400" rtl="0" eaLnBrk="1" latinLnBrk="0" hangingPunct="1">
+                <a:defRPr sz="1800" kern="1200">
+                  <a:solidFill>
+                    <a:schemeClr val="dk1"/>
+                  </a:solidFill>
+                  <a:latin typeface="+mn-lt"/>
+                  <a:ea typeface="+mn-ea"/>
+                  <a:cs typeface="+mn-cs"/>
+                </a:defRPr>
+              </a:lvl1pPr>
+              <a:lvl2pPr marL="457200" algn="l" defTabSz="914400" rtl="0" eaLnBrk="1" latinLnBrk="0" hangingPunct="1">
+                <a:defRPr sz="1800" kern="1200">
+                  <a:solidFill>
+                    <a:schemeClr val="dk1"/>
+                  </a:solidFill>
+                  <a:latin typeface="+mn-lt"/>
+                  <a:ea typeface="+mn-ea"/>
+                  <a:cs typeface="+mn-cs"/>
+                </a:defRPr>
+              </a:lvl2pPr>
+              <a:lvl3pPr marL="914400" algn="l" defTabSz="914400" rtl="0" eaLnBrk="1" latinLnBrk="0" hangingPunct="1">
+                <a:defRPr sz="1800" kern="1200">
+                  <a:solidFill>
+                    <a:schemeClr val="dk1"/>
+                  </a:solidFill>
+                  <a:latin typeface="+mn-lt"/>
+                  <a:ea typeface="+mn-ea"/>
+                  <a:cs typeface="+mn-cs"/>
+                </a:defRPr>
+              </a:lvl3pPr>
+              <a:lvl4pPr marL="1371600" algn="l" defTabSz="914400" rtl="0" eaLnBrk="1" latinLnBrk="0" hangingPunct="1">
+                <a:defRPr sz="1800" kern="1200">
+                  <a:solidFill>
+                    <a:schemeClr val="dk1"/>
+                  </a:solidFill>
+                  <a:latin typeface="+mn-lt"/>
+                  <a:ea typeface="+mn-ea"/>
+                  <a:cs typeface="+mn-cs"/>
+                </a:defRPr>
+              </a:lvl4pPr>
+              <a:lvl5pPr marL="1828800" algn="l" defTabSz="914400" rtl="0" eaLnBrk="1" latinLnBrk="0" hangingPunct="1">
+                <a:defRPr sz="1800" kern="1200">
+                  <a:solidFill>
+                    <a:schemeClr val="dk1"/>
+                  </a:solidFill>
+                  <a:latin typeface="+mn-lt"/>
+                  <a:ea typeface="+mn-ea"/>
+                  <a:cs typeface="+mn-cs"/>
+                </a:defRPr>
+              </a:lvl5pPr>
+              <a:lvl6pPr marL="2286000" algn="l" defTabSz="914400" rtl="0" eaLnBrk="1" latinLnBrk="0" hangingPunct="1">
+                <a:defRPr sz="1800" kern="1200">
+                  <a:solidFill>
+                    <a:schemeClr val="dk1"/>
+                  </a:solidFill>
+                  <a:latin typeface="+mn-lt"/>
+                  <a:ea typeface="+mn-ea"/>
+                  <a:cs typeface="+mn-cs"/>
+                </a:defRPr>
+              </a:lvl6pPr>
+              <a:lvl7pPr marL="2743200" algn="l" defTabSz="914400" rtl="0" eaLnBrk="1" latinLnBrk="0" hangingPunct="1">
+                <a:defRPr sz="1800" kern="1200">
+                  <a:solidFill>
+                    <a:schemeClr val="dk1"/>
+                  </a:solidFill>
+                  <a:latin typeface="+mn-lt"/>
+                  <a:ea typeface="+mn-ea"/>
+                  <a:cs typeface="+mn-cs"/>
+                </a:defRPr>
+              </a:lvl7pPr>
+              <a:lvl8pPr marL="3200400" algn="l" defTabSz="914400" rtl="0" eaLnBrk="1" latinLnBrk="0" hangingPunct="1">
+                <a:defRPr sz="1800" kern="1200">
+                  <a:solidFill>
+                    <a:schemeClr val="dk1"/>
+                  </a:solidFill>
+                  <a:latin typeface="+mn-lt"/>
+                  <a:ea typeface="+mn-ea"/>
+                  <a:cs typeface="+mn-cs"/>
+                </a:defRPr>
+              </a:lvl8pPr>
+              <a:lvl9pPr marL="3657600" algn="l" defTabSz="914400" rtl="0" eaLnBrk="1" latinLnBrk="0" hangingPunct="1">
+                <a:defRPr sz="1800" kern="1200">
+                  <a:solidFill>
+                    <a:schemeClr val="dk1"/>
+                  </a:solidFill>
+                  <a:latin typeface="+mn-lt"/>
+                  <a:ea typeface="+mn-ea"/>
+                  <a:cs typeface="+mn-cs"/>
+                </a:defRPr>
+              </a:lvl9pPr>
+            </a:lstStyle>
+            <a:p>
+              <a:pPr algn="ctr"/>
+              <a:r>
+                <a:rPr lang="en-US" sz="1000" b="1" dirty="0" err="1">
+                  <a:solidFill>
+                    <a:srgbClr val="0070C0"/>
+                  </a:solidFill>
+                </a:rPr>
+                <a:t>ClearParser</a:t>
+              </a:r>
+              <a:endParaRPr lang="en-SG" sz="1000" b="1" dirty="0">
+                <a:solidFill>
+                  <a:srgbClr val="0070C0"/>
+                </a:solidFill>
+              </a:endParaRPr>
+            </a:p>
+          </p:txBody>
+        </p:sp>
+        <p:sp>
+          <p:nvSpPr>
+            <p:cNvPr id="153" name="Rectangle 152"/>
+            <p:cNvSpPr/>
+            <p:nvPr/>
+          </p:nvSpPr>
+          <p:spPr>
+            <a:xfrm flipH="1">
+              <a:off x="5003857" y="4961237"/>
+              <a:ext cx="1188720" cy="228600"/>
+            </a:xfrm>
+            <a:prstGeom prst="rect">
+              <a:avLst/>
+            </a:prstGeom>
+            <a:ln w="19050">
+              <a:solidFill>
+                <a:srgbClr val="0070C0"/>
+              </a:solidFill>
+            </a:ln>
+            <a:effectLst/>
+          </p:spPr>
+          <p:style>
+            <a:lnRef idx="1">
+              <a:schemeClr val="accent1"/>
+            </a:lnRef>
+            <a:fillRef idx="2">
+              <a:schemeClr val="accent1"/>
+            </a:fillRef>
+            <a:effectRef idx="1">
+              <a:schemeClr val="accent1"/>
+            </a:effectRef>
+            <a:fontRef idx="minor">
+              <a:schemeClr val="dk1"/>
+            </a:fontRef>
+          </p:style>
+          <p:txBody>
+            <a:bodyPr rtlCol="0" anchor="ctr"/>
+            <a:lstStyle>
+              <a:defPPr>
+                <a:defRPr lang="en-US"/>
+              </a:defPPr>
+              <a:lvl1pPr marL="0" algn="l" defTabSz="914400" rtl="0" eaLnBrk="1" latinLnBrk="0" hangingPunct="1">
+                <a:defRPr sz="1800" kern="1200">
+                  <a:solidFill>
+                    <a:schemeClr val="dk1"/>
+                  </a:solidFill>
+                  <a:latin typeface="+mn-lt"/>
+                  <a:ea typeface="+mn-ea"/>
+                  <a:cs typeface="+mn-cs"/>
+                </a:defRPr>
+              </a:lvl1pPr>
+              <a:lvl2pPr marL="457200" algn="l" defTabSz="914400" rtl="0" eaLnBrk="1" latinLnBrk="0" hangingPunct="1">
+                <a:defRPr sz="1800" kern="1200">
+                  <a:solidFill>
+                    <a:schemeClr val="dk1"/>
+                  </a:solidFill>
+                  <a:latin typeface="+mn-lt"/>
+                  <a:ea typeface="+mn-ea"/>
+                  <a:cs typeface="+mn-cs"/>
+                </a:defRPr>
+              </a:lvl2pPr>
+              <a:lvl3pPr marL="914400" algn="l" defTabSz="914400" rtl="0" eaLnBrk="1" latinLnBrk="0" hangingPunct="1">
+                <a:defRPr sz="1800" kern="1200">
+                  <a:solidFill>
+                    <a:schemeClr val="dk1"/>
+                  </a:solidFill>
+                  <a:latin typeface="+mn-lt"/>
+                  <a:ea typeface="+mn-ea"/>
+                  <a:cs typeface="+mn-cs"/>
+                </a:defRPr>
+              </a:lvl3pPr>
+              <a:lvl4pPr marL="1371600" algn="l" defTabSz="914400" rtl="0" eaLnBrk="1" latinLnBrk="0" hangingPunct="1">
+                <a:defRPr sz="1800" kern="1200">
+                  <a:solidFill>
+                    <a:schemeClr val="dk1"/>
+                  </a:solidFill>
+                  <a:latin typeface="+mn-lt"/>
+                  <a:ea typeface="+mn-ea"/>
+                  <a:cs typeface="+mn-cs"/>
+                </a:defRPr>
+              </a:lvl4pPr>
+              <a:lvl5pPr marL="1828800" algn="l" defTabSz="914400" rtl="0" eaLnBrk="1" latinLnBrk="0" hangingPunct="1">
+                <a:defRPr sz="1800" kern="1200">
+                  <a:solidFill>
+                    <a:schemeClr val="dk1"/>
+                  </a:solidFill>
+                  <a:latin typeface="+mn-lt"/>
+                  <a:ea typeface="+mn-ea"/>
+                  <a:cs typeface="+mn-cs"/>
+                </a:defRPr>
+              </a:lvl5pPr>
+              <a:lvl6pPr marL="2286000" algn="l" defTabSz="914400" rtl="0" eaLnBrk="1" latinLnBrk="0" hangingPunct="1">
+                <a:defRPr sz="1800" kern="1200">
+                  <a:solidFill>
+                    <a:schemeClr val="dk1"/>
+                  </a:solidFill>
+                  <a:latin typeface="+mn-lt"/>
+                  <a:ea typeface="+mn-ea"/>
+                  <a:cs typeface="+mn-cs"/>
+                </a:defRPr>
+              </a:lvl6pPr>
+              <a:lvl7pPr marL="2743200" algn="l" defTabSz="914400" rtl="0" eaLnBrk="1" latinLnBrk="0" hangingPunct="1">
+                <a:defRPr sz="1800" kern="1200">
+                  <a:solidFill>
+                    <a:schemeClr val="dk1"/>
+                  </a:solidFill>
+                  <a:latin typeface="+mn-lt"/>
+                  <a:ea typeface="+mn-ea"/>
+                  <a:cs typeface="+mn-cs"/>
+                </a:defRPr>
+              </a:lvl7pPr>
+              <a:lvl8pPr marL="3200400" algn="l" defTabSz="914400" rtl="0" eaLnBrk="1" latinLnBrk="0" hangingPunct="1">
+                <a:defRPr sz="1800" kern="1200">
+                  <a:solidFill>
+                    <a:schemeClr val="dk1"/>
+                  </a:solidFill>
+                  <a:latin typeface="+mn-lt"/>
+                  <a:ea typeface="+mn-ea"/>
+                  <a:cs typeface="+mn-cs"/>
+                </a:defRPr>
+              </a:lvl8pPr>
+              <a:lvl9pPr marL="3657600" algn="l" defTabSz="914400" rtl="0" eaLnBrk="1" latinLnBrk="0" hangingPunct="1">
+                <a:defRPr sz="1800" kern="1200">
+                  <a:solidFill>
+                    <a:schemeClr val="dk1"/>
+                  </a:solidFill>
+                  <a:latin typeface="+mn-lt"/>
+                  <a:ea typeface="+mn-ea"/>
+                  <a:cs typeface="+mn-cs"/>
+                </a:defRPr>
+              </a:lvl9pPr>
+            </a:lstStyle>
+            <a:p>
+              <a:pPr algn="ctr"/>
+              <a:r>
+                <a:rPr lang="en-US" sz="1000" b="1" dirty="0" err="1">
+                  <a:solidFill>
+                    <a:srgbClr val="0070C0"/>
+                  </a:solidFill>
+                </a:rPr>
+                <a:t>ListParser</a:t>
+              </a:r>
+              <a:endParaRPr lang="en-SG" sz="1000" b="1" dirty="0">
+                <a:solidFill>
+                  <a:srgbClr val="0070C0"/>
+                </a:solidFill>
+              </a:endParaRPr>
+            </a:p>
+          </p:txBody>
+        </p:sp>
+      </p:grpSp>
+      <p:grpSp>
+        <p:nvGrpSpPr>
+          <p:cNvPr id="173" name="Group 172"/>
+          <p:cNvGrpSpPr/>
+          <p:nvPr/>
+        </p:nvGrpSpPr>
+        <p:grpSpPr>
+          <a:xfrm>
+            <a:off x="6723321" y="3895582"/>
+            <a:ext cx="1188720" cy="1667568"/>
+            <a:chOff x="6323271" y="3895582"/>
+            <a:chExt cx="1188720" cy="1667568"/>
+          </a:xfrm>
+        </p:grpSpPr>
+        <p:sp>
+          <p:nvSpPr>
+            <p:cNvPr id="143" name="Rectangle 142"/>
+            <p:cNvSpPr/>
+            <p:nvPr/>
+          </p:nvSpPr>
+          <p:spPr>
+            <a:xfrm flipH="1">
+              <a:off x="6323271" y="5334550"/>
+              <a:ext cx="1188720" cy="228600"/>
+            </a:xfrm>
+            <a:prstGeom prst="rect">
+              <a:avLst/>
+            </a:prstGeom>
+            <a:ln w="19050">
+              <a:solidFill>
+                <a:srgbClr val="0070C0"/>
+              </a:solidFill>
+            </a:ln>
+            <a:effectLst/>
+          </p:spPr>
+          <p:style>
+            <a:lnRef idx="1">
+              <a:schemeClr val="accent1"/>
+            </a:lnRef>
+            <a:fillRef idx="2">
+              <a:schemeClr val="accent1"/>
+            </a:fillRef>
+            <a:effectRef idx="1">
+              <a:schemeClr val="accent1"/>
+            </a:effectRef>
+            <a:fontRef idx="minor">
+              <a:schemeClr val="dk1"/>
+            </a:fontRef>
+          </p:style>
+          <p:txBody>
+            <a:bodyPr rtlCol="0" anchor="ctr"/>
+            <a:lstStyle>
+              <a:defPPr>
+                <a:defRPr lang="en-US"/>
+              </a:defPPr>
+              <a:lvl1pPr marL="0" algn="l" defTabSz="914400" rtl="0" eaLnBrk="1" latinLnBrk="0" hangingPunct="1">
+                <a:defRPr sz="1800" kern="1200">
+                  <a:solidFill>
+                    <a:schemeClr val="dk1"/>
+                  </a:solidFill>
+                  <a:latin typeface="+mn-lt"/>
+                  <a:ea typeface="+mn-ea"/>
+                  <a:cs typeface="+mn-cs"/>
+                </a:defRPr>
+              </a:lvl1pPr>
+              <a:lvl2pPr marL="457200" algn="l" defTabSz="914400" rtl="0" eaLnBrk="1" latinLnBrk="0" hangingPunct="1">
+                <a:defRPr sz="1800" kern="1200">
+                  <a:solidFill>
+                    <a:schemeClr val="dk1"/>
+                  </a:solidFill>
+                  <a:latin typeface="+mn-lt"/>
+                  <a:ea typeface="+mn-ea"/>
+                  <a:cs typeface="+mn-cs"/>
+                </a:defRPr>
+              </a:lvl2pPr>
+              <a:lvl3pPr marL="914400" algn="l" defTabSz="914400" rtl="0" eaLnBrk="1" latinLnBrk="0" hangingPunct="1">
+                <a:defRPr sz="1800" kern="1200">
+                  <a:solidFill>
+                    <a:schemeClr val="dk1"/>
+                  </a:solidFill>
+                  <a:latin typeface="+mn-lt"/>
+                  <a:ea typeface="+mn-ea"/>
+                  <a:cs typeface="+mn-cs"/>
+                </a:defRPr>
+              </a:lvl3pPr>
+              <a:lvl4pPr marL="1371600" algn="l" defTabSz="914400" rtl="0" eaLnBrk="1" latinLnBrk="0" hangingPunct="1">
+                <a:defRPr sz="1800" kern="1200">
+                  <a:solidFill>
+                    <a:schemeClr val="dk1"/>
+                  </a:solidFill>
+                  <a:latin typeface="+mn-lt"/>
+                  <a:ea typeface="+mn-ea"/>
+                  <a:cs typeface="+mn-cs"/>
+                </a:defRPr>
+              </a:lvl4pPr>
+              <a:lvl5pPr marL="1828800" algn="l" defTabSz="914400" rtl="0" eaLnBrk="1" latinLnBrk="0" hangingPunct="1">
+                <a:defRPr sz="1800" kern="1200">
+                  <a:solidFill>
+                    <a:schemeClr val="dk1"/>
+                  </a:solidFill>
+                  <a:latin typeface="+mn-lt"/>
+                  <a:ea typeface="+mn-ea"/>
+                  <a:cs typeface="+mn-cs"/>
+                </a:defRPr>
+              </a:lvl5pPr>
+              <a:lvl6pPr marL="2286000" algn="l" defTabSz="914400" rtl="0" eaLnBrk="1" latinLnBrk="0" hangingPunct="1">
+                <a:defRPr sz="1800" kern="1200">
+                  <a:solidFill>
+                    <a:schemeClr val="dk1"/>
+                  </a:solidFill>
+                  <a:latin typeface="+mn-lt"/>
+                  <a:ea typeface="+mn-ea"/>
+                  <a:cs typeface="+mn-cs"/>
+                </a:defRPr>
+              </a:lvl6pPr>
+              <a:lvl7pPr marL="2743200" algn="l" defTabSz="914400" rtl="0" eaLnBrk="1" latinLnBrk="0" hangingPunct="1">
+                <a:defRPr sz="1800" kern="1200">
+                  <a:solidFill>
+                    <a:schemeClr val="dk1"/>
+                  </a:solidFill>
+                  <a:latin typeface="+mn-lt"/>
+                  <a:ea typeface="+mn-ea"/>
+                  <a:cs typeface="+mn-cs"/>
+                </a:defRPr>
+              </a:lvl7pPr>
+              <a:lvl8pPr marL="3200400" algn="l" defTabSz="914400" rtl="0" eaLnBrk="1" latinLnBrk="0" hangingPunct="1">
+                <a:defRPr sz="1800" kern="1200">
+                  <a:solidFill>
+                    <a:schemeClr val="dk1"/>
+                  </a:solidFill>
+                  <a:latin typeface="+mn-lt"/>
+                  <a:ea typeface="+mn-ea"/>
+                  <a:cs typeface="+mn-cs"/>
+                </a:defRPr>
+              </a:lvl8pPr>
+              <a:lvl9pPr marL="3657600" algn="l" defTabSz="914400" rtl="0" eaLnBrk="1" latinLnBrk="0" hangingPunct="1">
+                <a:defRPr sz="1800" kern="1200">
+                  <a:solidFill>
+                    <a:schemeClr val="dk1"/>
+                  </a:solidFill>
+                  <a:latin typeface="+mn-lt"/>
+                  <a:ea typeface="+mn-ea"/>
+                  <a:cs typeface="+mn-cs"/>
+                </a:defRPr>
+              </a:lvl9pPr>
+            </a:lstStyle>
+            <a:p>
+              <a:pPr algn="ctr"/>
+              <a:r>
+                <a:rPr lang="en-US" sz="1000" b="1" dirty="0" err="1">
+                  <a:solidFill>
+                    <a:srgbClr val="0070C0"/>
+                  </a:solidFill>
+                </a:rPr>
+                <a:t>UnpinParser</a:t>
+              </a:r>
+              <a:endParaRPr lang="en-SG" sz="1000" b="1" dirty="0">
+                <a:solidFill>
+                  <a:srgbClr val="0070C0"/>
+                </a:solidFill>
+              </a:endParaRPr>
+            </a:p>
+          </p:txBody>
+        </p:sp>
+        <p:sp>
+          <p:nvSpPr>
+            <p:cNvPr id="155" name="Rectangle 154"/>
+            <p:cNvSpPr/>
+            <p:nvPr/>
+          </p:nvSpPr>
+          <p:spPr>
+            <a:xfrm flipH="1">
+              <a:off x="6323271" y="4255324"/>
+              <a:ext cx="1188720" cy="228600"/>
+            </a:xfrm>
+            <a:prstGeom prst="rect">
+              <a:avLst/>
+            </a:prstGeom>
+            <a:ln w="19050">
+              <a:solidFill>
+                <a:srgbClr val="0070C0"/>
+              </a:solidFill>
+            </a:ln>
+            <a:effectLst/>
+          </p:spPr>
+          <p:style>
+            <a:lnRef idx="1">
+              <a:schemeClr val="accent1"/>
+            </a:lnRef>
+            <a:fillRef idx="2">
+              <a:schemeClr val="accent1"/>
+            </a:fillRef>
+            <a:effectRef idx="1">
+              <a:schemeClr val="accent1"/>
+            </a:effectRef>
+            <a:fontRef idx="minor">
+              <a:schemeClr val="dk1"/>
+            </a:fontRef>
+          </p:style>
+          <p:txBody>
+            <a:bodyPr rtlCol="0" anchor="ctr"/>
+            <a:lstStyle>
+              <a:defPPr>
+                <a:defRPr lang="en-US"/>
+              </a:defPPr>
+              <a:lvl1pPr marL="0" algn="l" defTabSz="914400" rtl="0" eaLnBrk="1" latinLnBrk="0" hangingPunct="1">
+                <a:defRPr sz="1800" kern="1200">
+                  <a:solidFill>
+                    <a:schemeClr val="dk1"/>
+                  </a:solidFill>
+                  <a:latin typeface="+mn-lt"/>
+                  <a:ea typeface="+mn-ea"/>
+                  <a:cs typeface="+mn-cs"/>
+                </a:defRPr>
+              </a:lvl1pPr>
+              <a:lvl2pPr marL="457200" algn="l" defTabSz="914400" rtl="0" eaLnBrk="1" latinLnBrk="0" hangingPunct="1">
+                <a:defRPr sz="1800" kern="1200">
+                  <a:solidFill>
+                    <a:schemeClr val="dk1"/>
+                  </a:solidFill>
+                  <a:latin typeface="+mn-lt"/>
+                  <a:ea typeface="+mn-ea"/>
+                  <a:cs typeface="+mn-cs"/>
+                </a:defRPr>
+              </a:lvl2pPr>
+              <a:lvl3pPr marL="914400" algn="l" defTabSz="914400" rtl="0" eaLnBrk="1" latinLnBrk="0" hangingPunct="1">
+                <a:defRPr sz="1800" kern="1200">
+                  <a:solidFill>
+                    <a:schemeClr val="dk1"/>
+                  </a:solidFill>
+                  <a:latin typeface="+mn-lt"/>
+                  <a:ea typeface="+mn-ea"/>
+                  <a:cs typeface="+mn-cs"/>
+                </a:defRPr>
+              </a:lvl3pPr>
+              <a:lvl4pPr marL="1371600" algn="l" defTabSz="914400" rtl="0" eaLnBrk="1" latinLnBrk="0" hangingPunct="1">
+                <a:defRPr sz="1800" kern="1200">
+                  <a:solidFill>
+                    <a:schemeClr val="dk1"/>
+                  </a:solidFill>
+                  <a:latin typeface="+mn-lt"/>
+                  <a:ea typeface="+mn-ea"/>
+                  <a:cs typeface="+mn-cs"/>
+                </a:defRPr>
+              </a:lvl4pPr>
+              <a:lvl5pPr marL="1828800" algn="l" defTabSz="914400" rtl="0" eaLnBrk="1" latinLnBrk="0" hangingPunct="1">
+                <a:defRPr sz="1800" kern="1200">
+                  <a:solidFill>
+                    <a:schemeClr val="dk1"/>
+                  </a:solidFill>
+                  <a:latin typeface="+mn-lt"/>
+                  <a:ea typeface="+mn-ea"/>
+                  <a:cs typeface="+mn-cs"/>
+                </a:defRPr>
+              </a:lvl5pPr>
+              <a:lvl6pPr marL="2286000" algn="l" defTabSz="914400" rtl="0" eaLnBrk="1" latinLnBrk="0" hangingPunct="1">
+                <a:defRPr sz="1800" kern="1200">
+                  <a:solidFill>
+                    <a:schemeClr val="dk1"/>
+                  </a:solidFill>
+                  <a:latin typeface="+mn-lt"/>
+                  <a:ea typeface="+mn-ea"/>
+                  <a:cs typeface="+mn-cs"/>
+                </a:defRPr>
+              </a:lvl6pPr>
+              <a:lvl7pPr marL="2743200" algn="l" defTabSz="914400" rtl="0" eaLnBrk="1" latinLnBrk="0" hangingPunct="1">
+                <a:defRPr sz="1800" kern="1200">
+                  <a:solidFill>
+                    <a:schemeClr val="dk1"/>
+                  </a:solidFill>
+                  <a:latin typeface="+mn-lt"/>
+                  <a:ea typeface="+mn-ea"/>
+                  <a:cs typeface="+mn-cs"/>
+                </a:defRPr>
+              </a:lvl7pPr>
+              <a:lvl8pPr marL="3200400" algn="l" defTabSz="914400" rtl="0" eaLnBrk="1" latinLnBrk="0" hangingPunct="1">
+                <a:defRPr sz="1800" kern="1200">
+                  <a:solidFill>
+                    <a:schemeClr val="dk1"/>
+                  </a:solidFill>
+                  <a:latin typeface="+mn-lt"/>
+                  <a:ea typeface="+mn-ea"/>
+                  <a:cs typeface="+mn-cs"/>
+                </a:defRPr>
+              </a:lvl8pPr>
+              <a:lvl9pPr marL="3657600" algn="l" defTabSz="914400" rtl="0" eaLnBrk="1" latinLnBrk="0" hangingPunct="1">
+                <a:defRPr sz="1800" kern="1200">
+                  <a:solidFill>
+                    <a:schemeClr val="dk1"/>
+                  </a:solidFill>
+                  <a:latin typeface="+mn-lt"/>
+                  <a:ea typeface="+mn-ea"/>
+                  <a:cs typeface="+mn-cs"/>
+                </a:defRPr>
+              </a:lvl9pPr>
+            </a:lstStyle>
+            <a:p>
+              <a:pPr algn="ctr"/>
+              <a:r>
+                <a:rPr lang="en-US" sz="1000" b="1" dirty="0" err="1">
+                  <a:solidFill>
+                    <a:srgbClr val="0070C0"/>
+                  </a:solidFill>
+                </a:rPr>
+                <a:t>SelectParser</a:t>
+              </a:r>
+              <a:endParaRPr lang="en-SG" sz="1000" b="1" dirty="0">
+                <a:solidFill>
+                  <a:srgbClr val="0070C0"/>
+                </a:solidFill>
+              </a:endParaRPr>
+            </a:p>
+          </p:txBody>
+        </p:sp>
+        <p:sp>
+          <p:nvSpPr>
+            <p:cNvPr id="156" name="Rectangle 155"/>
+            <p:cNvSpPr/>
+            <p:nvPr/>
+          </p:nvSpPr>
+          <p:spPr>
+            <a:xfrm flipH="1">
+              <a:off x="6323271" y="4615066"/>
+              <a:ext cx="1188720" cy="228600"/>
+            </a:xfrm>
+            <a:prstGeom prst="rect">
+              <a:avLst/>
+            </a:prstGeom>
+            <a:ln w="19050">
+              <a:solidFill>
+                <a:srgbClr val="0070C0"/>
+              </a:solidFill>
+            </a:ln>
+            <a:effectLst/>
+          </p:spPr>
+          <p:style>
+            <a:lnRef idx="1">
+              <a:schemeClr val="accent1"/>
+            </a:lnRef>
+            <a:fillRef idx="2">
+              <a:schemeClr val="accent1"/>
+            </a:fillRef>
+            <a:effectRef idx="1">
+              <a:schemeClr val="accent1"/>
+            </a:effectRef>
+            <a:fontRef idx="minor">
+              <a:schemeClr val="dk1"/>
+            </a:fontRef>
+          </p:style>
+          <p:txBody>
+            <a:bodyPr rtlCol="0" anchor="ctr"/>
+            <a:lstStyle>
+              <a:defPPr>
+                <a:defRPr lang="en-US"/>
+              </a:defPPr>
+              <a:lvl1pPr marL="0" algn="l" defTabSz="914400" rtl="0" eaLnBrk="1" latinLnBrk="0" hangingPunct="1">
+                <a:defRPr sz="1800" kern="1200">
+                  <a:solidFill>
+                    <a:schemeClr val="dk1"/>
+                  </a:solidFill>
+                  <a:latin typeface="+mn-lt"/>
+                  <a:ea typeface="+mn-ea"/>
+                  <a:cs typeface="+mn-cs"/>
+                </a:defRPr>
+              </a:lvl1pPr>
+              <a:lvl2pPr marL="457200" algn="l" defTabSz="914400" rtl="0" eaLnBrk="1" latinLnBrk="0" hangingPunct="1">
+                <a:defRPr sz="1800" kern="1200">
+                  <a:solidFill>
+                    <a:schemeClr val="dk1"/>
+                  </a:solidFill>
+                  <a:latin typeface="+mn-lt"/>
+                  <a:ea typeface="+mn-ea"/>
+                  <a:cs typeface="+mn-cs"/>
+                </a:defRPr>
+              </a:lvl2pPr>
+              <a:lvl3pPr marL="914400" algn="l" defTabSz="914400" rtl="0" eaLnBrk="1" latinLnBrk="0" hangingPunct="1">
+                <a:defRPr sz="1800" kern="1200">
+                  <a:solidFill>
+                    <a:schemeClr val="dk1"/>
+                  </a:solidFill>
+                  <a:latin typeface="+mn-lt"/>
+                  <a:ea typeface="+mn-ea"/>
+                  <a:cs typeface="+mn-cs"/>
+                </a:defRPr>
+              </a:lvl3pPr>
+              <a:lvl4pPr marL="1371600" algn="l" defTabSz="914400" rtl="0" eaLnBrk="1" latinLnBrk="0" hangingPunct="1">
+                <a:defRPr sz="1800" kern="1200">
+                  <a:solidFill>
+                    <a:schemeClr val="dk1"/>
+                  </a:solidFill>
+                  <a:latin typeface="+mn-lt"/>
+                  <a:ea typeface="+mn-ea"/>
+                  <a:cs typeface="+mn-cs"/>
+                </a:defRPr>
+              </a:lvl4pPr>
+              <a:lvl5pPr marL="1828800" algn="l" defTabSz="914400" rtl="0" eaLnBrk="1" latinLnBrk="0" hangingPunct="1">
+                <a:defRPr sz="1800" kern="1200">
+                  <a:solidFill>
+                    <a:schemeClr val="dk1"/>
+                  </a:solidFill>
+                  <a:latin typeface="+mn-lt"/>
+                  <a:ea typeface="+mn-ea"/>
+                  <a:cs typeface="+mn-cs"/>
+                </a:defRPr>
+              </a:lvl5pPr>
+              <a:lvl6pPr marL="2286000" algn="l" defTabSz="914400" rtl="0" eaLnBrk="1" latinLnBrk="0" hangingPunct="1">
+                <a:defRPr sz="1800" kern="1200">
+                  <a:solidFill>
+                    <a:schemeClr val="dk1"/>
+                  </a:solidFill>
+                  <a:latin typeface="+mn-lt"/>
+                  <a:ea typeface="+mn-ea"/>
+                  <a:cs typeface="+mn-cs"/>
+                </a:defRPr>
+              </a:lvl6pPr>
+              <a:lvl7pPr marL="2743200" algn="l" defTabSz="914400" rtl="0" eaLnBrk="1" latinLnBrk="0" hangingPunct="1">
+                <a:defRPr sz="1800" kern="1200">
+                  <a:solidFill>
+                    <a:schemeClr val="dk1"/>
+                  </a:solidFill>
+                  <a:latin typeface="+mn-lt"/>
+                  <a:ea typeface="+mn-ea"/>
+                  <a:cs typeface="+mn-cs"/>
+                </a:defRPr>
+              </a:lvl7pPr>
+              <a:lvl8pPr marL="3200400" algn="l" defTabSz="914400" rtl="0" eaLnBrk="1" latinLnBrk="0" hangingPunct="1">
+                <a:defRPr sz="1800" kern="1200">
+                  <a:solidFill>
+                    <a:schemeClr val="dk1"/>
+                  </a:solidFill>
+                  <a:latin typeface="+mn-lt"/>
+                  <a:ea typeface="+mn-ea"/>
+                  <a:cs typeface="+mn-cs"/>
+                </a:defRPr>
+              </a:lvl8pPr>
+              <a:lvl9pPr marL="3657600" algn="l" defTabSz="914400" rtl="0" eaLnBrk="1" latinLnBrk="0" hangingPunct="1">
+                <a:defRPr sz="1800" kern="1200">
+                  <a:solidFill>
+                    <a:schemeClr val="dk1"/>
+                  </a:solidFill>
+                  <a:latin typeface="+mn-lt"/>
+                  <a:ea typeface="+mn-ea"/>
+                  <a:cs typeface="+mn-cs"/>
+                </a:defRPr>
+              </a:lvl9pPr>
+            </a:lstStyle>
+            <a:p>
+              <a:pPr algn="ctr"/>
+              <a:r>
+                <a:rPr lang="en-US" sz="1000" b="1" dirty="0" err="1">
+                  <a:solidFill>
+                    <a:srgbClr val="0070C0"/>
+                  </a:solidFill>
+                </a:rPr>
+                <a:t>UpdateParser</a:t>
+              </a:r>
+              <a:endParaRPr lang="en-SG" sz="1000" b="1" dirty="0">
+                <a:solidFill>
+                  <a:srgbClr val="0070C0"/>
+                </a:solidFill>
+              </a:endParaRPr>
+            </a:p>
+          </p:txBody>
+        </p:sp>
+        <p:sp>
+          <p:nvSpPr>
+            <p:cNvPr id="157" name="Rectangle 156"/>
+            <p:cNvSpPr/>
+            <p:nvPr/>
+          </p:nvSpPr>
+          <p:spPr>
+            <a:xfrm flipH="1">
+              <a:off x="6323271" y="3895582"/>
+              <a:ext cx="1188720" cy="228600"/>
+            </a:xfrm>
+            <a:prstGeom prst="rect">
+              <a:avLst/>
+            </a:prstGeom>
+            <a:ln w="19050">
+              <a:solidFill>
+                <a:srgbClr val="0070C0"/>
+              </a:solidFill>
+            </a:ln>
+            <a:effectLst/>
+          </p:spPr>
+          <p:style>
+            <a:lnRef idx="1">
+              <a:schemeClr val="accent1"/>
+            </a:lnRef>
+            <a:fillRef idx="2">
+              <a:schemeClr val="accent1"/>
+            </a:fillRef>
+            <a:effectRef idx="1">
+              <a:schemeClr val="accent1"/>
+            </a:effectRef>
+            <a:fontRef idx="minor">
+              <a:schemeClr val="dk1"/>
+            </a:fontRef>
+          </p:style>
+          <p:txBody>
+            <a:bodyPr rtlCol="0" anchor="ctr"/>
+            <a:lstStyle>
+              <a:defPPr>
+                <a:defRPr lang="en-US"/>
+              </a:defPPr>
+              <a:lvl1pPr marL="0" algn="l" defTabSz="914400" rtl="0" eaLnBrk="1" latinLnBrk="0" hangingPunct="1">
+                <a:defRPr sz="1800" kern="1200">
+                  <a:solidFill>
+                    <a:schemeClr val="dk1"/>
+                  </a:solidFill>
+                  <a:latin typeface="+mn-lt"/>
+                  <a:ea typeface="+mn-ea"/>
+                  <a:cs typeface="+mn-cs"/>
+                </a:defRPr>
+              </a:lvl1pPr>
+              <a:lvl2pPr marL="457200" algn="l" defTabSz="914400" rtl="0" eaLnBrk="1" latinLnBrk="0" hangingPunct="1">
+                <a:defRPr sz="1800" kern="1200">
+                  <a:solidFill>
+                    <a:schemeClr val="dk1"/>
+                  </a:solidFill>
+                  <a:latin typeface="+mn-lt"/>
+                  <a:ea typeface="+mn-ea"/>
+                  <a:cs typeface="+mn-cs"/>
+                </a:defRPr>
+              </a:lvl2pPr>
+              <a:lvl3pPr marL="914400" algn="l" defTabSz="914400" rtl="0" eaLnBrk="1" latinLnBrk="0" hangingPunct="1">
+                <a:defRPr sz="1800" kern="1200">
+                  <a:solidFill>
+                    <a:schemeClr val="dk1"/>
+                  </a:solidFill>
+                  <a:latin typeface="+mn-lt"/>
+                  <a:ea typeface="+mn-ea"/>
+                  <a:cs typeface="+mn-cs"/>
+                </a:defRPr>
+              </a:lvl3pPr>
+              <a:lvl4pPr marL="1371600" algn="l" defTabSz="914400" rtl="0" eaLnBrk="1" latinLnBrk="0" hangingPunct="1">
+                <a:defRPr sz="1800" kern="1200">
+                  <a:solidFill>
+                    <a:schemeClr val="dk1"/>
+                  </a:solidFill>
+                  <a:latin typeface="+mn-lt"/>
+                  <a:ea typeface="+mn-ea"/>
+                  <a:cs typeface="+mn-cs"/>
+                </a:defRPr>
+              </a:lvl4pPr>
+              <a:lvl5pPr marL="1828800" algn="l" defTabSz="914400" rtl="0" eaLnBrk="1" latinLnBrk="0" hangingPunct="1">
+                <a:defRPr sz="1800" kern="1200">
+                  <a:solidFill>
+                    <a:schemeClr val="dk1"/>
+                  </a:solidFill>
+                  <a:latin typeface="+mn-lt"/>
+                  <a:ea typeface="+mn-ea"/>
+                  <a:cs typeface="+mn-cs"/>
+                </a:defRPr>
+              </a:lvl5pPr>
+              <a:lvl6pPr marL="2286000" algn="l" defTabSz="914400" rtl="0" eaLnBrk="1" latinLnBrk="0" hangingPunct="1">
+                <a:defRPr sz="1800" kern="1200">
+                  <a:solidFill>
+                    <a:schemeClr val="dk1"/>
+                  </a:solidFill>
+                  <a:latin typeface="+mn-lt"/>
+                  <a:ea typeface="+mn-ea"/>
+                  <a:cs typeface="+mn-cs"/>
+                </a:defRPr>
+              </a:lvl6pPr>
+              <a:lvl7pPr marL="2743200" algn="l" defTabSz="914400" rtl="0" eaLnBrk="1" latinLnBrk="0" hangingPunct="1">
+                <a:defRPr sz="1800" kern="1200">
+                  <a:solidFill>
+                    <a:schemeClr val="dk1"/>
+                  </a:solidFill>
+                  <a:latin typeface="+mn-lt"/>
+                  <a:ea typeface="+mn-ea"/>
+                  <a:cs typeface="+mn-cs"/>
+                </a:defRPr>
+              </a:lvl7pPr>
+              <a:lvl8pPr marL="3200400" algn="l" defTabSz="914400" rtl="0" eaLnBrk="1" latinLnBrk="0" hangingPunct="1">
+                <a:defRPr sz="1800" kern="1200">
+                  <a:solidFill>
+                    <a:schemeClr val="dk1"/>
+                  </a:solidFill>
+                  <a:latin typeface="+mn-lt"/>
+                  <a:ea typeface="+mn-ea"/>
+                  <a:cs typeface="+mn-cs"/>
+                </a:defRPr>
+              </a:lvl8pPr>
+              <a:lvl9pPr marL="3657600" algn="l" defTabSz="914400" rtl="0" eaLnBrk="1" latinLnBrk="0" hangingPunct="1">
+                <a:defRPr sz="1800" kern="1200">
+                  <a:solidFill>
+                    <a:schemeClr val="dk1"/>
+                  </a:solidFill>
+                  <a:latin typeface="+mn-lt"/>
+                  <a:ea typeface="+mn-ea"/>
+                  <a:cs typeface="+mn-cs"/>
+                </a:defRPr>
+              </a:lvl9pPr>
+            </a:lstStyle>
+            <a:p>
+              <a:pPr algn="ctr"/>
+              <a:r>
+                <a:rPr lang="en-US" sz="1000" b="1" dirty="0" err="1">
+                  <a:solidFill>
+                    <a:srgbClr val="0070C0"/>
+                  </a:solidFill>
+                </a:rPr>
+                <a:t>SearchParser</a:t>
+              </a:r>
+              <a:endParaRPr lang="en-SG" sz="1000" b="1" dirty="0">
+                <a:solidFill>
+                  <a:srgbClr val="0070C0"/>
+                </a:solidFill>
+              </a:endParaRPr>
+            </a:p>
+          </p:txBody>
+        </p:sp>
+        <p:sp>
+          <p:nvSpPr>
+            <p:cNvPr id="158" name="Rectangle 157"/>
+            <p:cNvSpPr/>
+            <p:nvPr/>
+          </p:nvSpPr>
+          <p:spPr>
+            <a:xfrm flipH="1">
+              <a:off x="6323271" y="4974808"/>
+              <a:ext cx="1188720" cy="228600"/>
+            </a:xfrm>
+            <a:prstGeom prst="rect">
+              <a:avLst/>
+            </a:prstGeom>
+            <a:ln w="19050">
+              <a:solidFill>
+                <a:srgbClr val="0070C0"/>
+              </a:solidFill>
+            </a:ln>
+            <a:effectLst/>
+          </p:spPr>
+          <p:style>
+            <a:lnRef idx="1">
+              <a:schemeClr val="accent1"/>
+            </a:lnRef>
+            <a:fillRef idx="2">
+              <a:schemeClr val="accent1"/>
+            </a:fillRef>
+            <a:effectRef idx="1">
+              <a:schemeClr val="accent1"/>
+            </a:effectRef>
+            <a:fontRef idx="minor">
+              <a:schemeClr val="dk1"/>
+            </a:fontRef>
+          </p:style>
+          <p:txBody>
+            <a:bodyPr rtlCol="0" anchor="ctr"/>
+            <a:lstStyle>
+              <a:defPPr>
+                <a:defRPr lang="en-US"/>
+              </a:defPPr>
+              <a:lvl1pPr marL="0" algn="l" defTabSz="914400" rtl="0" eaLnBrk="1" latinLnBrk="0" hangingPunct="1">
+                <a:defRPr sz="1800" kern="1200">
+                  <a:solidFill>
+                    <a:schemeClr val="dk1"/>
+                  </a:solidFill>
+                  <a:latin typeface="+mn-lt"/>
+                  <a:ea typeface="+mn-ea"/>
+                  <a:cs typeface="+mn-cs"/>
+                </a:defRPr>
+              </a:lvl1pPr>
+              <a:lvl2pPr marL="457200" algn="l" defTabSz="914400" rtl="0" eaLnBrk="1" latinLnBrk="0" hangingPunct="1">
+                <a:defRPr sz="1800" kern="1200">
+                  <a:solidFill>
+                    <a:schemeClr val="dk1"/>
+                  </a:solidFill>
+                  <a:latin typeface="+mn-lt"/>
+                  <a:ea typeface="+mn-ea"/>
+                  <a:cs typeface="+mn-cs"/>
+                </a:defRPr>
+              </a:lvl2pPr>
+              <a:lvl3pPr marL="914400" algn="l" defTabSz="914400" rtl="0" eaLnBrk="1" latinLnBrk="0" hangingPunct="1">
+                <a:defRPr sz="1800" kern="1200">
+                  <a:solidFill>
+                    <a:schemeClr val="dk1"/>
+                  </a:solidFill>
+                  <a:latin typeface="+mn-lt"/>
+                  <a:ea typeface="+mn-ea"/>
+                  <a:cs typeface="+mn-cs"/>
+                </a:defRPr>
+              </a:lvl3pPr>
+              <a:lvl4pPr marL="1371600" algn="l" defTabSz="914400" rtl="0" eaLnBrk="1" latinLnBrk="0" hangingPunct="1">
+                <a:defRPr sz="1800" kern="1200">
+                  <a:solidFill>
+                    <a:schemeClr val="dk1"/>
+                  </a:solidFill>
+                  <a:latin typeface="+mn-lt"/>
+                  <a:ea typeface="+mn-ea"/>
+                  <a:cs typeface="+mn-cs"/>
+                </a:defRPr>
+              </a:lvl4pPr>
+              <a:lvl5pPr marL="1828800" algn="l" defTabSz="914400" rtl="0" eaLnBrk="1" latinLnBrk="0" hangingPunct="1">
+                <a:defRPr sz="1800" kern="1200">
+                  <a:solidFill>
+                    <a:schemeClr val="dk1"/>
+                  </a:solidFill>
+                  <a:latin typeface="+mn-lt"/>
+                  <a:ea typeface="+mn-ea"/>
+                  <a:cs typeface="+mn-cs"/>
+                </a:defRPr>
+              </a:lvl5pPr>
+              <a:lvl6pPr marL="2286000" algn="l" defTabSz="914400" rtl="0" eaLnBrk="1" latinLnBrk="0" hangingPunct="1">
+                <a:defRPr sz="1800" kern="1200">
+                  <a:solidFill>
+                    <a:schemeClr val="dk1"/>
+                  </a:solidFill>
+                  <a:latin typeface="+mn-lt"/>
+                  <a:ea typeface="+mn-ea"/>
+                  <a:cs typeface="+mn-cs"/>
+                </a:defRPr>
+              </a:lvl6pPr>
+              <a:lvl7pPr marL="2743200" algn="l" defTabSz="914400" rtl="0" eaLnBrk="1" latinLnBrk="0" hangingPunct="1">
+                <a:defRPr sz="1800" kern="1200">
+                  <a:solidFill>
+                    <a:schemeClr val="dk1"/>
+                  </a:solidFill>
+                  <a:latin typeface="+mn-lt"/>
+                  <a:ea typeface="+mn-ea"/>
+                  <a:cs typeface="+mn-cs"/>
+                </a:defRPr>
+              </a:lvl7pPr>
+              <a:lvl8pPr marL="3200400" algn="l" defTabSz="914400" rtl="0" eaLnBrk="1" latinLnBrk="0" hangingPunct="1">
+                <a:defRPr sz="1800" kern="1200">
+                  <a:solidFill>
+                    <a:schemeClr val="dk1"/>
+                  </a:solidFill>
+                  <a:latin typeface="+mn-lt"/>
+                  <a:ea typeface="+mn-ea"/>
+                  <a:cs typeface="+mn-cs"/>
+                </a:defRPr>
+              </a:lvl8pPr>
+              <a:lvl9pPr marL="3657600" algn="l" defTabSz="914400" rtl="0" eaLnBrk="1" latinLnBrk="0" hangingPunct="1">
+                <a:defRPr sz="1800" kern="1200">
+                  <a:solidFill>
+                    <a:schemeClr val="dk1"/>
+                  </a:solidFill>
+                  <a:latin typeface="+mn-lt"/>
+                  <a:ea typeface="+mn-ea"/>
+                  <a:cs typeface="+mn-cs"/>
+                </a:defRPr>
+              </a:lvl9pPr>
+            </a:lstStyle>
+            <a:p>
+              <a:pPr algn="ctr"/>
+              <a:r>
+                <a:rPr lang="en-US" sz="1000" b="1" dirty="0" err="1">
+                  <a:solidFill>
+                    <a:srgbClr val="0070C0"/>
+                  </a:solidFill>
+                </a:rPr>
+                <a:t>CompleteParser</a:t>
+              </a:r>
+              <a:endParaRPr lang="en-SG" sz="1000" b="1" dirty="0">
+                <a:solidFill>
+                  <a:srgbClr val="0070C0"/>
+                </a:solidFill>
+              </a:endParaRPr>
+            </a:p>
+          </p:txBody>
+        </p:sp>
+      </p:grpSp>
+      <p:cxnSp>
+        <p:nvCxnSpPr>
+          <p:cNvPr id="164" name="Straight Arrow Connector 163"/>
+          <p:cNvCxnSpPr>
+            <a:stCxn id="89" idx="3"/>
+            <a:endCxn id="95" idx="1"/>
+          </p:cNvCxnSpPr>
+          <p:nvPr/>
+        </p:nvCxnSpPr>
+        <p:spPr>
+          <a:xfrm>
+            <a:off x="5186869" y="3226913"/>
+            <a:ext cx="882430" cy="0"/>
+          </a:xfrm>
+          <a:prstGeom prst="straightConnector1">
+            <a:avLst/>
+          </a:prstGeom>
+          <a:ln w="19050">
+            <a:solidFill>
+              <a:srgbClr val="0070C0"/>
+            </a:solidFill>
+            <a:prstDash val="sysDot"/>
+            <a:headEnd type="none" w="med" len="med"/>
+            <a:tailEnd type="arrow" w="med" len="med"/>
+          </a:ln>
+          <a:effectLst/>
+        </p:spPr>
+        <p:style>
+          <a:lnRef idx="1">
+            <a:schemeClr val="accent2"/>
+          </a:lnRef>
+          <a:fillRef idx="2">
+            <a:schemeClr val="accent2"/>
+          </a:fillRef>
+          <a:effectRef idx="1">
+            <a:schemeClr val="accent2"/>
+          </a:effectRef>
+          <a:fontRef idx="minor">
+            <a:schemeClr val="dk1"/>
+          </a:fontRef>
+        </p:style>
+      </p:cxnSp>
+      <p:grpSp>
+        <p:nvGrpSpPr>
+          <p:cNvPr id="165" name="Group 164"/>
+          <p:cNvGrpSpPr/>
+          <p:nvPr/>
+        </p:nvGrpSpPr>
+        <p:grpSpPr>
+          <a:xfrm>
+            <a:off x="5208919" y="3028140"/>
+            <a:ext cx="685800" cy="230832"/>
+            <a:chOff x="2797314" y="807932"/>
+            <a:chExt cx="685800" cy="230832"/>
+          </a:xfrm>
+        </p:grpSpPr>
+        <p:sp>
+          <p:nvSpPr>
+            <p:cNvPr id="166" name="TextBox 41"/>
+            <p:cNvSpPr txBox="1"/>
+            <p:nvPr/>
+          </p:nvSpPr>
+          <p:spPr>
+            <a:xfrm>
+              <a:off x="2797314" y="807932"/>
+              <a:ext cx="555487" cy="230832"/>
+            </a:xfrm>
+            <a:prstGeom prst="rect">
+              <a:avLst/>
+            </a:prstGeom>
+            <a:noFill/>
+          </p:spPr>
+          <p:txBody>
+            <a:bodyPr wrap="square" lIns="0" tIns="0" rIns="0" bIns="0" rtlCol="0">
+              <a:noAutofit/>
+            </a:bodyPr>
+            <a:lstStyle>
+              <a:defPPr>
+                <a:defRPr lang="en-US"/>
+              </a:defPPr>
+              <a:lvl1pPr marL="0" algn="l" defTabSz="914400" rtl="0" eaLnBrk="1" latinLnBrk="0" hangingPunct="1">
+                <a:defRPr sz="1800" kern="1200">
+                  <a:solidFill>
+                    <a:schemeClr val="tx1"/>
+                  </a:solidFill>
+                  <a:latin typeface="+mn-lt"/>
+                  <a:ea typeface="+mn-ea"/>
+                  <a:cs typeface="+mn-cs"/>
+                </a:defRPr>
+              </a:lvl1pPr>
+              <a:lvl2pPr marL="457200" algn="l" defTabSz="914400" rtl="0" eaLnBrk="1" latinLnBrk="0" hangingPunct="1">
+                <a:defRPr sz="1800" kern="1200">
+                  <a:solidFill>
+                    <a:schemeClr val="tx1"/>
+                  </a:solidFill>
+                  <a:latin typeface="+mn-lt"/>
+                  <a:ea typeface="+mn-ea"/>
+                  <a:cs typeface="+mn-cs"/>
+                </a:defRPr>
+              </a:lvl2pPr>
+              <a:lvl3pPr marL="914400" algn="l" defTabSz="914400" rtl="0" eaLnBrk="1" latinLnBrk="0" hangingPunct="1">
+                <a:defRPr sz="1800" kern="1200">
+                  <a:solidFill>
+                    <a:schemeClr val="tx1"/>
+                  </a:solidFill>
+                  <a:latin typeface="+mn-lt"/>
+                  <a:ea typeface="+mn-ea"/>
+                  <a:cs typeface="+mn-cs"/>
+                </a:defRPr>
+              </a:lvl3pPr>
+              <a:lvl4pPr marL="1371600" algn="l" defTabSz="914400" rtl="0" eaLnBrk="1" latinLnBrk="0" hangingPunct="1">
+                <a:defRPr sz="1800" kern="1200">
+                  <a:solidFill>
+                    <a:schemeClr val="tx1"/>
+                  </a:solidFill>
+                  <a:latin typeface="+mn-lt"/>
+                  <a:ea typeface="+mn-ea"/>
+                  <a:cs typeface="+mn-cs"/>
+                </a:defRPr>
+              </a:lvl4pPr>
+              <a:lvl5pPr marL="1828800" algn="l" defTabSz="914400" rtl="0" eaLnBrk="1" latinLnBrk="0" hangingPunct="1">
+                <a:defRPr sz="1800" kern="1200">
+                  <a:solidFill>
+                    <a:schemeClr val="tx1"/>
+                  </a:solidFill>
+                  <a:latin typeface="+mn-lt"/>
+                  <a:ea typeface="+mn-ea"/>
+                  <a:cs typeface="+mn-cs"/>
+                </a:defRPr>
+              </a:lvl5pPr>
+              <a:lvl6pPr marL="2286000" algn="l" defTabSz="914400" rtl="0" eaLnBrk="1" latinLnBrk="0" hangingPunct="1">
+                <a:defRPr sz="1800" kern="1200">
+                  <a:solidFill>
+                    <a:schemeClr val="tx1"/>
+                  </a:solidFill>
+                  <a:latin typeface="+mn-lt"/>
+                  <a:ea typeface="+mn-ea"/>
+                  <a:cs typeface="+mn-cs"/>
+                </a:defRPr>
+              </a:lvl6pPr>
+              <a:lvl7pPr marL="2743200" algn="l" defTabSz="914400" rtl="0" eaLnBrk="1" latinLnBrk="0" hangingPunct="1">
+                <a:defRPr sz="1800" kern="1200">
+                  <a:solidFill>
+                    <a:schemeClr val="tx1"/>
+                  </a:solidFill>
+                  <a:latin typeface="+mn-lt"/>
+                  <a:ea typeface="+mn-ea"/>
+                  <a:cs typeface="+mn-cs"/>
+                </a:defRPr>
+              </a:lvl7pPr>
+              <a:lvl8pPr marL="3200400" algn="l" defTabSz="914400" rtl="0" eaLnBrk="1" latinLnBrk="0" hangingPunct="1">
+                <a:defRPr sz="1800" kern="1200">
+                  <a:solidFill>
+                    <a:schemeClr val="tx1"/>
+                  </a:solidFill>
+                  <a:latin typeface="+mn-lt"/>
+                  <a:ea typeface="+mn-ea"/>
+                  <a:cs typeface="+mn-cs"/>
+                </a:defRPr>
+              </a:lvl8pPr>
+              <a:lvl9pPr marL="3657600" algn="l" defTabSz="914400" rtl="0" eaLnBrk="1" latinLnBrk="0" hangingPunct="1">
+                <a:defRPr sz="1800" kern="1200">
+                  <a:solidFill>
+                    <a:schemeClr val="tx1"/>
+                  </a:solidFill>
+                  <a:latin typeface="+mn-lt"/>
+                  <a:ea typeface="+mn-ea"/>
+                  <a:cs typeface="+mn-cs"/>
+                </a:defRPr>
+              </a:lvl9pPr>
+            </a:lstStyle>
+            <a:p>
+              <a:pPr algn="r"/>
+              <a:r>
+                <a:rPr lang="en-US" sz="1100" dirty="0">
+                  <a:solidFill>
+                    <a:srgbClr val="0070C0"/>
+                  </a:solidFill>
+                </a:rPr>
+                <a:t>creates</a:t>
+              </a:r>
+              <a:endParaRPr lang="en-SG" sz="1100" dirty="0">
+                <a:solidFill>
+                  <a:srgbClr val="0070C0"/>
+                </a:solidFill>
+              </a:endParaRPr>
+            </a:p>
+          </p:txBody>
+        </p:sp>
+        <p:sp>
+          <p:nvSpPr>
+            <p:cNvPr id="167" name="Isosceles Triangle 166"/>
+            <p:cNvSpPr/>
+            <p:nvPr/>
+          </p:nvSpPr>
+          <p:spPr>
+            <a:xfrm rot="5400000">
+              <a:off x="3382038" y="866776"/>
+              <a:ext cx="125951" cy="76201"/>
+            </a:xfrm>
+            <a:prstGeom prst="triangle">
+              <a:avLst/>
+            </a:prstGeom>
+            <a:solidFill>
+              <a:srgbClr val="0070C0"/>
+            </a:solidFill>
+            <a:ln>
+              <a:noFill/>
+            </a:ln>
+          </p:spPr>
+          <p:style>
+            <a:lnRef idx="2">
+              <a:schemeClr val="accent1">
+                <a:shade val="50000"/>
+              </a:schemeClr>
+            </a:lnRef>
+            <a:fillRef idx="1">
+              <a:schemeClr val="accent1"/>
+            </a:fillRef>
+            <a:effectRef idx="0">
+              <a:schemeClr val="accent1"/>
+            </a:effectRef>
+            <a:fontRef idx="minor">
+              <a:schemeClr val="lt1"/>
+            </a:fontRef>
+          </p:style>
+          <p:txBody>
+            <a:bodyPr rtlCol="0" anchor="ctr"/>
+            <a:lstStyle>
+              <a:defPPr>
+                <a:defRPr lang="en-US"/>
+              </a:defPPr>
+              <a:lvl1pPr marL="0" algn="l" defTabSz="914400" rtl="0" eaLnBrk="1" latinLnBrk="0" hangingPunct="1">
+                <a:defRPr sz="1800" kern="1200">
+                  <a:solidFill>
+                    <a:schemeClr val="lt1"/>
+                  </a:solidFill>
+                  <a:latin typeface="+mn-lt"/>
+                  <a:ea typeface="+mn-ea"/>
+                  <a:cs typeface="+mn-cs"/>
+                </a:defRPr>
+              </a:lvl1pPr>
+              <a:lvl2pPr marL="457200" algn="l" defTabSz="914400" rtl="0" eaLnBrk="1" latinLnBrk="0" hangingPunct="1">
+                <a:defRPr sz="1800" kern="1200">
+                  <a:solidFill>
+                    <a:schemeClr val="lt1"/>
+                  </a:solidFill>
+                  <a:latin typeface="+mn-lt"/>
+                  <a:ea typeface="+mn-ea"/>
+                  <a:cs typeface="+mn-cs"/>
+                </a:defRPr>
+              </a:lvl2pPr>
+              <a:lvl3pPr marL="914400" algn="l" defTabSz="914400" rtl="0" eaLnBrk="1" latinLnBrk="0" hangingPunct="1">
+                <a:defRPr sz="1800" kern="1200">
+                  <a:solidFill>
+                    <a:schemeClr val="lt1"/>
+                  </a:solidFill>
+                  <a:latin typeface="+mn-lt"/>
+                  <a:ea typeface="+mn-ea"/>
+                  <a:cs typeface="+mn-cs"/>
+                </a:defRPr>
+              </a:lvl3pPr>
+              <a:lvl4pPr marL="1371600" algn="l" defTabSz="914400" rtl="0" eaLnBrk="1" latinLnBrk="0" hangingPunct="1">
+                <a:defRPr sz="1800" kern="1200">
+                  <a:solidFill>
+                    <a:schemeClr val="lt1"/>
+                  </a:solidFill>
+                  <a:latin typeface="+mn-lt"/>
+                  <a:ea typeface="+mn-ea"/>
+                  <a:cs typeface="+mn-cs"/>
+                </a:defRPr>
+              </a:lvl4pPr>
+              <a:lvl5pPr marL="1828800" algn="l" defTabSz="914400" rtl="0" eaLnBrk="1" latinLnBrk="0" hangingPunct="1">
+                <a:defRPr sz="1800" kern="1200">
+                  <a:solidFill>
+                    <a:schemeClr val="lt1"/>
+                  </a:solidFill>
+                  <a:latin typeface="+mn-lt"/>
+                  <a:ea typeface="+mn-ea"/>
+                  <a:cs typeface="+mn-cs"/>
+                </a:defRPr>
+              </a:lvl5pPr>
+              <a:lvl6pPr marL="2286000" algn="l" defTabSz="914400" rtl="0" eaLnBrk="1" latinLnBrk="0" hangingPunct="1">
+                <a:defRPr sz="1800" kern="1200">
+                  <a:solidFill>
+                    <a:schemeClr val="lt1"/>
+                  </a:solidFill>
+                  <a:latin typeface="+mn-lt"/>
+                  <a:ea typeface="+mn-ea"/>
+                  <a:cs typeface="+mn-cs"/>
+                </a:defRPr>
+              </a:lvl6pPr>
+              <a:lvl7pPr marL="2743200" algn="l" defTabSz="914400" rtl="0" eaLnBrk="1" latinLnBrk="0" hangingPunct="1">
+                <a:defRPr sz="1800" kern="1200">
+                  <a:solidFill>
+                    <a:schemeClr val="lt1"/>
+                  </a:solidFill>
+                  <a:latin typeface="+mn-lt"/>
+                  <a:ea typeface="+mn-ea"/>
+                  <a:cs typeface="+mn-cs"/>
+                </a:defRPr>
+              </a:lvl7pPr>
+              <a:lvl8pPr marL="3200400" algn="l" defTabSz="914400" rtl="0" eaLnBrk="1" latinLnBrk="0" hangingPunct="1">
+                <a:defRPr sz="1800" kern="1200">
+                  <a:solidFill>
+                    <a:schemeClr val="lt1"/>
+                  </a:solidFill>
+                  <a:latin typeface="+mn-lt"/>
+                  <a:ea typeface="+mn-ea"/>
+                  <a:cs typeface="+mn-cs"/>
+                </a:defRPr>
+              </a:lvl8pPr>
+              <a:lvl9pPr marL="3657600" algn="l" defTabSz="914400" rtl="0" eaLnBrk="1" latinLnBrk="0" hangingPunct="1">
+                <a:defRPr sz="1800" kern="1200">
+                  <a:solidFill>
+                    <a:schemeClr val="lt1"/>
+                  </a:solidFill>
+                  <a:latin typeface="+mn-lt"/>
+                  <a:ea typeface="+mn-ea"/>
+                  <a:cs typeface="+mn-cs"/>
+                </a:defRPr>
+              </a:lvl9pPr>
+            </a:lstStyle>
+            <a:p>
+              <a:pPr algn="ctr"/>
+              <a:endParaRPr lang="en-SG"/>
+            </a:p>
+          </p:txBody>
+        </p:sp>
+      </p:grpSp>
+      <p:cxnSp>
+        <p:nvCxnSpPr>
+          <p:cNvPr id="182" name="Elbow Connector 58"/>
+          <p:cNvCxnSpPr>
+            <a:endCxn id="144" idx="3"/>
+          </p:cNvCxnSpPr>
+          <p:nvPr/>
+        </p:nvCxnSpPr>
+        <p:spPr>
+          <a:xfrm rot="16200000" flipH="1">
+            <a:off x="2417013" y="4579120"/>
+            <a:ext cx="2182274" cy="235425"/>
+          </a:xfrm>
+          <a:prstGeom prst="bentConnector2">
+            <a:avLst/>
+          </a:prstGeom>
+          <a:ln w="19050">
+            <a:solidFill>
+              <a:srgbClr val="0070C0"/>
+            </a:solidFill>
+            <a:headEnd type="none" w="med" len="med"/>
+            <a:tailEnd type="none" w="med" len="med"/>
+          </a:ln>
+          <a:effectLst/>
+        </p:spPr>
+        <p:style>
+          <a:lnRef idx="1">
+            <a:schemeClr val="accent2"/>
+          </a:lnRef>
+          <a:fillRef idx="2">
+            <a:schemeClr val="accent2"/>
+          </a:fillRef>
+          <a:effectRef idx="1">
+            <a:schemeClr val="accent2"/>
+          </a:effectRef>
+          <a:fontRef idx="minor">
+            <a:schemeClr val="dk1"/>
+          </a:fontRef>
+        </p:style>
+      </p:cxnSp>
+      <p:cxnSp>
+        <p:nvCxnSpPr>
+          <p:cNvPr id="186" name="Elbow Connector 58"/>
+          <p:cNvCxnSpPr>
+            <a:endCxn id="141" idx="3"/>
+          </p:cNvCxnSpPr>
+          <p:nvPr/>
+        </p:nvCxnSpPr>
+        <p:spPr>
+          <a:xfrm>
+            <a:off x="3390437" y="5426746"/>
+            <a:ext cx="235426" cy="0"/>
+          </a:xfrm>
+          <a:prstGeom prst="straightConnector1">
+            <a:avLst/>
+          </a:prstGeom>
+          <a:ln w="19050">
+            <a:solidFill>
+              <a:srgbClr val="0070C0"/>
+            </a:solidFill>
+            <a:headEnd type="none" w="med" len="med"/>
+            <a:tailEnd type="none" w="med" len="med"/>
+          </a:ln>
+          <a:effectLst/>
+        </p:spPr>
+        <p:style>
+          <a:lnRef idx="1">
+            <a:schemeClr val="accent2"/>
+          </a:lnRef>
+          <a:fillRef idx="2">
+            <a:schemeClr val="accent2"/>
+          </a:fillRef>
+          <a:effectRef idx="1">
+            <a:schemeClr val="accent2"/>
+          </a:effectRef>
+          <a:fontRef idx="minor">
+            <a:schemeClr val="dk1"/>
+          </a:fontRef>
+        </p:style>
+      </p:cxnSp>
+      <p:cxnSp>
+        <p:nvCxnSpPr>
+          <p:cNvPr id="190" name="Elbow Connector 58"/>
           <p:cNvCxnSpPr/>
           <p:nvPr/>
         </p:nvCxnSpPr>
         <p:spPr>
-          <a:xfrm rot="16200000" flipH="1">
-            <a:off x="6867636" y="5504842"/>
-            <a:ext cx="293978" cy="182292"/>
+          <a:xfrm rot="10800000" flipV="1">
+            <a:off x="3390444" y="3242092"/>
+            <a:ext cx="4433114" cy="363602"/>
           </a:xfrm>
           <a:prstGeom prst="bentConnector3">
             <a:avLst>
-              <a:gd name="adj1" fmla="val 98827"/>
+              <a:gd name="adj1" fmla="val 206"/>
             </a:avLst>
           </a:prstGeom>
           <a:ln w="19050">
@@ -9480,6 +12388,1425 @@
             </a:solidFill>
             <a:headEnd type="none" w="med" len="med"/>
             <a:tailEnd type="none" w="med" len="med"/>
+          </a:ln>
+          <a:effectLst/>
+        </p:spPr>
+        <p:style>
+          <a:lnRef idx="1">
+            <a:schemeClr val="accent2"/>
+          </a:lnRef>
+          <a:fillRef idx="2">
+            <a:schemeClr val="accent2"/>
+          </a:fillRef>
+          <a:effectRef idx="1">
+            <a:schemeClr val="accent2"/>
+          </a:effectRef>
+          <a:fontRef idx="minor">
+            <a:schemeClr val="dk1"/>
+          </a:fontRef>
+        </p:style>
+      </p:cxnSp>
+      <p:cxnSp>
+        <p:nvCxnSpPr>
+          <p:cNvPr id="199" name="Elbow Connector 58"/>
+          <p:cNvCxnSpPr>
+            <a:endCxn id="97" idx="3"/>
+          </p:cNvCxnSpPr>
+          <p:nvPr/>
+        </p:nvCxnSpPr>
+        <p:spPr>
+          <a:xfrm flipH="1">
+            <a:off x="7134625" y="3238032"/>
+            <a:ext cx="688933" cy="1"/>
+          </a:xfrm>
+          <a:prstGeom prst="straightConnector1">
+            <a:avLst/>
+          </a:prstGeom>
+          <a:ln w="19050">
+            <a:solidFill>
+              <a:srgbClr val="0070C0"/>
+            </a:solidFill>
+            <a:headEnd type="none" w="med" len="med"/>
+            <a:tailEnd type="none" w="med" len="med"/>
+          </a:ln>
+          <a:effectLst/>
+        </p:spPr>
+        <p:style>
+          <a:lnRef idx="1">
+            <a:schemeClr val="accent2"/>
+          </a:lnRef>
+          <a:fillRef idx="2">
+            <a:schemeClr val="accent2"/>
+          </a:fillRef>
+          <a:effectRef idx="1">
+            <a:schemeClr val="accent2"/>
+          </a:effectRef>
+          <a:fontRef idx="minor">
+            <a:schemeClr val="dk1"/>
+          </a:fontRef>
+        </p:style>
+      </p:cxnSp>
+      <p:cxnSp>
+        <p:nvCxnSpPr>
+          <p:cNvPr id="206" name="Straight Connector 205"/>
+          <p:cNvCxnSpPr>
+            <a:endCxn id="132" idx="3"/>
+          </p:cNvCxnSpPr>
+          <p:nvPr/>
+        </p:nvCxnSpPr>
+        <p:spPr>
+          <a:xfrm rot="16200000" flipH="1">
+            <a:off x="3988042" y="4601547"/>
+            <a:ext cx="2186640" cy="194936"/>
+          </a:xfrm>
+          <a:prstGeom prst="bentConnector2">
+            <a:avLst/>
+          </a:prstGeom>
+          <a:ln w="19050">
+            <a:solidFill>
+              <a:srgbClr val="0070C0"/>
+            </a:solidFill>
+          </a:ln>
+        </p:spPr>
+        <p:style>
+          <a:lnRef idx="1">
+            <a:schemeClr val="accent1"/>
+          </a:lnRef>
+          <a:fillRef idx="0">
+            <a:schemeClr val="accent1"/>
+          </a:fillRef>
+          <a:effectRef idx="0">
+            <a:schemeClr val="accent1"/>
+          </a:effectRef>
+          <a:fontRef idx="minor">
+            <a:schemeClr val="tx1"/>
+          </a:fontRef>
+        </p:style>
+      </p:cxnSp>
+      <p:cxnSp>
+        <p:nvCxnSpPr>
+          <p:cNvPr id="216" name="Elbow Connector 58"/>
+          <p:cNvCxnSpPr>
+            <a:endCxn id="146" idx="3"/>
+          </p:cNvCxnSpPr>
+          <p:nvPr/>
+        </p:nvCxnSpPr>
+        <p:spPr>
+          <a:xfrm>
+            <a:off x="3390437" y="5061504"/>
+            <a:ext cx="235426" cy="0"/>
+          </a:xfrm>
+          <a:prstGeom prst="straightConnector1">
+            <a:avLst/>
+          </a:prstGeom>
+          <a:ln w="19050">
+            <a:solidFill>
+              <a:srgbClr val="0070C0"/>
+            </a:solidFill>
+            <a:headEnd type="none" w="med" len="med"/>
+            <a:tailEnd type="none" w="med" len="med"/>
+          </a:ln>
+          <a:effectLst/>
+        </p:spPr>
+        <p:style>
+          <a:lnRef idx="1">
+            <a:schemeClr val="accent2"/>
+          </a:lnRef>
+          <a:fillRef idx="2">
+            <a:schemeClr val="accent2"/>
+          </a:fillRef>
+          <a:effectRef idx="1">
+            <a:schemeClr val="accent2"/>
+          </a:effectRef>
+          <a:fontRef idx="minor">
+            <a:schemeClr val="dk1"/>
+          </a:fontRef>
+        </p:style>
+      </p:cxnSp>
+      <p:cxnSp>
+        <p:nvCxnSpPr>
+          <p:cNvPr id="220" name="Elbow Connector 58"/>
+          <p:cNvCxnSpPr>
+            <a:endCxn id="133" idx="3"/>
+          </p:cNvCxnSpPr>
+          <p:nvPr/>
+        </p:nvCxnSpPr>
+        <p:spPr>
+          <a:xfrm flipV="1">
+            <a:off x="3385324" y="4704298"/>
+            <a:ext cx="240539" cy="0"/>
+          </a:xfrm>
+          <a:prstGeom prst="straightConnector1">
+            <a:avLst/>
+          </a:prstGeom>
+          <a:ln w="19050">
+            <a:solidFill>
+              <a:srgbClr val="0070C0"/>
+            </a:solidFill>
+            <a:headEnd type="none" w="med" len="med"/>
+            <a:tailEnd type="none" w="med" len="med"/>
+          </a:ln>
+          <a:effectLst/>
+        </p:spPr>
+        <p:style>
+          <a:lnRef idx="1">
+            <a:schemeClr val="accent2"/>
+          </a:lnRef>
+          <a:fillRef idx="2">
+            <a:schemeClr val="accent2"/>
+          </a:fillRef>
+          <a:effectRef idx="1">
+            <a:schemeClr val="accent2"/>
+          </a:effectRef>
+          <a:fontRef idx="minor">
+            <a:schemeClr val="dk1"/>
+          </a:fontRef>
+        </p:style>
+      </p:cxnSp>
+      <p:cxnSp>
+        <p:nvCxnSpPr>
+          <p:cNvPr id="222" name="Elbow Connector 58"/>
+          <p:cNvCxnSpPr/>
+          <p:nvPr/>
+        </p:nvCxnSpPr>
+        <p:spPr>
+          <a:xfrm>
+            <a:off x="3385324" y="4343074"/>
+            <a:ext cx="240539" cy="0"/>
+          </a:xfrm>
+          <a:prstGeom prst="straightConnector1">
+            <a:avLst/>
+          </a:prstGeom>
+          <a:ln w="19050">
+            <a:solidFill>
+              <a:srgbClr val="0070C0"/>
+            </a:solidFill>
+            <a:headEnd type="none" w="med" len="med"/>
+            <a:tailEnd type="none" w="med" len="med"/>
+          </a:ln>
+          <a:effectLst/>
+        </p:spPr>
+        <p:style>
+          <a:lnRef idx="1">
+            <a:schemeClr val="accent2"/>
+          </a:lnRef>
+          <a:fillRef idx="2">
+            <a:schemeClr val="accent2"/>
+          </a:fillRef>
+          <a:effectRef idx="1">
+            <a:schemeClr val="accent2"/>
+          </a:effectRef>
+          <a:fontRef idx="minor">
+            <a:schemeClr val="dk1"/>
+          </a:fontRef>
+        </p:style>
+      </p:cxnSp>
+      <p:cxnSp>
+        <p:nvCxnSpPr>
+          <p:cNvPr id="225" name="Elbow Connector 58"/>
+          <p:cNvCxnSpPr/>
+          <p:nvPr/>
+        </p:nvCxnSpPr>
+        <p:spPr>
+          <a:xfrm>
+            <a:off x="3385324" y="3981850"/>
+            <a:ext cx="240539" cy="0"/>
+          </a:xfrm>
+          <a:prstGeom prst="straightConnector1">
+            <a:avLst/>
+          </a:prstGeom>
+          <a:ln w="19050">
+            <a:solidFill>
+              <a:srgbClr val="0070C0"/>
+            </a:solidFill>
+            <a:headEnd type="none" w="med" len="med"/>
+            <a:tailEnd type="none" w="med" len="med"/>
+          </a:ln>
+          <a:effectLst/>
+        </p:spPr>
+        <p:style>
+          <a:lnRef idx="1">
+            <a:schemeClr val="accent2"/>
+          </a:lnRef>
+          <a:fillRef idx="2">
+            <a:schemeClr val="accent2"/>
+          </a:fillRef>
+          <a:effectRef idx="1">
+            <a:schemeClr val="accent2"/>
+          </a:effectRef>
+          <a:fontRef idx="minor">
+            <a:schemeClr val="dk1"/>
+          </a:fontRef>
+        </p:style>
+      </p:cxnSp>
+      <p:cxnSp>
+        <p:nvCxnSpPr>
+          <p:cNvPr id="226" name="Elbow Connector 58"/>
+          <p:cNvCxnSpPr/>
+          <p:nvPr/>
+        </p:nvCxnSpPr>
+        <p:spPr>
+          <a:xfrm>
+            <a:off x="4983894" y="4009882"/>
+            <a:ext cx="202975" cy="159"/>
+          </a:xfrm>
+          <a:prstGeom prst="straightConnector1">
+            <a:avLst/>
+          </a:prstGeom>
+          <a:ln w="19050">
+            <a:solidFill>
+              <a:srgbClr val="0070C0"/>
+            </a:solidFill>
+            <a:headEnd type="none" w="med" len="med"/>
+            <a:tailEnd type="none" w="med" len="med"/>
+          </a:ln>
+          <a:effectLst/>
+        </p:spPr>
+        <p:style>
+          <a:lnRef idx="1">
+            <a:schemeClr val="accent2"/>
+          </a:lnRef>
+          <a:fillRef idx="2">
+            <a:schemeClr val="accent2"/>
+          </a:fillRef>
+          <a:effectRef idx="1">
+            <a:schemeClr val="accent2"/>
+          </a:effectRef>
+          <a:fontRef idx="minor">
+            <a:schemeClr val="dk1"/>
+          </a:fontRef>
+        </p:style>
+      </p:cxnSp>
+      <p:cxnSp>
+        <p:nvCxnSpPr>
+          <p:cNvPr id="228" name="Elbow Connector 58"/>
+          <p:cNvCxnSpPr/>
+          <p:nvPr/>
+        </p:nvCxnSpPr>
+        <p:spPr>
+          <a:xfrm>
+            <a:off x="4983894" y="4369465"/>
+            <a:ext cx="202975" cy="159"/>
+          </a:xfrm>
+          <a:prstGeom prst="straightConnector1">
+            <a:avLst/>
+          </a:prstGeom>
+          <a:ln w="19050">
+            <a:solidFill>
+              <a:srgbClr val="0070C0"/>
+            </a:solidFill>
+            <a:headEnd type="none" w="med" len="med"/>
+            <a:tailEnd type="none" w="med" len="med"/>
+          </a:ln>
+          <a:effectLst/>
+        </p:spPr>
+        <p:style>
+          <a:lnRef idx="1">
+            <a:schemeClr val="accent2"/>
+          </a:lnRef>
+          <a:fillRef idx="2">
+            <a:schemeClr val="accent2"/>
+          </a:fillRef>
+          <a:effectRef idx="1">
+            <a:schemeClr val="accent2"/>
+          </a:effectRef>
+          <a:fontRef idx="minor">
+            <a:schemeClr val="dk1"/>
+          </a:fontRef>
+        </p:style>
+      </p:cxnSp>
+      <p:cxnSp>
+        <p:nvCxnSpPr>
+          <p:cNvPr id="229" name="Elbow Connector 58"/>
+          <p:cNvCxnSpPr/>
+          <p:nvPr/>
+        </p:nvCxnSpPr>
+        <p:spPr>
+          <a:xfrm>
+            <a:off x="4983894" y="4720934"/>
+            <a:ext cx="202975" cy="159"/>
+          </a:xfrm>
+          <a:prstGeom prst="straightConnector1">
+            <a:avLst/>
+          </a:prstGeom>
+          <a:ln w="19050">
+            <a:solidFill>
+              <a:srgbClr val="0070C0"/>
+            </a:solidFill>
+            <a:headEnd type="none" w="med" len="med"/>
+            <a:tailEnd type="none" w="med" len="med"/>
+          </a:ln>
+          <a:effectLst/>
+        </p:spPr>
+        <p:style>
+          <a:lnRef idx="1">
+            <a:schemeClr val="accent2"/>
+          </a:lnRef>
+          <a:fillRef idx="2">
+            <a:schemeClr val="accent2"/>
+          </a:fillRef>
+          <a:effectRef idx="1">
+            <a:schemeClr val="accent2"/>
+          </a:effectRef>
+          <a:fontRef idx="minor">
+            <a:schemeClr val="dk1"/>
+          </a:fontRef>
+        </p:style>
+      </p:cxnSp>
+      <p:cxnSp>
+        <p:nvCxnSpPr>
+          <p:cNvPr id="230" name="Elbow Connector 58"/>
+          <p:cNvCxnSpPr/>
+          <p:nvPr/>
+        </p:nvCxnSpPr>
+        <p:spPr>
+          <a:xfrm>
+            <a:off x="4975855" y="5089108"/>
+            <a:ext cx="202975" cy="159"/>
+          </a:xfrm>
+          <a:prstGeom prst="straightConnector1">
+            <a:avLst/>
+          </a:prstGeom>
+          <a:ln w="19050">
+            <a:solidFill>
+              <a:srgbClr val="0070C0"/>
+            </a:solidFill>
+            <a:headEnd type="none" w="med" len="med"/>
+            <a:tailEnd type="none" w="med" len="med"/>
+          </a:ln>
+          <a:effectLst/>
+        </p:spPr>
+        <p:style>
+          <a:lnRef idx="1">
+            <a:schemeClr val="accent2"/>
+          </a:lnRef>
+          <a:fillRef idx="2">
+            <a:schemeClr val="accent2"/>
+          </a:fillRef>
+          <a:effectRef idx="1">
+            <a:schemeClr val="accent2"/>
+          </a:effectRef>
+          <a:fontRef idx="minor">
+            <a:schemeClr val="dk1"/>
+          </a:fontRef>
+        </p:style>
+      </p:cxnSp>
+      <p:cxnSp>
+        <p:nvCxnSpPr>
+          <p:cNvPr id="231" name="Elbow Connector 58"/>
+          <p:cNvCxnSpPr/>
+          <p:nvPr/>
+        </p:nvCxnSpPr>
+        <p:spPr>
+          <a:xfrm>
+            <a:off x="4983114" y="5427529"/>
+            <a:ext cx="202975" cy="159"/>
+          </a:xfrm>
+          <a:prstGeom prst="straightConnector1">
+            <a:avLst/>
+          </a:prstGeom>
+          <a:ln w="19050">
+            <a:solidFill>
+              <a:srgbClr val="0070C0"/>
+            </a:solidFill>
+            <a:headEnd type="none" w="med" len="med"/>
+            <a:tailEnd type="none" w="med" len="med"/>
+          </a:ln>
+          <a:effectLst/>
+        </p:spPr>
+        <p:style>
+          <a:lnRef idx="1">
+            <a:schemeClr val="accent2"/>
+          </a:lnRef>
+          <a:fillRef idx="2">
+            <a:schemeClr val="accent2"/>
+          </a:fillRef>
+          <a:effectRef idx="1">
+            <a:schemeClr val="accent2"/>
+          </a:effectRef>
+          <a:fontRef idx="minor">
+            <a:schemeClr val="dk1"/>
+          </a:fontRef>
+        </p:style>
+      </p:cxnSp>
+      <p:cxnSp>
+        <p:nvCxnSpPr>
+          <p:cNvPr id="232" name="Straight Connector 205"/>
+          <p:cNvCxnSpPr>
+            <a:endCxn id="143" idx="3"/>
+          </p:cNvCxnSpPr>
+          <p:nvPr/>
+        </p:nvCxnSpPr>
+        <p:spPr>
+          <a:xfrm rot="16200000" flipH="1">
+            <a:off x="5707322" y="4432851"/>
+            <a:ext cx="1843154" cy="188844"/>
+          </a:xfrm>
+          <a:prstGeom prst="bentConnector2">
+            <a:avLst/>
+          </a:prstGeom>
+          <a:ln w="19050">
+            <a:solidFill>
+              <a:srgbClr val="0070C0"/>
+            </a:solidFill>
+          </a:ln>
+        </p:spPr>
+        <p:style>
+          <a:lnRef idx="1">
+            <a:schemeClr val="accent1"/>
+          </a:lnRef>
+          <a:fillRef idx="0">
+            <a:schemeClr val="accent1"/>
+          </a:fillRef>
+          <a:effectRef idx="0">
+            <a:schemeClr val="accent1"/>
+          </a:effectRef>
+          <a:fontRef idx="minor">
+            <a:schemeClr val="tx1"/>
+          </a:fontRef>
+        </p:style>
+      </p:cxnSp>
+      <p:cxnSp>
+        <p:nvCxnSpPr>
+          <p:cNvPr id="236" name="Elbow Connector 58"/>
+          <p:cNvCxnSpPr/>
+          <p:nvPr/>
+        </p:nvCxnSpPr>
+        <p:spPr>
+          <a:xfrm>
+            <a:off x="6527023" y="4023814"/>
+            <a:ext cx="202975" cy="159"/>
+          </a:xfrm>
+          <a:prstGeom prst="straightConnector1">
+            <a:avLst/>
+          </a:prstGeom>
+          <a:ln w="19050">
+            <a:solidFill>
+              <a:srgbClr val="0070C0"/>
+            </a:solidFill>
+            <a:headEnd type="none" w="med" len="med"/>
+            <a:tailEnd type="none" w="med" len="med"/>
+          </a:ln>
+          <a:effectLst/>
+        </p:spPr>
+        <p:style>
+          <a:lnRef idx="1">
+            <a:schemeClr val="accent2"/>
+          </a:lnRef>
+          <a:fillRef idx="2">
+            <a:schemeClr val="accent2"/>
+          </a:fillRef>
+          <a:effectRef idx="1">
+            <a:schemeClr val="accent2"/>
+          </a:effectRef>
+          <a:fontRef idx="minor">
+            <a:schemeClr val="dk1"/>
+          </a:fontRef>
+        </p:style>
+      </p:cxnSp>
+      <p:cxnSp>
+        <p:nvCxnSpPr>
+          <p:cNvPr id="237" name="Elbow Connector 58"/>
+          <p:cNvCxnSpPr/>
+          <p:nvPr/>
+        </p:nvCxnSpPr>
+        <p:spPr>
+          <a:xfrm>
+            <a:off x="6527022" y="4372717"/>
+            <a:ext cx="202975" cy="159"/>
+          </a:xfrm>
+          <a:prstGeom prst="straightConnector1">
+            <a:avLst/>
+          </a:prstGeom>
+          <a:ln w="19050">
+            <a:solidFill>
+              <a:srgbClr val="0070C0"/>
+            </a:solidFill>
+            <a:headEnd type="none" w="med" len="med"/>
+            <a:tailEnd type="none" w="med" len="med"/>
+          </a:ln>
+          <a:effectLst/>
+        </p:spPr>
+        <p:style>
+          <a:lnRef idx="1">
+            <a:schemeClr val="accent2"/>
+          </a:lnRef>
+          <a:fillRef idx="2">
+            <a:schemeClr val="accent2"/>
+          </a:fillRef>
+          <a:effectRef idx="1">
+            <a:schemeClr val="accent2"/>
+          </a:effectRef>
+          <a:fontRef idx="minor">
+            <a:schemeClr val="dk1"/>
+          </a:fontRef>
+        </p:style>
+      </p:cxnSp>
+      <p:cxnSp>
+        <p:nvCxnSpPr>
+          <p:cNvPr id="238" name="Elbow Connector 58"/>
+          <p:cNvCxnSpPr/>
+          <p:nvPr/>
+        </p:nvCxnSpPr>
+        <p:spPr>
+          <a:xfrm>
+            <a:off x="6527022" y="4749156"/>
+            <a:ext cx="202975" cy="159"/>
+          </a:xfrm>
+          <a:prstGeom prst="straightConnector1">
+            <a:avLst/>
+          </a:prstGeom>
+          <a:ln w="19050">
+            <a:solidFill>
+              <a:srgbClr val="0070C0"/>
+            </a:solidFill>
+            <a:headEnd type="none" w="med" len="med"/>
+            <a:tailEnd type="none" w="med" len="med"/>
+          </a:ln>
+          <a:effectLst/>
+        </p:spPr>
+        <p:style>
+          <a:lnRef idx="1">
+            <a:schemeClr val="accent2"/>
+          </a:lnRef>
+          <a:fillRef idx="2">
+            <a:schemeClr val="accent2"/>
+          </a:fillRef>
+          <a:effectRef idx="1">
+            <a:schemeClr val="accent2"/>
+          </a:effectRef>
+          <a:fontRef idx="minor">
+            <a:schemeClr val="dk1"/>
+          </a:fontRef>
+        </p:style>
+      </p:cxnSp>
+      <p:cxnSp>
+        <p:nvCxnSpPr>
+          <p:cNvPr id="239" name="Elbow Connector 58"/>
+          <p:cNvCxnSpPr/>
+          <p:nvPr/>
+        </p:nvCxnSpPr>
+        <p:spPr>
+          <a:xfrm>
+            <a:off x="6523521" y="5105336"/>
+            <a:ext cx="202975" cy="159"/>
+          </a:xfrm>
+          <a:prstGeom prst="straightConnector1">
+            <a:avLst/>
+          </a:prstGeom>
+          <a:ln w="19050">
+            <a:solidFill>
+              <a:srgbClr val="0070C0"/>
+            </a:solidFill>
+            <a:headEnd type="none" w="med" len="med"/>
+            <a:tailEnd type="none" w="med" len="med"/>
+          </a:ln>
+          <a:effectLst/>
+        </p:spPr>
+        <p:style>
+          <a:lnRef idx="1">
+            <a:schemeClr val="accent2"/>
+          </a:lnRef>
+          <a:fillRef idx="2">
+            <a:schemeClr val="accent2"/>
+          </a:fillRef>
+          <a:effectRef idx="1">
+            <a:schemeClr val="accent2"/>
+          </a:effectRef>
+          <a:fontRef idx="minor">
+            <a:schemeClr val="dk1"/>
+          </a:fontRef>
+        </p:style>
+      </p:cxnSp>
+      <p:cxnSp>
+        <p:nvCxnSpPr>
+          <p:cNvPr id="240" name="Elbow Connector 58"/>
+          <p:cNvCxnSpPr>
+            <a:stCxn id="62" idx="3"/>
+          </p:cNvCxnSpPr>
+          <p:nvPr/>
+        </p:nvCxnSpPr>
+        <p:spPr>
+          <a:xfrm rot="10800000" flipV="1">
+            <a:off x="9097805" y="469290"/>
+            <a:ext cx="181480" cy="5318680"/>
+          </a:xfrm>
+          <a:prstGeom prst="bentConnector2">
+            <a:avLst/>
+          </a:prstGeom>
+          <a:ln w="19050">
+            <a:solidFill>
+              <a:srgbClr val="0070C0"/>
+            </a:solidFill>
+            <a:headEnd type="none" w="med" len="med"/>
+            <a:tailEnd type="none" w="med" len="med"/>
+          </a:ln>
+          <a:effectLst/>
+        </p:spPr>
+        <p:style>
+          <a:lnRef idx="1">
+            <a:schemeClr val="accent2"/>
+          </a:lnRef>
+          <a:fillRef idx="2">
+            <a:schemeClr val="accent2"/>
+          </a:fillRef>
+          <a:effectRef idx="1">
+            <a:schemeClr val="accent2"/>
+          </a:effectRef>
+          <a:fontRef idx="minor">
+            <a:schemeClr val="dk1"/>
+          </a:fontRef>
+        </p:style>
+      </p:cxnSp>
+      <p:cxnSp>
+        <p:nvCxnSpPr>
+          <p:cNvPr id="245" name="Elbow Connector 58"/>
+          <p:cNvCxnSpPr>
+            <a:endCxn id="12" idx="3"/>
+          </p:cNvCxnSpPr>
+          <p:nvPr/>
+        </p:nvCxnSpPr>
+        <p:spPr>
+          <a:xfrm>
+            <a:off x="9097805" y="5773604"/>
+            <a:ext cx="181479" cy="0"/>
+          </a:xfrm>
+          <a:prstGeom prst="straightConnector1">
+            <a:avLst/>
+          </a:prstGeom>
+          <a:ln w="19050">
+            <a:solidFill>
+              <a:srgbClr val="0070C0"/>
+            </a:solidFill>
+            <a:headEnd type="none" w="med" len="med"/>
+            <a:tailEnd type="none" w="med" len="med"/>
+          </a:ln>
+          <a:effectLst/>
+        </p:spPr>
+        <p:style>
+          <a:lnRef idx="1">
+            <a:schemeClr val="accent2"/>
+          </a:lnRef>
+          <a:fillRef idx="2">
+            <a:schemeClr val="accent2"/>
+          </a:fillRef>
+          <a:effectRef idx="1">
+            <a:schemeClr val="accent2"/>
+          </a:effectRef>
+          <a:fontRef idx="minor">
+            <a:schemeClr val="dk1"/>
+          </a:fontRef>
+        </p:style>
+      </p:cxnSp>
+      <p:cxnSp>
+        <p:nvCxnSpPr>
+          <p:cNvPr id="250" name="Elbow Connector 58"/>
+          <p:cNvCxnSpPr/>
+          <p:nvPr/>
+        </p:nvCxnSpPr>
+        <p:spPr>
+          <a:xfrm>
+            <a:off x="9097804" y="5478918"/>
+            <a:ext cx="181479" cy="0"/>
+          </a:xfrm>
+          <a:prstGeom prst="straightConnector1">
+            <a:avLst/>
+          </a:prstGeom>
+          <a:ln w="19050">
+            <a:solidFill>
+              <a:srgbClr val="0070C0"/>
+            </a:solidFill>
+            <a:headEnd type="none" w="med" len="med"/>
+            <a:tailEnd type="none" w="med" len="med"/>
+          </a:ln>
+          <a:effectLst/>
+        </p:spPr>
+        <p:style>
+          <a:lnRef idx="1">
+            <a:schemeClr val="accent2"/>
+          </a:lnRef>
+          <a:fillRef idx="2">
+            <a:schemeClr val="accent2"/>
+          </a:fillRef>
+          <a:effectRef idx="1">
+            <a:schemeClr val="accent2"/>
+          </a:effectRef>
+          <a:fontRef idx="minor">
+            <a:schemeClr val="dk1"/>
+          </a:fontRef>
+        </p:style>
+      </p:cxnSp>
+      <p:cxnSp>
+        <p:nvCxnSpPr>
+          <p:cNvPr id="251" name="Elbow Connector 58"/>
+          <p:cNvCxnSpPr/>
+          <p:nvPr/>
+        </p:nvCxnSpPr>
+        <p:spPr>
+          <a:xfrm>
+            <a:off x="9097804" y="5189837"/>
+            <a:ext cx="181479" cy="0"/>
+          </a:xfrm>
+          <a:prstGeom prst="straightConnector1">
+            <a:avLst/>
+          </a:prstGeom>
+          <a:ln w="19050">
+            <a:solidFill>
+              <a:srgbClr val="0070C0"/>
+            </a:solidFill>
+            <a:headEnd type="none" w="med" len="med"/>
+            <a:tailEnd type="none" w="med" len="med"/>
+          </a:ln>
+          <a:effectLst/>
+        </p:spPr>
+        <p:style>
+          <a:lnRef idx="1">
+            <a:schemeClr val="accent2"/>
+          </a:lnRef>
+          <a:fillRef idx="2">
+            <a:schemeClr val="accent2"/>
+          </a:fillRef>
+          <a:effectRef idx="1">
+            <a:schemeClr val="accent2"/>
+          </a:effectRef>
+          <a:fontRef idx="minor">
+            <a:schemeClr val="dk1"/>
+          </a:fontRef>
+        </p:style>
+      </p:cxnSp>
+      <p:cxnSp>
+        <p:nvCxnSpPr>
+          <p:cNvPr id="252" name="Elbow Connector 58"/>
+          <p:cNvCxnSpPr/>
+          <p:nvPr/>
+        </p:nvCxnSpPr>
+        <p:spPr>
+          <a:xfrm>
+            <a:off x="9097804" y="4889550"/>
+            <a:ext cx="181479" cy="0"/>
+          </a:xfrm>
+          <a:prstGeom prst="straightConnector1">
+            <a:avLst/>
+          </a:prstGeom>
+          <a:ln w="19050">
+            <a:solidFill>
+              <a:srgbClr val="0070C0"/>
+            </a:solidFill>
+            <a:headEnd type="none" w="med" len="med"/>
+            <a:tailEnd type="none" w="med" len="med"/>
+          </a:ln>
+          <a:effectLst/>
+        </p:spPr>
+        <p:style>
+          <a:lnRef idx="1">
+            <a:schemeClr val="accent2"/>
+          </a:lnRef>
+          <a:fillRef idx="2">
+            <a:schemeClr val="accent2"/>
+          </a:fillRef>
+          <a:effectRef idx="1">
+            <a:schemeClr val="accent2"/>
+          </a:effectRef>
+          <a:fontRef idx="minor">
+            <a:schemeClr val="dk1"/>
+          </a:fontRef>
+        </p:style>
+      </p:cxnSp>
+      <p:cxnSp>
+        <p:nvCxnSpPr>
+          <p:cNvPr id="253" name="Elbow Connector 58"/>
+          <p:cNvCxnSpPr/>
+          <p:nvPr/>
+        </p:nvCxnSpPr>
+        <p:spPr>
+          <a:xfrm>
+            <a:off x="9097804" y="4589071"/>
+            <a:ext cx="181479" cy="0"/>
+          </a:xfrm>
+          <a:prstGeom prst="straightConnector1">
+            <a:avLst/>
+          </a:prstGeom>
+          <a:ln w="19050">
+            <a:solidFill>
+              <a:srgbClr val="0070C0"/>
+            </a:solidFill>
+            <a:headEnd type="none" w="med" len="med"/>
+            <a:tailEnd type="none" w="med" len="med"/>
+          </a:ln>
+          <a:effectLst/>
+        </p:spPr>
+        <p:style>
+          <a:lnRef idx="1">
+            <a:schemeClr val="accent2"/>
+          </a:lnRef>
+          <a:fillRef idx="2">
+            <a:schemeClr val="accent2"/>
+          </a:fillRef>
+          <a:effectRef idx="1">
+            <a:schemeClr val="accent2"/>
+          </a:effectRef>
+          <a:fontRef idx="minor">
+            <a:schemeClr val="dk1"/>
+          </a:fontRef>
+        </p:style>
+      </p:cxnSp>
+      <p:cxnSp>
+        <p:nvCxnSpPr>
+          <p:cNvPr id="254" name="Elbow Connector 58"/>
+          <p:cNvCxnSpPr/>
+          <p:nvPr/>
+        </p:nvCxnSpPr>
+        <p:spPr>
+          <a:xfrm>
+            <a:off x="9097803" y="4300182"/>
+            <a:ext cx="181479" cy="0"/>
+          </a:xfrm>
+          <a:prstGeom prst="straightConnector1">
+            <a:avLst/>
+          </a:prstGeom>
+          <a:ln w="19050">
+            <a:solidFill>
+              <a:srgbClr val="0070C0"/>
+            </a:solidFill>
+            <a:headEnd type="none" w="med" len="med"/>
+            <a:tailEnd type="none" w="med" len="med"/>
+          </a:ln>
+          <a:effectLst/>
+        </p:spPr>
+        <p:style>
+          <a:lnRef idx="1">
+            <a:schemeClr val="accent2"/>
+          </a:lnRef>
+          <a:fillRef idx="2">
+            <a:schemeClr val="accent2"/>
+          </a:fillRef>
+          <a:effectRef idx="1">
+            <a:schemeClr val="accent2"/>
+          </a:effectRef>
+          <a:fontRef idx="minor">
+            <a:schemeClr val="dk1"/>
+          </a:fontRef>
+        </p:style>
+      </p:cxnSp>
+      <p:cxnSp>
+        <p:nvCxnSpPr>
+          <p:cNvPr id="255" name="Elbow Connector 58"/>
+          <p:cNvCxnSpPr/>
+          <p:nvPr/>
+        </p:nvCxnSpPr>
+        <p:spPr>
+          <a:xfrm>
+            <a:off x="9097803" y="4006430"/>
+            <a:ext cx="181479" cy="0"/>
+          </a:xfrm>
+          <a:prstGeom prst="straightConnector1">
+            <a:avLst/>
+          </a:prstGeom>
+          <a:ln w="19050">
+            <a:solidFill>
+              <a:srgbClr val="0070C0"/>
+            </a:solidFill>
+            <a:headEnd type="none" w="med" len="med"/>
+            <a:tailEnd type="none" w="med" len="med"/>
+          </a:ln>
+          <a:effectLst/>
+        </p:spPr>
+        <p:style>
+          <a:lnRef idx="1">
+            <a:schemeClr val="accent2"/>
+          </a:lnRef>
+          <a:fillRef idx="2">
+            <a:schemeClr val="accent2"/>
+          </a:fillRef>
+          <a:effectRef idx="1">
+            <a:schemeClr val="accent2"/>
+          </a:effectRef>
+          <a:fontRef idx="minor">
+            <a:schemeClr val="dk1"/>
+          </a:fontRef>
+        </p:style>
+      </p:cxnSp>
+      <p:cxnSp>
+        <p:nvCxnSpPr>
+          <p:cNvPr id="256" name="Elbow Connector 58"/>
+          <p:cNvCxnSpPr/>
+          <p:nvPr/>
+        </p:nvCxnSpPr>
+        <p:spPr>
+          <a:xfrm>
+            <a:off x="9097802" y="3128593"/>
+            <a:ext cx="181479" cy="0"/>
+          </a:xfrm>
+          <a:prstGeom prst="straightConnector1">
+            <a:avLst/>
+          </a:prstGeom>
+          <a:ln w="19050">
+            <a:solidFill>
+              <a:srgbClr val="0070C0"/>
+            </a:solidFill>
+            <a:headEnd type="none" w="med" len="med"/>
+            <a:tailEnd type="none" w="med" len="med"/>
+          </a:ln>
+          <a:effectLst/>
+        </p:spPr>
+        <p:style>
+          <a:lnRef idx="1">
+            <a:schemeClr val="accent2"/>
+          </a:lnRef>
+          <a:fillRef idx="2">
+            <a:schemeClr val="accent2"/>
+          </a:fillRef>
+          <a:effectRef idx="1">
+            <a:schemeClr val="accent2"/>
+          </a:effectRef>
+          <a:fontRef idx="minor">
+            <a:schemeClr val="dk1"/>
+          </a:fontRef>
+        </p:style>
+      </p:cxnSp>
+      <p:cxnSp>
+        <p:nvCxnSpPr>
+          <p:cNvPr id="257" name="Elbow Connector 58"/>
+          <p:cNvCxnSpPr/>
+          <p:nvPr/>
+        </p:nvCxnSpPr>
+        <p:spPr>
+          <a:xfrm>
+            <a:off x="9097803" y="3710814"/>
+            <a:ext cx="181479" cy="0"/>
+          </a:xfrm>
+          <a:prstGeom prst="straightConnector1">
+            <a:avLst/>
+          </a:prstGeom>
+          <a:ln w="19050">
+            <a:solidFill>
+              <a:srgbClr val="0070C0"/>
+            </a:solidFill>
+            <a:headEnd type="none" w="med" len="med"/>
+            <a:tailEnd type="none" w="med" len="med"/>
+          </a:ln>
+          <a:effectLst/>
+        </p:spPr>
+        <p:style>
+          <a:lnRef idx="1">
+            <a:schemeClr val="accent2"/>
+          </a:lnRef>
+          <a:fillRef idx="2">
+            <a:schemeClr val="accent2"/>
+          </a:fillRef>
+          <a:effectRef idx="1">
+            <a:schemeClr val="accent2"/>
+          </a:effectRef>
+          <a:fontRef idx="minor">
+            <a:schemeClr val="dk1"/>
+          </a:fontRef>
+        </p:style>
+      </p:cxnSp>
+      <p:cxnSp>
+        <p:nvCxnSpPr>
+          <p:cNvPr id="258" name="Elbow Connector 58"/>
+          <p:cNvCxnSpPr/>
+          <p:nvPr/>
+        </p:nvCxnSpPr>
+        <p:spPr>
+          <a:xfrm>
+            <a:off x="9097802" y="3416130"/>
+            <a:ext cx="181479" cy="0"/>
+          </a:xfrm>
+          <a:prstGeom prst="straightConnector1">
+            <a:avLst/>
+          </a:prstGeom>
+          <a:ln w="19050">
+            <a:solidFill>
+              <a:srgbClr val="0070C0"/>
+            </a:solidFill>
+            <a:headEnd type="none" w="med" len="med"/>
+            <a:tailEnd type="none" w="med" len="med"/>
+          </a:ln>
+          <a:effectLst/>
+        </p:spPr>
+        <p:style>
+          <a:lnRef idx="1">
+            <a:schemeClr val="accent2"/>
+          </a:lnRef>
+          <a:fillRef idx="2">
+            <a:schemeClr val="accent2"/>
+          </a:fillRef>
+          <a:effectRef idx="1">
+            <a:schemeClr val="accent2"/>
+          </a:effectRef>
+          <a:fontRef idx="minor">
+            <a:schemeClr val="dk1"/>
+          </a:fontRef>
+        </p:style>
+      </p:cxnSp>
+      <p:cxnSp>
+        <p:nvCxnSpPr>
+          <p:cNvPr id="259" name="Elbow Connector 58"/>
+          <p:cNvCxnSpPr/>
+          <p:nvPr/>
+        </p:nvCxnSpPr>
+        <p:spPr>
+          <a:xfrm>
+            <a:off x="9097802" y="2826762"/>
+            <a:ext cx="181479" cy="0"/>
+          </a:xfrm>
+          <a:prstGeom prst="straightConnector1">
+            <a:avLst/>
+          </a:prstGeom>
+          <a:ln w="19050">
+            <a:solidFill>
+              <a:srgbClr val="0070C0"/>
+            </a:solidFill>
+            <a:headEnd type="none" w="med" len="med"/>
+            <a:tailEnd type="none" w="med" len="med"/>
+          </a:ln>
+          <a:effectLst/>
+        </p:spPr>
+        <p:style>
+          <a:lnRef idx="1">
+            <a:schemeClr val="accent2"/>
+          </a:lnRef>
+          <a:fillRef idx="2">
+            <a:schemeClr val="accent2"/>
+          </a:fillRef>
+          <a:effectRef idx="1">
+            <a:schemeClr val="accent2"/>
+          </a:effectRef>
+          <a:fontRef idx="minor">
+            <a:schemeClr val="dk1"/>
+          </a:fontRef>
+        </p:style>
+      </p:cxnSp>
+      <p:cxnSp>
+        <p:nvCxnSpPr>
+          <p:cNvPr id="260" name="Elbow Connector 58"/>
+          <p:cNvCxnSpPr/>
+          <p:nvPr/>
+        </p:nvCxnSpPr>
+        <p:spPr>
+          <a:xfrm>
+            <a:off x="9097802" y="2532078"/>
+            <a:ext cx="181479" cy="0"/>
+          </a:xfrm>
+          <a:prstGeom prst="straightConnector1">
+            <a:avLst/>
+          </a:prstGeom>
+          <a:ln w="19050">
+            <a:solidFill>
+              <a:srgbClr val="0070C0"/>
+            </a:solidFill>
+            <a:headEnd type="none" w="med" len="med"/>
+            <a:tailEnd type="none" w="med" len="med"/>
+          </a:ln>
+          <a:effectLst/>
+        </p:spPr>
+        <p:style>
+          <a:lnRef idx="1">
+            <a:schemeClr val="accent2"/>
+          </a:lnRef>
+          <a:fillRef idx="2">
+            <a:schemeClr val="accent2"/>
+          </a:fillRef>
+          <a:effectRef idx="1">
+            <a:schemeClr val="accent2"/>
+          </a:effectRef>
+          <a:fontRef idx="minor">
+            <a:schemeClr val="dk1"/>
+          </a:fontRef>
+        </p:style>
+      </p:cxnSp>
+      <p:cxnSp>
+        <p:nvCxnSpPr>
+          <p:cNvPr id="261" name="Elbow Connector 58"/>
+          <p:cNvCxnSpPr/>
+          <p:nvPr/>
+        </p:nvCxnSpPr>
+        <p:spPr>
+          <a:xfrm>
+            <a:off x="9097802" y="2237394"/>
+            <a:ext cx="181479" cy="0"/>
+          </a:xfrm>
+          <a:prstGeom prst="straightConnector1">
+            <a:avLst/>
+          </a:prstGeom>
+          <a:ln w="19050">
+            <a:solidFill>
+              <a:srgbClr val="0070C0"/>
+            </a:solidFill>
+            <a:headEnd type="none" w="med" len="med"/>
+            <a:tailEnd type="none" w="med" len="med"/>
+          </a:ln>
+          <a:effectLst/>
+        </p:spPr>
+        <p:style>
+          <a:lnRef idx="1">
+            <a:schemeClr val="accent2"/>
+          </a:lnRef>
+          <a:fillRef idx="2">
+            <a:schemeClr val="accent2"/>
+          </a:fillRef>
+          <a:effectRef idx="1">
+            <a:schemeClr val="accent2"/>
+          </a:effectRef>
+          <a:fontRef idx="minor">
+            <a:schemeClr val="dk1"/>
+          </a:fontRef>
+        </p:style>
+      </p:cxnSp>
+      <p:cxnSp>
+        <p:nvCxnSpPr>
+          <p:cNvPr id="262" name="Elbow Connector 58"/>
+          <p:cNvCxnSpPr/>
+          <p:nvPr/>
+        </p:nvCxnSpPr>
+        <p:spPr>
+          <a:xfrm>
+            <a:off x="9097802" y="1942710"/>
+            <a:ext cx="181479" cy="0"/>
+          </a:xfrm>
+          <a:prstGeom prst="straightConnector1">
+            <a:avLst/>
+          </a:prstGeom>
+          <a:ln w="19050">
+            <a:solidFill>
+              <a:srgbClr val="0070C0"/>
+            </a:solidFill>
+            <a:headEnd type="none" w="med" len="med"/>
+            <a:tailEnd type="none" w="med" len="med"/>
+          </a:ln>
+          <a:effectLst/>
+        </p:spPr>
+        <p:style>
+          <a:lnRef idx="1">
+            <a:schemeClr val="accent2"/>
+          </a:lnRef>
+          <a:fillRef idx="2">
+            <a:schemeClr val="accent2"/>
+          </a:fillRef>
+          <a:effectRef idx="1">
+            <a:schemeClr val="accent2"/>
+          </a:effectRef>
+          <a:fontRef idx="minor">
+            <a:schemeClr val="dk1"/>
+          </a:fontRef>
+        </p:style>
+      </p:cxnSp>
+      <p:cxnSp>
+        <p:nvCxnSpPr>
+          <p:cNvPr id="263" name="Elbow Connector 58"/>
+          <p:cNvCxnSpPr/>
+          <p:nvPr/>
+        </p:nvCxnSpPr>
+        <p:spPr>
+          <a:xfrm>
+            <a:off x="9097802" y="1658289"/>
+            <a:ext cx="181479" cy="0"/>
+          </a:xfrm>
+          <a:prstGeom prst="straightConnector1">
+            <a:avLst/>
+          </a:prstGeom>
+          <a:ln w="19050">
+            <a:solidFill>
+              <a:srgbClr val="0070C0"/>
+            </a:solidFill>
+            <a:headEnd type="none" w="med" len="med"/>
+            <a:tailEnd type="none" w="med" len="med"/>
+          </a:ln>
+          <a:effectLst/>
+        </p:spPr>
+        <p:style>
+          <a:lnRef idx="1">
+            <a:schemeClr val="accent2"/>
+          </a:lnRef>
+          <a:fillRef idx="2">
+            <a:schemeClr val="accent2"/>
+          </a:fillRef>
+          <a:effectRef idx="1">
+            <a:schemeClr val="accent2"/>
+          </a:effectRef>
+          <a:fontRef idx="minor">
+            <a:schemeClr val="dk1"/>
+          </a:fontRef>
+        </p:style>
+      </p:cxnSp>
+      <p:cxnSp>
+        <p:nvCxnSpPr>
+          <p:cNvPr id="265" name="Elbow Connector 58"/>
+          <p:cNvCxnSpPr>
+            <a:stCxn id="8" idx="3"/>
+          </p:cNvCxnSpPr>
+          <p:nvPr/>
+        </p:nvCxnSpPr>
+        <p:spPr>
+          <a:xfrm>
+            <a:off x="8898568" y="2333333"/>
+            <a:ext cx="199234" cy="2010"/>
+          </a:xfrm>
+          <a:prstGeom prst="straightConnector1">
+            <a:avLst/>
+          </a:prstGeom>
+          <a:ln w="19050">
+            <a:solidFill>
+              <a:srgbClr val="0070C0"/>
+            </a:solidFill>
+            <a:headEnd type="none" w="med" len="med"/>
+            <a:tailEnd type="none" w="med" len="med"/>
+          </a:ln>
+          <a:effectLst/>
+        </p:spPr>
+        <p:style>
+          <a:lnRef idx="1">
+            <a:schemeClr val="accent2"/>
+          </a:lnRef>
+          <a:fillRef idx="2">
+            <a:schemeClr val="accent2"/>
+          </a:fillRef>
+          <a:effectRef idx="1">
+            <a:schemeClr val="accent2"/>
+          </a:effectRef>
+          <a:fontRef idx="minor">
+            <a:schemeClr val="dk1"/>
+          </a:fontRef>
+        </p:style>
+      </p:cxnSp>
+      <p:cxnSp>
+        <p:nvCxnSpPr>
+          <p:cNvPr id="266" name="Elbow Connector 58"/>
+          <p:cNvCxnSpPr/>
+          <p:nvPr/>
+        </p:nvCxnSpPr>
+        <p:spPr>
+          <a:xfrm>
+            <a:off x="9099481" y="1364878"/>
+            <a:ext cx="181479" cy="0"/>
+          </a:xfrm>
+          <a:prstGeom prst="straightConnector1">
+            <a:avLst/>
+          </a:prstGeom>
+          <a:ln w="19050">
+            <a:solidFill>
+              <a:srgbClr val="0070C0"/>
+            </a:solidFill>
+            <a:headEnd type="none" w="med" len="med"/>
+            <a:tailEnd type="none" w="med" len="med"/>
+          </a:ln>
+          <a:effectLst/>
+        </p:spPr>
+        <p:style>
+          <a:lnRef idx="1">
+            <a:schemeClr val="accent2"/>
+          </a:lnRef>
+          <a:fillRef idx="2">
+            <a:schemeClr val="accent2"/>
+          </a:fillRef>
+          <a:effectRef idx="1">
+            <a:schemeClr val="accent2"/>
+          </a:effectRef>
+          <a:fontRef idx="minor">
+            <a:schemeClr val="dk1"/>
+          </a:fontRef>
+        </p:style>
+      </p:cxnSp>
+      <p:cxnSp>
+        <p:nvCxnSpPr>
+          <p:cNvPr id="267" name="Elbow Connector 58"/>
+          <p:cNvCxnSpPr/>
+          <p:nvPr/>
+        </p:nvCxnSpPr>
+        <p:spPr>
+          <a:xfrm>
+            <a:off x="9097802" y="1058658"/>
+            <a:ext cx="181479" cy="0"/>
+          </a:xfrm>
+          <a:prstGeom prst="straightConnector1">
+            <a:avLst/>
+          </a:prstGeom>
+          <a:ln w="19050">
+            <a:solidFill>
+              <a:srgbClr val="0070C0"/>
+            </a:solidFill>
+            <a:headEnd type="none" w="med" len="med"/>
+            <a:tailEnd type="none" w="med" len="med"/>
+          </a:ln>
+          <a:effectLst/>
+        </p:spPr>
+        <p:style>
+          <a:lnRef idx="1">
+            <a:schemeClr val="accent2"/>
+          </a:lnRef>
+          <a:fillRef idx="2">
+            <a:schemeClr val="accent2"/>
+          </a:fillRef>
+          <a:effectRef idx="1">
+            <a:schemeClr val="accent2"/>
+          </a:effectRef>
+          <a:fontRef idx="minor">
+            <a:schemeClr val="dk1"/>
+          </a:fontRef>
+        </p:style>
+      </p:cxnSp>
+      <p:cxnSp>
+        <p:nvCxnSpPr>
+          <p:cNvPr id="268" name="Elbow Connector 58"/>
+          <p:cNvCxnSpPr/>
+          <p:nvPr/>
+        </p:nvCxnSpPr>
+        <p:spPr>
+          <a:xfrm>
+            <a:off x="9097802" y="766777"/>
+            <a:ext cx="181479" cy="0"/>
+          </a:xfrm>
+          <a:prstGeom prst="straightConnector1">
+            <a:avLst/>
+          </a:prstGeom>
+          <a:ln w="19050">
+            <a:solidFill>
+              <a:srgbClr val="0070C0"/>
+            </a:solidFill>
+            <a:headEnd type="none" w="med" len="med"/>
+            <a:tailEnd type="none" w="med" len="med"/>
+          </a:ln>
+          <a:effectLst/>
+        </p:spPr>
+        <p:style>
+          <a:lnRef idx="1">
+            <a:schemeClr val="accent2"/>
+          </a:lnRef>
+          <a:fillRef idx="2">
+            <a:schemeClr val="accent2"/>
+          </a:fillRef>
+          <a:effectRef idx="1">
+            <a:schemeClr val="accent2"/>
+          </a:effectRef>
+          <a:fontRef idx="minor">
+            <a:schemeClr val="dk1"/>
+          </a:fontRef>
+        </p:style>
+      </p:cxnSp>
+      <p:cxnSp>
+        <p:nvCxnSpPr>
+          <p:cNvPr id="270" name="Straight Arrow Connector 269"/>
+          <p:cNvCxnSpPr>
+            <a:stCxn id="95" idx="0"/>
+          </p:cNvCxnSpPr>
+          <p:nvPr/>
+        </p:nvCxnSpPr>
+        <p:spPr>
+          <a:xfrm rot="5400000" flipH="1" flipV="1">
+            <a:off x="6882866" y="2007106"/>
+            <a:ext cx="668774" cy="1424080"/>
+          </a:xfrm>
+          <a:prstGeom prst="bentConnector2">
+            <a:avLst/>
+          </a:prstGeom>
+          <a:ln w="19050">
+            <a:solidFill>
+              <a:srgbClr val="0070C0"/>
+            </a:solidFill>
+            <a:prstDash val="sysDot"/>
+            <a:headEnd type="none" w="med" len="med"/>
+            <a:tailEnd type="arrow" w="med" len="med"/>
           </a:ln>
           <a:effectLst/>
         </p:spPr>

--- a/docs/Diagram/LogicComponentClassDiagram.pptx
+++ b/docs/Diagram/LogicComponentClassDiagram.pptx
@@ -2978,7 +2978,7 @@
         <p:spPr>
           <a:xfrm>
             <a:off x="2010426" y="247748"/>
-            <a:ext cx="9048099" cy="5736795"/>
+            <a:ext cx="9048099" cy="5972077"/>
           </a:xfrm>
           <a:prstGeom prst="roundRect">
             <a:avLst>
@@ -3815,7 +3815,7 @@
         </p:nvSpPr>
         <p:spPr>
           <a:xfrm>
-            <a:off x="2159567" y="6144447"/>
+            <a:off x="2159567" y="6373047"/>
             <a:ext cx="8898958" cy="328045"/>
           </a:xfrm>
           <a:prstGeom prst="roundRect">
@@ -4119,7 +4119,7 @@
         </p:nvSpPr>
         <p:spPr>
           <a:xfrm flipH="1">
-            <a:off x="9279284" y="5659304"/>
+            <a:off x="9279284" y="5954579"/>
             <a:ext cx="1371600" cy="228600"/>
           </a:xfrm>
           <a:prstGeom prst="rect">
@@ -4630,9 +4630,9 @@
           <p:nvPr/>
         </p:nvCxnSpPr>
         <p:spPr>
-          <a:xfrm flipH="1">
-            <a:off x="8313872" y="2544840"/>
-            <a:ext cx="1" cy="3599607"/>
+          <a:xfrm>
+            <a:off x="8313873" y="2544840"/>
+            <a:ext cx="0" cy="3828207"/>
           </a:xfrm>
           <a:prstGeom prst="straightConnector1">
             <a:avLst/>
@@ -5026,8 +5026,8 @@
         </p:nvCxnSpPr>
         <p:spPr>
           <a:xfrm flipH="1">
-            <a:off x="3200171" y="2542739"/>
-            <a:ext cx="0" cy="3578094"/>
+            <a:off x="3189802" y="2542739"/>
+            <a:ext cx="0" cy="3830308"/>
           </a:xfrm>
           <a:prstGeom prst="straightConnector1">
             <a:avLst/>
@@ -6469,7 +6469,7 @@
         </p:nvSpPr>
         <p:spPr>
           <a:xfrm flipH="1">
-            <a:off x="9279284" y="2123094"/>
+            <a:off x="9279284" y="2418369"/>
             <a:ext cx="1371600" cy="228600"/>
           </a:xfrm>
           <a:prstGeom prst="rect">
@@ -6619,7 +6619,7 @@
         </p:nvSpPr>
         <p:spPr>
           <a:xfrm flipH="1">
-            <a:off x="9279285" y="2417778"/>
+            <a:off x="9279285" y="2713053"/>
             <a:ext cx="1371600" cy="228600"/>
           </a:xfrm>
           <a:prstGeom prst="rect">
@@ -6769,7 +6769,7 @@
         </p:nvSpPr>
         <p:spPr>
           <a:xfrm flipH="1">
-            <a:off x="9279285" y="2712462"/>
+            <a:off x="9279285" y="3007737"/>
             <a:ext cx="1371600" cy="228600"/>
           </a:xfrm>
           <a:prstGeom prst="rect">
@@ -6919,7 +6919,7 @@
         </p:nvSpPr>
         <p:spPr>
           <a:xfrm flipH="1">
-            <a:off x="9279285" y="3301830"/>
+            <a:off x="9279285" y="3597105"/>
             <a:ext cx="1371600" cy="228600"/>
           </a:xfrm>
           <a:prstGeom prst="rect">
@@ -7219,7 +7219,7 @@
         </p:nvSpPr>
         <p:spPr>
           <a:xfrm flipH="1">
-            <a:off x="9279285" y="3596514"/>
+            <a:off x="9279285" y="3891789"/>
             <a:ext cx="1371600" cy="228600"/>
           </a:xfrm>
           <a:prstGeom prst="rect">
@@ -7369,7 +7369,7 @@
         </p:nvSpPr>
         <p:spPr>
           <a:xfrm flipH="1">
-            <a:off x="9279285" y="3891198"/>
+            <a:off x="9279285" y="4186473"/>
             <a:ext cx="1371600" cy="228600"/>
           </a:xfrm>
           <a:prstGeom prst="rect">
@@ -7519,7 +7519,7 @@
         </p:nvSpPr>
         <p:spPr>
           <a:xfrm flipH="1">
-            <a:off x="9279285" y="4185882"/>
+            <a:off x="9279285" y="4481157"/>
             <a:ext cx="1371600" cy="228600"/>
           </a:xfrm>
           <a:prstGeom prst="rect">
@@ -7669,7 +7669,7 @@
         </p:nvSpPr>
         <p:spPr>
           <a:xfrm flipH="1">
-            <a:off x="9279285" y="4480566"/>
+            <a:off x="9279285" y="4775841"/>
             <a:ext cx="1371600" cy="228600"/>
           </a:xfrm>
           <a:prstGeom prst="rect">
@@ -7819,7 +7819,7 @@
         </p:nvSpPr>
         <p:spPr>
           <a:xfrm flipH="1">
-            <a:off x="9279285" y="4775250"/>
+            <a:off x="9279285" y="5070525"/>
             <a:ext cx="1371600" cy="228600"/>
           </a:xfrm>
           <a:prstGeom prst="rect">
@@ -7969,7 +7969,7 @@
         </p:nvSpPr>
         <p:spPr>
           <a:xfrm flipH="1">
-            <a:off x="9279285" y="5069934"/>
+            <a:off x="9279285" y="5365209"/>
             <a:ext cx="1371600" cy="228600"/>
           </a:xfrm>
           <a:prstGeom prst="rect">
@@ -8419,7 +8419,7 @@
         </p:nvSpPr>
         <p:spPr>
           <a:xfrm flipH="1">
-            <a:off x="9279284" y="5364618"/>
+            <a:off x="9279284" y="5659893"/>
             <a:ext cx="1371600" cy="228600"/>
           </a:xfrm>
           <a:prstGeom prst="rect">
@@ -8569,7 +8569,7 @@
         </p:nvSpPr>
         <p:spPr>
           <a:xfrm flipH="1">
-            <a:off x="9279285" y="3007146"/>
+            <a:off x="9279285" y="3302421"/>
             <a:ext cx="1371600" cy="228600"/>
           </a:xfrm>
           <a:prstGeom prst="rect">
@@ -9515,7 +9515,7 @@
                     <a:srgbClr val="0070C0"/>
                   </a:solidFill>
                 </a:rPr>
-                <a:t>PinParser</a:t>
+                <a:t>ClearParser</a:t>
               </a:r>
               <a:endParaRPr lang="en-SG" sz="1000" b="1" dirty="0">
                 <a:solidFill>
@@ -9665,7 +9665,7 @@
                     <a:srgbClr val="0070C0"/>
                   </a:solidFill>
                 </a:rPr>
-                <a:t>UncompleteParser</a:t>
+                <a:t>FindParser</a:t>
               </a:r>
               <a:endParaRPr lang="en-SG" sz="1000" b="1" dirty="0">
                 <a:solidFill>
@@ -10276,1686 +10276,1656 @@
           </p:txBody>
         </p:sp>
       </p:grpSp>
-      <p:grpSp>
-        <p:nvGrpSpPr>
-          <p:cNvPr id="174" name="Group 173"/>
-          <p:cNvGrpSpPr/>
+      <p:sp>
+        <p:nvSpPr>
+          <p:cNvPr id="132" name="Rectangle 131"/>
+          <p:cNvSpPr/>
           <p:nvPr/>
-        </p:nvGrpSpPr>
-        <p:grpSpPr>
-          <a:xfrm>
-            <a:off x="5178830" y="3886037"/>
-            <a:ext cx="1188720" cy="2020598"/>
-            <a:chOff x="5003857" y="3886037"/>
-            <a:chExt cx="1188720" cy="2020598"/>
+        </p:nvSpPr>
+        <p:spPr>
+          <a:xfrm flipH="1">
+            <a:off x="5178830" y="5678035"/>
+            <a:ext cx="1188720" cy="228600"/>
           </a:xfrm>
-        </p:grpSpPr>
-        <p:sp>
-          <p:nvSpPr>
-            <p:cNvPr id="132" name="Rectangle 131"/>
-            <p:cNvSpPr/>
-            <p:nvPr/>
-          </p:nvSpPr>
-          <p:spPr>
-            <a:xfrm flipH="1">
-              <a:off x="5003857" y="5678035"/>
-              <a:ext cx="1188720" cy="228600"/>
-            </a:xfrm>
-            <a:prstGeom prst="rect">
-              <a:avLst/>
-            </a:prstGeom>
-            <a:ln w="19050">
+          <a:prstGeom prst="rect">
+            <a:avLst/>
+          </a:prstGeom>
+          <a:ln w="19050">
+            <a:solidFill>
+              <a:srgbClr val="0070C0"/>
+            </a:solidFill>
+          </a:ln>
+          <a:effectLst/>
+        </p:spPr>
+        <p:style>
+          <a:lnRef idx="1">
+            <a:schemeClr val="accent1"/>
+          </a:lnRef>
+          <a:fillRef idx="2">
+            <a:schemeClr val="accent1"/>
+          </a:fillRef>
+          <a:effectRef idx="1">
+            <a:schemeClr val="accent1"/>
+          </a:effectRef>
+          <a:fontRef idx="minor">
+            <a:schemeClr val="dk1"/>
+          </a:fontRef>
+        </p:style>
+        <p:txBody>
+          <a:bodyPr rtlCol="0" anchor="ctr"/>
+          <a:lstStyle>
+            <a:defPPr>
+              <a:defRPr lang="en-US"/>
+            </a:defPPr>
+            <a:lvl1pPr marL="0" algn="l" defTabSz="914400" rtl="0" eaLnBrk="1" latinLnBrk="0" hangingPunct="1">
+              <a:defRPr sz="1800" kern="1200">
+                <a:solidFill>
+                  <a:schemeClr val="dk1"/>
+                </a:solidFill>
+                <a:latin typeface="+mn-lt"/>
+                <a:ea typeface="+mn-ea"/>
+                <a:cs typeface="+mn-cs"/>
+              </a:defRPr>
+            </a:lvl1pPr>
+            <a:lvl2pPr marL="457200" algn="l" defTabSz="914400" rtl="0" eaLnBrk="1" latinLnBrk="0" hangingPunct="1">
+              <a:defRPr sz="1800" kern="1200">
+                <a:solidFill>
+                  <a:schemeClr val="dk1"/>
+                </a:solidFill>
+                <a:latin typeface="+mn-lt"/>
+                <a:ea typeface="+mn-ea"/>
+                <a:cs typeface="+mn-cs"/>
+              </a:defRPr>
+            </a:lvl2pPr>
+            <a:lvl3pPr marL="914400" algn="l" defTabSz="914400" rtl="0" eaLnBrk="1" latinLnBrk="0" hangingPunct="1">
+              <a:defRPr sz="1800" kern="1200">
+                <a:solidFill>
+                  <a:schemeClr val="dk1"/>
+                </a:solidFill>
+                <a:latin typeface="+mn-lt"/>
+                <a:ea typeface="+mn-ea"/>
+                <a:cs typeface="+mn-cs"/>
+              </a:defRPr>
+            </a:lvl3pPr>
+            <a:lvl4pPr marL="1371600" algn="l" defTabSz="914400" rtl="0" eaLnBrk="1" latinLnBrk="0" hangingPunct="1">
+              <a:defRPr sz="1800" kern="1200">
+                <a:solidFill>
+                  <a:schemeClr val="dk1"/>
+                </a:solidFill>
+                <a:latin typeface="+mn-lt"/>
+                <a:ea typeface="+mn-ea"/>
+                <a:cs typeface="+mn-cs"/>
+              </a:defRPr>
+            </a:lvl4pPr>
+            <a:lvl5pPr marL="1828800" algn="l" defTabSz="914400" rtl="0" eaLnBrk="1" latinLnBrk="0" hangingPunct="1">
+              <a:defRPr sz="1800" kern="1200">
+                <a:solidFill>
+                  <a:schemeClr val="dk1"/>
+                </a:solidFill>
+                <a:latin typeface="+mn-lt"/>
+                <a:ea typeface="+mn-ea"/>
+                <a:cs typeface="+mn-cs"/>
+              </a:defRPr>
+            </a:lvl5pPr>
+            <a:lvl6pPr marL="2286000" algn="l" defTabSz="914400" rtl="0" eaLnBrk="1" latinLnBrk="0" hangingPunct="1">
+              <a:defRPr sz="1800" kern="1200">
+                <a:solidFill>
+                  <a:schemeClr val="dk1"/>
+                </a:solidFill>
+                <a:latin typeface="+mn-lt"/>
+                <a:ea typeface="+mn-ea"/>
+                <a:cs typeface="+mn-cs"/>
+              </a:defRPr>
+            </a:lvl6pPr>
+            <a:lvl7pPr marL="2743200" algn="l" defTabSz="914400" rtl="0" eaLnBrk="1" latinLnBrk="0" hangingPunct="1">
+              <a:defRPr sz="1800" kern="1200">
+                <a:solidFill>
+                  <a:schemeClr val="dk1"/>
+                </a:solidFill>
+                <a:latin typeface="+mn-lt"/>
+                <a:ea typeface="+mn-ea"/>
+                <a:cs typeface="+mn-cs"/>
+              </a:defRPr>
+            </a:lvl7pPr>
+            <a:lvl8pPr marL="3200400" algn="l" defTabSz="914400" rtl="0" eaLnBrk="1" latinLnBrk="0" hangingPunct="1">
+              <a:defRPr sz="1800" kern="1200">
+                <a:solidFill>
+                  <a:schemeClr val="dk1"/>
+                </a:solidFill>
+                <a:latin typeface="+mn-lt"/>
+                <a:ea typeface="+mn-ea"/>
+                <a:cs typeface="+mn-cs"/>
+              </a:defRPr>
+            </a:lvl8pPr>
+            <a:lvl9pPr marL="3657600" algn="l" defTabSz="914400" rtl="0" eaLnBrk="1" latinLnBrk="0" hangingPunct="1">
+              <a:defRPr sz="1800" kern="1200">
+                <a:solidFill>
+                  <a:schemeClr val="dk1"/>
+                </a:solidFill>
+                <a:latin typeface="+mn-lt"/>
+                <a:ea typeface="+mn-ea"/>
+                <a:cs typeface="+mn-cs"/>
+              </a:defRPr>
+            </a:lvl9pPr>
+          </a:lstStyle>
+          <a:p>
+            <a:pPr algn="ctr"/>
+            <a:r>
+              <a:rPr lang="en-SG" sz="1000" b="1" dirty="0" err="1">
+                <a:solidFill>
+                  <a:srgbClr val="0070C0"/>
+                </a:solidFill>
+              </a:rPr>
+              <a:t>UpdateParser</a:t>
+            </a:r>
+            <a:endParaRPr lang="en-SG" sz="1000" b="1" dirty="0">
               <a:solidFill>
                 <a:srgbClr val="0070C0"/>
               </a:solidFill>
-            </a:ln>
-            <a:effectLst/>
-          </p:spPr>
-          <p:style>
-            <a:lnRef idx="1">
-              <a:schemeClr val="accent1"/>
-            </a:lnRef>
-            <a:fillRef idx="2">
-              <a:schemeClr val="accent1"/>
-            </a:fillRef>
-            <a:effectRef idx="1">
-              <a:schemeClr val="accent1"/>
-            </a:effectRef>
-            <a:fontRef idx="minor">
-              <a:schemeClr val="dk1"/>
-            </a:fontRef>
-          </p:style>
-          <p:txBody>
-            <a:bodyPr rtlCol="0" anchor="ctr"/>
-            <a:lstStyle>
-              <a:defPPr>
-                <a:defRPr lang="en-US"/>
-              </a:defPPr>
-              <a:lvl1pPr marL="0" algn="l" defTabSz="914400" rtl="0" eaLnBrk="1" latinLnBrk="0" hangingPunct="1">
-                <a:defRPr sz="1800" kern="1200">
-                  <a:solidFill>
-                    <a:schemeClr val="dk1"/>
-                  </a:solidFill>
-                  <a:latin typeface="+mn-lt"/>
-                  <a:ea typeface="+mn-ea"/>
-                  <a:cs typeface="+mn-cs"/>
-                </a:defRPr>
-              </a:lvl1pPr>
-              <a:lvl2pPr marL="457200" algn="l" defTabSz="914400" rtl="0" eaLnBrk="1" latinLnBrk="0" hangingPunct="1">
-                <a:defRPr sz="1800" kern="1200">
-                  <a:solidFill>
-                    <a:schemeClr val="dk1"/>
-                  </a:solidFill>
-                  <a:latin typeface="+mn-lt"/>
-                  <a:ea typeface="+mn-ea"/>
-                  <a:cs typeface="+mn-cs"/>
-                </a:defRPr>
-              </a:lvl2pPr>
-              <a:lvl3pPr marL="914400" algn="l" defTabSz="914400" rtl="0" eaLnBrk="1" latinLnBrk="0" hangingPunct="1">
-                <a:defRPr sz="1800" kern="1200">
-                  <a:solidFill>
-                    <a:schemeClr val="dk1"/>
-                  </a:solidFill>
-                  <a:latin typeface="+mn-lt"/>
-                  <a:ea typeface="+mn-ea"/>
-                  <a:cs typeface="+mn-cs"/>
-                </a:defRPr>
-              </a:lvl3pPr>
-              <a:lvl4pPr marL="1371600" algn="l" defTabSz="914400" rtl="0" eaLnBrk="1" latinLnBrk="0" hangingPunct="1">
-                <a:defRPr sz="1800" kern="1200">
-                  <a:solidFill>
-                    <a:schemeClr val="dk1"/>
-                  </a:solidFill>
-                  <a:latin typeface="+mn-lt"/>
-                  <a:ea typeface="+mn-ea"/>
-                  <a:cs typeface="+mn-cs"/>
-                </a:defRPr>
-              </a:lvl4pPr>
-              <a:lvl5pPr marL="1828800" algn="l" defTabSz="914400" rtl="0" eaLnBrk="1" latinLnBrk="0" hangingPunct="1">
-                <a:defRPr sz="1800" kern="1200">
-                  <a:solidFill>
-                    <a:schemeClr val="dk1"/>
-                  </a:solidFill>
-                  <a:latin typeface="+mn-lt"/>
-                  <a:ea typeface="+mn-ea"/>
-                  <a:cs typeface="+mn-cs"/>
-                </a:defRPr>
-              </a:lvl5pPr>
-              <a:lvl6pPr marL="2286000" algn="l" defTabSz="914400" rtl="0" eaLnBrk="1" latinLnBrk="0" hangingPunct="1">
-                <a:defRPr sz="1800" kern="1200">
-                  <a:solidFill>
-                    <a:schemeClr val="dk1"/>
-                  </a:solidFill>
-                  <a:latin typeface="+mn-lt"/>
-                  <a:ea typeface="+mn-ea"/>
-                  <a:cs typeface="+mn-cs"/>
-                </a:defRPr>
-              </a:lvl6pPr>
-              <a:lvl7pPr marL="2743200" algn="l" defTabSz="914400" rtl="0" eaLnBrk="1" latinLnBrk="0" hangingPunct="1">
-                <a:defRPr sz="1800" kern="1200">
-                  <a:solidFill>
-                    <a:schemeClr val="dk1"/>
-                  </a:solidFill>
-                  <a:latin typeface="+mn-lt"/>
-                  <a:ea typeface="+mn-ea"/>
-                  <a:cs typeface="+mn-cs"/>
-                </a:defRPr>
-              </a:lvl7pPr>
-              <a:lvl8pPr marL="3200400" algn="l" defTabSz="914400" rtl="0" eaLnBrk="1" latinLnBrk="0" hangingPunct="1">
-                <a:defRPr sz="1800" kern="1200">
-                  <a:solidFill>
-                    <a:schemeClr val="dk1"/>
-                  </a:solidFill>
-                  <a:latin typeface="+mn-lt"/>
-                  <a:ea typeface="+mn-ea"/>
-                  <a:cs typeface="+mn-cs"/>
-                </a:defRPr>
-              </a:lvl8pPr>
-              <a:lvl9pPr marL="3657600" algn="l" defTabSz="914400" rtl="0" eaLnBrk="1" latinLnBrk="0" hangingPunct="1">
-                <a:defRPr sz="1800" kern="1200">
-                  <a:solidFill>
-                    <a:schemeClr val="dk1"/>
-                  </a:solidFill>
-                  <a:latin typeface="+mn-lt"/>
-                  <a:ea typeface="+mn-ea"/>
-                  <a:cs typeface="+mn-cs"/>
-                </a:defRPr>
-              </a:lvl9pPr>
-            </a:lstStyle>
-            <a:p>
-              <a:pPr algn="ctr"/>
-              <a:r>
-                <a:rPr lang="en-SG" sz="1000" b="1" dirty="0" err="1">
-                  <a:solidFill>
-                    <a:srgbClr val="0070C0"/>
-                  </a:solidFill>
-                </a:rPr>
-                <a:t>ExitParser</a:t>
-              </a:r>
-              <a:endParaRPr lang="en-SG" sz="1000" b="1" dirty="0">
+            </a:endParaRPr>
+          </a:p>
+        </p:txBody>
+      </p:sp>
+      <p:sp>
+        <p:nvSpPr>
+          <p:cNvPr id="142" name="Rectangle 141"/>
+          <p:cNvSpPr/>
+          <p:nvPr/>
+        </p:nvSpPr>
+        <p:spPr>
+          <a:xfrm flipH="1">
+            <a:off x="5178830" y="5319637"/>
+            <a:ext cx="1188720" cy="228600"/>
+          </a:xfrm>
+          <a:prstGeom prst="rect">
+            <a:avLst/>
+          </a:prstGeom>
+          <a:ln w="19050">
+            <a:solidFill>
+              <a:srgbClr val="0070C0"/>
+            </a:solidFill>
+          </a:ln>
+          <a:effectLst/>
+        </p:spPr>
+        <p:style>
+          <a:lnRef idx="1">
+            <a:schemeClr val="accent1"/>
+          </a:lnRef>
+          <a:fillRef idx="2">
+            <a:schemeClr val="accent1"/>
+          </a:fillRef>
+          <a:effectRef idx="1">
+            <a:schemeClr val="accent1"/>
+          </a:effectRef>
+          <a:fontRef idx="minor">
+            <a:schemeClr val="dk1"/>
+          </a:fontRef>
+        </p:style>
+        <p:txBody>
+          <a:bodyPr rtlCol="0" anchor="ctr"/>
+          <a:lstStyle>
+            <a:defPPr>
+              <a:defRPr lang="en-US"/>
+            </a:defPPr>
+            <a:lvl1pPr marL="0" algn="l" defTabSz="914400" rtl="0" eaLnBrk="1" latinLnBrk="0" hangingPunct="1">
+              <a:defRPr sz="1800" kern="1200">
+                <a:solidFill>
+                  <a:schemeClr val="dk1"/>
+                </a:solidFill>
+                <a:latin typeface="+mn-lt"/>
+                <a:ea typeface="+mn-ea"/>
+                <a:cs typeface="+mn-cs"/>
+              </a:defRPr>
+            </a:lvl1pPr>
+            <a:lvl2pPr marL="457200" algn="l" defTabSz="914400" rtl="0" eaLnBrk="1" latinLnBrk="0" hangingPunct="1">
+              <a:defRPr sz="1800" kern="1200">
+                <a:solidFill>
+                  <a:schemeClr val="dk1"/>
+                </a:solidFill>
+                <a:latin typeface="+mn-lt"/>
+                <a:ea typeface="+mn-ea"/>
+                <a:cs typeface="+mn-cs"/>
+              </a:defRPr>
+            </a:lvl2pPr>
+            <a:lvl3pPr marL="914400" algn="l" defTabSz="914400" rtl="0" eaLnBrk="1" latinLnBrk="0" hangingPunct="1">
+              <a:defRPr sz="1800" kern="1200">
+                <a:solidFill>
+                  <a:schemeClr val="dk1"/>
+                </a:solidFill>
+                <a:latin typeface="+mn-lt"/>
+                <a:ea typeface="+mn-ea"/>
+                <a:cs typeface="+mn-cs"/>
+              </a:defRPr>
+            </a:lvl3pPr>
+            <a:lvl4pPr marL="1371600" algn="l" defTabSz="914400" rtl="0" eaLnBrk="1" latinLnBrk="0" hangingPunct="1">
+              <a:defRPr sz="1800" kern="1200">
+                <a:solidFill>
+                  <a:schemeClr val="dk1"/>
+                </a:solidFill>
+                <a:latin typeface="+mn-lt"/>
+                <a:ea typeface="+mn-ea"/>
+                <a:cs typeface="+mn-cs"/>
+              </a:defRPr>
+            </a:lvl4pPr>
+            <a:lvl5pPr marL="1828800" algn="l" defTabSz="914400" rtl="0" eaLnBrk="1" latinLnBrk="0" hangingPunct="1">
+              <a:defRPr sz="1800" kern="1200">
+                <a:solidFill>
+                  <a:schemeClr val="dk1"/>
+                </a:solidFill>
+                <a:latin typeface="+mn-lt"/>
+                <a:ea typeface="+mn-ea"/>
+                <a:cs typeface="+mn-cs"/>
+              </a:defRPr>
+            </a:lvl5pPr>
+            <a:lvl6pPr marL="2286000" algn="l" defTabSz="914400" rtl="0" eaLnBrk="1" latinLnBrk="0" hangingPunct="1">
+              <a:defRPr sz="1800" kern="1200">
+                <a:solidFill>
+                  <a:schemeClr val="dk1"/>
+                </a:solidFill>
+                <a:latin typeface="+mn-lt"/>
+                <a:ea typeface="+mn-ea"/>
+                <a:cs typeface="+mn-cs"/>
+              </a:defRPr>
+            </a:lvl6pPr>
+            <a:lvl7pPr marL="2743200" algn="l" defTabSz="914400" rtl="0" eaLnBrk="1" latinLnBrk="0" hangingPunct="1">
+              <a:defRPr sz="1800" kern="1200">
+                <a:solidFill>
+                  <a:schemeClr val="dk1"/>
+                </a:solidFill>
+                <a:latin typeface="+mn-lt"/>
+                <a:ea typeface="+mn-ea"/>
+                <a:cs typeface="+mn-cs"/>
+              </a:defRPr>
+            </a:lvl7pPr>
+            <a:lvl8pPr marL="3200400" algn="l" defTabSz="914400" rtl="0" eaLnBrk="1" latinLnBrk="0" hangingPunct="1">
+              <a:defRPr sz="1800" kern="1200">
+                <a:solidFill>
+                  <a:schemeClr val="dk1"/>
+                </a:solidFill>
+                <a:latin typeface="+mn-lt"/>
+                <a:ea typeface="+mn-ea"/>
+                <a:cs typeface="+mn-cs"/>
+              </a:defRPr>
+            </a:lvl8pPr>
+            <a:lvl9pPr marL="3657600" algn="l" defTabSz="914400" rtl="0" eaLnBrk="1" latinLnBrk="0" hangingPunct="1">
+              <a:defRPr sz="1800" kern="1200">
+                <a:solidFill>
+                  <a:schemeClr val="dk1"/>
+                </a:solidFill>
+                <a:latin typeface="+mn-lt"/>
+                <a:ea typeface="+mn-ea"/>
+                <a:cs typeface="+mn-cs"/>
+              </a:defRPr>
+            </a:lvl9pPr>
+          </a:lstStyle>
+          <a:p>
+            <a:pPr algn="ctr"/>
+            <a:r>
+              <a:rPr lang="en-US" sz="1000" b="1" dirty="0" err="1">
                 <a:solidFill>
                   <a:srgbClr val="0070C0"/>
                 </a:solidFill>
-              </a:endParaRPr>
-            </a:p>
-          </p:txBody>
-        </p:sp>
-        <p:sp>
-          <p:nvSpPr>
-            <p:cNvPr id="142" name="Rectangle 141"/>
-            <p:cNvSpPr/>
-            <p:nvPr/>
-          </p:nvSpPr>
-          <p:spPr>
-            <a:xfrm flipH="1">
-              <a:off x="5003857" y="5319637"/>
-              <a:ext cx="1188720" cy="228600"/>
-            </a:xfrm>
-            <a:prstGeom prst="rect">
-              <a:avLst/>
-            </a:prstGeom>
-            <a:ln w="19050">
+              </a:rPr>
+              <a:t>SelectParser</a:t>
+            </a:r>
+            <a:endParaRPr lang="en-SG" sz="1000" b="1" dirty="0">
               <a:solidFill>
                 <a:srgbClr val="0070C0"/>
               </a:solidFill>
-            </a:ln>
-            <a:effectLst/>
-          </p:spPr>
-          <p:style>
-            <a:lnRef idx="1">
-              <a:schemeClr val="accent1"/>
-            </a:lnRef>
-            <a:fillRef idx="2">
-              <a:schemeClr val="accent1"/>
-            </a:fillRef>
-            <a:effectRef idx="1">
-              <a:schemeClr val="accent1"/>
-            </a:effectRef>
-            <a:fontRef idx="minor">
-              <a:schemeClr val="dk1"/>
-            </a:fontRef>
-          </p:style>
-          <p:txBody>
-            <a:bodyPr rtlCol="0" anchor="ctr"/>
-            <a:lstStyle>
-              <a:defPPr>
-                <a:defRPr lang="en-US"/>
-              </a:defPPr>
-              <a:lvl1pPr marL="0" algn="l" defTabSz="914400" rtl="0" eaLnBrk="1" latinLnBrk="0" hangingPunct="1">
-                <a:defRPr sz="1800" kern="1200">
-                  <a:solidFill>
-                    <a:schemeClr val="dk1"/>
-                  </a:solidFill>
-                  <a:latin typeface="+mn-lt"/>
-                  <a:ea typeface="+mn-ea"/>
-                  <a:cs typeface="+mn-cs"/>
-                </a:defRPr>
-              </a:lvl1pPr>
-              <a:lvl2pPr marL="457200" algn="l" defTabSz="914400" rtl="0" eaLnBrk="1" latinLnBrk="0" hangingPunct="1">
-                <a:defRPr sz="1800" kern="1200">
-                  <a:solidFill>
-                    <a:schemeClr val="dk1"/>
-                  </a:solidFill>
-                  <a:latin typeface="+mn-lt"/>
-                  <a:ea typeface="+mn-ea"/>
-                  <a:cs typeface="+mn-cs"/>
-                </a:defRPr>
-              </a:lvl2pPr>
-              <a:lvl3pPr marL="914400" algn="l" defTabSz="914400" rtl="0" eaLnBrk="1" latinLnBrk="0" hangingPunct="1">
-                <a:defRPr sz="1800" kern="1200">
-                  <a:solidFill>
-                    <a:schemeClr val="dk1"/>
-                  </a:solidFill>
-                  <a:latin typeface="+mn-lt"/>
-                  <a:ea typeface="+mn-ea"/>
-                  <a:cs typeface="+mn-cs"/>
-                </a:defRPr>
-              </a:lvl3pPr>
-              <a:lvl4pPr marL="1371600" algn="l" defTabSz="914400" rtl="0" eaLnBrk="1" latinLnBrk="0" hangingPunct="1">
-                <a:defRPr sz="1800" kern="1200">
-                  <a:solidFill>
-                    <a:schemeClr val="dk1"/>
-                  </a:solidFill>
-                  <a:latin typeface="+mn-lt"/>
-                  <a:ea typeface="+mn-ea"/>
-                  <a:cs typeface="+mn-cs"/>
-                </a:defRPr>
-              </a:lvl4pPr>
-              <a:lvl5pPr marL="1828800" algn="l" defTabSz="914400" rtl="0" eaLnBrk="1" latinLnBrk="0" hangingPunct="1">
-                <a:defRPr sz="1800" kern="1200">
-                  <a:solidFill>
-                    <a:schemeClr val="dk1"/>
-                  </a:solidFill>
-                  <a:latin typeface="+mn-lt"/>
-                  <a:ea typeface="+mn-ea"/>
-                  <a:cs typeface="+mn-cs"/>
-                </a:defRPr>
-              </a:lvl5pPr>
-              <a:lvl6pPr marL="2286000" algn="l" defTabSz="914400" rtl="0" eaLnBrk="1" latinLnBrk="0" hangingPunct="1">
-                <a:defRPr sz="1800" kern="1200">
-                  <a:solidFill>
-                    <a:schemeClr val="dk1"/>
-                  </a:solidFill>
-                  <a:latin typeface="+mn-lt"/>
-                  <a:ea typeface="+mn-ea"/>
-                  <a:cs typeface="+mn-cs"/>
-                </a:defRPr>
-              </a:lvl6pPr>
-              <a:lvl7pPr marL="2743200" algn="l" defTabSz="914400" rtl="0" eaLnBrk="1" latinLnBrk="0" hangingPunct="1">
-                <a:defRPr sz="1800" kern="1200">
-                  <a:solidFill>
-                    <a:schemeClr val="dk1"/>
-                  </a:solidFill>
-                  <a:latin typeface="+mn-lt"/>
-                  <a:ea typeface="+mn-ea"/>
-                  <a:cs typeface="+mn-cs"/>
-                </a:defRPr>
-              </a:lvl7pPr>
-              <a:lvl8pPr marL="3200400" algn="l" defTabSz="914400" rtl="0" eaLnBrk="1" latinLnBrk="0" hangingPunct="1">
-                <a:defRPr sz="1800" kern="1200">
-                  <a:solidFill>
-                    <a:schemeClr val="dk1"/>
-                  </a:solidFill>
-                  <a:latin typeface="+mn-lt"/>
-                  <a:ea typeface="+mn-ea"/>
-                  <a:cs typeface="+mn-cs"/>
-                </a:defRPr>
-              </a:lvl8pPr>
-              <a:lvl9pPr marL="3657600" algn="l" defTabSz="914400" rtl="0" eaLnBrk="1" latinLnBrk="0" hangingPunct="1">
-                <a:defRPr sz="1800" kern="1200">
-                  <a:solidFill>
-                    <a:schemeClr val="dk1"/>
-                  </a:solidFill>
-                  <a:latin typeface="+mn-lt"/>
-                  <a:ea typeface="+mn-ea"/>
-                  <a:cs typeface="+mn-cs"/>
-                </a:defRPr>
-              </a:lvl9pPr>
-            </a:lstStyle>
-            <a:p>
-              <a:pPr algn="ctr"/>
-              <a:r>
-                <a:rPr lang="en-US" sz="1000" b="1" dirty="0" err="1">
-                  <a:solidFill>
-                    <a:srgbClr val="0070C0"/>
-                  </a:solidFill>
-                </a:rPr>
-                <a:t>UndoParser</a:t>
-              </a:r>
-              <a:endParaRPr lang="en-SG" sz="1000" b="1" dirty="0">
+            </a:endParaRPr>
+          </a:p>
+        </p:txBody>
+      </p:sp>
+      <p:sp>
+        <p:nvSpPr>
+          <p:cNvPr id="150" name="Rectangle 149"/>
+          <p:cNvSpPr/>
+          <p:nvPr/>
+        </p:nvSpPr>
+        <p:spPr>
+          <a:xfrm flipH="1">
+            <a:off x="5178830" y="4244437"/>
+            <a:ext cx="1188720" cy="228600"/>
+          </a:xfrm>
+          <a:prstGeom prst="rect">
+            <a:avLst/>
+          </a:prstGeom>
+          <a:ln w="19050">
+            <a:solidFill>
+              <a:srgbClr val="0070C0"/>
+            </a:solidFill>
+          </a:ln>
+          <a:effectLst/>
+        </p:spPr>
+        <p:style>
+          <a:lnRef idx="1">
+            <a:schemeClr val="accent1"/>
+          </a:lnRef>
+          <a:fillRef idx="2">
+            <a:schemeClr val="accent1"/>
+          </a:fillRef>
+          <a:effectRef idx="1">
+            <a:schemeClr val="accent1"/>
+          </a:effectRef>
+          <a:fontRef idx="minor">
+            <a:schemeClr val="dk1"/>
+          </a:fontRef>
+        </p:style>
+        <p:txBody>
+          <a:bodyPr rtlCol="0" anchor="ctr"/>
+          <a:lstStyle>
+            <a:defPPr>
+              <a:defRPr lang="en-US"/>
+            </a:defPPr>
+            <a:lvl1pPr marL="0" algn="l" defTabSz="914400" rtl="0" eaLnBrk="1" latinLnBrk="0" hangingPunct="1">
+              <a:defRPr sz="1800" kern="1200">
+                <a:solidFill>
+                  <a:schemeClr val="dk1"/>
+                </a:solidFill>
+                <a:latin typeface="+mn-lt"/>
+                <a:ea typeface="+mn-ea"/>
+                <a:cs typeface="+mn-cs"/>
+              </a:defRPr>
+            </a:lvl1pPr>
+            <a:lvl2pPr marL="457200" algn="l" defTabSz="914400" rtl="0" eaLnBrk="1" latinLnBrk="0" hangingPunct="1">
+              <a:defRPr sz="1800" kern="1200">
+                <a:solidFill>
+                  <a:schemeClr val="dk1"/>
+                </a:solidFill>
+                <a:latin typeface="+mn-lt"/>
+                <a:ea typeface="+mn-ea"/>
+                <a:cs typeface="+mn-cs"/>
+              </a:defRPr>
+            </a:lvl2pPr>
+            <a:lvl3pPr marL="914400" algn="l" defTabSz="914400" rtl="0" eaLnBrk="1" latinLnBrk="0" hangingPunct="1">
+              <a:defRPr sz="1800" kern="1200">
+                <a:solidFill>
+                  <a:schemeClr val="dk1"/>
+                </a:solidFill>
+                <a:latin typeface="+mn-lt"/>
+                <a:ea typeface="+mn-ea"/>
+                <a:cs typeface="+mn-cs"/>
+              </a:defRPr>
+            </a:lvl3pPr>
+            <a:lvl4pPr marL="1371600" algn="l" defTabSz="914400" rtl="0" eaLnBrk="1" latinLnBrk="0" hangingPunct="1">
+              <a:defRPr sz="1800" kern="1200">
+                <a:solidFill>
+                  <a:schemeClr val="dk1"/>
+                </a:solidFill>
+                <a:latin typeface="+mn-lt"/>
+                <a:ea typeface="+mn-ea"/>
+                <a:cs typeface="+mn-cs"/>
+              </a:defRPr>
+            </a:lvl4pPr>
+            <a:lvl5pPr marL="1828800" algn="l" defTabSz="914400" rtl="0" eaLnBrk="1" latinLnBrk="0" hangingPunct="1">
+              <a:defRPr sz="1800" kern="1200">
+                <a:solidFill>
+                  <a:schemeClr val="dk1"/>
+                </a:solidFill>
+                <a:latin typeface="+mn-lt"/>
+                <a:ea typeface="+mn-ea"/>
+                <a:cs typeface="+mn-cs"/>
+              </a:defRPr>
+            </a:lvl5pPr>
+            <a:lvl6pPr marL="2286000" algn="l" defTabSz="914400" rtl="0" eaLnBrk="1" latinLnBrk="0" hangingPunct="1">
+              <a:defRPr sz="1800" kern="1200">
+                <a:solidFill>
+                  <a:schemeClr val="dk1"/>
+                </a:solidFill>
+                <a:latin typeface="+mn-lt"/>
+                <a:ea typeface="+mn-ea"/>
+                <a:cs typeface="+mn-cs"/>
+              </a:defRPr>
+            </a:lvl6pPr>
+            <a:lvl7pPr marL="2743200" algn="l" defTabSz="914400" rtl="0" eaLnBrk="1" latinLnBrk="0" hangingPunct="1">
+              <a:defRPr sz="1800" kern="1200">
+                <a:solidFill>
+                  <a:schemeClr val="dk1"/>
+                </a:solidFill>
+                <a:latin typeface="+mn-lt"/>
+                <a:ea typeface="+mn-ea"/>
+                <a:cs typeface="+mn-cs"/>
+              </a:defRPr>
+            </a:lvl7pPr>
+            <a:lvl8pPr marL="3200400" algn="l" defTabSz="914400" rtl="0" eaLnBrk="1" latinLnBrk="0" hangingPunct="1">
+              <a:defRPr sz="1800" kern="1200">
+                <a:solidFill>
+                  <a:schemeClr val="dk1"/>
+                </a:solidFill>
+                <a:latin typeface="+mn-lt"/>
+                <a:ea typeface="+mn-ea"/>
+                <a:cs typeface="+mn-cs"/>
+              </a:defRPr>
+            </a:lvl8pPr>
+            <a:lvl9pPr marL="3657600" algn="l" defTabSz="914400" rtl="0" eaLnBrk="1" latinLnBrk="0" hangingPunct="1">
+              <a:defRPr sz="1800" kern="1200">
+                <a:solidFill>
+                  <a:schemeClr val="dk1"/>
+                </a:solidFill>
+                <a:latin typeface="+mn-lt"/>
+                <a:ea typeface="+mn-ea"/>
+                <a:cs typeface="+mn-cs"/>
+              </a:defRPr>
+            </a:lvl9pPr>
+          </a:lstStyle>
+          <a:p>
+            <a:pPr algn="ctr"/>
+            <a:r>
+              <a:rPr lang="en-US" sz="1000" b="1" dirty="0" err="1">
                 <a:solidFill>
                   <a:srgbClr val="0070C0"/>
                 </a:solidFill>
-              </a:endParaRPr>
-            </a:p>
-          </p:txBody>
-        </p:sp>
-        <p:sp>
-          <p:nvSpPr>
-            <p:cNvPr id="150" name="Rectangle 149"/>
-            <p:cNvSpPr/>
-            <p:nvPr/>
-          </p:nvSpPr>
-          <p:spPr>
-            <a:xfrm flipH="1">
-              <a:off x="5003857" y="4244437"/>
-              <a:ext cx="1188720" cy="228600"/>
-            </a:xfrm>
-            <a:prstGeom prst="rect">
-              <a:avLst/>
-            </a:prstGeom>
-            <a:ln w="19050">
+              </a:rPr>
+              <a:t>HelpParser</a:t>
+            </a:r>
+            <a:endParaRPr lang="en-SG" sz="1000" b="1" dirty="0">
               <a:solidFill>
                 <a:srgbClr val="0070C0"/>
               </a:solidFill>
-            </a:ln>
-            <a:effectLst/>
-          </p:spPr>
-          <p:style>
-            <a:lnRef idx="1">
-              <a:schemeClr val="accent1"/>
-            </a:lnRef>
-            <a:fillRef idx="2">
-              <a:schemeClr val="accent1"/>
-            </a:fillRef>
-            <a:effectRef idx="1">
-              <a:schemeClr val="accent1"/>
-            </a:effectRef>
-            <a:fontRef idx="minor">
-              <a:schemeClr val="dk1"/>
-            </a:fontRef>
-          </p:style>
-          <p:txBody>
-            <a:bodyPr rtlCol="0" anchor="ctr"/>
-            <a:lstStyle>
-              <a:defPPr>
-                <a:defRPr lang="en-US"/>
-              </a:defPPr>
-              <a:lvl1pPr marL="0" algn="l" defTabSz="914400" rtl="0" eaLnBrk="1" latinLnBrk="0" hangingPunct="1">
-                <a:defRPr sz="1800" kern="1200">
-                  <a:solidFill>
-                    <a:schemeClr val="dk1"/>
-                  </a:solidFill>
-                  <a:latin typeface="+mn-lt"/>
-                  <a:ea typeface="+mn-ea"/>
-                  <a:cs typeface="+mn-cs"/>
-                </a:defRPr>
-              </a:lvl1pPr>
-              <a:lvl2pPr marL="457200" algn="l" defTabSz="914400" rtl="0" eaLnBrk="1" latinLnBrk="0" hangingPunct="1">
-                <a:defRPr sz="1800" kern="1200">
-                  <a:solidFill>
-                    <a:schemeClr val="dk1"/>
-                  </a:solidFill>
-                  <a:latin typeface="+mn-lt"/>
-                  <a:ea typeface="+mn-ea"/>
-                  <a:cs typeface="+mn-cs"/>
-                </a:defRPr>
-              </a:lvl2pPr>
-              <a:lvl3pPr marL="914400" algn="l" defTabSz="914400" rtl="0" eaLnBrk="1" latinLnBrk="0" hangingPunct="1">
-                <a:defRPr sz="1800" kern="1200">
-                  <a:solidFill>
-                    <a:schemeClr val="dk1"/>
-                  </a:solidFill>
-                  <a:latin typeface="+mn-lt"/>
-                  <a:ea typeface="+mn-ea"/>
-                  <a:cs typeface="+mn-cs"/>
-                </a:defRPr>
-              </a:lvl3pPr>
-              <a:lvl4pPr marL="1371600" algn="l" defTabSz="914400" rtl="0" eaLnBrk="1" latinLnBrk="0" hangingPunct="1">
-                <a:defRPr sz="1800" kern="1200">
-                  <a:solidFill>
-                    <a:schemeClr val="dk1"/>
-                  </a:solidFill>
-                  <a:latin typeface="+mn-lt"/>
-                  <a:ea typeface="+mn-ea"/>
-                  <a:cs typeface="+mn-cs"/>
-                </a:defRPr>
-              </a:lvl4pPr>
-              <a:lvl5pPr marL="1828800" algn="l" defTabSz="914400" rtl="0" eaLnBrk="1" latinLnBrk="0" hangingPunct="1">
-                <a:defRPr sz="1800" kern="1200">
-                  <a:solidFill>
-                    <a:schemeClr val="dk1"/>
-                  </a:solidFill>
-                  <a:latin typeface="+mn-lt"/>
-                  <a:ea typeface="+mn-ea"/>
-                  <a:cs typeface="+mn-cs"/>
-                </a:defRPr>
-              </a:lvl5pPr>
-              <a:lvl6pPr marL="2286000" algn="l" defTabSz="914400" rtl="0" eaLnBrk="1" latinLnBrk="0" hangingPunct="1">
-                <a:defRPr sz="1800" kern="1200">
-                  <a:solidFill>
-                    <a:schemeClr val="dk1"/>
-                  </a:solidFill>
-                  <a:latin typeface="+mn-lt"/>
-                  <a:ea typeface="+mn-ea"/>
-                  <a:cs typeface="+mn-cs"/>
-                </a:defRPr>
-              </a:lvl6pPr>
-              <a:lvl7pPr marL="2743200" algn="l" defTabSz="914400" rtl="0" eaLnBrk="1" latinLnBrk="0" hangingPunct="1">
-                <a:defRPr sz="1800" kern="1200">
-                  <a:solidFill>
-                    <a:schemeClr val="dk1"/>
-                  </a:solidFill>
-                  <a:latin typeface="+mn-lt"/>
-                  <a:ea typeface="+mn-ea"/>
-                  <a:cs typeface="+mn-cs"/>
-                </a:defRPr>
-              </a:lvl7pPr>
-              <a:lvl8pPr marL="3200400" algn="l" defTabSz="914400" rtl="0" eaLnBrk="1" latinLnBrk="0" hangingPunct="1">
-                <a:defRPr sz="1800" kern="1200">
-                  <a:solidFill>
-                    <a:schemeClr val="dk1"/>
-                  </a:solidFill>
-                  <a:latin typeface="+mn-lt"/>
-                  <a:ea typeface="+mn-ea"/>
-                  <a:cs typeface="+mn-cs"/>
-                </a:defRPr>
-              </a:lvl8pPr>
-              <a:lvl9pPr marL="3657600" algn="l" defTabSz="914400" rtl="0" eaLnBrk="1" latinLnBrk="0" hangingPunct="1">
-                <a:defRPr sz="1800" kern="1200">
-                  <a:solidFill>
-                    <a:schemeClr val="dk1"/>
-                  </a:solidFill>
-                  <a:latin typeface="+mn-lt"/>
-                  <a:ea typeface="+mn-ea"/>
-                  <a:cs typeface="+mn-cs"/>
-                </a:defRPr>
-              </a:lvl9pPr>
-            </a:lstStyle>
-            <a:p>
-              <a:pPr algn="ctr"/>
-              <a:r>
-                <a:rPr lang="en-US" sz="1000" b="1" dirty="0" err="1">
-                  <a:solidFill>
-                    <a:srgbClr val="0070C0"/>
-                  </a:solidFill>
-                </a:rPr>
-                <a:t>FindParser</a:t>
-              </a:r>
-              <a:endParaRPr lang="en-SG" sz="1000" b="1" dirty="0">
+            </a:endParaRPr>
+          </a:p>
+        </p:txBody>
+      </p:sp>
+      <p:sp>
+        <p:nvSpPr>
+          <p:cNvPr id="151" name="Rectangle 150"/>
+          <p:cNvSpPr/>
+          <p:nvPr/>
+        </p:nvSpPr>
+        <p:spPr>
+          <a:xfrm flipH="1">
+            <a:off x="5178830" y="4602837"/>
+            <a:ext cx="1188720" cy="228600"/>
+          </a:xfrm>
+          <a:prstGeom prst="rect">
+            <a:avLst/>
+          </a:prstGeom>
+          <a:ln w="19050">
+            <a:solidFill>
+              <a:srgbClr val="0070C0"/>
+            </a:solidFill>
+          </a:ln>
+          <a:effectLst/>
+        </p:spPr>
+        <p:style>
+          <a:lnRef idx="1">
+            <a:schemeClr val="accent1"/>
+          </a:lnRef>
+          <a:fillRef idx="2">
+            <a:schemeClr val="accent1"/>
+          </a:fillRef>
+          <a:effectRef idx="1">
+            <a:schemeClr val="accent1"/>
+          </a:effectRef>
+          <a:fontRef idx="minor">
+            <a:schemeClr val="dk1"/>
+          </a:fontRef>
+        </p:style>
+        <p:txBody>
+          <a:bodyPr rtlCol="0" anchor="ctr"/>
+          <a:lstStyle>
+            <a:defPPr>
+              <a:defRPr lang="en-US"/>
+            </a:defPPr>
+            <a:lvl1pPr marL="0" algn="l" defTabSz="914400" rtl="0" eaLnBrk="1" latinLnBrk="0" hangingPunct="1">
+              <a:defRPr sz="1800" kern="1200">
+                <a:solidFill>
+                  <a:schemeClr val="dk1"/>
+                </a:solidFill>
+                <a:latin typeface="+mn-lt"/>
+                <a:ea typeface="+mn-ea"/>
+                <a:cs typeface="+mn-cs"/>
+              </a:defRPr>
+            </a:lvl1pPr>
+            <a:lvl2pPr marL="457200" algn="l" defTabSz="914400" rtl="0" eaLnBrk="1" latinLnBrk="0" hangingPunct="1">
+              <a:defRPr sz="1800" kern="1200">
+                <a:solidFill>
+                  <a:schemeClr val="dk1"/>
+                </a:solidFill>
+                <a:latin typeface="+mn-lt"/>
+                <a:ea typeface="+mn-ea"/>
+                <a:cs typeface="+mn-cs"/>
+              </a:defRPr>
+            </a:lvl2pPr>
+            <a:lvl3pPr marL="914400" algn="l" defTabSz="914400" rtl="0" eaLnBrk="1" latinLnBrk="0" hangingPunct="1">
+              <a:defRPr sz="1800" kern="1200">
+                <a:solidFill>
+                  <a:schemeClr val="dk1"/>
+                </a:solidFill>
+                <a:latin typeface="+mn-lt"/>
+                <a:ea typeface="+mn-ea"/>
+                <a:cs typeface="+mn-cs"/>
+              </a:defRPr>
+            </a:lvl3pPr>
+            <a:lvl4pPr marL="1371600" algn="l" defTabSz="914400" rtl="0" eaLnBrk="1" latinLnBrk="0" hangingPunct="1">
+              <a:defRPr sz="1800" kern="1200">
+                <a:solidFill>
+                  <a:schemeClr val="dk1"/>
+                </a:solidFill>
+                <a:latin typeface="+mn-lt"/>
+                <a:ea typeface="+mn-ea"/>
+                <a:cs typeface="+mn-cs"/>
+              </a:defRPr>
+            </a:lvl4pPr>
+            <a:lvl5pPr marL="1828800" algn="l" defTabSz="914400" rtl="0" eaLnBrk="1" latinLnBrk="0" hangingPunct="1">
+              <a:defRPr sz="1800" kern="1200">
+                <a:solidFill>
+                  <a:schemeClr val="dk1"/>
+                </a:solidFill>
+                <a:latin typeface="+mn-lt"/>
+                <a:ea typeface="+mn-ea"/>
+                <a:cs typeface="+mn-cs"/>
+              </a:defRPr>
+            </a:lvl5pPr>
+            <a:lvl6pPr marL="2286000" algn="l" defTabSz="914400" rtl="0" eaLnBrk="1" latinLnBrk="0" hangingPunct="1">
+              <a:defRPr sz="1800" kern="1200">
+                <a:solidFill>
+                  <a:schemeClr val="dk1"/>
+                </a:solidFill>
+                <a:latin typeface="+mn-lt"/>
+                <a:ea typeface="+mn-ea"/>
+                <a:cs typeface="+mn-cs"/>
+              </a:defRPr>
+            </a:lvl6pPr>
+            <a:lvl7pPr marL="2743200" algn="l" defTabSz="914400" rtl="0" eaLnBrk="1" latinLnBrk="0" hangingPunct="1">
+              <a:defRPr sz="1800" kern="1200">
+                <a:solidFill>
+                  <a:schemeClr val="dk1"/>
+                </a:solidFill>
+                <a:latin typeface="+mn-lt"/>
+                <a:ea typeface="+mn-ea"/>
+                <a:cs typeface="+mn-cs"/>
+              </a:defRPr>
+            </a:lvl7pPr>
+            <a:lvl8pPr marL="3200400" algn="l" defTabSz="914400" rtl="0" eaLnBrk="1" latinLnBrk="0" hangingPunct="1">
+              <a:defRPr sz="1800" kern="1200">
+                <a:solidFill>
+                  <a:schemeClr val="dk1"/>
+                </a:solidFill>
+                <a:latin typeface="+mn-lt"/>
+                <a:ea typeface="+mn-ea"/>
+                <a:cs typeface="+mn-cs"/>
+              </a:defRPr>
+            </a:lvl8pPr>
+            <a:lvl9pPr marL="3657600" algn="l" defTabSz="914400" rtl="0" eaLnBrk="1" latinLnBrk="0" hangingPunct="1">
+              <a:defRPr sz="1800" kern="1200">
+                <a:solidFill>
+                  <a:schemeClr val="dk1"/>
+                </a:solidFill>
+                <a:latin typeface="+mn-lt"/>
+                <a:ea typeface="+mn-ea"/>
+                <a:cs typeface="+mn-cs"/>
+              </a:defRPr>
+            </a:lvl9pPr>
+          </a:lstStyle>
+          <a:p>
+            <a:pPr algn="ctr"/>
+            <a:r>
+              <a:rPr lang="en-US" sz="1000" b="1" dirty="0" err="1">
                 <a:solidFill>
                   <a:srgbClr val="0070C0"/>
                 </a:solidFill>
-              </a:endParaRPr>
-            </a:p>
-          </p:txBody>
-        </p:sp>
-        <p:sp>
-          <p:nvSpPr>
-            <p:cNvPr id="151" name="Rectangle 150"/>
-            <p:cNvSpPr/>
-            <p:nvPr/>
-          </p:nvSpPr>
-          <p:spPr>
-            <a:xfrm flipH="1">
-              <a:off x="5003857" y="4602837"/>
-              <a:ext cx="1188720" cy="228600"/>
-            </a:xfrm>
-            <a:prstGeom prst="rect">
-              <a:avLst/>
-            </a:prstGeom>
-            <a:ln w="19050">
+              </a:rPr>
+              <a:t>ListParser</a:t>
+            </a:r>
+            <a:endParaRPr lang="en-SG" sz="1000" b="1" dirty="0">
               <a:solidFill>
                 <a:srgbClr val="0070C0"/>
               </a:solidFill>
-            </a:ln>
-            <a:effectLst/>
-          </p:spPr>
-          <p:style>
-            <a:lnRef idx="1">
-              <a:schemeClr val="accent1"/>
-            </a:lnRef>
-            <a:fillRef idx="2">
-              <a:schemeClr val="accent1"/>
-            </a:fillRef>
-            <a:effectRef idx="1">
-              <a:schemeClr val="accent1"/>
-            </a:effectRef>
-            <a:fontRef idx="minor">
-              <a:schemeClr val="dk1"/>
-            </a:fontRef>
-          </p:style>
-          <p:txBody>
-            <a:bodyPr rtlCol="0" anchor="ctr"/>
-            <a:lstStyle>
-              <a:defPPr>
-                <a:defRPr lang="en-US"/>
-              </a:defPPr>
-              <a:lvl1pPr marL="0" algn="l" defTabSz="914400" rtl="0" eaLnBrk="1" latinLnBrk="0" hangingPunct="1">
-                <a:defRPr sz="1800" kern="1200">
-                  <a:solidFill>
-                    <a:schemeClr val="dk1"/>
-                  </a:solidFill>
-                  <a:latin typeface="+mn-lt"/>
-                  <a:ea typeface="+mn-ea"/>
-                  <a:cs typeface="+mn-cs"/>
-                </a:defRPr>
-              </a:lvl1pPr>
-              <a:lvl2pPr marL="457200" algn="l" defTabSz="914400" rtl="0" eaLnBrk="1" latinLnBrk="0" hangingPunct="1">
-                <a:defRPr sz="1800" kern="1200">
-                  <a:solidFill>
-                    <a:schemeClr val="dk1"/>
-                  </a:solidFill>
-                  <a:latin typeface="+mn-lt"/>
-                  <a:ea typeface="+mn-ea"/>
-                  <a:cs typeface="+mn-cs"/>
-                </a:defRPr>
-              </a:lvl2pPr>
-              <a:lvl3pPr marL="914400" algn="l" defTabSz="914400" rtl="0" eaLnBrk="1" latinLnBrk="0" hangingPunct="1">
-                <a:defRPr sz="1800" kern="1200">
-                  <a:solidFill>
-                    <a:schemeClr val="dk1"/>
-                  </a:solidFill>
-                  <a:latin typeface="+mn-lt"/>
-                  <a:ea typeface="+mn-ea"/>
-                  <a:cs typeface="+mn-cs"/>
-                </a:defRPr>
-              </a:lvl3pPr>
-              <a:lvl4pPr marL="1371600" algn="l" defTabSz="914400" rtl="0" eaLnBrk="1" latinLnBrk="0" hangingPunct="1">
-                <a:defRPr sz="1800" kern="1200">
-                  <a:solidFill>
-                    <a:schemeClr val="dk1"/>
-                  </a:solidFill>
-                  <a:latin typeface="+mn-lt"/>
-                  <a:ea typeface="+mn-ea"/>
-                  <a:cs typeface="+mn-cs"/>
-                </a:defRPr>
-              </a:lvl4pPr>
-              <a:lvl5pPr marL="1828800" algn="l" defTabSz="914400" rtl="0" eaLnBrk="1" latinLnBrk="0" hangingPunct="1">
-                <a:defRPr sz="1800" kern="1200">
-                  <a:solidFill>
-                    <a:schemeClr val="dk1"/>
-                  </a:solidFill>
-                  <a:latin typeface="+mn-lt"/>
-                  <a:ea typeface="+mn-ea"/>
-                  <a:cs typeface="+mn-cs"/>
-                </a:defRPr>
-              </a:lvl5pPr>
-              <a:lvl6pPr marL="2286000" algn="l" defTabSz="914400" rtl="0" eaLnBrk="1" latinLnBrk="0" hangingPunct="1">
-                <a:defRPr sz="1800" kern="1200">
-                  <a:solidFill>
-                    <a:schemeClr val="dk1"/>
-                  </a:solidFill>
-                  <a:latin typeface="+mn-lt"/>
-                  <a:ea typeface="+mn-ea"/>
-                  <a:cs typeface="+mn-cs"/>
-                </a:defRPr>
-              </a:lvl6pPr>
-              <a:lvl7pPr marL="2743200" algn="l" defTabSz="914400" rtl="0" eaLnBrk="1" latinLnBrk="0" hangingPunct="1">
-                <a:defRPr sz="1800" kern="1200">
-                  <a:solidFill>
-                    <a:schemeClr val="dk1"/>
-                  </a:solidFill>
-                  <a:latin typeface="+mn-lt"/>
-                  <a:ea typeface="+mn-ea"/>
-                  <a:cs typeface="+mn-cs"/>
-                </a:defRPr>
-              </a:lvl7pPr>
-              <a:lvl8pPr marL="3200400" algn="l" defTabSz="914400" rtl="0" eaLnBrk="1" latinLnBrk="0" hangingPunct="1">
-                <a:defRPr sz="1800" kern="1200">
-                  <a:solidFill>
-                    <a:schemeClr val="dk1"/>
-                  </a:solidFill>
-                  <a:latin typeface="+mn-lt"/>
-                  <a:ea typeface="+mn-ea"/>
-                  <a:cs typeface="+mn-cs"/>
-                </a:defRPr>
-              </a:lvl8pPr>
-              <a:lvl9pPr marL="3657600" algn="l" defTabSz="914400" rtl="0" eaLnBrk="1" latinLnBrk="0" hangingPunct="1">
-                <a:defRPr sz="1800" kern="1200">
-                  <a:solidFill>
-                    <a:schemeClr val="dk1"/>
-                  </a:solidFill>
-                  <a:latin typeface="+mn-lt"/>
-                  <a:ea typeface="+mn-ea"/>
-                  <a:cs typeface="+mn-cs"/>
-                </a:defRPr>
-              </a:lvl9pPr>
-            </a:lstStyle>
-            <a:p>
-              <a:pPr algn="ctr"/>
-              <a:r>
-                <a:rPr lang="en-US" sz="1000" b="1" dirty="0" err="1">
-                  <a:solidFill>
-                    <a:srgbClr val="0070C0"/>
-                  </a:solidFill>
-                </a:rPr>
-                <a:t>HelpParser</a:t>
-              </a:r>
-              <a:endParaRPr lang="en-SG" sz="1000" b="1" dirty="0">
+            </a:endParaRPr>
+          </a:p>
+        </p:txBody>
+      </p:sp>
+      <p:sp>
+        <p:nvSpPr>
+          <p:cNvPr id="152" name="Rectangle 151"/>
+          <p:cNvSpPr/>
+          <p:nvPr/>
+        </p:nvSpPr>
+        <p:spPr>
+          <a:xfrm flipH="1">
+            <a:off x="5178830" y="3886037"/>
+            <a:ext cx="1188720" cy="228600"/>
+          </a:xfrm>
+          <a:prstGeom prst="rect">
+            <a:avLst/>
+          </a:prstGeom>
+          <a:ln w="19050">
+            <a:solidFill>
+              <a:srgbClr val="0070C0"/>
+            </a:solidFill>
+          </a:ln>
+          <a:effectLst/>
+        </p:spPr>
+        <p:style>
+          <a:lnRef idx="1">
+            <a:schemeClr val="accent1"/>
+          </a:lnRef>
+          <a:fillRef idx="2">
+            <a:schemeClr val="accent1"/>
+          </a:fillRef>
+          <a:effectRef idx="1">
+            <a:schemeClr val="accent1"/>
+          </a:effectRef>
+          <a:fontRef idx="minor">
+            <a:schemeClr val="dk1"/>
+          </a:fontRef>
+        </p:style>
+        <p:txBody>
+          <a:bodyPr rtlCol="0" anchor="ctr"/>
+          <a:lstStyle>
+            <a:defPPr>
+              <a:defRPr lang="en-US"/>
+            </a:defPPr>
+            <a:lvl1pPr marL="0" algn="l" defTabSz="914400" rtl="0" eaLnBrk="1" latinLnBrk="0" hangingPunct="1">
+              <a:defRPr sz="1800" kern="1200">
+                <a:solidFill>
+                  <a:schemeClr val="dk1"/>
+                </a:solidFill>
+                <a:latin typeface="+mn-lt"/>
+                <a:ea typeface="+mn-ea"/>
+                <a:cs typeface="+mn-cs"/>
+              </a:defRPr>
+            </a:lvl1pPr>
+            <a:lvl2pPr marL="457200" algn="l" defTabSz="914400" rtl="0" eaLnBrk="1" latinLnBrk="0" hangingPunct="1">
+              <a:defRPr sz="1800" kern="1200">
+                <a:solidFill>
+                  <a:schemeClr val="dk1"/>
+                </a:solidFill>
+                <a:latin typeface="+mn-lt"/>
+                <a:ea typeface="+mn-ea"/>
+                <a:cs typeface="+mn-cs"/>
+              </a:defRPr>
+            </a:lvl2pPr>
+            <a:lvl3pPr marL="914400" algn="l" defTabSz="914400" rtl="0" eaLnBrk="1" latinLnBrk="0" hangingPunct="1">
+              <a:defRPr sz="1800" kern="1200">
+                <a:solidFill>
+                  <a:schemeClr val="dk1"/>
+                </a:solidFill>
+                <a:latin typeface="+mn-lt"/>
+                <a:ea typeface="+mn-ea"/>
+                <a:cs typeface="+mn-cs"/>
+              </a:defRPr>
+            </a:lvl3pPr>
+            <a:lvl4pPr marL="1371600" algn="l" defTabSz="914400" rtl="0" eaLnBrk="1" latinLnBrk="0" hangingPunct="1">
+              <a:defRPr sz="1800" kern="1200">
+                <a:solidFill>
+                  <a:schemeClr val="dk1"/>
+                </a:solidFill>
+                <a:latin typeface="+mn-lt"/>
+                <a:ea typeface="+mn-ea"/>
+                <a:cs typeface="+mn-cs"/>
+              </a:defRPr>
+            </a:lvl4pPr>
+            <a:lvl5pPr marL="1828800" algn="l" defTabSz="914400" rtl="0" eaLnBrk="1" latinLnBrk="0" hangingPunct="1">
+              <a:defRPr sz="1800" kern="1200">
+                <a:solidFill>
+                  <a:schemeClr val="dk1"/>
+                </a:solidFill>
+                <a:latin typeface="+mn-lt"/>
+                <a:ea typeface="+mn-ea"/>
+                <a:cs typeface="+mn-cs"/>
+              </a:defRPr>
+            </a:lvl5pPr>
+            <a:lvl6pPr marL="2286000" algn="l" defTabSz="914400" rtl="0" eaLnBrk="1" latinLnBrk="0" hangingPunct="1">
+              <a:defRPr sz="1800" kern="1200">
+                <a:solidFill>
+                  <a:schemeClr val="dk1"/>
+                </a:solidFill>
+                <a:latin typeface="+mn-lt"/>
+                <a:ea typeface="+mn-ea"/>
+                <a:cs typeface="+mn-cs"/>
+              </a:defRPr>
+            </a:lvl6pPr>
+            <a:lvl7pPr marL="2743200" algn="l" defTabSz="914400" rtl="0" eaLnBrk="1" latinLnBrk="0" hangingPunct="1">
+              <a:defRPr sz="1800" kern="1200">
+                <a:solidFill>
+                  <a:schemeClr val="dk1"/>
+                </a:solidFill>
+                <a:latin typeface="+mn-lt"/>
+                <a:ea typeface="+mn-ea"/>
+                <a:cs typeface="+mn-cs"/>
+              </a:defRPr>
+            </a:lvl7pPr>
+            <a:lvl8pPr marL="3200400" algn="l" defTabSz="914400" rtl="0" eaLnBrk="1" latinLnBrk="0" hangingPunct="1">
+              <a:defRPr sz="1800" kern="1200">
+                <a:solidFill>
+                  <a:schemeClr val="dk1"/>
+                </a:solidFill>
+                <a:latin typeface="+mn-lt"/>
+                <a:ea typeface="+mn-ea"/>
+                <a:cs typeface="+mn-cs"/>
+              </a:defRPr>
+            </a:lvl8pPr>
+            <a:lvl9pPr marL="3657600" algn="l" defTabSz="914400" rtl="0" eaLnBrk="1" latinLnBrk="0" hangingPunct="1">
+              <a:defRPr sz="1800" kern="1200">
+                <a:solidFill>
+                  <a:schemeClr val="dk1"/>
+                </a:solidFill>
+                <a:latin typeface="+mn-lt"/>
+                <a:ea typeface="+mn-ea"/>
+                <a:cs typeface="+mn-cs"/>
+              </a:defRPr>
+            </a:lvl9pPr>
+          </a:lstStyle>
+          <a:p>
+            <a:pPr algn="ctr"/>
+            <a:r>
+              <a:rPr lang="en-US" sz="1000" b="1" dirty="0" err="1">
                 <a:solidFill>
                   <a:srgbClr val="0070C0"/>
                 </a:solidFill>
-              </a:endParaRPr>
-            </a:p>
-          </p:txBody>
-        </p:sp>
-        <p:sp>
-          <p:nvSpPr>
-            <p:cNvPr id="152" name="Rectangle 151"/>
-            <p:cNvSpPr/>
-            <p:nvPr/>
-          </p:nvSpPr>
-          <p:spPr>
-            <a:xfrm flipH="1">
-              <a:off x="5003857" y="3886037"/>
-              <a:ext cx="1188720" cy="228600"/>
-            </a:xfrm>
-            <a:prstGeom prst="rect">
-              <a:avLst/>
-            </a:prstGeom>
-            <a:ln w="19050">
+              </a:rPr>
+              <a:t>FindTagParser</a:t>
+            </a:r>
+            <a:endParaRPr lang="en-SG" sz="1000" b="1" dirty="0">
               <a:solidFill>
                 <a:srgbClr val="0070C0"/>
               </a:solidFill>
-            </a:ln>
-            <a:effectLst/>
-          </p:spPr>
-          <p:style>
-            <a:lnRef idx="1">
-              <a:schemeClr val="accent1"/>
-            </a:lnRef>
-            <a:fillRef idx="2">
-              <a:schemeClr val="accent1"/>
-            </a:fillRef>
-            <a:effectRef idx="1">
-              <a:schemeClr val="accent1"/>
-            </a:effectRef>
-            <a:fontRef idx="minor">
-              <a:schemeClr val="dk1"/>
-            </a:fontRef>
-          </p:style>
-          <p:txBody>
-            <a:bodyPr rtlCol="0" anchor="ctr"/>
-            <a:lstStyle>
-              <a:defPPr>
-                <a:defRPr lang="en-US"/>
-              </a:defPPr>
-              <a:lvl1pPr marL="0" algn="l" defTabSz="914400" rtl="0" eaLnBrk="1" latinLnBrk="0" hangingPunct="1">
-                <a:defRPr sz="1800" kern="1200">
-                  <a:solidFill>
-                    <a:schemeClr val="dk1"/>
-                  </a:solidFill>
-                  <a:latin typeface="+mn-lt"/>
-                  <a:ea typeface="+mn-ea"/>
-                  <a:cs typeface="+mn-cs"/>
-                </a:defRPr>
-              </a:lvl1pPr>
-              <a:lvl2pPr marL="457200" algn="l" defTabSz="914400" rtl="0" eaLnBrk="1" latinLnBrk="0" hangingPunct="1">
-                <a:defRPr sz="1800" kern="1200">
-                  <a:solidFill>
-                    <a:schemeClr val="dk1"/>
-                  </a:solidFill>
-                  <a:latin typeface="+mn-lt"/>
-                  <a:ea typeface="+mn-ea"/>
-                  <a:cs typeface="+mn-cs"/>
-                </a:defRPr>
-              </a:lvl2pPr>
-              <a:lvl3pPr marL="914400" algn="l" defTabSz="914400" rtl="0" eaLnBrk="1" latinLnBrk="0" hangingPunct="1">
-                <a:defRPr sz="1800" kern="1200">
-                  <a:solidFill>
-                    <a:schemeClr val="dk1"/>
-                  </a:solidFill>
-                  <a:latin typeface="+mn-lt"/>
-                  <a:ea typeface="+mn-ea"/>
-                  <a:cs typeface="+mn-cs"/>
-                </a:defRPr>
-              </a:lvl3pPr>
-              <a:lvl4pPr marL="1371600" algn="l" defTabSz="914400" rtl="0" eaLnBrk="1" latinLnBrk="0" hangingPunct="1">
-                <a:defRPr sz="1800" kern="1200">
-                  <a:solidFill>
-                    <a:schemeClr val="dk1"/>
-                  </a:solidFill>
-                  <a:latin typeface="+mn-lt"/>
-                  <a:ea typeface="+mn-ea"/>
-                  <a:cs typeface="+mn-cs"/>
-                </a:defRPr>
-              </a:lvl4pPr>
-              <a:lvl5pPr marL="1828800" algn="l" defTabSz="914400" rtl="0" eaLnBrk="1" latinLnBrk="0" hangingPunct="1">
-                <a:defRPr sz="1800" kern="1200">
-                  <a:solidFill>
-                    <a:schemeClr val="dk1"/>
-                  </a:solidFill>
-                  <a:latin typeface="+mn-lt"/>
-                  <a:ea typeface="+mn-ea"/>
-                  <a:cs typeface="+mn-cs"/>
-                </a:defRPr>
-              </a:lvl5pPr>
-              <a:lvl6pPr marL="2286000" algn="l" defTabSz="914400" rtl="0" eaLnBrk="1" latinLnBrk="0" hangingPunct="1">
-                <a:defRPr sz="1800" kern="1200">
-                  <a:solidFill>
-                    <a:schemeClr val="dk1"/>
-                  </a:solidFill>
-                  <a:latin typeface="+mn-lt"/>
-                  <a:ea typeface="+mn-ea"/>
-                  <a:cs typeface="+mn-cs"/>
-                </a:defRPr>
-              </a:lvl6pPr>
-              <a:lvl7pPr marL="2743200" algn="l" defTabSz="914400" rtl="0" eaLnBrk="1" latinLnBrk="0" hangingPunct="1">
-                <a:defRPr sz="1800" kern="1200">
-                  <a:solidFill>
-                    <a:schemeClr val="dk1"/>
-                  </a:solidFill>
-                  <a:latin typeface="+mn-lt"/>
-                  <a:ea typeface="+mn-ea"/>
-                  <a:cs typeface="+mn-cs"/>
-                </a:defRPr>
-              </a:lvl7pPr>
-              <a:lvl8pPr marL="3200400" algn="l" defTabSz="914400" rtl="0" eaLnBrk="1" latinLnBrk="0" hangingPunct="1">
-                <a:defRPr sz="1800" kern="1200">
-                  <a:solidFill>
-                    <a:schemeClr val="dk1"/>
-                  </a:solidFill>
-                  <a:latin typeface="+mn-lt"/>
-                  <a:ea typeface="+mn-ea"/>
-                  <a:cs typeface="+mn-cs"/>
-                </a:defRPr>
-              </a:lvl8pPr>
-              <a:lvl9pPr marL="3657600" algn="l" defTabSz="914400" rtl="0" eaLnBrk="1" latinLnBrk="0" hangingPunct="1">
-                <a:defRPr sz="1800" kern="1200">
-                  <a:solidFill>
-                    <a:schemeClr val="dk1"/>
-                  </a:solidFill>
-                  <a:latin typeface="+mn-lt"/>
-                  <a:ea typeface="+mn-ea"/>
-                  <a:cs typeface="+mn-cs"/>
-                </a:defRPr>
-              </a:lvl9pPr>
-            </a:lstStyle>
-            <a:p>
-              <a:pPr algn="ctr"/>
-              <a:r>
-                <a:rPr lang="en-US" sz="1000" b="1" dirty="0" err="1">
-                  <a:solidFill>
-                    <a:srgbClr val="0070C0"/>
-                  </a:solidFill>
-                </a:rPr>
-                <a:t>ClearParser</a:t>
-              </a:r>
-              <a:endParaRPr lang="en-SG" sz="1000" b="1" dirty="0">
+            </a:endParaRPr>
+          </a:p>
+        </p:txBody>
+      </p:sp>
+      <p:sp>
+        <p:nvSpPr>
+          <p:cNvPr id="153" name="Rectangle 152"/>
+          <p:cNvSpPr/>
+          <p:nvPr/>
+        </p:nvSpPr>
+        <p:spPr>
+          <a:xfrm flipH="1">
+            <a:off x="5178830" y="4961237"/>
+            <a:ext cx="1188720" cy="228600"/>
+          </a:xfrm>
+          <a:prstGeom prst="rect">
+            <a:avLst/>
+          </a:prstGeom>
+          <a:ln w="19050">
+            <a:solidFill>
+              <a:srgbClr val="0070C0"/>
+            </a:solidFill>
+          </a:ln>
+          <a:effectLst/>
+        </p:spPr>
+        <p:style>
+          <a:lnRef idx="1">
+            <a:schemeClr val="accent1"/>
+          </a:lnRef>
+          <a:fillRef idx="2">
+            <a:schemeClr val="accent1"/>
+          </a:fillRef>
+          <a:effectRef idx="1">
+            <a:schemeClr val="accent1"/>
+          </a:effectRef>
+          <a:fontRef idx="minor">
+            <a:schemeClr val="dk1"/>
+          </a:fontRef>
+        </p:style>
+        <p:txBody>
+          <a:bodyPr rtlCol="0" anchor="ctr"/>
+          <a:lstStyle>
+            <a:defPPr>
+              <a:defRPr lang="en-US"/>
+            </a:defPPr>
+            <a:lvl1pPr marL="0" algn="l" defTabSz="914400" rtl="0" eaLnBrk="1" latinLnBrk="0" hangingPunct="1">
+              <a:defRPr sz="1800" kern="1200">
+                <a:solidFill>
+                  <a:schemeClr val="dk1"/>
+                </a:solidFill>
+                <a:latin typeface="+mn-lt"/>
+                <a:ea typeface="+mn-ea"/>
+                <a:cs typeface="+mn-cs"/>
+              </a:defRPr>
+            </a:lvl1pPr>
+            <a:lvl2pPr marL="457200" algn="l" defTabSz="914400" rtl="0" eaLnBrk="1" latinLnBrk="0" hangingPunct="1">
+              <a:defRPr sz="1800" kern="1200">
+                <a:solidFill>
+                  <a:schemeClr val="dk1"/>
+                </a:solidFill>
+                <a:latin typeface="+mn-lt"/>
+                <a:ea typeface="+mn-ea"/>
+                <a:cs typeface="+mn-cs"/>
+              </a:defRPr>
+            </a:lvl2pPr>
+            <a:lvl3pPr marL="914400" algn="l" defTabSz="914400" rtl="0" eaLnBrk="1" latinLnBrk="0" hangingPunct="1">
+              <a:defRPr sz="1800" kern="1200">
+                <a:solidFill>
+                  <a:schemeClr val="dk1"/>
+                </a:solidFill>
+                <a:latin typeface="+mn-lt"/>
+                <a:ea typeface="+mn-ea"/>
+                <a:cs typeface="+mn-cs"/>
+              </a:defRPr>
+            </a:lvl3pPr>
+            <a:lvl4pPr marL="1371600" algn="l" defTabSz="914400" rtl="0" eaLnBrk="1" latinLnBrk="0" hangingPunct="1">
+              <a:defRPr sz="1800" kern="1200">
+                <a:solidFill>
+                  <a:schemeClr val="dk1"/>
+                </a:solidFill>
+                <a:latin typeface="+mn-lt"/>
+                <a:ea typeface="+mn-ea"/>
+                <a:cs typeface="+mn-cs"/>
+              </a:defRPr>
+            </a:lvl4pPr>
+            <a:lvl5pPr marL="1828800" algn="l" defTabSz="914400" rtl="0" eaLnBrk="1" latinLnBrk="0" hangingPunct="1">
+              <a:defRPr sz="1800" kern="1200">
+                <a:solidFill>
+                  <a:schemeClr val="dk1"/>
+                </a:solidFill>
+                <a:latin typeface="+mn-lt"/>
+                <a:ea typeface="+mn-ea"/>
+                <a:cs typeface="+mn-cs"/>
+              </a:defRPr>
+            </a:lvl5pPr>
+            <a:lvl6pPr marL="2286000" algn="l" defTabSz="914400" rtl="0" eaLnBrk="1" latinLnBrk="0" hangingPunct="1">
+              <a:defRPr sz="1800" kern="1200">
+                <a:solidFill>
+                  <a:schemeClr val="dk1"/>
+                </a:solidFill>
+                <a:latin typeface="+mn-lt"/>
+                <a:ea typeface="+mn-ea"/>
+                <a:cs typeface="+mn-cs"/>
+              </a:defRPr>
+            </a:lvl6pPr>
+            <a:lvl7pPr marL="2743200" algn="l" defTabSz="914400" rtl="0" eaLnBrk="1" latinLnBrk="0" hangingPunct="1">
+              <a:defRPr sz="1800" kern="1200">
+                <a:solidFill>
+                  <a:schemeClr val="dk1"/>
+                </a:solidFill>
+                <a:latin typeface="+mn-lt"/>
+                <a:ea typeface="+mn-ea"/>
+                <a:cs typeface="+mn-cs"/>
+              </a:defRPr>
+            </a:lvl7pPr>
+            <a:lvl8pPr marL="3200400" algn="l" defTabSz="914400" rtl="0" eaLnBrk="1" latinLnBrk="0" hangingPunct="1">
+              <a:defRPr sz="1800" kern="1200">
+                <a:solidFill>
+                  <a:schemeClr val="dk1"/>
+                </a:solidFill>
+                <a:latin typeface="+mn-lt"/>
+                <a:ea typeface="+mn-ea"/>
+                <a:cs typeface="+mn-cs"/>
+              </a:defRPr>
+            </a:lvl8pPr>
+            <a:lvl9pPr marL="3657600" algn="l" defTabSz="914400" rtl="0" eaLnBrk="1" latinLnBrk="0" hangingPunct="1">
+              <a:defRPr sz="1800" kern="1200">
+                <a:solidFill>
+                  <a:schemeClr val="dk1"/>
+                </a:solidFill>
+                <a:latin typeface="+mn-lt"/>
+                <a:ea typeface="+mn-ea"/>
+                <a:cs typeface="+mn-cs"/>
+              </a:defRPr>
+            </a:lvl9pPr>
+          </a:lstStyle>
+          <a:p>
+            <a:pPr algn="ctr"/>
+            <a:r>
+              <a:rPr lang="en-US" sz="1000" b="1" dirty="0" err="1">
                 <a:solidFill>
                   <a:srgbClr val="0070C0"/>
                 </a:solidFill>
-              </a:endParaRPr>
-            </a:p>
-          </p:txBody>
-        </p:sp>
-        <p:sp>
-          <p:nvSpPr>
-            <p:cNvPr id="153" name="Rectangle 152"/>
-            <p:cNvSpPr/>
-            <p:nvPr/>
-          </p:nvSpPr>
-          <p:spPr>
-            <a:xfrm flipH="1">
-              <a:off x="5003857" y="4961237"/>
-              <a:ext cx="1188720" cy="228600"/>
-            </a:xfrm>
-            <a:prstGeom prst="rect">
-              <a:avLst/>
-            </a:prstGeom>
-            <a:ln w="19050">
+              </a:rPr>
+              <a:t>SearchParser</a:t>
+            </a:r>
+            <a:endParaRPr lang="en-SG" sz="1000" b="1" dirty="0">
               <a:solidFill>
                 <a:srgbClr val="0070C0"/>
               </a:solidFill>
-            </a:ln>
-            <a:effectLst/>
-          </p:spPr>
-          <p:style>
-            <a:lnRef idx="1">
-              <a:schemeClr val="accent1"/>
-            </a:lnRef>
-            <a:fillRef idx="2">
-              <a:schemeClr val="accent1"/>
-            </a:fillRef>
-            <a:effectRef idx="1">
-              <a:schemeClr val="accent1"/>
-            </a:effectRef>
-            <a:fontRef idx="minor">
-              <a:schemeClr val="dk1"/>
-            </a:fontRef>
-          </p:style>
-          <p:txBody>
-            <a:bodyPr rtlCol="0" anchor="ctr"/>
-            <a:lstStyle>
-              <a:defPPr>
-                <a:defRPr lang="en-US"/>
-              </a:defPPr>
-              <a:lvl1pPr marL="0" algn="l" defTabSz="914400" rtl="0" eaLnBrk="1" latinLnBrk="0" hangingPunct="1">
-                <a:defRPr sz="1800" kern="1200">
-                  <a:solidFill>
-                    <a:schemeClr val="dk1"/>
-                  </a:solidFill>
-                  <a:latin typeface="+mn-lt"/>
-                  <a:ea typeface="+mn-ea"/>
-                  <a:cs typeface="+mn-cs"/>
-                </a:defRPr>
-              </a:lvl1pPr>
-              <a:lvl2pPr marL="457200" algn="l" defTabSz="914400" rtl="0" eaLnBrk="1" latinLnBrk="0" hangingPunct="1">
-                <a:defRPr sz="1800" kern="1200">
-                  <a:solidFill>
-                    <a:schemeClr val="dk1"/>
-                  </a:solidFill>
-                  <a:latin typeface="+mn-lt"/>
-                  <a:ea typeface="+mn-ea"/>
-                  <a:cs typeface="+mn-cs"/>
-                </a:defRPr>
-              </a:lvl2pPr>
-              <a:lvl3pPr marL="914400" algn="l" defTabSz="914400" rtl="0" eaLnBrk="1" latinLnBrk="0" hangingPunct="1">
-                <a:defRPr sz="1800" kern="1200">
-                  <a:solidFill>
-                    <a:schemeClr val="dk1"/>
-                  </a:solidFill>
-                  <a:latin typeface="+mn-lt"/>
-                  <a:ea typeface="+mn-ea"/>
-                  <a:cs typeface="+mn-cs"/>
-                </a:defRPr>
-              </a:lvl3pPr>
-              <a:lvl4pPr marL="1371600" algn="l" defTabSz="914400" rtl="0" eaLnBrk="1" latinLnBrk="0" hangingPunct="1">
-                <a:defRPr sz="1800" kern="1200">
-                  <a:solidFill>
-                    <a:schemeClr val="dk1"/>
-                  </a:solidFill>
-                  <a:latin typeface="+mn-lt"/>
-                  <a:ea typeface="+mn-ea"/>
-                  <a:cs typeface="+mn-cs"/>
-                </a:defRPr>
-              </a:lvl4pPr>
-              <a:lvl5pPr marL="1828800" algn="l" defTabSz="914400" rtl="0" eaLnBrk="1" latinLnBrk="0" hangingPunct="1">
-                <a:defRPr sz="1800" kern="1200">
-                  <a:solidFill>
-                    <a:schemeClr val="dk1"/>
-                  </a:solidFill>
-                  <a:latin typeface="+mn-lt"/>
-                  <a:ea typeface="+mn-ea"/>
-                  <a:cs typeface="+mn-cs"/>
-                </a:defRPr>
-              </a:lvl5pPr>
-              <a:lvl6pPr marL="2286000" algn="l" defTabSz="914400" rtl="0" eaLnBrk="1" latinLnBrk="0" hangingPunct="1">
-                <a:defRPr sz="1800" kern="1200">
-                  <a:solidFill>
-                    <a:schemeClr val="dk1"/>
-                  </a:solidFill>
-                  <a:latin typeface="+mn-lt"/>
-                  <a:ea typeface="+mn-ea"/>
-                  <a:cs typeface="+mn-cs"/>
-                </a:defRPr>
-              </a:lvl6pPr>
-              <a:lvl7pPr marL="2743200" algn="l" defTabSz="914400" rtl="0" eaLnBrk="1" latinLnBrk="0" hangingPunct="1">
-                <a:defRPr sz="1800" kern="1200">
-                  <a:solidFill>
-                    <a:schemeClr val="dk1"/>
-                  </a:solidFill>
-                  <a:latin typeface="+mn-lt"/>
-                  <a:ea typeface="+mn-ea"/>
-                  <a:cs typeface="+mn-cs"/>
-                </a:defRPr>
-              </a:lvl7pPr>
-              <a:lvl8pPr marL="3200400" algn="l" defTabSz="914400" rtl="0" eaLnBrk="1" latinLnBrk="0" hangingPunct="1">
-                <a:defRPr sz="1800" kern="1200">
-                  <a:solidFill>
-                    <a:schemeClr val="dk1"/>
-                  </a:solidFill>
-                  <a:latin typeface="+mn-lt"/>
-                  <a:ea typeface="+mn-ea"/>
-                  <a:cs typeface="+mn-cs"/>
-                </a:defRPr>
-              </a:lvl8pPr>
-              <a:lvl9pPr marL="3657600" algn="l" defTabSz="914400" rtl="0" eaLnBrk="1" latinLnBrk="0" hangingPunct="1">
-                <a:defRPr sz="1800" kern="1200">
-                  <a:solidFill>
-                    <a:schemeClr val="dk1"/>
-                  </a:solidFill>
-                  <a:latin typeface="+mn-lt"/>
-                  <a:ea typeface="+mn-ea"/>
-                  <a:cs typeface="+mn-cs"/>
-                </a:defRPr>
-              </a:lvl9pPr>
-            </a:lstStyle>
-            <a:p>
-              <a:pPr algn="ctr"/>
-              <a:r>
-                <a:rPr lang="en-US" sz="1000" b="1" dirty="0" err="1">
-                  <a:solidFill>
-                    <a:srgbClr val="0070C0"/>
-                  </a:solidFill>
-                </a:rPr>
-                <a:t>ListParser</a:t>
-              </a:r>
-              <a:endParaRPr lang="en-SG" sz="1000" b="1" dirty="0">
+            </a:endParaRPr>
+          </a:p>
+        </p:txBody>
+      </p:sp>
+      <p:sp>
+        <p:nvSpPr>
+          <p:cNvPr id="143" name="Rectangle 142"/>
+          <p:cNvSpPr/>
+          <p:nvPr/>
+        </p:nvSpPr>
+        <p:spPr>
+          <a:xfrm flipH="1">
+            <a:off x="6723321" y="5334550"/>
+            <a:ext cx="1188720" cy="228600"/>
+          </a:xfrm>
+          <a:prstGeom prst="rect">
+            <a:avLst/>
+          </a:prstGeom>
+          <a:ln w="19050">
+            <a:solidFill>
+              <a:srgbClr val="0070C0"/>
+            </a:solidFill>
+          </a:ln>
+          <a:effectLst/>
+        </p:spPr>
+        <p:style>
+          <a:lnRef idx="1">
+            <a:schemeClr val="accent1"/>
+          </a:lnRef>
+          <a:fillRef idx="2">
+            <a:schemeClr val="accent1"/>
+          </a:fillRef>
+          <a:effectRef idx="1">
+            <a:schemeClr val="accent1"/>
+          </a:effectRef>
+          <a:fontRef idx="minor">
+            <a:schemeClr val="dk1"/>
+          </a:fontRef>
+        </p:style>
+        <p:txBody>
+          <a:bodyPr rtlCol="0" anchor="ctr"/>
+          <a:lstStyle>
+            <a:defPPr>
+              <a:defRPr lang="en-US"/>
+            </a:defPPr>
+            <a:lvl1pPr marL="0" algn="l" defTabSz="914400" rtl="0" eaLnBrk="1" latinLnBrk="0" hangingPunct="1">
+              <a:defRPr sz="1800" kern="1200">
+                <a:solidFill>
+                  <a:schemeClr val="dk1"/>
+                </a:solidFill>
+                <a:latin typeface="+mn-lt"/>
+                <a:ea typeface="+mn-ea"/>
+                <a:cs typeface="+mn-cs"/>
+              </a:defRPr>
+            </a:lvl1pPr>
+            <a:lvl2pPr marL="457200" algn="l" defTabSz="914400" rtl="0" eaLnBrk="1" latinLnBrk="0" hangingPunct="1">
+              <a:defRPr sz="1800" kern="1200">
+                <a:solidFill>
+                  <a:schemeClr val="dk1"/>
+                </a:solidFill>
+                <a:latin typeface="+mn-lt"/>
+                <a:ea typeface="+mn-ea"/>
+                <a:cs typeface="+mn-cs"/>
+              </a:defRPr>
+            </a:lvl2pPr>
+            <a:lvl3pPr marL="914400" algn="l" defTabSz="914400" rtl="0" eaLnBrk="1" latinLnBrk="0" hangingPunct="1">
+              <a:defRPr sz="1800" kern="1200">
+                <a:solidFill>
+                  <a:schemeClr val="dk1"/>
+                </a:solidFill>
+                <a:latin typeface="+mn-lt"/>
+                <a:ea typeface="+mn-ea"/>
+                <a:cs typeface="+mn-cs"/>
+              </a:defRPr>
+            </a:lvl3pPr>
+            <a:lvl4pPr marL="1371600" algn="l" defTabSz="914400" rtl="0" eaLnBrk="1" latinLnBrk="0" hangingPunct="1">
+              <a:defRPr sz="1800" kern="1200">
+                <a:solidFill>
+                  <a:schemeClr val="dk1"/>
+                </a:solidFill>
+                <a:latin typeface="+mn-lt"/>
+                <a:ea typeface="+mn-ea"/>
+                <a:cs typeface="+mn-cs"/>
+              </a:defRPr>
+            </a:lvl4pPr>
+            <a:lvl5pPr marL="1828800" algn="l" defTabSz="914400" rtl="0" eaLnBrk="1" latinLnBrk="0" hangingPunct="1">
+              <a:defRPr sz="1800" kern="1200">
+                <a:solidFill>
+                  <a:schemeClr val="dk1"/>
+                </a:solidFill>
+                <a:latin typeface="+mn-lt"/>
+                <a:ea typeface="+mn-ea"/>
+                <a:cs typeface="+mn-cs"/>
+              </a:defRPr>
+            </a:lvl5pPr>
+            <a:lvl6pPr marL="2286000" algn="l" defTabSz="914400" rtl="0" eaLnBrk="1" latinLnBrk="0" hangingPunct="1">
+              <a:defRPr sz="1800" kern="1200">
+                <a:solidFill>
+                  <a:schemeClr val="dk1"/>
+                </a:solidFill>
+                <a:latin typeface="+mn-lt"/>
+                <a:ea typeface="+mn-ea"/>
+                <a:cs typeface="+mn-cs"/>
+              </a:defRPr>
+            </a:lvl6pPr>
+            <a:lvl7pPr marL="2743200" algn="l" defTabSz="914400" rtl="0" eaLnBrk="1" latinLnBrk="0" hangingPunct="1">
+              <a:defRPr sz="1800" kern="1200">
+                <a:solidFill>
+                  <a:schemeClr val="dk1"/>
+                </a:solidFill>
+                <a:latin typeface="+mn-lt"/>
+                <a:ea typeface="+mn-ea"/>
+                <a:cs typeface="+mn-cs"/>
+              </a:defRPr>
+            </a:lvl7pPr>
+            <a:lvl8pPr marL="3200400" algn="l" defTabSz="914400" rtl="0" eaLnBrk="1" latinLnBrk="0" hangingPunct="1">
+              <a:defRPr sz="1800" kern="1200">
+                <a:solidFill>
+                  <a:schemeClr val="dk1"/>
+                </a:solidFill>
+                <a:latin typeface="+mn-lt"/>
+                <a:ea typeface="+mn-ea"/>
+                <a:cs typeface="+mn-cs"/>
+              </a:defRPr>
+            </a:lvl8pPr>
+            <a:lvl9pPr marL="3657600" algn="l" defTabSz="914400" rtl="0" eaLnBrk="1" latinLnBrk="0" hangingPunct="1">
+              <a:defRPr sz="1800" kern="1200">
+                <a:solidFill>
+                  <a:schemeClr val="dk1"/>
+                </a:solidFill>
+                <a:latin typeface="+mn-lt"/>
+                <a:ea typeface="+mn-ea"/>
+                <a:cs typeface="+mn-cs"/>
+              </a:defRPr>
+            </a:lvl9pPr>
+          </a:lstStyle>
+          <a:p>
+            <a:pPr algn="ctr"/>
+            <a:r>
+              <a:rPr lang="en-US" sz="1000" b="1" dirty="0" err="1">
                 <a:solidFill>
                   <a:srgbClr val="0070C0"/>
                 </a:solidFill>
-              </a:endParaRPr>
-            </a:p>
-          </p:txBody>
-        </p:sp>
-      </p:grpSp>
-      <p:grpSp>
-        <p:nvGrpSpPr>
-          <p:cNvPr id="173" name="Group 172"/>
-          <p:cNvGrpSpPr/>
-          <p:nvPr/>
-        </p:nvGrpSpPr>
-        <p:grpSpPr>
-          <a:xfrm>
-            <a:off x="6723321" y="3895582"/>
-            <a:ext cx="1188720" cy="1667568"/>
-            <a:chOff x="6323271" y="3895582"/>
-            <a:chExt cx="1188720" cy="1667568"/>
-          </a:xfrm>
-        </p:grpSpPr>
-        <p:sp>
-          <p:nvSpPr>
-            <p:cNvPr id="143" name="Rectangle 142"/>
-            <p:cNvSpPr/>
-            <p:nvPr/>
-          </p:nvSpPr>
-          <p:spPr>
-            <a:xfrm flipH="1">
-              <a:off x="6323271" y="5334550"/>
-              <a:ext cx="1188720" cy="228600"/>
-            </a:xfrm>
-            <a:prstGeom prst="rect">
-              <a:avLst/>
-            </a:prstGeom>
-            <a:ln w="19050">
+              </a:rPr>
+              <a:t>UncompleteParser</a:t>
+            </a:r>
+            <a:endParaRPr lang="en-SG" sz="1000" b="1" dirty="0">
               <a:solidFill>
                 <a:srgbClr val="0070C0"/>
               </a:solidFill>
-            </a:ln>
-            <a:effectLst/>
-          </p:spPr>
-          <p:style>
-            <a:lnRef idx="1">
-              <a:schemeClr val="accent1"/>
-            </a:lnRef>
-            <a:fillRef idx="2">
-              <a:schemeClr val="accent1"/>
-            </a:fillRef>
-            <a:effectRef idx="1">
-              <a:schemeClr val="accent1"/>
-            </a:effectRef>
-            <a:fontRef idx="minor">
-              <a:schemeClr val="dk1"/>
-            </a:fontRef>
-          </p:style>
-          <p:txBody>
-            <a:bodyPr rtlCol="0" anchor="ctr"/>
-            <a:lstStyle>
-              <a:defPPr>
-                <a:defRPr lang="en-US"/>
-              </a:defPPr>
-              <a:lvl1pPr marL="0" algn="l" defTabSz="914400" rtl="0" eaLnBrk="1" latinLnBrk="0" hangingPunct="1">
-                <a:defRPr sz="1800" kern="1200">
-                  <a:solidFill>
-                    <a:schemeClr val="dk1"/>
-                  </a:solidFill>
-                  <a:latin typeface="+mn-lt"/>
-                  <a:ea typeface="+mn-ea"/>
-                  <a:cs typeface="+mn-cs"/>
-                </a:defRPr>
-              </a:lvl1pPr>
-              <a:lvl2pPr marL="457200" algn="l" defTabSz="914400" rtl="0" eaLnBrk="1" latinLnBrk="0" hangingPunct="1">
-                <a:defRPr sz="1800" kern="1200">
-                  <a:solidFill>
-                    <a:schemeClr val="dk1"/>
-                  </a:solidFill>
-                  <a:latin typeface="+mn-lt"/>
-                  <a:ea typeface="+mn-ea"/>
-                  <a:cs typeface="+mn-cs"/>
-                </a:defRPr>
-              </a:lvl2pPr>
-              <a:lvl3pPr marL="914400" algn="l" defTabSz="914400" rtl="0" eaLnBrk="1" latinLnBrk="0" hangingPunct="1">
-                <a:defRPr sz="1800" kern="1200">
-                  <a:solidFill>
-                    <a:schemeClr val="dk1"/>
-                  </a:solidFill>
-                  <a:latin typeface="+mn-lt"/>
-                  <a:ea typeface="+mn-ea"/>
-                  <a:cs typeface="+mn-cs"/>
-                </a:defRPr>
-              </a:lvl3pPr>
-              <a:lvl4pPr marL="1371600" algn="l" defTabSz="914400" rtl="0" eaLnBrk="1" latinLnBrk="0" hangingPunct="1">
-                <a:defRPr sz="1800" kern="1200">
-                  <a:solidFill>
-                    <a:schemeClr val="dk1"/>
-                  </a:solidFill>
-                  <a:latin typeface="+mn-lt"/>
-                  <a:ea typeface="+mn-ea"/>
-                  <a:cs typeface="+mn-cs"/>
-                </a:defRPr>
-              </a:lvl4pPr>
-              <a:lvl5pPr marL="1828800" algn="l" defTabSz="914400" rtl="0" eaLnBrk="1" latinLnBrk="0" hangingPunct="1">
-                <a:defRPr sz="1800" kern="1200">
-                  <a:solidFill>
-                    <a:schemeClr val="dk1"/>
-                  </a:solidFill>
-                  <a:latin typeface="+mn-lt"/>
-                  <a:ea typeface="+mn-ea"/>
-                  <a:cs typeface="+mn-cs"/>
-                </a:defRPr>
-              </a:lvl5pPr>
-              <a:lvl6pPr marL="2286000" algn="l" defTabSz="914400" rtl="0" eaLnBrk="1" latinLnBrk="0" hangingPunct="1">
-                <a:defRPr sz="1800" kern="1200">
-                  <a:solidFill>
-                    <a:schemeClr val="dk1"/>
-                  </a:solidFill>
-                  <a:latin typeface="+mn-lt"/>
-                  <a:ea typeface="+mn-ea"/>
-                  <a:cs typeface="+mn-cs"/>
-                </a:defRPr>
-              </a:lvl6pPr>
-              <a:lvl7pPr marL="2743200" algn="l" defTabSz="914400" rtl="0" eaLnBrk="1" latinLnBrk="0" hangingPunct="1">
-                <a:defRPr sz="1800" kern="1200">
-                  <a:solidFill>
-                    <a:schemeClr val="dk1"/>
-                  </a:solidFill>
-                  <a:latin typeface="+mn-lt"/>
-                  <a:ea typeface="+mn-ea"/>
-                  <a:cs typeface="+mn-cs"/>
-                </a:defRPr>
-              </a:lvl7pPr>
-              <a:lvl8pPr marL="3200400" algn="l" defTabSz="914400" rtl="0" eaLnBrk="1" latinLnBrk="0" hangingPunct="1">
-                <a:defRPr sz="1800" kern="1200">
-                  <a:solidFill>
-                    <a:schemeClr val="dk1"/>
-                  </a:solidFill>
-                  <a:latin typeface="+mn-lt"/>
-                  <a:ea typeface="+mn-ea"/>
-                  <a:cs typeface="+mn-cs"/>
-                </a:defRPr>
-              </a:lvl8pPr>
-              <a:lvl9pPr marL="3657600" algn="l" defTabSz="914400" rtl="0" eaLnBrk="1" latinLnBrk="0" hangingPunct="1">
-                <a:defRPr sz="1800" kern="1200">
-                  <a:solidFill>
-                    <a:schemeClr val="dk1"/>
-                  </a:solidFill>
-                  <a:latin typeface="+mn-lt"/>
-                  <a:ea typeface="+mn-ea"/>
-                  <a:cs typeface="+mn-cs"/>
-                </a:defRPr>
-              </a:lvl9pPr>
-            </a:lstStyle>
-            <a:p>
-              <a:pPr algn="ctr"/>
-              <a:r>
-                <a:rPr lang="en-US" sz="1000" b="1" dirty="0" err="1">
-                  <a:solidFill>
-                    <a:srgbClr val="0070C0"/>
-                  </a:solidFill>
-                </a:rPr>
-                <a:t>UnpinParser</a:t>
-              </a:r>
-              <a:endParaRPr lang="en-SG" sz="1000" b="1" dirty="0">
+            </a:endParaRPr>
+          </a:p>
+        </p:txBody>
+      </p:sp>
+      <p:sp>
+        <p:nvSpPr>
+          <p:cNvPr id="155" name="Rectangle 154"/>
+          <p:cNvSpPr/>
+          <p:nvPr/>
+        </p:nvSpPr>
+        <p:spPr>
+          <a:xfrm flipH="1">
+            <a:off x="6723321" y="4255324"/>
+            <a:ext cx="1188720" cy="228600"/>
+          </a:xfrm>
+          <a:prstGeom prst="rect">
+            <a:avLst/>
+          </a:prstGeom>
+          <a:ln w="19050">
+            <a:solidFill>
+              <a:srgbClr val="0070C0"/>
+            </a:solidFill>
+          </a:ln>
+          <a:effectLst/>
+        </p:spPr>
+        <p:style>
+          <a:lnRef idx="1">
+            <a:schemeClr val="accent1"/>
+          </a:lnRef>
+          <a:fillRef idx="2">
+            <a:schemeClr val="accent1"/>
+          </a:fillRef>
+          <a:effectRef idx="1">
+            <a:schemeClr val="accent1"/>
+          </a:effectRef>
+          <a:fontRef idx="minor">
+            <a:schemeClr val="dk1"/>
+          </a:fontRef>
+        </p:style>
+        <p:txBody>
+          <a:bodyPr rtlCol="0" anchor="ctr"/>
+          <a:lstStyle>
+            <a:defPPr>
+              <a:defRPr lang="en-US"/>
+            </a:defPPr>
+            <a:lvl1pPr marL="0" algn="l" defTabSz="914400" rtl="0" eaLnBrk="1" latinLnBrk="0" hangingPunct="1">
+              <a:defRPr sz="1800" kern="1200">
+                <a:solidFill>
+                  <a:schemeClr val="dk1"/>
+                </a:solidFill>
+                <a:latin typeface="+mn-lt"/>
+                <a:ea typeface="+mn-ea"/>
+                <a:cs typeface="+mn-cs"/>
+              </a:defRPr>
+            </a:lvl1pPr>
+            <a:lvl2pPr marL="457200" algn="l" defTabSz="914400" rtl="0" eaLnBrk="1" latinLnBrk="0" hangingPunct="1">
+              <a:defRPr sz="1800" kern="1200">
+                <a:solidFill>
+                  <a:schemeClr val="dk1"/>
+                </a:solidFill>
+                <a:latin typeface="+mn-lt"/>
+                <a:ea typeface="+mn-ea"/>
+                <a:cs typeface="+mn-cs"/>
+              </a:defRPr>
+            </a:lvl2pPr>
+            <a:lvl3pPr marL="914400" algn="l" defTabSz="914400" rtl="0" eaLnBrk="1" latinLnBrk="0" hangingPunct="1">
+              <a:defRPr sz="1800" kern="1200">
+                <a:solidFill>
+                  <a:schemeClr val="dk1"/>
+                </a:solidFill>
+                <a:latin typeface="+mn-lt"/>
+                <a:ea typeface="+mn-ea"/>
+                <a:cs typeface="+mn-cs"/>
+              </a:defRPr>
+            </a:lvl3pPr>
+            <a:lvl4pPr marL="1371600" algn="l" defTabSz="914400" rtl="0" eaLnBrk="1" latinLnBrk="0" hangingPunct="1">
+              <a:defRPr sz="1800" kern="1200">
+                <a:solidFill>
+                  <a:schemeClr val="dk1"/>
+                </a:solidFill>
+                <a:latin typeface="+mn-lt"/>
+                <a:ea typeface="+mn-ea"/>
+                <a:cs typeface="+mn-cs"/>
+              </a:defRPr>
+            </a:lvl4pPr>
+            <a:lvl5pPr marL="1828800" algn="l" defTabSz="914400" rtl="0" eaLnBrk="1" latinLnBrk="0" hangingPunct="1">
+              <a:defRPr sz="1800" kern="1200">
+                <a:solidFill>
+                  <a:schemeClr val="dk1"/>
+                </a:solidFill>
+                <a:latin typeface="+mn-lt"/>
+                <a:ea typeface="+mn-ea"/>
+                <a:cs typeface="+mn-cs"/>
+              </a:defRPr>
+            </a:lvl5pPr>
+            <a:lvl6pPr marL="2286000" algn="l" defTabSz="914400" rtl="0" eaLnBrk="1" latinLnBrk="0" hangingPunct="1">
+              <a:defRPr sz="1800" kern="1200">
+                <a:solidFill>
+                  <a:schemeClr val="dk1"/>
+                </a:solidFill>
+                <a:latin typeface="+mn-lt"/>
+                <a:ea typeface="+mn-ea"/>
+                <a:cs typeface="+mn-cs"/>
+              </a:defRPr>
+            </a:lvl6pPr>
+            <a:lvl7pPr marL="2743200" algn="l" defTabSz="914400" rtl="0" eaLnBrk="1" latinLnBrk="0" hangingPunct="1">
+              <a:defRPr sz="1800" kern="1200">
+                <a:solidFill>
+                  <a:schemeClr val="dk1"/>
+                </a:solidFill>
+                <a:latin typeface="+mn-lt"/>
+                <a:ea typeface="+mn-ea"/>
+                <a:cs typeface="+mn-cs"/>
+              </a:defRPr>
+            </a:lvl7pPr>
+            <a:lvl8pPr marL="3200400" algn="l" defTabSz="914400" rtl="0" eaLnBrk="1" latinLnBrk="0" hangingPunct="1">
+              <a:defRPr sz="1800" kern="1200">
+                <a:solidFill>
+                  <a:schemeClr val="dk1"/>
+                </a:solidFill>
+                <a:latin typeface="+mn-lt"/>
+                <a:ea typeface="+mn-ea"/>
+                <a:cs typeface="+mn-cs"/>
+              </a:defRPr>
+            </a:lvl8pPr>
+            <a:lvl9pPr marL="3657600" algn="l" defTabSz="914400" rtl="0" eaLnBrk="1" latinLnBrk="0" hangingPunct="1">
+              <a:defRPr sz="1800" kern="1200">
+                <a:solidFill>
+                  <a:schemeClr val="dk1"/>
+                </a:solidFill>
+                <a:latin typeface="+mn-lt"/>
+                <a:ea typeface="+mn-ea"/>
+                <a:cs typeface="+mn-cs"/>
+              </a:defRPr>
+            </a:lvl9pPr>
+          </a:lstStyle>
+          <a:p>
+            <a:pPr algn="ctr"/>
+            <a:r>
+              <a:rPr lang="en-US" sz="1000" b="1" dirty="0" err="1">
                 <a:solidFill>
                   <a:srgbClr val="0070C0"/>
                 </a:solidFill>
-              </a:endParaRPr>
-            </a:p>
-          </p:txBody>
-        </p:sp>
-        <p:sp>
-          <p:nvSpPr>
-            <p:cNvPr id="155" name="Rectangle 154"/>
-            <p:cNvSpPr/>
-            <p:nvPr/>
-          </p:nvSpPr>
-          <p:spPr>
-            <a:xfrm flipH="1">
-              <a:off x="6323271" y="4255324"/>
-              <a:ext cx="1188720" cy="228600"/>
-            </a:xfrm>
-            <a:prstGeom prst="rect">
-              <a:avLst/>
-            </a:prstGeom>
-            <a:ln w="19050">
+              </a:rPr>
+              <a:t>PinParser</a:t>
+            </a:r>
+            <a:endParaRPr lang="en-SG" sz="1000" b="1" dirty="0">
               <a:solidFill>
                 <a:srgbClr val="0070C0"/>
               </a:solidFill>
-            </a:ln>
-            <a:effectLst/>
-          </p:spPr>
-          <p:style>
-            <a:lnRef idx="1">
-              <a:schemeClr val="accent1"/>
-            </a:lnRef>
-            <a:fillRef idx="2">
-              <a:schemeClr val="accent1"/>
-            </a:fillRef>
-            <a:effectRef idx="1">
-              <a:schemeClr val="accent1"/>
-            </a:effectRef>
-            <a:fontRef idx="minor">
-              <a:schemeClr val="dk1"/>
-            </a:fontRef>
-          </p:style>
-          <p:txBody>
-            <a:bodyPr rtlCol="0" anchor="ctr"/>
-            <a:lstStyle>
-              <a:defPPr>
-                <a:defRPr lang="en-US"/>
-              </a:defPPr>
-              <a:lvl1pPr marL="0" algn="l" defTabSz="914400" rtl="0" eaLnBrk="1" latinLnBrk="0" hangingPunct="1">
-                <a:defRPr sz="1800" kern="1200">
-                  <a:solidFill>
-                    <a:schemeClr val="dk1"/>
-                  </a:solidFill>
-                  <a:latin typeface="+mn-lt"/>
-                  <a:ea typeface="+mn-ea"/>
-                  <a:cs typeface="+mn-cs"/>
-                </a:defRPr>
-              </a:lvl1pPr>
-              <a:lvl2pPr marL="457200" algn="l" defTabSz="914400" rtl="0" eaLnBrk="1" latinLnBrk="0" hangingPunct="1">
-                <a:defRPr sz="1800" kern="1200">
-                  <a:solidFill>
-                    <a:schemeClr val="dk1"/>
-                  </a:solidFill>
-                  <a:latin typeface="+mn-lt"/>
-                  <a:ea typeface="+mn-ea"/>
-                  <a:cs typeface="+mn-cs"/>
-                </a:defRPr>
-              </a:lvl2pPr>
-              <a:lvl3pPr marL="914400" algn="l" defTabSz="914400" rtl="0" eaLnBrk="1" latinLnBrk="0" hangingPunct="1">
-                <a:defRPr sz="1800" kern="1200">
-                  <a:solidFill>
-                    <a:schemeClr val="dk1"/>
-                  </a:solidFill>
-                  <a:latin typeface="+mn-lt"/>
-                  <a:ea typeface="+mn-ea"/>
-                  <a:cs typeface="+mn-cs"/>
-                </a:defRPr>
-              </a:lvl3pPr>
-              <a:lvl4pPr marL="1371600" algn="l" defTabSz="914400" rtl="0" eaLnBrk="1" latinLnBrk="0" hangingPunct="1">
-                <a:defRPr sz="1800" kern="1200">
-                  <a:solidFill>
-                    <a:schemeClr val="dk1"/>
-                  </a:solidFill>
-                  <a:latin typeface="+mn-lt"/>
-                  <a:ea typeface="+mn-ea"/>
-                  <a:cs typeface="+mn-cs"/>
-                </a:defRPr>
-              </a:lvl4pPr>
-              <a:lvl5pPr marL="1828800" algn="l" defTabSz="914400" rtl="0" eaLnBrk="1" latinLnBrk="0" hangingPunct="1">
-                <a:defRPr sz="1800" kern="1200">
-                  <a:solidFill>
-                    <a:schemeClr val="dk1"/>
-                  </a:solidFill>
-                  <a:latin typeface="+mn-lt"/>
-                  <a:ea typeface="+mn-ea"/>
-                  <a:cs typeface="+mn-cs"/>
-                </a:defRPr>
-              </a:lvl5pPr>
-              <a:lvl6pPr marL="2286000" algn="l" defTabSz="914400" rtl="0" eaLnBrk="1" latinLnBrk="0" hangingPunct="1">
-                <a:defRPr sz="1800" kern="1200">
-                  <a:solidFill>
-                    <a:schemeClr val="dk1"/>
-                  </a:solidFill>
-                  <a:latin typeface="+mn-lt"/>
-                  <a:ea typeface="+mn-ea"/>
-                  <a:cs typeface="+mn-cs"/>
-                </a:defRPr>
-              </a:lvl6pPr>
-              <a:lvl7pPr marL="2743200" algn="l" defTabSz="914400" rtl="0" eaLnBrk="1" latinLnBrk="0" hangingPunct="1">
-                <a:defRPr sz="1800" kern="1200">
-                  <a:solidFill>
-                    <a:schemeClr val="dk1"/>
-                  </a:solidFill>
-                  <a:latin typeface="+mn-lt"/>
-                  <a:ea typeface="+mn-ea"/>
-                  <a:cs typeface="+mn-cs"/>
-                </a:defRPr>
-              </a:lvl7pPr>
-              <a:lvl8pPr marL="3200400" algn="l" defTabSz="914400" rtl="0" eaLnBrk="1" latinLnBrk="0" hangingPunct="1">
-                <a:defRPr sz="1800" kern="1200">
-                  <a:solidFill>
-                    <a:schemeClr val="dk1"/>
-                  </a:solidFill>
-                  <a:latin typeface="+mn-lt"/>
-                  <a:ea typeface="+mn-ea"/>
-                  <a:cs typeface="+mn-cs"/>
-                </a:defRPr>
-              </a:lvl8pPr>
-              <a:lvl9pPr marL="3657600" algn="l" defTabSz="914400" rtl="0" eaLnBrk="1" latinLnBrk="0" hangingPunct="1">
-                <a:defRPr sz="1800" kern="1200">
-                  <a:solidFill>
-                    <a:schemeClr val="dk1"/>
-                  </a:solidFill>
-                  <a:latin typeface="+mn-lt"/>
-                  <a:ea typeface="+mn-ea"/>
-                  <a:cs typeface="+mn-cs"/>
-                </a:defRPr>
-              </a:lvl9pPr>
-            </a:lstStyle>
-            <a:p>
-              <a:pPr algn="ctr"/>
-              <a:r>
-                <a:rPr lang="en-US" sz="1000" b="1" dirty="0" err="1">
-                  <a:solidFill>
-                    <a:srgbClr val="0070C0"/>
-                  </a:solidFill>
-                </a:rPr>
-                <a:t>SelectParser</a:t>
-              </a:r>
-              <a:endParaRPr lang="en-SG" sz="1000" b="1" dirty="0">
+            </a:endParaRPr>
+          </a:p>
+        </p:txBody>
+      </p:sp>
+      <p:sp>
+        <p:nvSpPr>
+          <p:cNvPr id="156" name="Rectangle 155"/>
+          <p:cNvSpPr/>
+          <p:nvPr/>
+        </p:nvSpPr>
+        <p:spPr>
+          <a:xfrm flipH="1">
+            <a:off x="6723321" y="4615066"/>
+            <a:ext cx="1188720" cy="228600"/>
+          </a:xfrm>
+          <a:prstGeom prst="rect">
+            <a:avLst/>
+          </a:prstGeom>
+          <a:ln w="19050">
+            <a:solidFill>
+              <a:srgbClr val="0070C0"/>
+            </a:solidFill>
+          </a:ln>
+          <a:effectLst/>
+        </p:spPr>
+        <p:style>
+          <a:lnRef idx="1">
+            <a:schemeClr val="accent1"/>
+          </a:lnRef>
+          <a:fillRef idx="2">
+            <a:schemeClr val="accent1"/>
+          </a:fillRef>
+          <a:effectRef idx="1">
+            <a:schemeClr val="accent1"/>
+          </a:effectRef>
+          <a:fontRef idx="minor">
+            <a:schemeClr val="dk1"/>
+          </a:fontRef>
+        </p:style>
+        <p:txBody>
+          <a:bodyPr rtlCol="0" anchor="ctr"/>
+          <a:lstStyle>
+            <a:defPPr>
+              <a:defRPr lang="en-US"/>
+            </a:defPPr>
+            <a:lvl1pPr marL="0" algn="l" defTabSz="914400" rtl="0" eaLnBrk="1" latinLnBrk="0" hangingPunct="1">
+              <a:defRPr sz="1800" kern="1200">
+                <a:solidFill>
+                  <a:schemeClr val="dk1"/>
+                </a:solidFill>
+                <a:latin typeface="+mn-lt"/>
+                <a:ea typeface="+mn-ea"/>
+                <a:cs typeface="+mn-cs"/>
+              </a:defRPr>
+            </a:lvl1pPr>
+            <a:lvl2pPr marL="457200" algn="l" defTabSz="914400" rtl="0" eaLnBrk="1" latinLnBrk="0" hangingPunct="1">
+              <a:defRPr sz="1800" kern="1200">
+                <a:solidFill>
+                  <a:schemeClr val="dk1"/>
+                </a:solidFill>
+                <a:latin typeface="+mn-lt"/>
+                <a:ea typeface="+mn-ea"/>
+                <a:cs typeface="+mn-cs"/>
+              </a:defRPr>
+            </a:lvl2pPr>
+            <a:lvl3pPr marL="914400" algn="l" defTabSz="914400" rtl="0" eaLnBrk="1" latinLnBrk="0" hangingPunct="1">
+              <a:defRPr sz="1800" kern="1200">
+                <a:solidFill>
+                  <a:schemeClr val="dk1"/>
+                </a:solidFill>
+                <a:latin typeface="+mn-lt"/>
+                <a:ea typeface="+mn-ea"/>
+                <a:cs typeface="+mn-cs"/>
+              </a:defRPr>
+            </a:lvl3pPr>
+            <a:lvl4pPr marL="1371600" algn="l" defTabSz="914400" rtl="0" eaLnBrk="1" latinLnBrk="0" hangingPunct="1">
+              <a:defRPr sz="1800" kern="1200">
+                <a:solidFill>
+                  <a:schemeClr val="dk1"/>
+                </a:solidFill>
+                <a:latin typeface="+mn-lt"/>
+                <a:ea typeface="+mn-ea"/>
+                <a:cs typeface="+mn-cs"/>
+              </a:defRPr>
+            </a:lvl4pPr>
+            <a:lvl5pPr marL="1828800" algn="l" defTabSz="914400" rtl="0" eaLnBrk="1" latinLnBrk="0" hangingPunct="1">
+              <a:defRPr sz="1800" kern="1200">
+                <a:solidFill>
+                  <a:schemeClr val="dk1"/>
+                </a:solidFill>
+                <a:latin typeface="+mn-lt"/>
+                <a:ea typeface="+mn-ea"/>
+                <a:cs typeface="+mn-cs"/>
+              </a:defRPr>
+            </a:lvl5pPr>
+            <a:lvl6pPr marL="2286000" algn="l" defTabSz="914400" rtl="0" eaLnBrk="1" latinLnBrk="0" hangingPunct="1">
+              <a:defRPr sz="1800" kern="1200">
+                <a:solidFill>
+                  <a:schemeClr val="dk1"/>
+                </a:solidFill>
+                <a:latin typeface="+mn-lt"/>
+                <a:ea typeface="+mn-ea"/>
+                <a:cs typeface="+mn-cs"/>
+              </a:defRPr>
+            </a:lvl6pPr>
+            <a:lvl7pPr marL="2743200" algn="l" defTabSz="914400" rtl="0" eaLnBrk="1" latinLnBrk="0" hangingPunct="1">
+              <a:defRPr sz="1800" kern="1200">
+                <a:solidFill>
+                  <a:schemeClr val="dk1"/>
+                </a:solidFill>
+                <a:latin typeface="+mn-lt"/>
+                <a:ea typeface="+mn-ea"/>
+                <a:cs typeface="+mn-cs"/>
+              </a:defRPr>
+            </a:lvl7pPr>
+            <a:lvl8pPr marL="3200400" algn="l" defTabSz="914400" rtl="0" eaLnBrk="1" latinLnBrk="0" hangingPunct="1">
+              <a:defRPr sz="1800" kern="1200">
+                <a:solidFill>
+                  <a:schemeClr val="dk1"/>
+                </a:solidFill>
+                <a:latin typeface="+mn-lt"/>
+                <a:ea typeface="+mn-ea"/>
+                <a:cs typeface="+mn-cs"/>
+              </a:defRPr>
+            </a:lvl8pPr>
+            <a:lvl9pPr marL="3657600" algn="l" defTabSz="914400" rtl="0" eaLnBrk="1" latinLnBrk="0" hangingPunct="1">
+              <a:defRPr sz="1800" kern="1200">
+                <a:solidFill>
+                  <a:schemeClr val="dk1"/>
+                </a:solidFill>
+                <a:latin typeface="+mn-lt"/>
+                <a:ea typeface="+mn-ea"/>
+                <a:cs typeface="+mn-cs"/>
+              </a:defRPr>
+            </a:lvl9pPr>
+          </a:lstStyle>
+          <a:p>
+            <a:pPr algn="ctr"/>
+            <a:r>
+              <a:rPr lang="en-US" sz="1000" b="1" dirty="0" err="1">
                 <a:solidFill>
                   <a:srgbClr val="0070C0"/>
                 </a:solidFill>
-              </a:endParaRPr>
-            </a:p>
-          </p:txBody>
-        </p:sp>
-        <p:sp>
-          <p:nvSpPr>
-            <p:cNvPr id="156" name="Rectangle 155"/>
-            <p:cNvSpPr/>
-            <p:nvPr/>
-          </p:nvSpPr>
-          <p:spPr>
-            <a:xfrm flipH="1">
-              <a:off x="6323271" y="4615066"/>
-              <a:ext cx="1188720" cy="228600"/>
-            </a:xfrm>
-            <a:prstGeom prst="rect">
-              <a:avLst/>
-            </a:prstGeom>
-            <a:ln w="19050">
+              </a:rPr>
+              <a:t>UndoParser</a:t>
+            </a:r>
+            <a:endParaRPr lang="en-SG" sz="1000" b="1" dirty="0">
               <a:solidFill>
                 <a:srgbClr val="0070C0"/>
               </a:solidFill>
-            </a:ln>
-            <a:effectLst/>
-          </p:spPr>
-          <p:style>
-            <a:lnRef idx="1">
-              <a:schemeClr val="accent1"/>
-            </a:lnRef>
-            <a:fillRef idx="2">
-              <a:schemeClr val="accent1"/>
-            </a:fillRef>
-            <a:effectRef idx="1">
-              <a:schemeClr val="accent1"/>
-            </a:effectRef>
-            <a:fontRef idx="minor">
-              <a:schemeClr val="dk1"/>
-            </a:fontRef>
-          </p:style>
-          <p:txBody>
-            <a:bodyPr rtlCol="0" anchor="ctr"/>
-            <a:lstStyle>
-              <a:defPPr>
-                <a:defRPr lang="en-US"/>
-              </a:defPPr>
-              <a:lvl1pPr marL="0" algn="l" defTabSz="914400" rtl="0" eaLnBrk="1" latinLnBrk="0" hangingPunct="1">
-                <a:defRPr sz="1800" kern="1200">
-                  <a:solidFill>
-                    <a:schemeClr val="dk1"/>
-                  </a:solidFill>
-                  <a:latin typeface="+mn-lt"/>
-                  <a:ea typeface="+mn-ea"/>
-                  <a:cs typeface="+mn-cs"/>
-                </a:defRPr>
-              </a:lvl1pPr>
-              <a:lvl2pPr marL="457200" algn="l" defTabSz="914400" rtl="0" eaLnBrk="1" latinLnBrk="0" hangingPunct="1">
-                <a:defRPr sz="1800" kern="1200">
-                  <a:solidFill>
-                    <a:schemeClr val="dk1"/>
-                  </a:solidFill>
-                  <a:latin typeface="+mn-lt"/>
-                  <a:ea typeface="+mn-ea"/>
-                  <a:cs typeface="+mn-cs"/>
-                </a:defRPr>
-              </a:lvl2pPr>
-              <a:lvl3pPr marL="914400" algn="l" defTabSz="914400" rtl="0" eaLnBrk="1" latinLnBrk="0" hangingPunct="1">
-                <a:defRPr sz="1800" kern="1200">
-                  <a:solidFill>
-                    <a:schemeClr val="dk1"/>
-                  </a:solidFill>
-                  <a:latin typeface="+mn-lt"/>
-                  <a:ea typeface="+mn-ea"/>
-                  <a:cs typeface="+mn-cs"/>
-                </a:defRPr>
-              </a:lvl3pPr>
-              <a:lvl4pPr marL="1371600" algn="l" defTabSz="914400" rtl="0" eaLnBrk="1" latinLnBrk="0" hangingPunct="1">
-                <a:defRPr sz="1800" kern="1200">
-                  <a:solidFill>
-                    <a:schemeClr val="dk1"/>
-                  </a:solidFill>
-                  <a:latin typeface="+mn-lt"/>
-                  <a:ea typeface="+mn-ea"/>
-                  <a:cs typeface="+mn-cs"/>
-                </a:defRPr>
-              </a:lvl4pPr>
-              <a:lvl5pPr marL="1828800" algn="l" defTabSz="914400" rtl="0" eaLnBrk="1" latinLnBrk="0" hangingPunct="1">
-                <a:defRPr sz="1800" kern="1200">
-                  <a:solidFill>
-                    <a:schemeClr val="dk1"/>
-                  </a:solidFill>
-                  <a:latin typeface="+mn-lt"/>
-                  <a:ea typeface="+mn-ea"/>
-                  <a:cs typeface="+mn-cs"/>
-                </a:defRPr>
-              </a:lvl5pPr>
-              <a:lvl6pPr marL="2286000" algn="l" defTabSz="914400" rtl="0" eaLnBrk="1" latinLnBrk="0" hangingPunct="1">
-                <a:defRPr sz="1800" kern="1200">
-                  <a:solidFill>
-                    <a:schemeClr val="dk1"/>
-                  </a:solidFill>
-                  <a:latin typeface="+mn-lt"/>
-                  <a:ea typeface="+mn-ea"/>
-                  <a:cs typeface="+mn-cs"/>
-                </a:defRPr>
-              </a:lvl6pPr>
-              <a:lvl7pPr marL="2743200" algn="l" defTabSz="914400" rtl="0" eaLnBrk="1" latinLnBrk="0" hangingPunct="1">
-                <a:defRPr sz="1800" kern="1200">
-                  <a:solidFill>
-                    <a:schemeClr val="dk1"/>
-                  </a:solidFill>
-                  <a:latin typeface="+mn-lt"/>
-                  <a:ea typeface="+mn-ea"/>
-                  <a:cs typeface="+mn-cs"/>
-                </a:defRPr>
-              </a:lvl7pPr>
-              <a:lvl8pPr marL="3200400" algn="l" defTabSz="914400" rtl="0" eaLnBrk="1" latinLnBrk="0" hangingPunct="1">
-                <a:defRPr sz="1800" kern="1200">
-                  <a:solidFill>
-                    <a:schemeClr val="dk1"/>
-                  </a:solidFill>
-                  <a:latin typeface="+mn-lt"/>
-                  <a:ea typeface="+mn-ea"/>
-                  <a:cs typeface="+mn-cs"/>
-                </a:defRPr>
-              </a:lvl8pPr>
-              <a:lvl9pPr marL="3657600" algn="l" defTabSz="914400" rtl="0" eaLnBrk="1" latinLnBrk="0" hangingPunct="1">
-                <a:defRPr sz="1800" kern="1200">
-                  <a:solidFill>
-                    <a:schemeClr val="dk1"/>
-                  </a:solidFill>
-                  <a:latin typeface="+mn-lt"/>
-                  <a:ea typeface="+mn-ea"/>
-                  <a:cs typeface="+mn-cs"/>
-                </a:defRPr>
-              </a:lvl9pPr>
-            </a:lstStyle>
-            <a:p>
-              <a:pPr algn="ctr"/>
-              <a:r>
-                <a:rPr lang="en-US" sz="1000" b="1" dirty="0" err="1">
-                  <a:solidFill>
-                    <a:srgbClr val="0070C0"/>
-                  </a:solidFill>
-                </a:rPr>
-                <a:t>UpdateParser</a:t>
-              </a:r>
-              <a:endParaRPr lang="en-SG" sz="1000" b="1" dirty="0">
+            </a:endParaRPr>
+          </a:p>
+        </p:txBody>
+      </p:sp>
+      <p:sp>
+        <p:nvSpPr>
+          <p:cNvPr id="157" name="Rectangle 156"/>
+          <p:cNvSpPr/>
+          <p:nvPr/>
+        </p:nvSpPr>
+        <p:spPr>
+          <a:xfrm flipH="1">
+            <a:off x="6723321" y="3895582"/>
+            <a:ext cx="1188720" cy="228600"/>
+          </a:xfrm>
+          <a:prstGeom prst="rect">
+            <a:avLst/>
+          </a:prstGeom>
+          <a:ln w="19050">
+            <a:solidFill>
+              <a:srgbClr val="0070C0"/>
+            </a:solidFill>
+          </a:ln>
+          <a:effectLst/>
+        </p:spPr>
+        <p:style>
+          <a:lnRef idx="1">
+            <a:schemeClr val="accent1"/>
+          </a:lnRef>
+          <a:fillRef idx="2">
+            <a:schemeClr val="accent1"/>
+          </a:fillRef>
+          <a:effectRef idx="1">
+            <a:schemeClr val="accent1"/>
+          </a:effectRef>
+          <a:fontRef idx="minor">
+            <a:schemeClr val="dk1"/>
+          </a:fontRef>
+        </p:style>
+        <p:txBody>
+          <a:bodyPr rtlCol="0" anchor="ctr"/>
+          <a:lstStyle>
+            <a:defPPr>
+              <a:defRPr lang="en-US"/>
+            </a:defPPr>
+            <a:lvl1pPr marL="0" algn="l" defTabSz="914400" rtl="0" eaLnBrk="1" latinLnBrk="0" hangingPunct="1">
+              <a:defRPr sz="1800" kern="1200">
+                <a:solidFill>
+                  <a:schemeClr val="dk1"/>
+                </a:solidFill>
+                <a:latin typeface="+mn-lt"/>
+                <a:ea typeface="+mn-ea"/>
+                <a:cs typeface="+mn-cs"/>
+              </a:defRPr>
+            </a:lvl1pPr>
+            <a:lvl2pPr marL="457200" algn="l" defTabSz="914400" rtl="0" eaLnBrk="1" latinLnBrk="0" hangingPunct="1">
+              <a:defRPr sz="1800" kern="1200">
+                <a:solidFill>
+                  <a:schemeClr val="dk1"/>
+                </a:solidFill>
+                <a:latin typeface="+mn-lt"/>
+                <a:ea typeface="+mn-ea"/>
+                <a:cs typeface="+mn-cs"/>
+              </a:defRPr>
+            </a:lvl2pPr>
+            <a:lvl3pPr marL="914400" algn="l" defTabSz="914400" rtl="0" eaLnBrk="1" latinLnBrk="0" hangingPunct="1">
+              <a:defRPr sz="1800" kern="1200">
+                <a:solidFill>
+                  <a:schemeClr val="dk1"/>
+                </a:solidFill>
+                <a:latin typeface="+mn-lt"/>
+                <a:ea typeface="+mn-ea"/>
+                <a:cs typeface="+mn-cs"/>
+              </a:defRPr>
+            </a:lvl3pPr>
+            <a:lvl4pPr marL="1371600" algn="l" defTabSz="914400" rtl="0" eaLnBrk="1" latinLnBrk="0" hangingPunct="1">
+              <a:defRPr sz="1800" kern="1200">
+                <a:solidFill>
+                  <a:schemeClr val="dk1"/>
+                </a:solidFill>
+                <a:latin typeface="+mn-lt"/>
+                <a:ea typeface="+mn-ea"/>
+                <a:cs typeface="+mn-cs"/>
+              </a:defRPr>
+            </a:lvl4pPr>
+            <a:lvl5pPr marL="1828800" algn="l" defTabSz="914400" rtl="0" eaLnBrk="1" latinLnBrk="0" hangingPunct="1">
+              <a:defRPr sz="1800" kern="1200">
+                <a:solidFill>
+                  <a:schemeClr val="dk1"/>
+                </a:solidFill>
+                <a:latin typeface="+mn-lt"/>
+                <a:ea typeface="+mn-ea"/>
+                <a:cs typeface="+mn-cs"/>
+              </a:defRPr>
+            </a:lvl5pPr>
+            <a:lvl6pPr marL="2286000" algn="l" defTabSz="914400" rtl="0" eaLnBrk="1" latinLnBrk="0" hangingPunct="1">
+              <a:defRPr sz="1800" kern="1200">
+                <a:solidFill>
+                  <a:schemeClr val="dk1"/>
+                </a:solidFill>
+                <a:latin typeface="+mn-lt"/>
+                <a:ea typeface="+mn-ea"/>
+                <a:cs typeface="+mn-cs"/>
+              </a:defRPr>
+            </a:lvl6pPr>
+            <a:lvl7pPr marL="2743200" algn="l" defTabSz="914400" rtl="0" eaLnBrk="1" latinLnBrk="0" hangingPunct="1">
+              <a:defRPr sz="1800" kern="1200">
+                <a:solidFill>
+                  <a:schemeClr val="dk1"/>
+                </a:solidFill>
+                <a:latin typeface="+mn-lt"/>
+                <a:ea typeface="+mn-ea"/>
+                <a:cs typeface="+mn-cs"/>
+              </a:defRPr>
+            </a:lvl7pPr>
+            <a:lvl8pPr marL="3200400" algn="l" defTabSz="914400" rtl="0" eaLnBrk="1" latinLnBrk="0" hangingPunct="1">
+              <a:defRPr sz="1800" kern="1200">
+                <a:solidFill>
+                  <a:schemeClr val="dk1"/>
+                </a:solidFill>
+                <a:latin typeface="+mn-lt"/>
+                <a:ea typeface="+mn-ea"/>
+                <a:cs typeface="+mn-cs"/>
+              </a:defRPr>
+            </a:lvl8pPr>
+            <a:lvl9pPr marL="3657600" algn="l" defTabSz="914400" rtl="0" eaLnBrk="1" latinLnBrk="0" hangingPunct="1">
+              <a:defRPr sz="1800" kern="1200">
+                <a:solidFill>
+                  <a:schemeClr val="dk1"/>
+                </a:solidFill>
+                <a:latin typeface="+mn-lt"/>
+                <a:ea typeface="+mn-ea"/>
+                <a:cs typeface="+mn-cs"/>
+              </a:defRPr>
+            </a:lvl9pPr>
+          </a:lstStyle>
+          <a:p>
+            <a:pPr algn="ctr"/>
+            <a:r>
+              <a:rPr lang="en-US" sz="1000" b="1" dirty="0" err="1">
                 <a:solidFill>
                   <a:srgbClr val="0070C0"/>
                 </a:solidFill>
-              </a:endParaRPr>
-            </a:p>
-          </p:txBody>
-        </p:sp>
-        <p:sp>
-          <p:nvSpPr>
-            <p:cNvPr id="157" name="Rectangle 156"/>
-            <p:cNvSpPr/>
-            <p:nvPr/>
-          </p:nvSpPr>
-          <p:spPr>
-            <a:xfrm flipH="1">
-              <a:off x="6323271" y="3895582"/>
-              <a:ext cx="1188720" cy="228600"/>
-            </a:xfrm>
-            <a:prstGeom prst="rect">
-              <a:avLst/>
-            </a:prstGeom>
-            <a:ln w="19050">
+              </a:rPr>
+              <a:t>CompleteParser</a:t>
+            </a:r>
+            <a:endParaRPr lang="en-SG" sz="1000" b="1" dirty="0">
               <a:solidFill>
                 <a:srgbClr val="0070C0"/>
               </a:solidFill>
-            </a:ln>
-            <a:effectLst/>
-          </p:spPr>
-          <p:style>
-            <a:lnRef idx="1">
-              <a:schemeClr val="accent1"/>
-            </a:lnRef>
-            <a:fillRef idx="2">
-              <a:schemeClr val="accent1"/>
-            </a:fillRef>
-            <a:effectRef idx="1">
-              <a:schemeClr val="accent1"/>
-            </a:effectRef>
-            <a:fontRef idx="minor">
-              <a:schemeClr val="dk1"/>
-            </a:fontRef>
-          </p:style>
-          <p:txBody>
-            <a:bodyPr rtlCol="0" anchor="ctr"/>
-            <a:lstStyle>
-              <a:defPPr>
-                <a:defRPr lang="en-US"/>
-              </a:defPPr>
-              <a:lvl1pPr marL="0" algn="l" defTabSz="914400" rtl="0" eaLnBrk="1" latinLnBrk="0" hangingPunct="1">
-                <a:defRPr sz="1800" kern="1200">
-                  <a:solidFill>
-                    <a:schemeClr val="dk1"/>
-                  </a:solidFill>
-                  <a:latin typeface="+mn-lt"/>
-                  <a:ea typeface="+mn-ea"/>
-                  <a:cs typeface="+mn-cs"/>
-                </a:defRPr>
-              </a:lvl1pPr>
-              <a:lvl2pPr marL="457200" algn="l" defTabSz="914400" rtl="0" eaLnBrk="1" latinLnBrk="0" hangingPunct="1">
-                <a:defRPr sz="1800" kern="1200">
-                  <a:solidFill>
-                    <a:schemeClr val="dk1"/>
-                  </a:solidFill>
-                  <a:latin typeface="+mn-lt"/>
-                  <a:ea typeface="+mn-ea"/>
-                  <a:cs typeface="+mn-cs"/>
-                </a:defRPr>
-              </a:lvl2pPr>
-              <a:lvl3pPr marL="914400" algn="l" defTabSz="914400" rtl="0" eaLnBrk="1" latinLnBrk="0" hangingPunct="1">
-                <a:defRPr sz="1800" kern="1200">
-                  <a:solidFill>
-                    <a:schemeClr val="dk1"/>
-                  </a:solidFill>
-                  <a:latin typeface="+mn-lt"/>
-                  <a:ea typeface="+mn-ea"/>
-                  <a:cs typeface="+mn-cs"/>
-                </a:defRPr>
-              </a:lvl3pPr>
-              <a:lvl4pPr marL="1371600" algn="l" defTabSz="914400" rtl="0" eaLnBrk="1" latinLnBrk="0" hangingPunct="1">
-                <a:defRPr sz="1800" kern="1200">
-                  <a:solidFill>
-                    <a:schemeClr val="dk1"/>
-                  </a:solidFill>
-                  <a:latin typeface="+mn-lt"/>
-                  <a:ea typeface="+mn-ea"/>
-                  <a:cs typeface="+mn-cs"/>
-                </a:defRPr>
-              </a:lvl4pPr>
-              <a:lvl5pPr marL="1828800" algn="l" defTabSz="914400" rtl="0" eaLnBrk="1" latinLnBrk="0" hangingPunct="1">
-                <a:defRPr sz="1800" kern="1200">
-                  <a:solidFill>
-                    <a:schemeClr val="dk1"/>
-                  </a:solidFill>
-                  <a:latin typeface="+mn-lt"/>
-                  <a:ea typeface="+mn-ea"/>
-                  <a:cs typeface="+mn-cs"/>
-                </a:defRPr>
-              </a:lvl5pPr>
-              <a:lvl6pPr marL="2286000" algn="l" defTabSz="914400" rtl="0" eaLnBrk="1" latinLnBrk="0" hangingPunct="1">
-                <a:defRPr sz="1800" kern="1200">
-                  <a:solidFill>
-                    <a:schemeClr val="dk1"/>
-                  </a:solidFill>
-                  <a:latin typeface="+mn-lt"/>
-                  <a:ea typeface="+mn-ea"/>
-                  <a:cs typeface="+mn-cs"/>
-                </a:defRPr>
-              </a:lvl6pPr>
-              <a:lvl7pPr marL="2743200" algn="l" defTabSz="914400" rtl="0" eaLnBrk="1" latinLnBrk="0" hangingPunct="1">
-                <a:defRPr sz="1800" kern="1200">
-                  <a:solidFill>
-                    <a:schemeClr val="dk1"/>
-                  </a:solidFill>
-                  <a:latin typeface="+mn-lt"/>
-                  <a:ea typeface="+mn-ea"/>
-                  <a:cs typeface="+mn-cs"/>
-                </a:defRPr>
-              </a:lvl7pPr>
-              <a:lvl8pPr marL="3200400" algn="l" defTabSz="914400" rtl="0" eaLnBrk="1" latinLnBrk="0" hangingPunct="1">
-                <a:defRPr sz="1800" kern="1200">
-                  <a:solidFill>
-                    <a:schemeClr val="dk1"/>
-                  </a:solidFill>
-                  <a:latin typeface="+mn-lt"/>
-                  <a:ea typeface="+mn-ea"/>
-                  <a:cs typeface="+mn-cs"/>
-                </a:defRPr>
-              </a:lvl8pPr>
-              <a:lvl9pPr marL="3657600" algn="l" defTabSz="914400" rtl="0" eaLnBrk="1" latinLnBrk="0" hangingPunct="1">
-                <a:defRPr sz="1800" kern="1200">
-                  <a:solidFill>
-                    <a:schemeClr val="dk1"/>
-                  </a:solidFill>
-                  <a:latin typeface="+mn-lt"/>
-                  <a:ea typeface="+mn-ea"/>
-                  <a:cs typeface="+mn-cs"/>
-                </a:defRPr>
-              </a:lvl9pPr>
-            </a:lstStyle>
-            <a:p>
-              <a:pPr algn="ctr"/>
-              <a:r>
-                <a:rPr lang="en-US" sz="1000" b="1" dirty="0" err="1">
-                  <a:solidFill>
-                    <a:srgbClr val="0070C0"/>
-                  </a:solidFill>
-                </a:rPr>
-                <a:t>SearchParser</a:t>
-              </a:r>
-              <a:endParaRPr lang="en-SG" sz="1000" b="1" dirty="0">
+            </a:endParaRPr>
+          </a:p>
+        </p:txBody>
+      </p:sp>
+      <p:sp>
+        <p:nvSpPr>
+          <p:cNvPr id="158" name="Rectangle 157"/>
+          <p:cNvSpPr/>
+          <p:nvPr/>
+        </p:nvSpPr>
+        <p:spPr>
+          <a:xfrm flipH="1">
+            <a:off x="6723321" y="4974808"/>
+            <a:ext cx="1188720" cy="228600"/>
+          </a:xfrm>
+          <a:prstGeom prst="rect">
+            <a:avLst/>
+          </a:prstGeom>
+          <a:ln w="19050">
+            <a:solidFill>
+              <a:srgbClr val="0070C0"/>
+            </a:solidFill>
+          </a:ln>
+          <a:effectLst/>
+        </p:spPr>
+        <p:style>
+          <a:lnRef idx="1">
+            <a:schemeClr val="accent1"/>
+          </a:lnRef>
+          <a:fillRef idx="2">
+            <a:schemeClr val="accent1"/>
+          </a:fillRef>
+          <a:effectRef idx="1">
+            <a:schemeClr val="accent1"/>
+          </a:effectRef>
+          <a:fontRef idx="minor">
+            <a:schemeClr val="dk1"/>
+          </a:fontRef>
+        </p:style>
+        <p:txBody>
+          <a:bodyPr rtlCol="0" anchor="ctr"/>
+          <a:lstStyle>
+            <a:defPPr>
+              <a:defRPr lang="en-US"/>
+            </a:defPPr>
+            <a:lvl1pPr marL="0" algn="l" defTabSz="914400" rtl="0" eaLnBrk="1" latinLnBrk="0" hangingPunct="1">
+              <a:defRPr sz="1800" kern="1200">
+                <a:solidFill>
+                  <a:schemeClr val="dk1"/>
+                </a:solidFill>
+                <a:latin typeface="+mn-lt"/>
+                <a:ea typeface="+mn-ea"/>
+                <a:cs typeface="+mn-cs"/>
+              </a:defRPr>
+            </a:lvl1pPr>
+            <a:lvl2pPr marL="457200" algn="l" defTabSz="914400" rtl="0" eaLnBrk="1" latinLnBrk="0" hangingPunct="1">
+              <a:defRPr sz="1800" kern="1200">
+                <a:solidFill>
+                  <a:schemeClr val="dk1"/>
+                </a:solidFill>
+                <a:latin typeface="+mn-lt"/>
+                <a:ea typeface="+mn-ea"/>
+                <a:cs typeface="+mn-cs"/>
+              </a:defRPr>
+            </a:lvl2pPr>
+            <a:lvl3pPr marL="914400" algn="l" defTabSz="914400" rtl="0" eaLnBrk="1" latinLnBrk="0" hangingPunct="1">
+              <a:defRPr sz="1800" kern="1200">
+                <a:solidFill>
+                  <a:schemeClr val="dk1"/>
+                </a:solidFill>
+                <a:latin typeface="+mn-lt"/>
+                <a:ea typeface="+mn-ea"/>
+                <a:cs typeface="+mn-cs"/>
+              </a:defRPr>
+            </a:lvl3pPr>
+            <a:lvl4pPr marL="1371600" algn="l" defTabSz="914400" rtl="0" eaLnBrk="1" latinLnBrk="0" hangingPunct="1">
+              <a:defRPr sz="1800" kern="1200">
+                <a:solidFill>
+                  <a:schemeClr val="dk1"/>
+                </a:solidFill>
+                <a:latin typeface="+mn-lt"/>
+                <a:ea typeface="+mn-ea"/>
+                <a:cs typeface="+mn-cs"/>
+              </a:defRPr>
+            </a:lvl4pPr>
+            <a:lvl5pPr marL="1828800" algn="l" defTabSz="914400" rtl="0" eaLnBrk="1" latinLnBrk="0" hangingPunct="1">
+              <a:defRPr sz="1800" kern="1200">
+                <a:solidFill>
+                  <a:schemeClr val="dk1"/>
+                </a:solidFill>
+                <a:latin typeface="+mn-lt"/>
+                <a:ea typeface="+mn-ea"/>
+                <a:cs typeface="+mn-cs"/>
+              </a:defRPr>
+            </a:lvl5pPr>
+            <a:lvl6pPr marL="2286000" algn="l" defTabSz="914400" rtl="0" eaLnBrk="1" latinLnBrk="0" hangingPunct="1">
+              <a:defRPr sz="1800" kern="1200">
+                <a:solidFill>
+                  <a:schemeClr val="dk1"/>
+                </a:solidFill>
+                <a:latin typeface="+mn-lt"/>
+                <a:ea typeface="+mn-ea"/>
+                <a:cs typeface="+mn-cs"/>
+              </a:defRPr>
+            </a:lvl6pPr>
+            <a:lvl7pPr marL="2743200" algn="l" defTabSz="914400" rtl="0" eaLnBrk="1" latinLnBrk="0" hangingPunct="1">
+              <a:defRPr sz="1800" kern="1200">
+                <a:solidFill>
+                  <a:schemeClr val="dk1"/>
+                </a:solidFill>
+                <a:latin typeface="+mn-lt"/>
+                <a:ea typeface="+mn-ea"/>
+                <a:cs typeface="+mn-cs"/>
+              </a:defRPr>
+            </a:lvl7pPr>
+            <a:lvl8pPr marL="3200400" algn="l" defTabSz="914400" rtl="0" eaLnBrk="1" latinLnBrk="0" hangingPunct="1">
+              <a:defRPr sz="1800" kern="1200">
+                <a:solidFill>
+                  <a:schemeClr val="dk1"/>
+                </a:solidFill>
+                <a:latin typeface="+mn-lt"/>
+                <a:ea typeface="+mn-ea"/>
+                <a:cs typeface="+mn-cs"/>
+              </a:defRPr>
+            </a:lvl8pPr>
+            <a:lvl9pPr marL="3657600" algn="l" defTabSz="914400" rtl="0" eaLnBrk="1" latinLnBrk="0" hangingPunct="1">
+              <a:defRPr sz="1800" kern="1200">
+                <a:solidFill>
+                  <a:schemeClr val="dk1"/>
+                </a:solidFill>
+                <a:latin typeface="+mn-lt"/>
+                <a:ea typeface="+mn-ea"/>
+                <a:cs typeface="+mn-cs"/>
+              </a:defRPr>
+            </a:lvl9pPr>
+          </a:lstStyle>
+          <a:p>
+            <a:pPr algn="ctr"/>
+            <a:r>
+              <a:rPr lang="en-US" sz="1000" b="1" dirty="0" err="1">
                 <a:solidFill>
                   <a:srgbClr val="0070C0"/>
                 </a:solidFill>
-              </a:endParaRPr>
-            </a:p>
-          </p:txBody>
-        </p:sp>
-        <p:sp>
-          <p:nvSpPr>
-            <p:cNvPr id="158" name="Rectangle 157"/>
-            <p:cNvSpPr/>
-            <p:nvPr/>
-          </p:nvSpPr>
-          <p:spPr>
-            <a:xfrm flipH="1">
-              <a:off x="6323271" y="4974808"/>
-              <a:ext cx="1188720" cy="228600"/>
-            </a:xfrm>
-            <a:prstGeom prst="rect">
-              <a:avLst/>
-            </a:prstGeom>
-            <a:ln w="19050">
+              </a:rPr>
+              <a:t>UnpinParser</a:t>
+            </a:r>
+            <a:endParaRPr lang="en-SG" sz="1000" b="1" dirty="0">
               <a:solidFill>
                 <a:srgbClr val="0070C0"/>
               </a:solidFill>
-            </a:ln>
-            <a:effectLst/>
-          </p:spPr>
-          <p:style>
-            <a:lnRef idx="1">
-              <a:schemeClr val="accent1"/>
-            </a:lnRef>
-            <a:fillRef idx="2">
-              <a:schemeClr val="accent1"/>
-            </a:fillRef>
-            <a:effectRef idx="1">
-              <a:schemeClr val="accent1"/>
-            </a:effectRef>
-            <a:fontRef idx="minor">
-              <a:schemeClr val="dk1"/>
-            </a:fontRef>
-          </p:style>
-          <p:txBody>
-            <a:bodyPr rtlCol="0" anchor="ctr"/>
-            <a:lstStyle>
-              <a:defPPr>
-                <a:defRPr lang="en-US"/>
-              </a:defPPr>
-              <a:lvl1pPr marL="0" algn="l" defTabSz="914400" rtl="0" eaLnBrk="1" latinLnBrk="0" hangingPunct="1">
-                <a:defRPr sz="1800" kern="1200">
-                  <a:solidFill>
-                    <a:schemeClr val="dk1"/>
-                  </a:solidFill>
-                  <a:latin typeface="+mn-lt"/>
-                  <a:ea typeface="+mn-ea"/>
-                  <a:cs typeface="+mn-cs"/>
-                </a:defRPr>
-              </a:lvl1pPr>
-              <a:lvl2pPr marL="457200" algn="l" defTabSz="914400" rtl="0" eaLnBrk="1" latinLnBrk="0" hangingPunct="1">
-                <a:defRPr sz="1800" kern="1200">
-                  <a:solidFill>
-                    <a:schemeClr val="dk1"/>
-                  </a:solidFill>
-                  <a:latin typeface="+mn-lt"/>
-                  <a:ea typeface="+mn-ea"/>
-                  <a:cs typeface="+mn-cs"/>
-                </a:defRPr>
-              </a:lvl2pPr>
-              <a:lvl3pPr marL="914400" algn="l" defTabSz="914400" rtl="0" eaLnBrk="1" latinLnBrk="0" hangingPunct="1">
-                <a:defRPr sz="1800" kern="1200">
-                  <a:solidFill>
-                    <a:schemeClr val="dk1"/>
-                  </a:solidFill>
-                  <a:latin typeface="+mn-lt"/>
-                  <a:ea typeface="+mn-ea"/>
-                  <a:cs typeface="+mn-cs"/>
-                </a:defRPr>
-              </a:lvl3pPr>
-              <a:lvl4pPr marL="1371600" algn="l" defTabSz="914400" rtl="0" eaLnBrk="1" latinLnBrk="0" hangingPunct="1">
-                <a:defRPr sz="1800" kern="1200">
-                  <a:solidFill>
-                    <a:schemeClr val="dk1"/>
-                  </a:solidFill>
-                  <a:latin typeface="+mn-lt"/>
-                  <a:ea typeface="+mn-ea"/>
-                  <a:cs typeface="+mn-cs"/>
-                </a:defRPr>
-              </a:lvl4pPr>
-              <a:lvl5pPr marL="1828800" algn="l" defTabSz="914400" rtl="0" eaLnBrk="1" latinLnBrk="0" hangingPunct="1">
-                <a:defRPr sz="1800" kern="1200">
-                  <a:solidFill>
-                    <a:schemeClr val="dk1"/>
-                  </a:solidFill>
-                  <a:latin typeface="+mn-lt"/>
-                  <a:ea typeface="+mn-ea"/>
-                  <a:cs typeface="+mn-cs"/>
-                </a:defRPr>
-              </a:lvl5pPr>
-              <a:lvl6pPr marL="2286000" algn="l" defTabSz="914400" rtl="0" eaLnBrk="1" latinLnBrk="0" hangingPunct="1">
-                <a:defRPr sz="1800" kern="1200">
-                  <a:solidFill>
-                    <a:schemeClr val="dk1"/>
-                  </a:solidFill>
-                  <a:latin typeface="+mn-lt"/>
-                  <a:ea typeface="+mn-ea"/>
-                  <a:cs typeface="+mn-cs"/>
-                </a:defRPr>
-              </a:lvl6pPr>
-              <a:lvl7pPr marL="2743200" algn="l" defTabSz="914400" rtl="0" eaLnBrk="1" latinLnBrk="0" hangingPunct="1">
-                <a:defRPr sz="1800" kern="1200">
-                  <a:solidFill>
-                    <a:schemeClr val="dk1"/>
-                  </a:solidFill>
-                  <a:latin typeface="+mn-lt"/>
-                  <a:ea typeface="+mn-ea"/>
-                  <a:cs typeface="+mn-cs"/>
-                </a:defRPr>
-              </a:lvl7pPr>
-              <a:lvl8pPr marL="3200400" algn="l" defTabSz="914400" rtl="0" eaLnBrk="1" latinLnBrk="0" hangingPunct="1">
-                <a:defRPr sz="1800" kern="1200">
-                  <a:solidFill>
-                    <a:schemeClr val="dk1"/>
-                  </a:solidFill>
-                  <a:latin typeface="+mn-lt"/>
-                  <a:ea typeface="+mn-ea"/>
-                  <a:cs typeface="+mn-cs"/>
-                </a:defRPr>
-              </a:lvl8pPr>
-              <a:lvl9pPr marL="3657600" algn="l" defTabSz="914400" rtl="0" eaLnBrk="1" latinLnBrk="0" hangingPunct="1">
-                <a:defRPr sz="1800" kern="1200">
-                  <a:solidFill>
-                    <a:schemeClr val="dk1"/>
-                  </a:solidFill>
-                  <a:latin typeface="+mn-lt"/>
-                  <a:ea typeface="+mn-ea"/>
-                  <a:cs typeface="+mn-cs"/>
-                </a:defRPr>
-              </a:lvl9pPr>
-            </a:lstStyle>
-            <a:p>
-              <a:pPr algn="ctr"/>
-              <a:r>
-                <a:rPr lang="en-US" sz="1000" b="1" dirty="0" err="1">
-                  <a:solidFill>
-                    <a:srgbClr val="0070C0"/>
-                  </a:solidFill>
-                </a:rPr>
-                <a:t>CompleteParser</a:t>
-              </a:r>
-              <a:endParaRPr lang="en-SG" sz="1000" b="1" dirty="0">
-                <a:solidFill>
-                  <a:srgbClr val="0070C0"/>
-                </a:solidFill>
-              </a:endParaRPr>
-            </a:p>
-          </p:txBody>
-        </p:sp>
-      </p:grpSp>
+            </a:endParaRPr>
+          </a:p>
+        </p:txBody>
+      </p:sp>
       <p:cxnSp>
         <p:nvCxnSpPr>
           <p:cNvPr id="164" name="Straight Arrow Connector 163"/>
@@ -12833,14 +12803,14 @@
         <p:nvCxnSpPr>
           <p:cNvPr id="232" name="Straight Connector 205"/>
           <p:cNvCxnSpPr>
-            <a:endCxn id="143" idx="3"/>
+            <a:endCxn id="122" idx="3"/>
           </p:cNvCxnSpPr>
           <p:nvPr/>
         </p:nvCxnSpPr>
         <p:spPr>
           <a:xfrm rot="16200000" flipH="1">
-            <a:off x="5707322" y="4432851"/>
-            <a:ext cx="1843154" cy="188844"/>
+            <a:off x="5535974" y="4604199"/>
+            <a:ext cx="2185850" cy="188844"/>
           </a:xfrm>
           <a:prstGeom prst="bentConnector2">
             <a:avLst/>
@@ -13028,8 +12998,8 @@
         </p:nvCxnSpPr>
         <p:spPr>
           <a:xfrm rot="10800000" flipV="1">
-            <a:off x="9097805" y="469290"/>
-            <a:ext cx="181480" cy="5318680"/>
+            <a:off x="9105143" y="469289"/>
+            <a:ext cx="174142" cy="5599589"/>
           </a:xfrm>
           <a:prstGeom prst="bentConnector2">
             <a:avLst/>
@@ -13068,7 +13038,7 @@
         </p:nvCxnSpPr>
         <p:spPr>
           <a:xfrm>
-            <a:off x="9097805" y="5773604"/>
+            <a:off x="9097805" y="6068879"/>
             <a:ext cx="181479" cy="0"/>
           </a:xfrm>
           <a:prstGeom prst="straightConnector1">
@@ -13807,6 +13777,382 @@
             <a:prstDash val="sysDot"/>
             <a:headEnd type="none" w="med" len="med"/>
             <a:tailEnd type="arrow" w="med" len="med"/>
+          </a:ln>
+          <a:effectLst/>
+        </p:spPr>
+        <p:style>
+          <a:lnRef idx="1">
+            <a:schemeClr val="accent2"/>
+          </a:lnRef>
+          <a:fillRef idx="2">
+            <a:schemeClr val="accent2"/>
+          </a:fillRef>
+          <a:effectRef idx="1">
+            <a:schemeClr val="accent2"/>
+          </a:effectRef>
+          <a:fontRef idx="minor">
+            <a:schemeClr val="dk1"/>
+          </a:fontRef>
+        </p:style>
+      </p:cxnSp>
+      <p:sp>
+        <p:nvSpPr>
+          <p:cNvPr id="120" name="Rectangle 119"/>
+          <p:cNvSpPr/>
+          <p:nvPr/>
+        </p:nvSpPr>
+        <p:spPr>
+          <a:xfrm flipH="1">
+            <a:off x="9275613" y="2124367"/>
+            <a:ext cx="1371600" cy="228600"/>
+          </a:xfrm>
+          <a:prstGeom prst="rect">
+            <a:avLst/>
+          </a:prstGeom>
+          <a:ln w="19050">
+            <a:solidFill>
+              <a:srgbClr val="0070C0"/>
+            </a:solidFill>
+          </a:ln>
+          <a:effectLst/>
+        </p:spPr>
+        <p:style>
+          <a:lnRef idx="1">
+            <a:schemeClr val="accent1"/>
+          </a:lnRef>
+          <a:fillRef idx="2">
+            <a:schemeClr val="accent1"/>
+          </a:fillRef>
+          <a:effectRef idx="1">
+            <a:schemeClr val="accent1"/>
+          </a:effectRef>
+          <a:fontRef idx="minor">
+            <a:schemeClr val="dk1"/>
+          </a:fontRef>
+        </p:style>
+        <p:txBody>
+          <a:bodyPr rtlCol="0" anchor="ctr"/>
+          <a:lstStyle>
+            <a:defPPr>
+              <a:defRPr lang="en-US"/>
+            </a:defPPr>
+            <a:lvl1pPr marL="0" algn="l" defTabSz="914400" rtl="0" eaLnBrk="1" latinLnBrk="0" hangingPunct="1">
+              <a:defRPr sz="1800" kern="1200">
+                <a:solidFill>
+                  <a:schemeClr val="dk1"/>
+                </a:solidFill>
+                <a:latin typeface="+mn-lt"/>
+                <a:ea typeface="+mn-ea"/>
+                <a:cs typeface="+mn-cs"/>
+              </a:defRPr>
+            </a:lvl1pPr>
+            <a:lvl2pPr marL="457200" algn="l" defTabSz="914400" rtl="0" eaLnBrk="1" latinLnBrk="0" hangingPunct="1">
+              <a:defRPr sz="1800" kern="1200">
+                <a:solidFill>
+                  <a:schemeClr val="dk1"/>
+                </a:solidFill>
+                <a:latin typeface="+mn-lt"/>
+                <a:ea typeface="+mn-ea"/>
+                <a:cs typeface="+mn-cs"/>
+              </a:defRPr>
+            </a:lvl2pPr>
+            <a:lvl3pPr marL="914400" algn="l" defTabSz="914400" rtl="0" eaLnBrk="1" latinLnBrk="0" hangingPunct="1">
+              <a:defRPr sz="1800" kern="1200">
+                <a:solidFill>
+                  <a:schemeClr val="dk1"/>
+                </a:solidFill>
+                <a:latin typeface="+mn-lt"/>
+                <a:ea typeface="+mn-ea"/>
+                <a:cs typeface="+mn-cs"/>
+              </a:defRPr>
+            </a:lvl3pPr>
+            <a:lvl4pPr marL="1371600" algn="l" defTabSz="914400" rtl="0" eaLnBrk="1" latinLnBrk="0" hangingPunct="1">
+              <a:defRPr sz="1800" kern="1200">
+                <a:solidFill>
+                  <a:schemeClr val="dk1"/>
+                </a:solidFill>
+                <a:latin typeface="+mn-lt"/>
+                <a:ea typeface="+mn-ea"/>
+                <a:cs typeface="+mn-cs"/>
+              </a:defRPr>
+            </a:lvl4pPr>
+            <a:lvl5pPr marL="1828800" algn="l" defTabSz="914400" rtl="0" eaLnBrk="1" latinLnBrk="0" hangingPunct="1">
+              <a:defRPr sz="1800" kern="1200">
+                <a:solidFill>
+                  <a:schemeClr val="dk1"/>
+                </a:solidFill>
+                <a:latin typeface="+mn-lt"/>
+                <a:ea typeface="+mn-ea"/>
+                <a:cs typeface="+mn-cs"/>
+              </a:defRPr>
+            </a:lvl5pPr>
+            <a:lvl6pPr marL="2286000" algn="l" defTabSz="914400" rtl="0" eaLnBrk="1" latinLnBrk="0" hangingPunct="1">
+              <a:defRPr sz="1800" kern="1200">
+                <a:solidFill>
+                  <a:schemeClr val="dk1"/>
+                </a:solidFill>
+                <a:latin typeface="+mn-lt"/>
+                <a:ea typeface="+mn-ea"/>
+                <a:cs typeface="+mn-cs"/>
+              </a:defRPr>
+            </a:lvl6pPr>
+            <a:lvl7pPr marL="2743200" algn="l" defTabSz="914400" rtl="0" eaLnBrk="1" latinLnBrk="0" hangingPunct="1">
+              <a:defRPr sz="1800" kern="1200">
+                <a:solidFill>
+                  <a:schemeClr val="dk1"/>
+                </a:solidFill>
+                <a:latin typeface="+mn-lt"/>
+                <a:ea typeface="+mn-ea"/>
+                <a:cs typeface="+mn-cs"/>
+              </a:defRPr>
+            </a:lvl7pPr>
+            <a:lvl8pPr marL="3200400" algn="l" defTabSz="914400" rtl="0" eaLnBrk="1" latinLnBrk="0" hangingPunct="1">
+              <a:defRPr sz="1800" kern="1200">
+                <a:solidFill>
+                  <a:schemeClr val="dk1"/>
+                </a:solidFill>
+                <a:latin typeface="+mn-lt"/>
+                <a:ea typeface="+mn-ea"/>
+                <a:cs typeface="+mn-cs"/>
+              </a:defRPr>
+            </a:lvl8pPr>
+            <a:lvl9pPr marL="3657600" algn="l" defTabSz="914400" rtl="0" eaLnBrk="1" latinLnBrk="0" hangingPunct="1">
+              <a:defRPr sz="1800" kern="1200">
+                <a:solidFill>
+                  <a:schemeClr val="dk1"/>
+                </a:solidFill>
+                <a:latin typeface="+mn-lt"/>
+                <a:ea typeface="+mn-ea"/>
+                <a:cs typeface="+mn-cs"/>
+              </a:defRPr>
+            </a:lvl9pPr>
+          </a:lstStyle>
+          <a:p>
+            <a:pPr algn="ctr"/>
+            <a:r>
+              <a:rPr lang="en-US" sz="1000" b="1" dirty="0" err="1">
+                <a:solidFill>
+                  <a:srgbClr val="0070C0"/>
+                </a:solidFill>
+              </a:rPr>
+              <a:t>FindTagCommand</a:t>
+            </a:r>
+            <a:endParaRPr lang="en-SG" sz="1000" b="1" dirty="0">
+              <a:solidFill>
+                <a:srgbClr val="0070C0"/>
+              </a:solidFill>
+            </a:endParaRPr>
+          </a:p>
+        </p:txBody>
+      </p:sp>
+      <p:sp>
+        <p:nvSpPr>
+          <p:cNvPr id="122" name="Rectangle 121"/>
+          <p:cNvSpPr/>
+          <p:nvPr/>
+        </p:nvSpPr>
+        <p:spPr>
+          <a:xfrm flipH="1">
+            <a:off x="6723321" y="5677246"/>
+            <a:ext cx="1188720" cy="228600"/>
+          </a:xfrm>
+          <a:prstGeom prst="rect">
+            <a:avLst/>
+          </a:prstGeom>
+          <a:ln w="19050">
+            <a:solidFill>
+              <a:srgbClr val="0070C0"/>
+            </a:solidFill>
+          </a:ln>
+          <a:effectLst/>
+        </p:spPr>
+        <p:style>
+          <a:lnRef idx="1">
+            <a:schemeClr val="accent1"/>
+          </a:lnRef>
+          <a:fillRef idx="2">
+            <a:schemeClr val="accent1"/>
+          </a:fillRef>
+          <a:effectRef idx="1">
+            <a:schemeClr val="accent1"/>
+          </a:effectRef>
+          <a:fontRef idx="minor">
+            <a:schemeClr val="dk1"/>
+          </a:fontRef>
+        </p:style>
+        <p:txBody>
+          <a:bodyPr rtlCol="0" anchor="ctr"/>
+          <a:lstStyle>
+            <a:defPPr>
+              <a:defRPr lang="en-US"/>
+            </a:defPPr>
+            <a:lvl1pPr marL="0" algn="l" defTabSz="914400" rtl="0" eaLnBrk="1" latinLnBrk="0" hangingPunct="1">
+              <a:defRPr sz="1800" kern="1200">
+                <a:solidFill>
+                  <a:schemeClr val="dk1"/>
+                </a:solidFill>
+                <a:latin typeface="+mn-lt"/>
+                <a:ea typeface="+mn-ea"/>
+                <a:cs typeface="+mn-cs"/>
+              </a:defRPr>
+            </a:lvl1pPr>
+            <a:lvl2pPr marL="457200" algn="l" defTabSz="914400" rtl="0" eaLnBrk="1" latinLnBrk="0" hangingPunct="1">
+              <a:defRPr sz="1800" kern="1200">
+                <a:solidFill>
+                  <a:schemeClr val="dk1"/>
+                </a:solidFill>
+                <a:latin typeface="+mn-lt"/>
+                <a:ea typeface="+mn-ea"/>
+                <a:cs typeface="+mn-cs"/>
+              </a:defRPr>
+            </a:lvl2pPr>
+            <a:lvl3pPr marL="914400" algn="l" defTabSz="914400" rtl="0" eaLnBrk="1" latinLnBrk="0" hangingPunct="1">
+              <a:defRPr sz="1800" kern="1200">
+                <a:solidFill>
+                  <a:schemeClr val="dk1"/>
+                </a:solidFill>
+                <a:latin typeface="+mn-lt"/>
+                <a:ea typeface="+mn-ea"/>
+                <a:cs typeface="+mn-cs"/>
+              </a:defRPr>
+            </a:lvl3pPr>
+            <a:lvl4pPr marL="1371600" algn="l" defTabSz="914400" rtl="0" eaLnBrk="1" latinLnBrk="0" hangingPunct="1">
+              <a:defRPr sz="1800" kern="1200">
+                <a:solidFill>
+                  <a:schemeClr val="dk1"/>
+                </a:solidFill>
+                <a:latin typeface="+mn-lt"/>
+                <a:ea typeface="+mn-ea"/>
+                <a:cs typeface="+mn-cs"/>
+              </a:defRPr>
+            </a:lvl4pPr>
+            <a:lvl5pPr marL="1828800" algn="l" defTabSz="914400" rtl="0" eaLnBrk="1" latinLnBrk="0" hangingPunct="1">
+              <a:defRPr sz="1800" kern="1200">
+                <a:solidFill>
+                  <a:schemeClr val="dk1"/>
+                </a:solidFill>
+                <a:latin typeface="+mn-lt"/>
+                <a:ea typeface="+mn-ea"/>
+                <a:cs typeface="+mn-cs"/>
+              </a:defRPr>
+            </a:lvl5pPr>
+            <a:lvl6pPr marL="2286000" algn="l" defTabSz="914400" rtl="0" eaLnBrk="1" latinLnBrk="0" hangingPunct="1">
+              <a:defRPr sz="1800" kern="1200">
+                <a:solidFill>
+                  <a:schemeClr val="dk1"/>
+                </a:solidFill>
+                <a:latin typeface="+mn-lt"/>
+                <a:ea typeface="+mn-ea"/>
+                <a:cs typeface="+mn-cs"/>
+              </a:defRPr>
+            </a:lvl6pPr>
+            <a:lvl7pPr marL="2743200" algn="l" defTabSz="914400" rtl="0" eaLnBrk="1" latinLnBrk="0" hangingPunct="1">
+              <a:defRPr sz="1800" kern="1200">
+                <a:solidFill>
+                  <a:schemeClr val="dk1"/>
+                </a:solidFill>
+                <a:latin typeface="+mn-lt"/>
+                <a:ea typeface="+mn-ea"/>
+                <a:cs typeface="+mn-cs"/>
+              </a:defRPr>
+            </a:lvl7pPr>
+            <a:lvl8pPr marL="3200400" algn="l" defTabSz="914400" rtl="0" eaLnBrk="1" latinLnBrk="0" hangingPunct="1">
+              <a:defRPr sz="1800" kern="1200">
+                <a:solidFill>
+                  <a:schemeClr val="dk1"/>
+                </a:solidFill>
+                <a:latin typeface="+mn-lt"/>
+                <a:ea typeface="+mn-ea"/>
+                <a:cs typeface="+mn-cs"/>
+              </a:defRPr>
+            </a:lvl8pPr>
+            <a:lvl9pPr marL="3657600" algn="l" defTabSz="914400" rtl="0" eaLnBrk="1" latinLnBrk="0" hangingPunct="1">
+              <a:defRPr sz="1800" kern="1200">
+                <a:solidFill>
+                  <a:schemeClr val="dk1"/>
+                </a:solidFill>
+                <a:latin typeface="+mn-lt"/>
+                <a:ea typeface="+mn-ea"/>
+                <a:cs typeface="+mn-cs"/>
+              </a:defRPr>
+            </a:lvl9pPr>
+          </a:lstStyle>
+          <a:p>
+            <a:pPr algn="ctr"/>
+            <a:r>
+              <a:rPr lang="en-US" sz="1000" b="1" dirty="0" err="1">
+                <a:solidFill>
+                  <a:srgbClr val="0070C0"/>
+                </a:solidFill>
+              </a:rPr>
+              <a:t>ExitParser</a:t>
+            </a:r>
+            <a:endParaRPr lang="en-SG" sz="1000" b="1" dirty="0">
+              <a:solidFill>
+                <a:srgbClr val="0070C0"/>
+              </a:solidFill>
+            </a:endParaRPr>
+          </a:p>
+        </p:txBody>
+      </p:sp>
+      <p:cxnSp>
+        <p:nvCxnSpPr>
+          <p:cNvPr id="124" name="Elbow Connector 58"/>
+          <p:cNvCxnSpPr/>
+          <p:nvPr/>
+        </p:nvCxnSpPr>
+        <p:spPr>
+          <a:xfrm>
+            <a:off x="6527022" y="5461806"/>
+            <a:ext cx="202975" cy="159"/>
+          </a:xfrm>
+          <a:prstGeom prst="straightConnector1">
+            <a:avLst/>
+          </a:prstGeom>
+          <a:ln w="19050">
+            <a:solidFill>
+              <a:srgbClr val="0070C0"/>
+            </a:solidFill>
+            <a:headEnd type="none" w="med" len="med"/>
+            <a:tailEnd type="none" w="med" len="med"/>
+          </a:ln>
+          <a:effectLst/>
+        </p:spPr>
+        <p:style>
+          <a:lnRef idx="1">
+            <a:schemeClr val="accent2"/>
+          </a:lnRef>
+          <a:fillRef idx="2">
+            <a:schemeClr val="accent2"/>
+          </a:fillRef>
+          <a:effectRef idx="1">
+            <a:schemeClr val="accent2"/>
+          </a:effectRef>
+          <a:fontRef idx="minor">
+            <a:schemeClr val="dk1"/>
+          </a:fontRef>
+        </p:style>
+      </p:cxnSp>
+      <p:cxnSp>
+        <p:nvCxnSpPr>
+          <p:cNvPr id="129" name="Elbow Connector 58"/>
+          <p:cNvCxnSpPr/>
+          <p:nvPr/>
+        </p:nvCxnSpPr>
+        <p:spPr>
+          <a:xfrm>
+            <a:off x="9105143" y="5787970"/>
+            <a:ext cx="181479" cy="0"/>
+          </a:xfrm>
+          <a:prstGeom prst="straightConnector1">
+            <a:avLst/>
+          </a:prstGeom>
+          <a:ln w="19050">
+            <a:solidFill>
+              <a:srgbClr val="0070C0"/>
+            </a:solidFill>
+            <a:headEnd type="none" w="med" len="med"/>
+            <a:tailEnd type="none" w="med" len="med"/>
           </a:ln>
           <a:effectLst/>
         </p:spPr>
